--- a/doc/3_ 설계서/Class Design.pptx
+++ b/doc/3_ 설계서/Class Design.pptx
@@ -5,17 +5,21 @@
     <p:sldMasterId id="2147483655" r:id="rId1"/>
   </p:sldMasterIdLst>
   <p:notesMasterIdLst>
-    <p:notesMasterId r:id="rId7"/>
+    <p:notesMasterId r:id="rId11"/>
   </p:notesMasterIdLst>
   <p:handoutMasterIdLst>
-    <p:handoutMasterId r:id="rId8"/>
+    <p:handoutMasterId r:id="rId12"/>
   </p:handoutMasterIdLst>
   <p:sldIdLst>
     <p:sldId id="256" r:id="rId2"/>
     <p:sldId id="257" r:id="rId3"/>
-    <p:sldId id="258" r:id="rId4"/>
-    <p:sldId id="259" r:id="rId5"/>
-    <p:sldId id="260" r:id="rId6"/>
+    <p:sldId id="261" r:id="rId4"/>
+    <p:sldId id="262" r:id="rId5"/>
+    <p:sldId id="263" r:id="rId6"/>
+    <p:sldId id="264" r:id="rId7"/>
+    <p:sldId id="258" r:id="rId8"/>
+    <p:sldId id="259" r:id="rId9"/>
+    <p:sldId id="260" r:id="rId10"/>
   </p:sldIdLst>
   <p:sldSz cx="9144000" cy="6858000" type="screen4x3"/>
   <p:notesSz cx="6797675" cy="9928225"/>
@@ -364,7 +368,7 @@
     </p:spTree>
     <p:extLst>
       <p:ext uri="{BB962C8B-B14F-4D97-AF65-F5344CB8AC3E}">
-        <p14:creationId xmlns:p14="http://schemas.microsoft.com/office/powerpoint/2010/main" xmlns="" val="508471591"/>
+        <p14:creationId xmlns="" xmlns:p14="http://schemas.microsoft.com/office/powerpoint/2010/main" val="508471591"/>
       </p:ext>
     </p:extLst>
   </p:cSld>
@@ -690,7 +694,7 @@
     </p:spTree>
     <p:extLst>
       <p:ext uri="{BB962C8B-B14F-4D97-AF65-F5344CB8AC3E}">
-        <p14:creationId xmlns:p14="http://schemas.microsoft.com/office/powerpoint/2010/main" xmlns="" val="860101577"/>
+        <p14:creationId xmlns="" xmlns:p14="http://schemas.microsoft.com/office/powerpoint/2010/main" val="860101577"/>
       </p:ext>
     </p:extLst>
   </p:cSld>
@@ -1078,7 +1082,7 @@
           <p:nvPr userDrawn="1">
             <p:extLst>
               <p:ext uri="{D42A27DB-BD31-4B8C-83A1-F6EECF244321}">
-                <p14:modId xmlns:p14="http://schemas.microsoft.com/office/powerpoint/2010/main" xmlns="" val="3385421182"/>
+                <p14:modId xmlns="" xmlns:p14="http://schemas.microsoft.com/office/powerpoint/2010/main" val="3385421182"/>
               </p:ext>
             </p:extLst>
           </p:nvPr>
@@ -3094,14 +3098,14 @@
             <p:ph idx="1"/>
             <p:extLst>
               <p:ext uri="{D42A27DB-BD31-4B8C-83A1-F6EECF244321}">
-                <p14:modId xmlns:p14="http://schemas.microsoft.com/office/powerpoint/2010/main" xmlns="" val="3721839066"/>
+                <p14:modId xmlns="" xmlns:p14="http://schemas.microsoft.com/office/powerpoint/2010/main" val="3721839066"/>
               </p:ext>
             </p:extLst>
           </p:nvPr>
         </p:nvGraphicFramePr>
         <p:xfrm>
           <a:off x="280988" y="1025525"/>
-          <a:ext cx="8582024" cy="3053080"/>
+          <a:ext cx="8582024" cy="3139440"/>
         </p:xfrm>
         <a:graphic>
           <a:graphicData uri="http://schemas.openxmlformats.org/drawingml/2006/table">
@@ -3400,6 +3404,16 @@
                     <a:lstStyle/>
                     <a:p>
                       <a:pPr algn="ctr" latinLnBrk="1"/>
+                      <a:r>
+                        <a:rPr lang="en-US" altLang="ko-KR" sz="1200" b="0" dirty="0" smtClean="0">
+                          <a:solidFill>
+                            <a:schemeClr val="tx1"/>
+                          </a:solidFill>
+                          <a:latin typeface="맑은 고딕" pitchFamily="50" charset="-127"/>
+                          <a:ea typeface="맑은 고딕" pitchFamily="50" charset="-127"/>
+                        </a:rPr>
+                        <a:t>2017.05.17</a:t>
+                      </a:r>
                       <a:endParaRPr lang="ko-KR" altLang="en-US" sz="1200" b="0" dirty="0">
                         <a:solidFill>
                           <a:schemeClr val="tx1"/>
@@ -3421,6 +3435,16 @@
                     <a:lstStyle/>
                     <a:p>
                       <a:pPr algn="ctr" latinLnBrk="1"/>
+                      <a:r>
+                        <a:rPr lang="en-US" altLang="ko-KR" sz="1200" b="0" dirty="0" smtClean="0">
+                          <a:solidFill>
+                            <a:schemeClr val="tx1"/>
+                          </a:solidFill>
+                          <a:latin typeface="맑은 고딕" pitchFamily="50" charset="-127"/>
+                          <a:ea typeface="맑은 고딕" pitchFamily="50" charset="-127"/>
+                        </a:rPr>
+                        <a:t>02.ver</a:t>
+                      </a:r>
                       <a:endParaRPr lang="ko-KR" altLang="en-US" sz="1200" b="0" dirty="0">
                         <a:solidFill>
                           <a:schemeClr val="tx1"/>
@@ -3441,8 +3465,38 @@
                     <a:bodyPr/>
                     <a:lstStyle/>
                     <a:p>
-                      <a:pPr latinLnBrk="1"/>
-                      <a:endParaRPr lang="ko-KR" altLang="en-US" sz="1200" b="0">
+                      <a:pPr algn="ctr" latinLnBrk="1"/>
+                      <a:r>
+                        <a:rPr lang="ko-KR" altLang="en-US" sz="1200" b="0" dirty="0" smtClean="0">
+                          <a:solidFill>
+                            <a:schemeClr val="tx1"/>
+                          </a:solidFill>
+                          <a:latin typeface="맑은 고딕" pitchFamily="50" charset="-127"/>
+                          <a:ea typeface="맑은 고딕" pitchFamily="50" charset="-127"/>
+                        </a:rPr>
+                        <a:t>수강 과목에 대한</a:t>
+                      </a:r>
+                      <a:endParaRPr lang="en-US" altLang="ko-KR" sz="1200" b="0" dirty="0" smtClean="0">
+                        <a:solidFill>
+                          <a:schemeClr val="tx1"/>
+                        </a:solidFill>
+                        <a:latin typeface="맑은 고딕" pitchFamily="50" charset="-127"/>
+                        <a:ea typeface="맑은 고딕" pitchFamily="50" charset="-127"/>
+                      </a:endParaRPr>
+                    </a:p>
+                    <a:p>
+                      <a:pPr algn="ctr" latinLnBrk="1"/>
+                      <a:r>
+                        <a:rPr lang="ko-KR" altLang="en-US" sz="1200" b="0" dirty="0" smtClean="0">
+                          <a:solidFill>
+                            <a:schemeClr val="tx1"/>
+                          </a:solidFill>
+                          <a:latin typeface="맑은 고딕" pitchFamily="50" charset="-127"/>
+                          <a:ea typeface="맑은 고딕" pitchFamily="50" charset="-127"/>
+                        </a:rPr>
+                        <a:t>클래스 초안 작성</a:t>
+                      </a:r>
+                      <a:endParaRPr lang="ko-KR" altLang="en-US" sz="1200" b="0" dirty="0">
                         <a:solidFill>
                           <a:schemeClr val="tx1"/>
                         </a:solidFill>
@@ -3463,6 +3517,16 @@
                     <a:lstStyle/>
                     <a:p>
                       <a:pPr algn="ctr" latinLnBrk="1"/>
+                      <a:r>
+                        <a:rPr lang="ko-KR" altLang="en-US" sz="1200" b="0" dirty="0" smtClean="0">
+                          <a:solidFill>
+                            <a:schemeClr val="tx1"/>
+                          </a:solidFill>
+                          <a:latin typeface="맑은 고딕" pitchFamily="50" charset="-127"/>
+                          <a:ea typeface="맑은 고딕" pitchFamily="50" charset="-127"/>
+                        </a:rPr>
+                        <a:t>김주현</a:t>
+                      </a:r>
                       <a:endParaRPr lang="ko-KR" altLang="en-US" sz="1200" b="0" dirty="0">
                         <a:solidFill>
                           <a:schemeClr val="tx1"/>
@@ -3922,6 +3986,7288 @@
 </file>
 
 <file path=ppt/slides/slide3.xml><?xml version="1.0" encoding="utf-8"?>
+<p:sld xmlns:a="http://schemas.openxmlformats.org/drawingml/2006/main" xmlns:r="http://schemas.openxmlformats.org/officeDocument/2006/relationships" xmlns:p="http://schemas.openxmlformats.org/presentationml/2006/main">
+  <p:cSld>
+    <p:spTree>
+      <p:nvGrpSpPr>
+        <p:cNvPr id="1" name=""/>
+        <p:cNvGrpSpPr/>
+        <p:nvPr/>
+      </p:nvGrpSpPr>
+      <p:grpSpPr>
+        <a:xfrm>
+          <a:off x="0" y="0"/>
+          <a:ext cx="0" cy="0"/>
+          <a:chOff x="0" y="0"/>
+          <a:chExt cx="0" cy="0"/>
+        </a:xfrm>
+      </p:grpSpPr>
+      <p:sp>
+        <p:nvSpPr>
+          <p:cNvPr id="2" name="바닥글 개체 틀 1"/>
+          <p:cNvSpPr>
+            <a:spLocks noGrp="1"/>
+          </p:cNvSpPr>
+          <p:nvPr>
+            <p:ph type="ftr" sz="quarter" idx="3"/>
+          </p:nvPr>
+        </p:nvSpPr>
+        <p:spPr/>
+        <p:txBody>
+          <a:bodyPr/>
+          <a:lstStyle/>
+          <a:p>
+            <a:pPr algn="r"/>
+            <a:r>
+              <a:rPr lang="ko-KR" altLang="en-US" dirty="0" smtClean="0"/>
+              <a:t>팀 명</a:t>
+            </a:r>
+            <a:endParaRPr lang="en-US" altLang="ko-KR" dirty="0"/>
+          </a:p>
+        </p:txBody>
+      </p:sp>
+      <p:graphicFrame>
+        <p:nvGraphicFramePr>
+          <p:cNvPr id="8" name="표 7"/>
+          <p:cNvGraphicFramePr>
+            <a:graphicFrameLocks noGrp="1"/>
+          </p:cNvGraphicFramePr>
+          <p:nvPr/>
+        </p:nvGraphicFramePr>
+        <p:xfrm>
+          <a:off x="251520" y="914399"/>
+          <a:ext cx="5472608" cy="5346118"/>
+        </p:xfrm>
+        <a:graphic>
+          <a:graphicData uri="http://schemas.openxmlformats.org/drawingml/2006/table">
+            <a:tbl>
+              <a:tblPr firstRow="1" bandRow="1">
+                <a:tableStyleId>{5C22544A-7EE6-4342-B048-85BDC9FD1C3A}</a:tableStyleId>
+              </a:tblPr>
+              <a:tblGrid>
+                <a:gridCol w="5472608"/>
+              </a:tblGrid>
+              <a:tr h="538008">
+                <a:tc>
+                  <a:txBody>
+                    <a:bodyPr/>
+                    <a:lstStyle/>
+                    <a:p>
+                      <a:pPr marL="0" marR="0" indent="0" algn="l" defTabSz="914400" rtl="0" eaLnBrk="1" fontAlgn="auto" latinLnBrk="1" hangingPunct="1">
+                        <a:lnSpc>
+                          <a:spcPct val="100000"/>
+                        </a:lnSpc>
+                        <a:spcBef>
+                          <a:spcPts val="0"/>
+                        </a:spcBef>
+                        <a:spcAft>
+                          <a:spcPts val="0"/>
+                        </a:spcAft>
+                        <a:buClrTx/>
+                        <a:buSzTx/>
+                        <a:buFontTx/>
+                        <a:buNone/>
+                        <a:tabLst/>
+                        <a:defRPr/>
+                      </a:pPr>
+                      <a:r>
+                        <a:rPr lang="en-US" altLang="ko-KR" sz="1600" b="0" kern="1200" dirty="0" err="1" smtClean="0">
+                          <a:solidFill>
+                            <a:schemeClr val="lt1"/>
+                          </a:solidFill>
+                          <a:latin typeface="+mn-lt"/>
+                          <a:ea typeface="+mn-ea"/>
+                          <a:cs typeface="+mn-cs"/>
+                        </a:rPr>
+                        <a:t>Subject_Management</a:t>
+                      </a:r>
+                      <a:r>
+                        <a:rPr lang="en-US" altLang="ko-KR" sz="1600" b="0" kern="1200" dirty="0" smtClean="0">
+                          <a:solidFill>
+                            <a:schemeClr val="lt1"/>
+                          </a:solidFill>
+                          <a:latin typeface="+mn-lt"/>
+                          <a:ea typeface="+mn-ea"/>
+                          <a:cs typeface="+mn-cs"/>
+                        </a:rPr>
+                        <a:t>()</a:t>
+                      </a:r>
+                    </a:p>
+                    <a:p>
+                      <a:pPr latinLnBrk="1"/>
+                      <a:endParaRPr lang="ko-KR" altLang="en-US" sz="1800" dirty="0">
+                        <a:latin typeface="+mn-lt"/>
+                      </a:endParaRPr>
+                    </a:p>
+                  </a:txBody>
+                  <a:tcPr>
+                    <a:solidFill>
+                      <a:schemeClr val="accent1"/>
+                    </a:solidFill>
+                  </a:tcPr>
+                </a:tc>
+              </a:tr>
+              <a:tr h="3966121">
+                <a:tc>
+                  <a:txBody>
+                    <a:bodyPr/>
+                    <a:lstStyle/>
+                    <a:p>
+                      <a:r>
+                        <a:rPr lang="en-US" altLang="ko-KR" sz="1200" kern="1200" dirty="0" smtClean="0">
+                          <a:solidFill>
+                            <a:schemeClr val="dk1"/>
+                          </a:solidFill>
+                          <a:latin typeface="+mn-lt"/>
+                          <a:ea typeface="+mn-ea"/>
+                          <a:cs typeface="+mn-cs"/>
+                        </a:rPr>
+                        <a:t>public final static String </a:t>
+                      </a:r>
+                      <a:r>
+                        <a:rPr lang="en-US" altLang="ko-KR" sz="1200" kern="1200" dirty="0" err="1" smtClean="0">
+                          <a:solidFill>
+                            <a:schemeClr val="dk1"/>
+                          </a:solidFill>
+                          <a:latin typeface="+mn-lt"/>
+                          <a:ea typeface="+mn-ea"/>
+                          <a:cs typeface="+mn-cs"/>
+                        </a:rPr>
+                        <a:t>Add_Subject</a:t>
+                      </a:r>
+                      <a:r>
+                        <a:rPr lang="en-US" altLang="ko-KR" sz="1200" kern="1200" dirty="0" smtClean="0">
+                          <a:solidFill>
+                            <a:schemeClr val="dk1"/>
+                          </a:solidFill>
+                          <a:latin typeface="+mn-lt"/>
+                          <a:ea typeface="+mn-ea"/>
+                          <a:cs typeface="+mn-cs"/>
+                        </a:rPr>
+                        <a:t>;</a:t>
+                      </a:r>
+                    </a:p>
+                    <a:p>
+                      <a:r>
+                        <a:rPr lang="en-US" altLang="ko-KR" sz="1200" kern="1200" dirty="0" smtClean="0">
+                          <a:solidFill>
+                            <a:schemeClr val="dk1"/>
+                          </a:solidFill>
+                          <a:latin typeface="+mn-lt"/>
+                          <a:ea typeface="+mn-ea"/>
+                          <a:cs typeface="+mn-cs"/>
+                        </a:rPr>
+                        <a:t>public final static String </a:t>
+                      </a:r>
+                      <a:r>
+                        <a:rPr lang="en-US" altLang="ko-KR" sz="1200" kern="1200" dirty="0" err="1" smtClean="0">
+                          <a:solidFill>
+                            <a:schemeClr val="dk1"/>
+                          </a:solidFill>
+                          <a:latin typeface="+mn-lt"/>
+                          <a:ea typeface="+mn-ea"/>
+                          <a:cs typeface="+mn-cs"/>
+                        </a:rPr>
+                        <a:t>Change_Subject</a:t>
+                      </a:r>
+                      <a:r>
+                        <a:rPr lang="en-US" altLang="ko-KR" sz="1200" kern="1200" dirty="0" smtClean="0">
+                          <a:solidFill>
+                            <a:schemeClr val="dk1"/>
+                          </a:solidFill>
+                          <a:latin typeface="+mn-lt"/>
+                          <a:ea typeface="+mn-ea"/>
+                          <a:cs typeface="+mn-cs"/>
+                        </a:rPr>
+                        <a:t>;</a:t>
+                      </a:r>
+                    </a:p>
+                    <a:p>
+                      <a:r>
+                        <a:rPr lang="en-US" altLang="ko-KR" sz="1200" kern="1200" dirty="0" smtClean="0">
+                          <a:solidFill>
+                            <a:schemeClr val="dk1"/>
+                          </a:solidFill>
+                          <a:latin typeface="+mn-lt"/>
+                          <a:ea typeface="+mn-ea"/>
+                          <a:cs typeface="+mn-cs"/>
+                        </a:rPr>
+                        <a:t>public final static String </a:t>
+                      </a:r>
+                      <a:r>
+                        <a:rPr lang="en-US" altLang="ko-KR" sz="1200" kern="1200" dirty="0" err="1" smtClean="0">
+                          <a:solidFill>
+                            <a:schemeClr val="dk1"/>
+                          </a:solidFill>
+                          <a:latin typeface="+mn-lt"/>
+                          <a:ea typeface="+mn-ea"/>
+                          <a:cs typeface="+mn-cs"/>
+                        </a:rPr>
+                        <a:t>Del_Subject</a:t>
+                      </a:r>
+                      <a:r>
+                        <a:rPr lang="en-US" altLang="ko-KR" sz="1200" kern="1200" dirty="0" smtClean="0">
+                          <a:solidFill>
+                            <a:schemeClr val="dk1"/>
+                          </a:solidFill>
+                          <a:latin typeface="+mn-lt"/>
+                          <a:ea typeface="+mn-ea"/>
+                          <a:cs typeface="+mn-cs"/>
+                        </a:rPr>
+                        <a:t>;</a:t>
+                      </a:r>
+                    </a:p>
+                    <a:p>
+                      <a:r>
+                        <a:rPr lang="en-US" altLang="ko-KR" sz="1200" kern="1200" dirty="0" smtClean="0">
+                          <a:solidFill>
+                            <a:schemeClr val="dk1"/>
+                          </a:solidFill>
+                          <a:latin typeface="+mn-lt"/>
+                          <a:ea typeface="+mn-ea"/>
+                          <a:cs typeface="+mn-cs"/>
+                        </a:rPr>
+                        <a:t>public final static String </a:t>
+                      </a:r>
+                      <a:r>
+                        <a:rPr lang="en-US" altLang="ko-KR" sz="1200" kern="1200" dirty="0" err="1" smtClean="0">
+                          <a:solidFill>
+                            <a:schemeClr val="dk1"/>
+                          </a:solidFill>
+                          <a:latin typeface="+mn-lt"/>
+                          <a:ea typeface="+mn-ea"/>
+                          <a:cs typeface="+mn-cs"/>
+                        </a:rPr>
+                        <a:t>Sort_Subject</a:t>
+                      </a:r>
+                      <a:r>
+                        <a:rPr lang="en-US" altLang="ko-KR" sz="1200" kern="1200" dirty="0" smtClean="0">
+                          <a:solidFill>
+                            <a:schemeClr val="dk1"/>
+                          </a:solidFill>
+                          <a:latin typeface="+mn-lt"/>
+                          <a:ea typeface="+mn-ea"/>
+                          <a:cs typeface="+mn-cs"/>
+                        </a:rPr>
+                        <a:t>;</a:t>
+                      </a:r>
+                    </a:p>
+                    <a:p>
+                      <a:endParaRPr lang="en-US" altLang="ko-KR" sz="1200" kern="1200" dirty="0" smtClean="0">
+                        <a:solidFill>
+                          <a:schemeClr val="dk1"/>
+                        </a:solidFill>
+                        <a:latin typeface="+mn-lt"/>
+                        <a:ea typeface="+mn-ea"/>
+                        <a:cs typeface="+mn-cs"/>
+                      </a:endParaRPr>
+                    </a:p>
+                    <a:p>
+                      <a:r>
+                        <a:rPr lang="en-US" altLang="ko-KR" sz="1200" kern="1200" dirty="0" smtClean="0">
+                          <a:solidFill>
+                            <a:schemeClr val="dk1"/>
+                          </a:solidFill>
+                          <a:latin typeface="+mn-lt"/>
+                          <a:ea typeface="+mn-ea"/>
+                          <a:cs typeface="+mn-cs"/>
+                        </a:rPr>
+                        <a:t>public </a:t>
+                      </a:r>
+                      <a:r>
+                        <a:rPr lang="en-US" altLang="ko-KR" sz="1200" kern="1200" dirty="0" err="1" smtClean="0">
+                          <a:solidFill>
+                            <a:schemeClr val="dk1"/>
+                          </a:solidFill>
+                          <a:latin typeface="+mn-lt"/>
+                          <a:ea typeface="+mn-ea"/>
+                          <a:cs typeface="+mn-cs"/>
+                        </a:rPr>
+                        <a:t>Add_Subject</a:t>
+                      </a:r>
+                      <a:r>
+                        <a:rPr lang="en-US" altLang="ko-KR" sz="1200" kern="1200" dirty="0" smtClean="0">
+                          <a:solidFill>
+                            <a:schemeClr val="dk1"/>
+                          </a:solidFill>
+                          <a:latin typeface="+mn-lt"/>
+                          <a:ea typeface="+mn-ea"/>
+                          <a:cs typeface="+mn-cs"/>
+                        </a:rPr>
+                        <a:t> </a:t>
+                      </a:r>
+                      <a:r>
+                        <a:rPr lang="en-US" altLang="ko-KR" sz="1200" kern="1200" dirty="0" err="1" smtClean="0">
+                          <a:solidFill>
+                            <a:schemeClr val="dk1"/>
+                          </a:solidFill>
+                          <a:latin typeface="+mn-lt"/>
+                          <a:ea typeface="+mn-ea"/>
+                          <a:cs typeface="+mn-cs"/>
+                        </a:rPr>
+                        <a:t>Add_Subject_Class</a:t>
+                      </a:r>
+                      <a:r>
+                        <a:rPr lang="en-US" altLang="ko-KR" sz="1200" kern="1200" dirty="0" smtClean="0">
+                          <a:solidFill>
+                            <a:schemeClr val="dk1"/>
+                          </a:solidFill>
+                          <a:latin typeface="+mn-lt"/>
+                          <a:ea typeface="+mn-ea"/>
+                          <a:cs typeface="+mn-cs"/>
+                        </a:rPr>
+                        <a:t>;</a:t>
+                      </a:r>
+                    </a:p>
+                    <a:p>
+                      <a:r>
+                        <a:rPr lang="en-US" altLang="ko-KR" sz="1200" kern="1200" dirty="0" smtClean="0">
+                          <a:solidFill>
+                            <a:schemeClr val="dk1"/>
+                          </a:solidFill>
+                          <a:latin typeface="+mn-lt"/>
+                          <a:ea typeface="+mn-ea"/>
+                          <a:cs typeface="+mn-cs"/>
+                        </a:rPr>
+                        <a:t>public </a:t>
+                      </a:r>
+                      <a:r>
+                        <a:rPr lang="en-US" altLang="ko-KR" sz="1200" kern="1200" dirty="0" err="1" smtClean="0">
+                          <a:solidFill>
+                            <a:schemeClr val="dk1"/>
+                          </a:solidFill>
+                          <a:latin typeface="+mn-lt"/>
+                          <a:ea typeface="+mn-ea"/>
+                          <a:cs typeface="+mn-cs"/>
+                        </a:rPr>
+                        <a:t>Change_Subject</a:t>
+                      </a:r>
+                      <a:r>
+                        <a:rPr lang="en-US" altLang="ko-KR" sz="1200" kern="1200" dirty="0" smtClean="0">
+                          <a:solidFill>
+                            <a:schemeClr val="dk1"/>
+                          </a:solidFill>
+                          <a:latin typeface="+mn-lt"/>
+                          <a:ea typeface="+mn-ea"/>
+                          <a:cs typeface="+mn-cs"/>
+                        </a:rPr>
+                        <a:t> </a:t>
+                      </a:r>
+                      <a:r>
+                        <a:rPr lang="en-US" altLang="ko-KR" sz="1200" kern="1200" dirty="0" err="1" smtClean="0">
+                          <a:solidFill>
+                            <a:schemeClr val="dk1"/>
+                          </a:solidFill>
+                          <a:latin typeface="+mn-lt"/>
+                          <a:ea typeface="+mn-ea"/>
+                          <a:cs typeface="+mn-cs"/>
+                        </a:rPr>
+                        <a:t>Change_Subject_Class</a:t>
+                      </a:r>
+                      <a:r>
+                        <a:rPr lang="en-US" altLang="ko-KR" sz="1200" kern="1200" dirty="0" smtClean="0">
+                          <a:solidFill>
+                            <a:schemeClr val="dk1"/>
+                          </a:solidFill>
+                          <a:latin typeface="+mn-lt"/>
+                          <a:ea typeface="+mn-ea"/>
+                          <a:cs typeface="+mn-cs"/>
+                        </a:rPr>
+                        <a:t>;</a:t>
+                      </a:r>
+                    </a:p>
+                    <a:p>
+                      <a:r>
+                        <a:rPr lang="en-US" altLang="ko-KR" sz="1200" kern="1200" dirty="0" smtClean="0">
+                          <a:solidFill>
+                            <a:schemeClr val="dk1"/>
+                          </a:solidFill>
+                          <a:latin typeface="+mn-lt"/>
+                          <a:ea typeface="+mn-ea"/>
+                          <a:cs typeface="+mn-cs"/>
+                        </a:rPr>
+                        <a:t>public </a:t>
+                      </a:r>
+                      <a:r>
+                        <a:rPr lang="en-US" altLang="ko-KR" sz="1200" kern="1200" dirty="0" err="1" smtClean="0">
+                          <a:solidFill>
+                            <a:schemeClr val="dk1"/>
+                          </a:solidFill>
+                          <a:latin typeface="+mn-lt"/>
+                          <a:ea typeface="+mn-ea"/>
+                          <a:cs typeface="+mn-cs"/>
+                        </a:rPr>
+                        <a:t>Del_Subject</a:t>
+                      </a:r>
+                      <a:r>
+                        <a:rPr lang="en-US" altLang="ko-KR" sz="1200" kern="1200" dirty="0" smtClean="0">
+                          <a:solidFill>
+                            <a:schemeClr val="dk1"/>
+                          </a:solidFill>
+                          <a:latin typeface="+mn-lt"/>
+                          <a:ea typeface="+mn-ea"/>
+                          <a:cs typeface="+mn-cs"/>
+                        </a:rPr>
+                        <a:t> </a:t>
+                      </a:r>
+                      <a:r>
+                        <a:rPr lang="en-US" altLang="ko-KR" sz="1200" kern="1200" dirty="0" err="1" smtClean="0">
+                          <a:solidFill>
+                            <a:schemeClr val="dk1"/>
+                          </a:solidFill>
+                          <a:latin typeface="+mn-lt"/>
+                          <a:ea typeface="+mn-ea"/>
+                          <a:cs typeface="+mn-cs"/>
+                        </a:rPr>
+                        <a:t>Del_Subject_Class</a:t>
+                      </a:r>
+                      <a:r>
+                        <a:rPr lang="en-US" altLang="ko-KR" sz="1200" kern="1200" dirty="0" smtClean="0">
+                          <a:solidFill>
+                            <a:schemeClr val="dk1"/>
+                          </a:solidFill>
+                          <a:latin typeface="+mn-lt"/>
+                          <a:ea typeface="+mn-ea"/>
+                          <a:cs typeface="+mn-cs"/>
+                        </a:rPr>
+                        <a:t>;</a:t>
+                      </a:r>
+                    </a:p>
+                    <a:p>
+                      <a:endParaRPr lang="en-US" altLang="ko-KR" sz="1200" kern="1200" dirty="0" smtClean="0">
+                        <a:solidFill>
+                          <a:schemeClr val="dk1"/>
+                        </a:solidFill>
+                        <a:latin typeface="+mn-lt"/>
+                        <a:ea typeface="+mn-ea"/>
+                        <a:cs typeface="+mn-cs"/>
+                      </a:endParaRPr>
+                    </a:p>
+                    <a:p>
+                      <a:r>
+                        <a:rPr lang="en-US" altLang="ko-KR" sz="1200" kern="1200" dirty="0" smtClean="0">
+                          <a:solidFill>
+                            <a:schemeClr val="dk1"/>
+                          </a:solidFill>
+                          <a:latin typeface="+mn-lt"/>
+                          <a:ea typeface="+mn-ea"/>
+                          <a:cs typeface="+mn-cs"/>
+                        </a:rPr>
+                        <a:t>private </a:t>
+                      </a:r>
+                      <a:r>
+                        <a:rPr lang="en-US" altLang="ko-KR" sz="1200" kern="1200" dirty="0" err="1" smtClean="0">
+                          <a:solidFill>
+                            <a:schemeClr val="dk1"/>
+                          </a:solidFill>
+                          <a:latin typeface="+mn-lt"/>
+                          <a:ea typeface="+mn-ea"/>
+                          <a:cs typeface="+mn-cs"/>
+                        </a:rPr>
+                        <a:t>JPanel</a:t>
+                      </a:r>
+                      <a:r>
+                        <a:rPr lang="en-US" altLang="ko-KR" sz="1200" kern="1200" dirty="0" smtClean="0">
+                          <a:solidFill>
+                            <a:schemeClr val="dk1"/>
+                          </a:solidFill>
+                          <a:latin typeface="+mn-lt"/>
+                          <a:ea typeface="+mn-ea"/>
+                          <a:cs typeface="+mn-cs"/>
+                        </a:rPr>
+                        <a:t> </a:t>
+                      </a:r>
+                      <a:r>
+                        <a:rPr lang="en-US" altLang="ko-KR" sz="1200" kern="1200" dirty="0" err="1" smtClean="0">
+                          <a:solidFill>
+                            <a:schemeClr val="dk1"/>
+                          </a:solidFill>
+                          <a:latin typeface="+mn-lt"/>
+                          <a:ea typeface="+mn-ea"/>
+                          <a:cs typeface="+mn-cs"/>
+                        </a:rPr>
+                        <a:t>content_pane</a:t>
+                      </a:r>
+                      <a:r>
+                        <a:rPr lang="en-US" altLang="ko-KR" sz="1200" kern="1200" dirty="0" smtClean="0">
+                          <a:solidFill>
+                            <a:schemeClr val="dk1"/>
+                          </a:solidFill>
+                          <a:latin typeface="+mn-lt"/>
+                          <a:ea typeface="+mn-ea"/>
+                          <a:cs typeface="+mn-cs"/>
+                        </a:rPr>
+                        <a:t>;</a:t>
+                      </a:r>
+                    </a:p>
+                    <a:p>
+                      <a:r>
+                        <a:rPr lang="en-US" altLang="ko-KR" sz="1200" kern="1200" dirty="0" smtClean="0">
+                          <a:solidFill>
+                            <a:schemeClr val="dk1"/>
+                          </a:solidFill>
+                          <a:latin typeface="+mn-lt"/>
+                          <a:ea typeface="+mn-ea"/>
+                          <a:cs typeface="+mn-cs"/>
+                        </a:rPr>
+                        <a:t>private </a:t>
+                      </a:r>
+                      <a:r>
+                        <a:rPr lang="en-US" altLang="ko-KR" sz="1200" kern="1200" dirty="0" err="1" smtClean="0">
+                          <a:solidFill>
+                            <a:schemeClr val="dk1"/>
+                          </a:solidFill>
+                          <a:latin typeface="+mn-lt"/>
+                          <a:ea typeface="+mn-ea"/>
+                          <a:cs typeface="+mn-cs"/>
+                        </a:rPr>
+                        <a:t>JScrollPane</a:t>
+                      </a:r>
+                      <a:r>
+                        <a:rPr lang="en-US" altLang="ko-KR" sz="1200" kern="1200" dirty="0" smtClean="0">
+                          <a:solidFill>
+                            <a:schemeClr val="dk1"/>
+                          </a:solidFill>
+                          <a:latin typeface="+mn-lt"/>
+                          <a:ea typeface="+mn-ea"/>
+                          <a:cs typeface="+mn-cs"/>
+                        </a:rPr>
+                        <a:t> </a:t>
+                      </a:r>
+                      <a:r>
+                        <a:rPr lang="en-US" altLang="ko-KR" sz="1200" kern="1200" dirty="0" err="1" smtClean="0">
+                          <a:solidFill>
+                            <a:schemeClr val="dk1"/>
+                          </a:solidFill>
+                          <a:latin typeface="+mn-lt"/>
+                          <a:ea typeface="+mn-ea"/>
+                          <a:cs typeface="+mn-cs"/>
+                        </a:rPr>
+                        <a:t>scroll_pane</a:t>
+                      </a:r>
+                      <a:r>
+                        <a:rPr lang="en-US" altLang="ko-KR" sz="1200" kern="1200" dirty="0" smtClean="0">
+                          <a:solidFill>
+                            <a:schemeClr val="dk1"/>
+                          </a:solidFill>
+                          <a:latin typeface="+mn-lt"/>
+                          <a:ea typeface="+mn-ea"/>
+                          <a:cs typeface="+mn-cs"/>
+                        </a:rPr>
+                        <a:t>;</a:t>
+                      </a:r>
+                    </a:p>
+                    <a:p>
+                      <a:r>
+                        <a:rPr lang="en-US" altLang="ko-KR" sz="1200" kern="1200" dirty="0" smtClean="0">
+                          <a:solidFill>
+                            <a:schemeClr val="dk1"/>
+                          </a:solidFill>
+                          <a:latin typeface="+mn-lt"/>
+                          <a:ea typeface="+mn-ea"/>
+                          <a:cs typeface="+mn-cs"/>
+                        </a:rPr>
+                        <a:t>public </a:t>
+                      </a:r>
+                      <a:r>
+                        <a:rPr lang="en-US" altLang="ko-KR" sz="1200" kern="1200" dirty="0" err="1" smtClean="0">
+                          <a:solidFill>
+                            <a:schemeClr val="dk1"/>
+                          </a:solidFill>
+                          <a:latin typeface="+mn-lt"/>
+                          <a:ea typeface="+mn-ea"/>
+                          <a:cs typeface="+mn-cs"/>
+                        </a:rPr>
+                        <a:t>JTable</a:t>
+                      </a:r>
+                      <a:r>
+                        <a:rPr lang="en-US" altLang="ko-KR" sz="1200" kern="1200" dirty="0" smtClean="0">
+                          <a:solidFill>
+                            <a:schemeClr val="dk1"/>
+                          </a:solidFill>
+                          <a:latin typeface="+mn-lt"/>
+                          <a:ea typeface="+mn-ea"/>
+                          <a:cs typeface="+mn-cs"/>
+                        </a:rPr>
+                        <a:t> table;</a:t>
+                      </a:r>
+                    </a:p>
+                    <a:p>
+                      <a:r>
+                        <a:rPr lang="en-US" altLang="ko-KR" sz="1200" kern="1200" dirty="0" smtClean="0">
+                          <a:solidFill>
+                            <a:schemeClr val="dk1"/>
+                          </a:solidFill>
+                          <a:latin typeface="+mn-lt"/>
+                          <a:ea typeface="+mn-ea"/>
+                          <a:cs typeface="+mn-cs"/>
+                        </a:rPr>
+                        <a:t>public </a:t>
+                      </a:r>
+                      <a:r>
+                        <a:rPr lang="en-US" altLang="ko-KR" sz="1200" kern="1200" dirty="0" err="1" smtClean="0">
+                          <a:solidFill>
+                            <a:schemeClr val="dk1"/>
+                          </a:solidFill>
+                          <a:latin typeface="+mn-lt"/>
+                          <a:ea typeface="+mn-ea"/>
+                          <a:cs typeface="+mn-cs"/>
+                        </a:rPr>
+                        <a:t>DefaultTableModel</a:t>
+                      </a:r>
+                      <a:r>
+                        <a:rPr lang="en-US" altLang="ko-KR" sz="1200" kern="1200" dirty="0" smtClean="0">
+                          <a:solidFill>
+                            <a:schemeClr val="dk1"/>
+                          </a:solidFill>
+                          <a:latin typeface="+mn-lt"/>
+                          <a:ea typeface="+mn-ea"/>
+                          <a:cs typeface="+mn-cs"/>
+                        </a:rPr>
+                        <a:t> model;</a:t>
+                      </a:r>
+                    </a:p>
+                    <a:p>
+                      <a:r>
+                        <a:rPr lang="en-US" altLang="ko-KR" sz="1200" kern="1200" dirty="0" smtClean="0">
+                          <a:solidFill>
+                            <a:schemeClr val="dk1"/>
+                          </a:solidFill>
+                          <a:latin typeface="+mn-lt"/>
+                          <a:ea typeface="+mn-ea"/>
+                          <a:cs typeface="+mn-cs"/>
+                        </a:rPr>
+                        <a:t>private Database </a:t>
+                      </a:r>
+                      <a:r>
+                        <a:rPr lang="en-US" altLang="ko-KR" sz="1200" kern="1200" dirty="0" err="1" smtClean="0">
+                          <a:solidFill>
+                            <a:schemeClr val="dk1"/>
+                          </a:solidFill>
+                          <a:latin typeface="+mn-lt"/>
+                          <a:ea typeface="+mn-ea"/>
+                          <a:cs typeface="+mn-cs"/>
+                        </a:rPr>
+                        <a:t>database</a:t>
+                      </a:r>
+                      <a:r>
+                        <a:rPr lang="en-US" altLang="ko-KR" sz="1200" kern="1200" dirty="0" smtClean="0">
+                          <a:solidFill>
+                            <a:schemeClr val="dk1"/>
+                          </a:solidFill>
+                          <a:latin typeface="+mn-lt"/>
+                          <a:ea typeface="+mn-ea"/>
+                          <a:cs typeface="+mn-cs"/>
+                        </a:rPr>
+                        <a:t>;</a:t>
+                      </a:r>
+                    </a:p>
+                    <a:p>
+                      <a:r>
+                        <a:rPr lang="en-US" altLang="ko-KR" sz="1200" kern="1200" dirty="0" smtClean="0">
+                          <a:solidFill>
+                            <a:schemeClr val="dk1"/>
+                          </a:solidFill>
+                          <a:latin typeface="+mn-lt"/>
+                          <a:ea typeface="+mn-ea"/>
+                          <a:cs typeface="+mn-cs"/>
+                        </a:rPr>
+                        <a:t>private </a:t>
+                      </a:r>
+                      <a:r>
+                        <a:rPr lang="en-US" altLang="ko-KR" sz="1200" kern="1200" dirty="0" err="1" smtClean="0">
+                          <a:solidFill>
+                            <a:schemeClr val="dk1"/>
+                          </a:solidFill>
+                          <a:latin typeface="+mn-lt"/>
+                          <a:ea typeface="+mn-ea"/>
+                          <a:cs typeface="+mn-cs"/>
+                        </a:rPr>
+                        <a:t>StackFrame</a:t>
+                      </a:r>
+                      <a:r>
+                        <a:rPr lang="en-US" altLang="ko-KR" sz="1200" kern="1200" dirty="0" smtClean="0">
+                          <a:solidFill>
+                            <a:schemeClr val="dk1"/>
+                          </a:solidFill>
+                          <a:latin typeface="+mn-lt"/>
+                          <a:ea typeface="+mn-ea"/>
+                          <a:cs typeface="+mn-cs"/>
+                        </a:rPr>
+                        <a:t> </a:t>
+                      </a:r>
+                      <a:r>
+                        <a:rPr lang="en-US" altLang="ko-KR" sz="1200" kern="1200" dirty="0" err="1" smtClean="0">
+                          <a:solidFill>
+                            <a:schemeClr val="dk1"/>
+                          </a:solidFill>
+                          <a:latin typeface="+mn-lt"/>
+                          <a:ea typeface="+mn-ea"/>
+                          <a:cs typeface="+mn-cs"/>
+                        </a:rPr>
+                        <a:t>stackFrame</a:t>
+                      </a:r>
+                      <a:r>
+                        <a:rPr lang="en-US" altLang="ko-KR" sz="1200" kern="1200" dirty="0" smtClean="0">
+                          <a:solidFill>
+                            <a:schemeClr val="dk1"/>
+                          </a:solidFill>
+                          <a:latin typeface="+mn-lt"/>
+                          <a:ea typeface="+mn-ea"/>
+                          <a:cs typeface="+mn-cs"/>
+                        </a:rPr>
+                        <a:t>;</a:t>
+                      </a:r>
+                    </a:p>
+                    <a:p>
+                      <a:endParaRPr lang="en-US" altLang="ko-KR" sz="1200" kern="1200" dirty="0" smtClean="0">
+                        <a:solidFill>
+                          <a:schemeClr val="dk1"/>
+                        </a:solidFill>
+                        <a:latin typeface="+mn-lt"/>
+                        <a:ea typeface="+mn-ea"/>
+                        <a:cs typeface="+mn-cs"/>
+                      </a:endParaRPr>
+                    </a:p>
+                    <a:p>
+                      <a:r>
+                        <a:rPr lang="en-US" altLang="ko-KR" sz="1200" kern="1200" dirty="0" err="1" smtClean="0">
+                          <a:solidFill>
+                            <a:schemeClr val="dk1"/>
+                          </a:solidFill>
+                          <a:latin typeface="+mn-lt"/>
+                          <a:ea typeface="+mn-ea"/>
+                          <a:cs typeface="+mn-cs"/>
+                        </a:rPr>
+                        <a:t>JButton</a:t>
+                      </a:r>
+                      <a:r>
+                        <a:rPr lang="en-US" altLang="ko-KR" sz="1200" kern="1200" dirty="0" smtClean="0">
+                          <a:solidFill>
+                            <a:schemeClr val="dk1"/>
+                          </a:solidFill>
+                          <a:latin typeface="+mn-lt"/>
+                          <a:ea typeface="+mn-ea"/>
+                          <a:cs typeface="+mn-cs"/>
+                        </a:rPr>
+                        <a:t> </a:t>
+                      </a:r>
+                      <a:r>
+                        <a:rPr lang="en-US" altLang="ko-KR" sz="1200" kern="1200" dirty="0" err="1" smtClean="0">
+                          <a:solidFill>
+                            <a:schemeClr val="dk1"/>
+                          </a:solidFill>
+                          <a:latin typeface="+mn-lt"/>
+                          <a:ea typeface="+mn-ea"/>
+                          <a:cs typeface="+mn-cs"/>
+                        </a:rPr>
+                        <a:t>button_Add_Subject</a:t>
+                      </a:r>
+                      <a:r>
+                        <a:rPr lang="en-US" altLang="ko-KR" sz="1200" kern="1200" dirty="0" smtClean="0">
+                          <a:solidFill>
+                            <a:schemeClr val="dk1"/>
+                          </a:solidFill>
+                          <a:latin typeface="+mn-lt"/>
+                          <a:ea typeface="+mn-ea"/>
+                          <a:cs typeface="+mn-cs"/>
+                        </a:rPr>
+                        <a:t>;//"+" </a:t>
+                      </a:r>
+                      <a:r>
+                        <a:rPr lang="ko-KR" altLang="en-US" sz="1200" kern="1200" dirty="0" smtClean="0">
+                          <a:solidFill>
+                            <a:schemeClr val="dk1"/>
+                          </a:solidFill>
+                          <a:latin typeface="+mn-lt"/>
+                          <a:ea typeface="+mn-ea"/>
+                          <a:cs typeface="+mn-cs"/>
+                        </a:rPr>
+                        <a:t>버튼</a:t>
+                      </a:r>
+                    </a:p>
+                    <a:p>
+                      <a:r>
+                        <a:rPr lang="en-US" altLang="ko-KR" sz="1200" kern="1200" dirty="0" err="1" smtClean="0">
+                          <a:solidFill>
+                            <a:schemeClr val="dk1"/>
+                          </a:solidFill>
+                          <a:latin typeface="+mn-lt"/>
+                          <a:ea typeface="+mn-ea"/>
+                          <a:cs typeface="+mn-cs"/>
+                        </a:rPr>
+                        <a:t>JButton</a:t>
+                      </a:r>
+                      <a:r>
+                        <a:rPr lang="en-US" altLang="ko-KR" sz="1200" kern="1200" dirty="0" smtClean="0">
+                          <a:solidFill>
+                            <a:schemeClr val="dk1"/>
+                          </a:solidFill>
+                          <a:latin typeface="+mn-lt"/>
+                          <a:ea typeface="+mn-ea"/>
+                          <a:cs typeface="+mn-cs"/>
+                        </a:rPr>
+                        <a:t> </a:t>
+                      </a:r>
+                      <a:r>
+                        <a:rPr lang="en-US" altLang="ko-KR" sz="1200" kern="1200" dirty="0" err="1" smtClean="0">
+                          <a:solidFill>
+                            <a:schemeClr val="dk1"/>
+                          </a:solidFill>
+                          <a:latin typeface="+mn-lt"/>
+                          <a:ea typeface="+mn-ea"/>
+                          <a:cs typeface="+mn-cs"/>
+                        </a:rPr>
+                        <a:t>button_Change_Subject</a:t>
+                      </a:r>
+                      <a:r>
+                        <a:rPr lang="en-US" altLang="ko-KR" sz="1200" kern="1200" dirty="0" smtClean="0">
+                          <a:solidFill>
+                            <a:schemeClr val="dk1"/>
+                          </a:solidFill>
+                          <a:latin typeface="+mn-lt"/>
+                          <a:ea typeface="+mn-ea"/>
+                          <a:cs typeface="+mn-cs"/>
+                        </a:rPr>
+                        <a:t>;//</a:t>
+                      </a:r>
+                      <a:r>
+                        <a:rPr lang="ko-KR" altLang="en-US" sz="1200" kern="1200" dirty="0" smtClean="0">
+                          <a:solidFill>
+                            <a:schemeClr val="dk1"/>
+                          </a:solidFill>
+                          <a:latin typeface="+mn-lt"/>
+                          <a:ea typeface="+mn-ea"/>
+                          <a:cs typeface="+mn-cs"/>
+                        </a:rPr>
+                        <a:t>변경 버튼</a:t>
+                      </a:r>
+                    </a:p>
+                    <a:p>
+                      <a:r>
+                        <a:rPr lang="en-US" altLang="ko-KR" sz="1200" kern="1200" dirty="0" err="1" smtClean="0">
+                          <a:solidFill>
+                            <a:schemeClr val="dk1"/>
+                          </a:solidFill>
+                          <a:latin typeface="+mn-lt"/>
+                          <a:ea typeface="+mn-ea"/>
+                          <a:cs typeface="+mn-cs"/>
+                        </a:rPr>
+                        <a:t>JButton</a:t>
+                      </a:r>
+                      <a:r>
+                        <a:rPr lang="en-US" altLang="ko-KR" sz="1200" kern="1200" dirty="0" smtClean="0">
+                          <a:solidFill>
+                            <a:schemeClr val="dk1"/>
+                          </a:solidFill>
+                          <a:latin typeface="+mn-lt"/>
+                          <a:ea typeface="+mn-ea"/>
+                          <a:cs typeface="+mn-cs"/>
+                        </a:rPr>
+                        <a:t> </a:t>
+                      </a:r>
+                      <a:r>
+                        <a:rPr lang="en-US" altLang="ko-KR" sz="1200" kern="1200" dirty="0" err="1" smtClean="0">
+                          <a:solidFill>
+                            <a:schemeClr val="dk1"/>
+                          </a:solidFill>
+                          <a:latin typeface="+mn-lt"/>
+                          <a:ea typeface="+mn-ea"/>
+                          <a:cs typeface="+mn-cs"/>
+                        </a:rPr>
+                        <a:t>button_Del_Subject</a:t>
+                      </a:r>
+                      <a:r>
+                        <a:rPr lang="en-US" altLang="ko-KR" sz="1200" kern="1200" dirty="0" smtClean="0">
+                          <a:solidFill>
+                            <a:schemeClr val="dk1"/>
+                          </a:solidFill>
+                          <a:latin typeface="+mn-lt"/>
+                          <a:ea typeface="+mn-ea"/>
+                          <a:cs typeface="+mn-cs"/>
+                        </a:rPr>
+                        <a:t>;//</a:t>
+                      </a:r>
+                      <a:r>
+                        <a:rPr lang="ko-KR" altLang="en-US" sz="1200" kern="1200" dirty="0" smtClean="0">
+                          <a:solidFill>
+                            <a:schemeClr val="dk1"/>
+                          </a:solidFill>
+                          <a:latin typeface="+mn-lt"/>
+                          <a:ea typeface="+mn-ea"/>
+                          <a:cs typeface="+mn-cs"/>
+                        </a:rPr>
+                        <a:t>제거 버튼</a:t>
+                      </a:r>
+                    </a:p>
+                    <a:p>
+                      <a:r>
+                        <a:rPr lang="en-US" altLang="ko-KR" sz="1200" kern="1200" dirty="0" err="1" smtClean="0">
+                          <a:solidFill>
+                            <a:schemeClr val="dk1"/>
+                          </a:solidFill>
+                          <a:latin typeface="+mn-lt"/>
+                          <a:ea typeface="+mn-ea"/>
+                          <a:cs typeface="+mn-cs"/>
+                        </a:rPr>
+                        <a:t>JButton</a:t>
+                      </a:r>
+                      <a:r>
+                        <a:rPr lang="en-US" altLang="ko-KR" sz="1200" kern="1200" dirty="0" smtClean="0">
+                          <a:solidFill>
+                            <a:schemeClr val="dk1"/>
+                          </a:solidFill>
+                          <a:latin typeface="+mn-lt"/>
+                          <a:ea typeface="+mn-ea"/>
+                          <a:cs typeface="+mn-cs"/>
+                        </a:rPr>
+                        <a:t> </a:t>
+                      </a:r>
+                      <a:r>
+                        <a:rPr lang="en-US" altLang="ko-KR" sz="1200" kern="1200" dirty="0" err="1" smtClean="0">
+                          <a:solidFill>
+                            <a:schemeClr val="dk1"/>
+                          </a:solidFill>
+                          <a:latin typeface="+mn-lt"/>
+                          <a:ea typeface="+mn-ea"/>
+                          <a:cs typeface="+mn-cs"/>
+                        </a:rPr>
+                        <a:t>button_Sort_Subject</a:t>
+                      </a:r>
+                      <a:r>
+                        <a:rPr lang="en-US" altLang="ko-KR" sz="1200" kern="1200" dirty="0" smtClean="0">
+                          <a:solidFill>
+                            <a:schemeClr val="dk1"/>
+                          </a:solidFill>
+                          <a:latin typeface="+mn-lt"/>
+                          <a:ea typeface="+mn-ea"/>
+                          <a:cs typeface="+mn-cs"/>
+                        </a:rPr>
+                        <a:t>;//</a:t>
+                      </a:r>
+                      <a:r>
+                        <a:rPr lang="ko-KR" altLang="en-US" sz="1200" kern="1200" dirty="0" smtClean="0">
+                          <a:solidFill>
+                            <a:schemeClr val="dk1"/>
+                          </a:solidFill>
+                          <a:latin typeface="+mn-lt"/>
+                          <a:ea typeface="+mn-ea"/>
+                          <a:cs typeface="+mn-cs"/>
+                        </a:rPr>
+                        <a:t>정렬 버튼</a:t>
+                      </a:r>
+                    </a:p>
+                  </a:txBody>
+                  <a:tcPr/>
+                </a:tc>
+              </a:tr>
+              <a:tr h="770397">
+                <a:tc>
+                  <a:txBody>
+                    <a:bodyPr/>
+                    <a:lstStyle/>
+                    <a:p>
+                      <a:r>
+                        <a:rPr lang="en-US" altLang="ko-KR" sz="1200" kern="1200" dirty="0" smtClean="0">
+                          <a:solidFill>
+                            <a:schemeClr val="dk1"/>
+                          </a:solidFill>
+                          <a:latin typeface="+mn-lt"/>
+                          <a:ea typeface="+mn-ea"/>
+                          <a:cs typeface="+mn-cs"/>
+                        </a:rPr>
+                        <a:t>- public </a:t>
+                      </a:r>
+                      <a:r>
+                        <a:rPr lang="en-US" altLang="ko-KR" sz="1200" kern="1200" dirty="0" err="1" smtClean="0">
+                          <a:solidFill>
+                            <a:schemeClr val="dk1"/>
+                          </a:solidFill>
+                          <a:latin typeface="+mn-lt"/>
+                          <a:ea typeface="+mn-ea"/>
+                          <a:cs typeface="+mn-cs"/>
+                        </a:rPr>
+                        <a:t>Subject_Management</a:t>
+                      </a:r>
+                      <a:r>
+                        <a:rPr lang="en-US" altLang="ko-KR" sz="1200" kern="1200" dirty="0" smtClean="0">
+                          <a:solidFill>
+                            <a:schemeClr val="dk1"/>
+                          </a:solidFill>
+                          <a:latin typeface="+mn-lt"/>
+                          <a:ea typeface="+mn-ea"/>
+                          <a:cs typeface="+mn-cs"/>
+                        </a:rPr>
+                        <a:t>()</a:t>
+                      </a:r>
+                    </a:p>
+                    <a:p>
+                      <a:r>
+                        <a:rPr lang="en-US" altLang="ko-KR" sz="1200" kern="1200" dirty="0" smtClean="0">
+                          <a:solidFill>
+                            <a:schemeClr val="dk1"/>
+                          </a:solidFill>
+                          <a:latin typeface="+mn-lt"/>
+                          <a:ea typeface="+mn-ea"/>
+                          <a:cs typeface="+mn-cs"/>
+                        </a:rPr>
+                        <a:t>- public void Update Model()</a:t>
+                      </a:r>
+                    </a:p>
+                    <a:p>
+                      <a:r>
+                        <a:rPr lang="en-US" altLang="ko-KR" sz="1200" kern="1200" dirty="0" smtClean="0">
+                          <a:solidFill>
+                            <a:schemeClr val="dk1"/>
+                          </a:solidFill>
+                          <a:latin typeface="+mn-lt"/>
+                          <a:ea typeface="+mn-ea"/>
+                          <a:cs typeface="+mn-cs"/>
+                        </a:rPr>
+                        <a:t>- public void </a:t>
+                      </a:r>
+                      <a:r>
+                        <a:rPr lang="en-US" altLang="ko-KR" sz="1200" kern="1200" dirty="0" err="1" smtClean="0">
+                          <a:solidFill>
+                            <a:schemeClr val="dk1"/>
+                          </a:solidFill>
+                          <a:latin typeface="+mn-lt"/>
+                          <a:ea typeface="+mn-ea"/>
+                          <a:cs typeface="+mn-cs"/>
+                        </a:rPr>
+                        <a:t>Update_Table</a:t>
+                      </a:r>
+                      <a:r>
+                        <a:rPr lang="en-US" altLang="ko-KR" sz="1200" kern="1200" dirty="0" smtClean="0">
+                          <a:solidFill>
+                            <a:schemeClr val="dk1"/>
+                          </a:solidFill>
+                          <a:latin typeface="+mn-lt"/>
+                          <a:ea typeface="+mn-ea"/>
+                          <a:cs typeface="+mn-cs"/>
+                        </a:rPr>
+                        <a:t>()</a:t>
+                      </a:r>
+                    </a:p>
+                  </a:txBody>
+                  <a:tcPr/>
+                </a:tc>
+              </a:tr>
+            </a:tbl>
+          </a:graphicData>
+        </a:graphic>
+      </p:graphicFrame>
+    </p:spTree>
+  </p:cSld>
+  <p:clrMapOvr>
+    <a:masterClrMapping/>
+  </p:clrMapOvr>
+</p:sld>
+</file>
+
+<file path=ppt/slides/slide4.xml><?xml version="1.0" encoding="utf-8"?>
+<p:sld xmlns:a="http://schemas.openxmlformats.org/drawingml/2006/main" xmlns:r="http://schemas.openxmlformats.org/officeDocument/2006/relationships" xmlns:p="http://schemas.openxmlformats.org/presentationml/2006/main">
+  <p:cSld>
+    <p:spTree>
+      <p:nvGrpSpPr>
+        <p:cNvPr id="1" name=""/>
+        <p:cNvGrpSpPr/>
+        <p:nvPr/>
+      </p:nvGrpSpPr>
+      <p:grpSpPr>
+        <a:xfrm>
+          <a:off x="0" y="0"/>
+          <a:ext cx="0" cy="0"/>
+          <a:chOff x="0" y="0"/>
+          <a:chExt cx="0" cy="0"/>
+        </a:xfrm>
+      </p:grpSpPr>
+      <p:sp>
+        <p:nvSpPr>
+          <p:cNvPr id="2" name="바닥글 개체 틀 1"/>
+          <p:cNvSpPr>
+            <a:spLocks noGrp="1"/>
+          </p:cNvSpPr>
+          <p:nvPr>
+            <p:ph type="ftr" sz="quarter" idx="3"/>
+          </p:nvPr>
+        </p:nvSpPr>
+        <p:spPr/>
+        <p:txBody>
+          <a:bodyPr/>
+          <a:lstStyle/>
+          <a:p>
+            <a:pPr algn="r"/>
+            <a:r>
+              <a:rPr lang="ko-KR" altLang="en-US" dirty="0" smtClean="0"/>
+              <a:t>팀 명</a:t>
+            </a:r>
+            <a:endParaRPr lang="en-US" altLang="ko-KR" dirty="0"/>
+          </a:p>
+        </p:txBody>
+      </p:sp>
+      <p:graphicFrame>
+        <p:nvGraphicFramePr>
+          <p:cNvPr id="3" name="표 2"/>
+          <p:cNvGraphicFramePr>
+            <a:graphicFrameLocks noGrp="1"/>
+          </p:cNvGraphicFramePr>
+          <p:nvPr/>
+        </p:nvGraphicFramePr>
+        <p:xfrm>
+          <a:off x="323528" y="947854"/>
+          <a:ext cx="4464496" cy="5157931"/>
+        </p:xfrm>
+        <a:graphic>
+          <a:graphicData uri="http://schemas.openxmlformats.org/drawingml/2006/table">
+            <a:tbl>
+              <a:tblPr firstRow="1" bandRow="1">
+                <a:tableStyleId>{5C22544A-7EE6-4342-B048-85BDC9FD1C3A}</a:tableStyleId>
+              </a:tblPr>
+              <a:tblGrid>
+                <a:gridCol w="4464496"/>
+              </a:tblGrid>
+              <a:tr h="523528">
+                <a:tc>
+                  <a:txBody>
+                    <a:bodyPr/>
+                    <a:lstStyle/>
+                    <a:p>
+                      <a:r>
+                        <a:rPr lang="en-US" altLang="ko-KR" sz="1600" b="0" kern="1200" dirty="0" err="1" smtClean="0">
+                          <a:solidFill>
+                            <a:schemeClr val="lt1"/>
+                          </a:solidFill>
+                          <a:latin typeface="+mn-lt"/>
+                          <a:ea typeface="+mn-ea"/>
+                          <a:cs typeface="+mn-cs"/>
+                        </a:rPr>
+                        <a:t>Add_Subject</a:t>
+                      </a:r>
+                      <a:r>
+                        <a:rPr lang="en-US" altLang="ko-KR" sz="1600" b="0" kern="1200" dirty="0" smtClean="0">
+                          <a:solidFill>
+                            <a:schemeClr val="lt1"/>
+                          </a:solidFill>
+                          <a:latin typeface="+mn-lt"/>
+                          <a:ea typeface="+mn-ea"/>
+                          <a:cs typeface="+mn-cs"/>
+                        </a:rPr>
+                        <a:t>()</a:t>
+                      </a:r>
+                    </a:p>
+                  </a:txBody>
+                  <a:tcPr>
+                    <a:solidFill>
+                      <a:schemeClr val="accent1"/>
+                    </a:solidFill>
+                  </a:tcPr>
+                </a:tc>
+              </a:tr>
+              <a:tr h="4177203">
+                <a:tc>
+                  <a:txBody>
+                    <a:bodyPr/>
+                    <a:lstStyle/>
+                    <a:p>
+                      <a:r>
+                        <a:rPr lang="en-US" altLang="ko-KR" sz="1200" kern="1200" dirty="0" smtClean="0">
+                          <a:solidFill>
+                            <a:schemeClr val="dk1"/>
+                          </a:solidFill>
+                          <a:latin typeface="+mn-lt"/>
+                          <a:ea typeface="+mn-ea"/>
+                          <a:cs typeface="+mn-cs"/>
+                        </a:rPr>
+                        <a:t>private final </a:t>
+                      </a:r>
+                      <a:r>
+                        <a:rPr lang="en-US" altLang="ko-KR" sz="1200" kern="1200" dirty="0" err="1" smtClean="0">
+                          <a:solidFill>
+                            <a:schemeClr val="dk1"/>
+                          </a:solidFill>
+                          <a:latin typeface="+mn-lt"/>
+                          <a:ea typeface="+mn-ea"/>
+                          <a:cs typeface="+mn-cs"/>
+                        </a:rPr>
+                        <a:t>JPanel</a:t>
+                      </a:r>
+                      <a:r>
+                        <a:rPr lang="en-US" altLang="ko-KR" sz="1200" kern="1200" dirty="0" smtClean="0">
+                          <a:solidFill>
+                            <a:schemeClr val="dk1"/>
+                          </a:solidFill>
+                          <a:latin typeface="+mn-lt"/>
+                          <a:ea typeface="+mn-ea"/>
+                          <a:cs typeface="+mn-cs"/>
+                        </a:rPr>
+                        <a:t> </a:t>
+                      </a:r>
+                      <a:r>
+                        <a:rPr lang="en-US" altLang="ko-KR" sz="1200" kern="1200" dirty="0" err="1" smtClean="0">
+                          <a:solidFill>
+                            <a:schemeClr val="dk1"/>
+                          </a:solidFill>
+                          <a:latin typeface="+mn-lt"/>
+                          <a:ea typeface="+mn-ea"/>
+                          <a:cs typeface="+mn-cs"/>
+                        </a:rPr>
+                        <a:t>content_panel</a:t>
+                      </a:r>
+                      <a:r>
+                        <a:rPr lang="en-US" altLang="ko-KR" sz="1200" kern="1200" dirty="0" smtClean="0">
+                          <a:solidFill>
+                            <a:schemeClr val="dk1"/>
+                          </a:solidFill>
+                          <a:latin typeface="+mn-lt"/>
+                          <a:ea typeface="+mn-ea"/>
+                          <a:cs typeface="+mn-cs"/>
+                        </a:rPr>
+                        <a:t>;</a:t>
+                      </a:r>
+                    </a:p>
+                    <a:p>
+                      <a:r>
+                        <a:rPr lang="en-US" altLang="ko-KR" sz="1200" kern="1200" dirty="0" smtClean="0">
+                          <a:solidFill>
+                            <a:schemeClr val="dk1"/>
+                          </a:solidFill>
+                          <a:latin typeface="+mn-lt"/>
+                          <a:ea typeface="+mn-ea"/>
+                          <a:cs typeface="+mn-cs"/>
+                        </a:rPr>
+                        <a:t>private </a:t>
+                      </a:r>
+                      <a:r>
+                        <a:rPr lang="en-US" altLang="ko-KR" sz="1200" kern="1200" dirty="0" err="1" smtClean="0">
+                          <a:solidFill>
+                            <a:schemeClr val="dk1"/>
+                          </a:solidFill>
+                          <a:latin typeface="+mn-lt"/>
+                          <a:ea typeface="+mn-ea"/>
+                          <a:cs typeface="+mn-cs"/>
+                        </a:rPr>
+                        <a:t>JTextField</a:t>
+                      </a:r>
+                      <a:r>
+                        <a:rPr lang="en-US" altLang="ko-KR" sz="1200" kern="1200" dirty="0" smtClean="0">
+                          <a:solidFill>
+                            <a:schemeClr val="dk1"/>
+                          </a:solidFill>
+                          <a:latin typeface="+mn-lt"/>
+                          <a:ea typeface="+mn-ea"/>
+                          <a:cs typeface="+mn-cs"/>
+                        </a:rPr>
+                        <a:t> </a:t>
+                      </a:r>
+                      <a:r>
+                        <a:rPr lang="en-US" altLang="ko-KR" sz="1200" kern="1200" dirty="0" err="1" smtClean="0">
+                          <a:solidFill>
+                            <a:schemeClr val="dk1"/>
+                          </a:solidFill>
+                          <a:latin typeface="+mn-lt"/>
+                          <a:ea typeface="+mn-ea"/>
+                          <a:cs typeface="+mn-cs"/>
+                        </a:rPr>
+                        <a:t>TF_subject_name</a:t>
+                      </a:r>
+                      <a:r>
+                        <a:rPr lang="en-US" altLang="ko-KR" sz="1200" kern="1200" baseline="0" dirty="0" smtClean="0">
+                          <a:solidFill>
+                            <a:schemeClr val="dk1"/>
+                          </a:solidFill>
+                          <a:latin typeface="+mn-lt"/>
+                          <a:ea typeface="+mn-ea"/>
+                          <a:cs typeface="+mn-cs"/>
+                        </a:rPr>
+                        <a:t>;</a:t>
+                      </a:r>
+                      <a:endParaRPr lang="en-US" altLang="ko-KR" sz="1200" kern="1200" dirty="0" smtClean="0">
+                        <a:solidFill>
+                          <a:schemeClr val="dk1"/>
+                        </a:solidFill>
+                        <a:latin typeface="+mn-lt"/>
+                        <a:ea typeface="+mn-ea"/>
+                        <a:cs typeface="+mn-cs"/>
+                      </a:endParaRPr>
+                    </a:p>
+                    <a:p>
+                      <a:r>
+                        <a:rPr lang="en-US" altLang="ko-KR" sz="1200" kern="1200" dirty="0" smtClean="0">
+                          <a:solidFill>
+                            <a:schemeClr val="dk1"/>
+                          </a:solidFill>
+                          <a:latin typeface="+mn-lt"/>
+                          <a:ea typeface="+mn-ea"/>
+                          <a:cs typeface="+mn-cs"/>
+                        </a:rPr>
+                        <a:t>private </a:t>
+                      </a:r>
+                      <a:r>
+                        <a:rPr lang="en-US" altLang="ko-KR" sz="1200" kern="1200" dirty="0" err="1" smtClean="0">
+                          <a:solidFill>
+                            <a:schemeClr val="dk1"/>
+                          </a:solidFill>
+                          <a:latin typeface="+mn-lt"/>
+                          <a:ea typeface="+mn-ea"/>
+                          <a:cs typeface="+mn-cs"/>
+                        </a:rPr>
+                        <a:t>JTextField</a:t>
+                      </a:r>
+                      <a:r>
+                        <a:rPr lang="en-US" altLang="ko-KR" sz="1200" kern="1200" dirty="0" smtClean="0">
+                          <a:solidFill>
+                            <a:schemeClr val="dk1"/>
+                          </a:solidFill>
+                          <a:latin typeface="+mn-lt"/>
+                          <a:ea typeface="+mn-ea"/>
+                          <a:cs typeface="+mn-cs"/>
+                        </a:rPr>
+                        <a:t> </a:t>
+                      </a:r>
+                      <a:r>
+                        <a:rPr lang="en-US" altLang="ko-KR" sz="1200" kern="1200" dirty="0" err="1" smtClean="0">
+                          <a:solidFill>
+                            <a:schemeClr val="dk1"/>
+                          </a:solidFill>
+                          <a:latin typeface="+mn-lt"/>
+                          <a:ea typeface="+mn-ea"/>
+                          <a:cs typeface="+mn-cs"/>
+                        </a:rPr>
+                        <a:t>TF_professor</a:t>
+                      </a:r>
+                      <a:r>
+                        <a:rPr lang="en-US" altLang="ko-KR" sz="1200" kern="1200" dirty="0" smtClean="0">
+                          <a:solidFill>
+                            <a:schemeClr val="dk1"/>
+                          </a:solidFill>
+                          <a:latin typeface="+mn-lt"/>
+                          <a:ea typeface="+mn-ea"/>
+                          <a:cs typeface="+mn-cs"/>
+                        </a:rPr>
+                        <a:t>;</a:t>
+                      </a:r>
+                    </a:p>
+                    <a:p>
+                      <a:r>
+                        <a:rPr lang="en-US" altLang="ko-KR" sz="1200" kern="1200" dirty="0" smtClean="0">
+                          <a:solidFill>
+                            <a:schemeClr val="dk1"/>
+                          </a:solidFill>
+                          <a:latin typeface="+mn-lt"/>
+                          <a:ea typeface="+mn-ea"/>
+                          <a:cs typeface="+mn-cs"/>
+                        </a:rPr>
+                        <a:t>private </a:t>
+                      </a:r>
+                      <a:r>
+                        <a:rPr lang="en-US" altLang="ko-KR" sz="1200" kern="1200" dirty="0" err="1" smtClean="0">
+                          <a:solidFill>
+                            <a:schemeClr val="dk1"/>
+                          </a:solidFill>
+                          <a:latin typeface="+mn-lt"/>
+                          <a:ea typeface="+mn-ea"/>
+                          <a:cs typeface="+mn-cs"/>
+                        </a:rPr>
+                        <a:t>JTextField</a:t>
+                      </a:r>
+                      <a:r>
+                        <a:rPr lang="en-US" altLang="ko-KR" sz="1200" kern="1200" dirty="0" smtClean="0">
+                          <a:solidFill>
+                            <a:schemeClr val="dk1"/>
+                          </a:solidFill>
+                          <a:latin typeface="+mn-lt"/>
+                          <a:ea typeface="+mn-ea"/>
+                          <a:cs typeface="+mn-cs"/>
+                        </a:rPr>
+                        <a:t> </a:t>
+                      </a:r>
+                      <a:r>
+                        <a:rPr lang="en-US" altLang="ko-KR" sz="1200" kern="1200" dirty="0" err="1" smtClean="0">
+                          <a:solidFill>
+                            <a:schemeClr val="dk1"/>
+                          </a:solidFill>
+                          <a:latin typeface="+mn-lt"/>
+                          <a:ea typeface="+mn-ea"/>
+                          <a:cs typeface="+mn-cs"/>
+                        </a:rPr>
+                        <a:t>TF_day_of_week</a:t>
+                      </a:r>
+                      <a:r>
+                        <a:rPr lang="en-US" altLang="ko-KR" sz="1200" kern="1200" dirty="0" smtClean="0">
+                          <a:solidFill>
+                            <a:schemeClr val="dk1"/>
+                          </a:solidFill>
+                          <a:latin typeface="+mn-lt"/>
+                          <a:ea typeface="+mn-ea"/>
+                          <a:cs typeface="+mn-cs"/>
+                        </a:rPr>
+                        <a:t>;</a:t>
+                      </a:r>
+                    </a:p>
+                    <a:p>
+                      <a:pPr marL="0" marR="0" indent="0" algn="l" defTabSz="914400" rtl="0" eaLnBrk="1" fontAlgn="auto" latinLnBrk="1" hangingPunct="1">
+                        <a:lnSpc>
+                          <a:spcPct val="100000"/>
+                        </a:lnSpc>
+                        <a:spcBef>
+                          <a:spcPts val="0"/>
+                        </a:spcBef>
+                        <a:spcAft>
+                          <a:spcPts val="0"/>
+                        </a:spcAft>
+                        <a:buClrTx/>
+                        <a:buSzTx/>
+                        <a:buFontTx/>
+                        <a:buNone/>
+                        <a:tabLst/>
+                        <a:defRPr/>
+                      </a:pPr>
+                      <a:r>
+                        <a:rPr lang="en-US" altLang="ko-KR" sz="1200" kern="1200" dirty="0" smtClean="0">
+                          <a:solidFill>
+                            <a:schemeClr val="dk1"/>
+                          </a:solidFill>
+                          <a:latin typeface="+mn-lt"/>
+                          <a:ea typeface="+mn-ea"/>
+                          <a:cs typeface="+mn-cs"/>
+                        </a:rPr>
+                        <a:t>private </a:t>
+                      </a:r>
+                      <a:r>
+                        <a:rPr lang="en-US" altLang="ko-KR" sz="1200" kern="1200" dirty="0" err="1" smtClean="0">
+                          <a:solidFill>
+                            <a:schemeClr val="dk1"/>
+                          </a:solidFill>
+                          <a:latin typeface="+mn-lt"/>
+                          <a:ea typeface="+mn-ea"/>
+                          <a:cs typeface="+mn-cs"/>
+                        </a:rPr>
+                        <a:t>JTextField</a:t>
+                      </a:r>
+                      <a:r>
+                        <a:rPr lang="en-US" altLang="ko-KR" sz="1200" kern="1200" dirty="0" smtClean="0">
+                          <a:solidFill>
+                            <a:schemeClr val="dk1"/>
+                          </a:solidFill>
+                          <a:latin typeface="+mn-lt"/>
+                          <a:ea typeface="+mn-ea"/>
+                          <a:cs typeface="+mn-cs"/>
+                        </a:rPr>
+                        <a:t> </a:t>
+                      </a:r>
+                      <a:r>
+                        <a:rPr lang="en-US" altLang="ko-KR" sz="1200" kern="1200" dirty="0" err="1" smtClean="0">
+                          <a:solidFill>
+                            <a:schemeClr val="dk1"/>
+                          </a:solidFill>
+                          <a:latin typeface="+mn-lt"/>
+                          <a:ea typeface="+mn-ea"/>
+                          <a:cs typeface="+mn-cs"/>
+                        </a:rPr>
+                        <a:t>TF_time</a:t>
+                      </a:r>
+                      <a:r>
+                        <a:rPr lang="en-US" altLang="ko-KR" sz="1200" kern="1200" dirty="0" smtClean="0">
+                          <a:solidFill>
+                            <a:schemeClr val="dk1"/>
+                          </a:solidFill>
+                          <a:latin typeface="+mn-lt"/>
+                          <a:ea typeface="+mn-ea"/>
+                          <a:cs typeface="+mn-cs"/>
+                        </a:rPr>
+                        <a:t>;</a:t>
+                      </a:r>
+                    </a:p>
+                    <a:p>
+                      <a:pPr marL="0" marR="0" indent="0" algn="l" defTabSz="914400" rtl="0" eaLnBrk="1" fontAlgn="auto" latinLnBrk="1" hangingPunct="1">
+                        <a:lnSpc>
+                          <a:spcPct val="100000"/>
+                        </a:lnSpc>
+                        <a:spcBef>
+                          <a:spcPts val="0"/>
+                        </a:spcBef>
+                        <a:spcAft>
+                          <a:spcPts val="0"/>
+                        </a:spcAft>
+                        <a:buClrTx/>
+                        <a:buSzTx/>
+                        <a:buFontTx/>
+                        <a:buNone/>
+                        <a:tabLst/>
+                        <a:defRPr/>
+                      </a:pPr>
+                      <a:r>
+                        <a:rPr lang="en-US" altLang="ko-KR" sz="1200" kern="1200" dirty="0" smtClean="0">
+                          <a:solidFill>
+                            <a:schemeClr val="dk1"/>
+                          </a:solidFill>
+                          <a:latin typeface="+mn-lt"/>
+                          <a:ea typeface="+mn-ea"/>
+                          <a:cs typeface="+mn-cs"/>
+                        </a:rPr>
+                        <a:t>private </a:t>
+                      </a:r>
+                      <a:r>
+                        <a:rPr lang="en-US" altLang="ko-KR" sz="1200" kern="1200" dirty="0" err="1" smtClean="0">
+                          <a:solidFill>
+                            <a:schemeClr val="dk1"/>
+                          </a:solidFill>
+                          <a:latin typeface="+mn-lt"/>
+                          <a:ea typeface="+mn-ea"/>
+                          <a:cs typeface="+mn-cs"/>
+                        </a:rPr>
+                        <a:t>JTextField</a:t>
+                      </a:r>
+                      <a:r>
+                        <a:rPr lang="en-US" altLang="ko-KR" sz="1200" kern="1200" dirty="0" smtClean="0">
+                          <a:solidFill>
+                            <a:schemeClr val="dk1"/>
+                          </a:solidFill>
+                          <a:latin typeface="+mn-lt"/>
+                          <a:ea typeface="+mn-ea"/>
+                          <a:cs typeface="+mn-cs"/>
+                        </a:rPr>
+                        <a:t> </a:t>
+                      </a:r>
+                      <a:r>
+                        <a:rPr lang="en-US" altLang="ko-KR" sz="1200" kern="1200" dirty="0" err="1" smtClean="0">
+                          <a:solidFill>
+                            <a:schemeClr val="dk1"/>
+                          </a:solidFill>
+                          <a:latin typeface="+mn-lt"/>
+                          <a:ea typeface="+mn-ea"/>
+                          <a:cs typeface="+mn-cs"/>
+                        </a:rPr>
+                        <a:t>TF_semester</a:t>
+                      </a:r>
+                      <a:r>
+                        <a:rPr lang="en-US" altLang="ko-KR" sz="1200" kern="1200" dirty="0" smtClean="0">
+                          <a:solidFill>
+                            <a:schemeClr val="dk1"/>
+                          </a:solidFill>
+                          <a:latin typeface="+mn-lt"/>
+                          <a:ea typeface="+mn-ea"/>
+                          <a:cs typeface="+mn-cs"/>
+                        </a:rPr>
+                        <a:t>;</a:t>
+                      </a:r>
+                    </a:p>
+                    <a:p>
+                      <a:pPr marL="0" marR="0" indent="0" algn="l" defTabSz="914400" rtl="0" eaLnBrk="1" fontAlgn="auto" latinLnBrk="1" hangingPunct="1">
+                        <a:lnSpc>
+                          <a:spcPct val="100000"/>
+                        </a:lnSpc>
+                        <a:spcBef>
+                          <a:spcPts val="0"/>
+                        </a:spcBef>
+                        <a:spcAft>
+                          <a:spcPts val="0"/>
+                        </a:spcAft>
+                        <a:buClrTx/>
+                        <a:buSzTx/>
+                        <a:buFontTx/>
+                        <a:buNone/>
+                        <a:tabLst/>
+                        <a:defRPr/>
+                      </a:pPr>
+                      <a:r>
+                        <a:rPr lang="en-US" altLang="ko-KR" sz="1200" kern="1200" dirty="0" smtClean="0">
+                          <a:solidFill>
+                            <a:schemeClr val="dk1"/>
+                          </a:solidFill>
+                          <a:latin typeface="+mn-lt"/>
+                          <a:ea typeface="+mn-ea"/>
+                          <a:cs typeface="+mn-cs"/>
+                        </a:rPr>
+                        <a:t>private </a:t>
+                      </a:r>
+                      <a:r>
+                        <a:rPr lang="en-US" altLang="ko-KR" sz="1200" kern="1200" dirty="0" err="1" smtClean="0">
+                          <a:solidFill>
+                            <a:schemeClr val="dk1"/>
+                          </a:solidFill>
+                          <a:latin typeface="+mn-lt"/>
+                          <a:ea typeface="+mn-ea"/>
+                          <a:cs typeface="+mn-cs"/>
+                        </a:rPr>
+                        <a:t>JTextField</a:t>
+                      </a:r>
+                      <a:r>
+                        <a:rPr lang="en-US" altLang="ko-KR" sz="1200" kern="1200" dirty="0" smtClean="0">
+                          <a:solidFill>
+                            <a:schemeClr val="dk1"/>
+                          </a:solidFill>
+                          <a:latin typeface="+mn-lt"/>
+                          <a:ea typeface="+mn-ea"/>
+                          <a:cs typeface="+mn-cs"/>
+                        </a:rPr>
+                        <a:t> </a:t>
+                      </a:r>
+                      <a:r>
+                        <a:rPr lang="en-US" altLang="ko-KR" sz="1200" kern="1200" dirty="0" err="1" smtClean="0">
+                          <a:solidFill>
+                            <a:schemeClr val="dk1"/>
+                          </a:solidFill>
+                          <a:latin typeface="+mn-lt"/>
+                          <a:ea typeface="+mn-ea"/>
+                          <a:cs typeface="+mn-cs"/>
+                        </a:rPr>
+                        <a:t>TF_year</a:t>
+                      </a:r>
+                      <a:r>
+                        <a:rPr lang="en-US" altLang="ko-KR" sz="1200" kern="1200" dirty="0" smtClean="0">
+                          <a:solidFill>
+                            <a:schemeClr val="dk1"/>
+                          </a:solidFill>
+                          <a:latin typeface="+mn-lt"/>
+                          <a:ea typeface="+mn-ea"/>
+                          <a:cs typeface="+mn-cs"/>
+                        </a:rPr>
+                        <a:t>;</a:t>
+                      </a:r>
+                    </a:p>
+                    <a:p>
+                      <a:pPr marL="0" marR="0" indent="0" algn="l" defTabSz="914400" rtl="0" eaLnBrk="1" fontAlgn="auto" latinLnBrk="1" hangingPunct="1">
+                        <a:lnSpc>
+                          <a:spcPct val="100000"/>
+                        </a:lnSpc>
+                        <a:spcBef>
+                          <a:spcPts val="0"/>
+                        </a:spcBef>
+                        <a:spcAft>
+                          <a:spcPts val="0"/>
+                        </a:spcAft>
+                        <a:buClrTx/>
+                        <a:buSzTx/>
+                        <a:buFontTx/>
+                        <a:buNone/>
+                        <a:tabLst/>
+                        <a:defRPr/>
+                      </a:pPr>
+                      <a:r>
+                        <a:rPr lang="en-US" altLang="ko-KR" sz="1200" kern="1200" dirty="0" smtClean="0">
+                          <a:solidFill>
+                            <a:schemeClr val="dk1"/>
+                          </a:solidFill>
+                          <a:latin typeface="+mn-lt"/>
+                          <a:ea typeface="+mn-ea"/>
+                          <a:cs typeface="+mn-cs"/>
+                        </a:rPr>
+                        <a:t>private </a:t>
+                      </a:r>
+                      <a:r>
+                        <a:rPr lang="en-US" altLang="ko-KR" sz="1200" kern="1200" dirty="0" err="1" smtClean="0">
+                          <a:solidFill>
+                            <a:schemeClr val="dk1"/>
+                          </a:solidFill>
+                          <a:latin typeface="+mn-lt"/>
+                          <a:ea typeface="+mn-ea"/>
+                          <a:cs typeface="+mn-cs"/>
+                        </a:rPr>
+                        <a:t>JTextField</a:t>
+                      </a:r>
+                      <a:r>
+                        <a:rPr lang="en-US" altLang="ko-KR" sz="1200" kern="1200" dirty="0" smtClean="0">
+                          <a:solidFill>
+                            <a:schemeClr val="dk1"/>
+                          </a:solidFill>
+                          <a:latin typeface="+mn-lt"/>
+                          <a:ea typeface="+mn-ea"/>
+                          <a:cs typeface="+mn-cs"/>
+                        </a:rPr>
+                        <a:t> </a:t>
+                      </a:r>
+                      <a:r>
+                        <a:rPr lang="en-US" altLang="ko-KR" sz="1200" kern="1200" dirty="0" err="1" smtClean="0">
+                          <a:solidFill>
+                            <a:schemeClr val="dk1"/>
+                          </a:solidFill>
+                          <a:latin typeface="+mn-lt"/>
+                          <a:ea typeface="+mn-ea"/>
+                          <a:cs typeface="+mn-cs"/>
+                        </a:rPr>
+                        <a:t>TF_class_number</a:t>
+                      </a:r>
+                      <a:r>
+                        <a:rPr lang="en-US" altLang="ko-KR" sz="1200" kern="1200" dirty="0" smtClean="0">
+                          <a:solidFill>
+                            <a:schemeClr val="dk1"/>
+                          </a:solidFill>
+                          <a:latin typeface="+mn-lt"/>
+                          <a:ea typeface="+mn-ea"/>
+                          <a:cs typeface="+mn-cs"/>
+                        </a:rPr>
+                        <a:t>;</a:t>
+                      </a:r>
+                    </a:p>
+                    <a:p>
+                      <a:endParaRPr lang="en-US" altLang="ko-KR" sz="1200" kern="1200" dirty="0" smtClean="0">
+                        <a:solidFill>
+                          <a:schemeClr val="dk1"/>
+                        </a:solidFill>
+                        <a:latin typeface="+mn-lt"/>
+                        <a:ea typeface="+mn-ea"/>
+                        <a:cs typeface="+mn-cs"/>
+                      </a:endParaRPr>
+                    </a:p>
+                    <a:p>
+                      <a:r>
+                        <a:rPr lang="en-US" altLang="ko-KR" sz="1200" kern="1200" dirty="0" smtClean="0">
+                          <a:solidFill>
+                            <a:schemeClr val="dk1"/>
+                          </a:solidFill>
+                          <a:latin typeface="+mn-lt"/>
+                          <a:ea typeface="+mn-ea"/>
+                          <a:cs typeface="+mn-cs"/>
+                        </a:rPr>
+                        <a:t>private Database </a:t>
+                      </a:r>
+                      <a:r>
+                        <a:rPr lang="en-US" altLang="ko-KR" sz="1200" kern="1200" dirty="0" err="1" smtClean="0">
+                          <a:solidFill>
+                            <a:schemeClr val="dk1"/>
+                          </a:solidFill>
+                          <a:latin typeface="+mn-lt"/>
+                          <a:ea typeface="+mn-ea"/>
+                          <a:cs typeface="+mn-cs"/>
+                        </a:rPr>
+                        <a:t>database</a:t>
+                      </a:r>
+                      <a:r>
+                        <a:rPr lang="en-US" altLang="ko-KR" sz="1200" kern="1200" dirty="0" smtClean="0">
+                          <a:solidFill>
+                            <a:schemeClr val="dk1"/>
+                          </a:solidFill>
+                          <a:latin typeface="+mn-lt"/>
+                          <a:ea typeface="+mn-ea"/>
+                          <a:cs typeface="+mn-cs"/>
+                        </a:rPr>
+                        <a:t>;</a:t>
+                      </a:r>
+                    </a:p>
+                    <a:p>
+                      <a:endParaRPr lang="en-US" altLang="ko-KR" sz="1200" kern="1200" dirty="0" smtClean="0">
+                        <a:solidFill>
+                          <a:schemeClr val="dk1"/>
+                        </a:solidFill>
+                        <a:latin typeface="+mn-lt"/>
+                        <a:ea typeface="+mn-ea"/>
+                        <a:cs typeface="+mn-cs"/>
+                      </a:endParaRPr>
+                    </a:p>
+                    <a:p>
+                      <a:r>
+                        <a:rPr lang="en-US" altLang="ko-KR" sz="1200" b="0" kern="1200" dirty="0" err="1" smtClean="0">
+                          <a:solidFill>
+                            <a:schemeClr val="dk1"/>
+                          </a:solidFill>
+                          <a:latin typeface="+mn-ea"/>
+                          <a:ea typeface="+mn-ea"/>
+                          <a:cs typeface="+mn-cs"/>
+                        </a:rPr>
+                        <a:t>JLabel</a:t>
+                      </a:r>
+                      <a:r>
+                        <a:rPr lang="en-US" altLang="ko-KR" sz="1200" b="0" kern="1200" dirty="0" smtClean="0">
+                          <a:solidFill>
+                            <a:schemeClr val="dk1"/>
+                          </a:solidFill>
+                          <a:latin typeface="+mn-ea"/>
+                          <a:ea typeface="+mn-ea"/>
+                          <a:cs typeface="+mn-cs"/>
+                        </a:rPr>
+                        <a:t> </a:t>
+                      </a:r>
+                      <a:r>
+                        <a:rPr lang="en-US" altLang="ko-KR" sz="1200" b="0" kern="1200" dirty="0" err="1" smtClean="0">
+                          <a:solidFill>
+                            <a:schemeClr val="dk1"/>
+                          </a:solidFill>
+                          <a:latin typeface="+mn-ea"/>
+                          <a:ea typeface="+mn-ea"/>
+                          <a:cs typeface="+mn-cs"/>
+                        </a:rPr>
+                        <a:t>lb_subject_name</a:t>
+                      </a:r>
+                      <a:r>
+                        <a:rPr lang="en-US" altLang="ko-KR" sz="1200" b="0" kern="1200" dirty="0" smtClean="0">
+                          <a:solidFill>
+                            <a:schemeClr val="dk1"/>
+                          </a:solidFill>
+                          <a:latin typeface="+mn-ea"/>
+                          <a:ea typeface="+mn-ea"/>
+                          <a:cs typeface="+mn-cs"/>
+                        </a:rPr>
+                        <a:t>;</a:t>
+                      </a:r>
+                    </a:p>
+                    <a:p>
+                      <a:r>
+                        <a:rPr lang="en-US" altLang="ko-KR" sz="1200" b="0" kern="1200" dirty="0" err="1" smtClean="0">
+                          <a:solidFill>
+                            <a:schemeClr val="dk1"/>
+                          </a:solidFill>
+                          <a:latin typeface="+mn-ea"/>
+                          <a:ea typeface="+mn-ea"/>
+                          <a:cs typeface="+mn-cs"/>
+                        </a:rPr>
+                        <a:t>JLabel</a:t>
+                      </a:r>
+                      <a:r>
+                        <a:rPr lang="en-US" altLang="ko-KR" sz="1200" b="0" kern="1200" dirty="0" smtClean="0">
+                          <a:solidFill>
+                            <a:schemeClr val="dk1"/>
+                          </a:solidFill>
+                          <a:latin typeface="+mn-ea"/>
+                          <a:ea typeface="+mn-ea"/>
+                          <a:cs typeface="+mn-cs"/>
+                        </a:rPr>
+                        <a:t> </a:t>
+                      </a:r>
+                      <a:r>
+                        <a:rPr lang="en-US" altLang="ko-KR" sz="1200" b="0" kern="1200" dirty="0" err="1" smtClean="0">
+                          <a:solidFill>
+                            <a:schemeClr val="dk1"/>
+                          </a:solidFill>
+                          <a:latin typeface="+mn-ea"/>
+                          <a:ea typeface="+mn-ea"/>
+                          <a:cs typeface="+mn-cs"/>
+                        </a:rPr>
+                        <a:t>lb_professor</a:t>
+                      </a:r>
+                      <a:r>
+                        <a:rPr lang="en-US" altLang="ko-KR" sz="1200" b="0" kern="1200" dirty="0" smtClean="0">
+                          <a:solidFill>
+                            <a:schemeClr val="dk1"/>
+                          </a:solidFill>
+                          <a:latin typeface="+mn-ea"/>
+                          <a:ea typeface="+mn-ea"/>
+                          <a:cs typeface="+mn-cs"/>
+                        </a:rPr>
+                        <a:t>;</a:t>
+                      </a:r>
+                    </a:p>
+                    <a:p>
+                      <a:r>
+                        <a:rPr lang="en-US" altLang="ko-KR" sz="1200" b="0" kern="1200" dirty="0" err="1" smtClean="0">
+                          <a:solidFill>
+                            <a:schemeClr val="dk1"/>
+                          </a:solidFill>
+                          <a:latin typeface="+mn-ea"/>
+                          <a:ea typeface="+mn-ea"/>
+                          <a:cs typeface="+mn-cs"/>
+                        </a:rPr>
+                        <a:t>JLabel</a:t>
+                      </a:r>
+                      <a:r>
+                        <a:rPr lang="en-US" altLang="ko-KR" sz="1200" b="0" kern="1200" dirty="0" smtClean="0">
+                          <a:solidFill>
+                            <a:schemeClr val="dk1"/>
+                          </a:solidFill>
+                          <a:latin typeface="+mn-ea"/>
+                          <a:ea typeface="+mn-ea"/>
+                          <a:cs typeface="+mn-cs"/>
+                        </a:rPr>
+                        <a:t> </a:t>
+                      </a:r>
+                      <a:r>
+                        <a:rPr lang="en-US" altLang="ko-KR" sz="1200" b="0" kern="1200" dirty="0" err="1" smtClean="0">
+                          <a:solidFill>
+                            <a:schemeClr val="dk1"/>
+                          </a:solidFill>
+                          <a:latin typeface="+mn-ea"/>
+                          <a:ea typeface="+mn-ea"/>
+                          <a:cs typeface="+mn-cs"/>
+                        </a:rPr>
+                        <a:t>lb_day_of_week</a:t>
+                      </a:r>
+                      <a:r>
+                        <a:rPr lang="en-US" altLang="ko-KR" sz="1200" b="0" kern="1200" dirty="0" smtClean="0">
+                          <a:solidFill>
+                            <a:schemeClr val="dk1"/>
+                          </a:solidFill>
+                          <a:latin typeface="+mn-ea"/>
+                          <a:ea typeface="+mn-ea"/>
+                          <a:cs typeface="+mn-cs"/>
+                        </a:rPr>
+                        <a:t>_</a:t>
+                      </a:r>
+                      <a:r>
+                        <a:rPr lang="en-US" altLang="ko-KR" sz="1200" b="0" kern="1200" baseline="0" dirty="0" smtClean="0">
+                          <a:solidFill>
+                            <a:schemeClr val="dk1"/>
+                          </a:solidFill>
+                          <a:latin typeface="+mn-ea"/>
+                          <a:ea typeface="+mn-ea"/>
+                          <a:cs typeface="+mn-cs"/>
+                        </a:rPr>
+                        <a:t> </a:t>
+                      </a:r>
+                      <a:r>
+                        <a:rPr lang="en-US" altLang="ko-KR" sz="1200" b="0" kern="1200" baseline="0" dirty="0" err="1" smtClean="0">
+                          <a:solidFill>
+                            <a:schemeClr val="dk1"/>
+                          </a:solidFill>
+                          <a:latin typeface="+mn-ea"/>
+                          <a:ea typeface="+mn-ea"/>
+                          <a:cs typeface="+mn-cs"/>
+                        </a:rPr>
+                        <a:t>and_time</a:t>
+                      </a:r>
+                      <a:r>
+                        <a:rPr lang="en-US" altLang="ko-KR" sz="1200" b="0" kern="1200" baseline="0" dirty="0" smtClean="0">
+                          <a:solidFill>
+                            <a:schemeClr val="dk1"/>
+                          </a:solidFill>
+                          <a:latin typeface="+mn-ea"/>
+                          <a:ea typeface="+mn-ea"/>
+                          <a:cs typeface="+mn-cs"/>
+                        </a:rPr>
+                        <a:t>;</a:t>
+                      </a:r>
+                    </a:p>
+                    <a:p>
+                      <a:r>
+                        <a:rPr lang="en-US" altLang="ko-KR" sz="1200" b="0" kern="1200" dirty="0" err="1" smtClean="0">
+                          <a:solidFill>
+                            <a:schemeClr val="dk1"/>
+                          </a:solidFill>
+                          <a:latin typeface="+mn-ea"/>
+                          <a:ea typeface="+mn-ea"/>
+                          <a:cs typeface="+mn-cs"/>
+                        </a:rPr>
+                        <a:t>JLabel</a:t>
+                      </a:r>
+                      <a:r>
+                        <a:rPr lang="en-US" altLang="ko-KR" sz="1200" b="0" kern="1200" dirty="0" smtClean="0">
+                          <a:solidFill>
+                            <a:schemeClr val="dk1"/>
+                          </a:solidFill>
+                          <a:latin typeface="+mn-ea"/>
+                          <a:ea typeface="+mn-ea"/>
+                          <a:cs typeface="+mn-cs"/>
+                        </a:rPr>
+                        <a:t> </a:t>
+                      </a:r>
+                      <a:r>
+                        <a:rPr lang="en-US" altLang="ko-KR" sz="1200" b="0" kern="1200" dirty="0" err="1" smtClean="0">
+                          <a:solidFill>
+                            <a:schemeClr val="dk1"/>
+                          </a:solidFill>
+                          <a:latin typeface="+mn-ea"/>
+                          <a:ea typeface="+mn-ea"/>
+                          <a:cs typeface="+mn-cs"/>
+                        </a:rPr>
+                        <a:t>lb_semester_and_year</a:t>
+                      </a:r>
+                      <a:r>
+                        <a:rPr lang="en-US" altLang="ko-KR" sz="1200" b="0" kern="1200" dirty="0" smtClean="0">
+                          <a:solidFill>
+                            <a:schemeClr val="dk1"/>
+                          </a:solidFill>
+                          <a:latin typeface="+mn-ea"/>
+                          <a:ea typeface="+mn-ea"/>
+                          <a:cs typeface="+mn-cs"/>
+                        </a:rPr>
+                        <a:t>;</a:t>
+                      </a:r>
+                    </a:p>
+                    <a:p>
+                      <a:pPr marL="0" marR="0" indent="0" algn="l" defTabSz="914400" rtl="0" eaLnBrk="1" fontAlgn="auto" latinLnBrk="1" hangingPunct="1">
+                        <a:lnSpc>
+                          <a:spcPct val="100000"/>
+                        </a:lnSpc>
+                        <a:spcBef>
+                          <a:spcPts val="0"/>
+                        </a:spcBef>
+                        <a:spcAft>
+                          <a:spcPts val="0"/>
+                        </a:spcAft>
+                        <a:buClrTx/>
+                        <a:buSzTx/>
+                        <a:buFontTx/>
+                        <a:buNone/>
+                        <a:tabLst/>
+                        <a:defRPr/>
+                      </a:pPr>
+                      <a:r>
+                        <a:rPr lang="en-US" altLang="ko-KR" sz="1200" b="0" kern="1200" dirty="0" err="1" smtClean="0">
+                          <a:solidFill>
+                            <a:schemeClr val="dk1"/>
+                          </a:solidFill>
+                          <a:latin typeface="+mn-ea"/>
+                          <a:ea typeface="+mn-ea"/>
+                          <a:cs typeface="+mn-cs"/>
+                        </a:rPr>
+                        <a:t>JLabel</a:t>
+                      </a:r>
+                      <a:r>
+                        <a:rPr lang="en-US" altLang="ko-KR" sz="1200" b="0" kern="1200" dirty="0" smtClean="0">
+                          <a:solidFill>
+                            <a:schemeClr val="dk1"/>
+                          </a:solidFill>
+                          <a:latin typeface="+mn-ea"/>
+                          <a:ea typeface="+mn-ea"/>
+                          <a:cs typeface="+mn-cs"/>
+                        </a:rPr>
+                        <a:t> </a:t>
+                      </a:r>
+                      <a:r>
+                        <a:rPr lang="en-US" altLang="ko-KR" sz="1200" b="0" kern="1200" dirty="0" err="1" smtClean="0">
+                          <a:solidFill>
+                            <a:schemeClr val="dk1"/>
+                          </a:solidFill>
+                          <a:latin typeface="+mn-ea"/>
+                          <a:ea typeface="+mn-ea"/>
+                          <a:cs typeface="+mn-cs"/>
+                        </a:rPr>
+                        <a:t>lb_class_number</a:t>
+                      </a:r>
+                      <a:r>
+                        <a:rPr lang="en-US" altLang="ko-KR" sz="1200" b="0" kern="1200" dirty="0" smtClean="0">
+                          <a:solidFill>
+                            <a:schemeClr val="dk1"/>
+                          </a:solidFill>
+                          <a:latin typeface="+mn-ea"/>
+                          <a:ea typeface="+mn-ea"/>
+                          <a:cs typeface="+mn-cs"/>
+                        </a:rPr>
+                        <a:t>;</a:t>
+                      </a:r>
+                    </a:p>
+                    <a:p>
+                      <a:endParaRPr lang="en-US" altLang="ko-KR" sz="1200" kern="1200" dirty="0" smtClean="0">
+                        <a:solidFill>
+                          <a:schemeClr val="dk1"/>
+                        </a:solidFill>
+                        <a:latin typeface="+mn-lt"/>
+                        <a:ea typeface="+mn-ea"/>
+                        <a:cs typeface="+mn-cs"/>
+                      </a:endParaRPr>
+                    </a:p>
+                    <a:p>
+                      <a:r>
+                        <a:rPr lang="en-US" altLang="ko-KR" sz="1200" kern="1200" dirty="0" err="1" smtClean="0">
+                          <a:solidFill>
+                            <a:schemeClr val="dk1"/>
+                          </a:solidFill>
+                          <a:latin typeface="+mn-lt"/>
+                          <a:ea typeface="+mn-ea"/>
+                          <a:cs typeface="+mn-cs"/>
+                        </a:rPr>
+                        <a:t>JButton</a:t>
+                      </a:r>
+                      <a:r>
+                        <a:rPr lang="en-US" altLang="ko-KR" sz="1200" kern="1200" dirty="0" smtClean="0">
+                          <a:solidFill>
+                            <a:schemeClr val="dk1"/>
+                          </a:solidFill>
+                          <a:latin typeface="+mn-lt"/>
+                          <a:ea typeface="+mn-ea"/>
+                          <a:cs typeface="+mn-cs"/>
+                        </a:rPr>
+                        <a:t> </a:t>
+                      </a:r>
+                      <a:r>
+                        <a:rPr lang="en-US" altLang="ko-KR" sz="1200" kern="1200" dirty="0" err="1" smtClean="0">
+                          <a:solidFill>
+                            <a:schemeClr val="dk1"/>
+                          </a:solidFill>
+                          <a:latin typeface="+mn-lt"/>
+                          <a:ea typeface="+mn-ea"/>
+                          <a:cs typeface="+mn-cs"/>
+                        </a:rPr>
+                        <a:t>button_enroll</a:t>
+                      </a:r>
+                      <a:r>
+                        <a:rPr lang="en-US" altLang="ko-KR" sz="1200" kern="1200" dirty="0" smtClean="0">
+                          <a:solidFill>
+                            <a:schemeClr val="dk1"/>
+                          </a:solidFill>
+                          <a:latin typeface="+mn-lt"/>
+                          <a:ea typeface="+mn-ea"/>
+                          <a:cs typeface="+mn-cs"/>
+                        </a:rPr>
+                        <a:t>;//</a:t>
+                      </a:r>
+                      <a:r>
+                        <a:rPr lang="ko-KR" altLang="en-US" sz="1200" kern="1200" dirty="0" smtClean="0">
+                          <a:solidFill>
+                            <a:schemeClr val="dk1"/>
+                          </a:solidFill>
+                          <a:latin typeface="+mn-lt"/>
+                          <a:ea typeface="+mn-ea"/>
+                          <a:cs typeface="+mn-cs"/>
+                        </a:rPr>
+                        <a:t>등록 확인 버튼</a:t>
+                      </a:r>
+                    </a:p>
+                    <a:p>
+                      <a:r>
+                        <a:rPr lang="en-US" altLang="ko-KR" sz="1200" kern="1200" dirty="0" err="1" smtClean="0">
+                          <a:solidFill>
+                            <a:schemeClr val="dk1"/>
+                          </a:solidFill>
+                          <a:latin typeface="+mn-lt"/>
+                          <a:ea typeface="+mn-ea"/>
+                          <a:cs typeface="+mn-cs"/>
+                        </a:rPr>
+                        <a:t>JButton</a:t>
+                      </a:r>
+                      <a:r>
+                        <a:rPr lang="en-US" altLang="ko-KR" sz="1200" kern="1200" dirty="0" smtClean="0">
+                          <a:solidFill>
+                            <a:schemeClr val="dk1"/>
+                          </a:solidFill>
+                          <a:latin typeface="+mn-lt"/>
+                          <a:ea typeface="+mn-ea"/>
+                          <a:cs typeface="+mn-cs"/>
+                        </a:rPr>
+                        <a:t> </a:t>
+                      </a:r>
+                      <a:r>
+                        <a:rPr lang="en-US" altLang="ko-KR" sz="1200" kern="1200" dirty="0" err="1" smtClean="0">
+                          <a:solidFill>
+                            <a:schemeClr val="dk1"/>
+                          </a:solidFill>
+                          <a:latin typeface="+mn-lt"/>
+                          <a:ea typeface="+mn-ea"/>
+                          <a:cs typeface="+mn-cs"/>
+                        </a:rPr>
+                        <a:t>button_warning</a:t>
+                      </a:r>
+                      <a:r>
+                        <a:rPr lang="en-US" altLang="ko-KR" sz="1200" kern="1200" dirty="0" smtClean="0">
+                          <a:solidFill>
+                            <a:schemeClr val="dk1"/>
+                          </a:solidFill>
+                          <a:latin typeface="+mn-lt"/>
+                          <a:ea typeface="+mn-ea"/>
+                          <a:cs typeface="+mn-cs"/>
+                        </a:rPr>
+                        <a:t>;//</a:t>
+                      </a:r>
+                      <a:r>
+                        <a:rPr lang="ko-KR" altLang="en-US" sz="1200" kern="1200" dirty="0" smtClean="0">
+                          <a:solidFill>
+                            <a:schemeClr val="dk1"/>
+                          </a:solidFill>
+                          <a:latin typeface="+mn-lt"/>
+                          <a:ea typeface="+mn-ea"/>
+                          <a:cs typeface="+mn-cs"/>
+                        </a:rPr>
+                        <a:t>경고 창 버튼</a:t>
+                      </a:r>
+                    </a:p>
+                    <a:p>
+                      <a:r>
+                        <a:rPr lang="en-US" altLang="ko-KR" sz="1200" kern="1200" dirty="0" err="1" smtClean="0">
+                          <a:solidFill>
+                            <a:schemeClr val="dk1"/>
+                          </a:solidFill>
+                          <a:latin typeface="+mn-lt"/>
+                          <a:ea typeface="+mn-ea"/>
+                          <a:cs typeface="+mn-cs"/>
+                        </a:rPr>
+                        <a:t>Jbutton</a:t>
+                      </a:r>
+                      <a:r>
+                        <a:rPr lang="en-US" altLang="ko-KR" sz="1200" kern="1200" dirty="0" smtClean="0">
+                          <a:solidFill>
+                            <a:schemeClr val="dk1"/>
+                          </a:solidFill>
+                          <a:latin typeface="+mn-lt"/>
+                          <a:ea typeface="+mn-ea"/>
+                          <a:cs typeface="+mn-cs"/>
+                        </a:rPr>
+                        <a:t> </a:t>
+                      </a:r>
+                      <a:r>
+                        <a:rPr lang="en-US" altLang="ko-KR" sz="1200" kern="1200" dirty="0" err="1" smtClean="0">
+                          <a:solidFill>
+                            <a:schemeClr val="dk1"/>
+                          </a:solidFill>
+                          <a:latin typeface="+mn-lt"/>
+                          <a:ea typeface="+mn-ea"/>
+                          <a:cs typeface="+mn-cs"/>
+                        </a:rPr>
+                        <a:t>button_confirm</a:t>
+                      </a:r>
+                      <a:r>
+                        <a:rPr lang="en-US" altLang="ko-KR" sz="1200" kern="1200" dirty="0" smtClean="0">
+                          <a:solidFill>
+                            <a:schemeClr val="dk1"/>
+                          </a:solidFill>
+                          <a:latin typeface="+mn-lt"/>
+                          <a:ea typeface="+mn-ea"/>
+                          <a:cs typeface="+mn-cs"/>
+                        </a:rPr>
+                        <a:t>;//</a:t>
+                      </a:r>
+                      <a:r>
+                        <a:rPr lang="ko-KR" altLang="en-US" sz="1200" kern="1200" dirty="0" smtClean="0">
+                          <a:solidFill>
+                            <a:schemeClr val="dk1"/>
+                          </a:solidFill>
+                          <a:latin typeface="+mn-lt"/>
+                          <a:ea typeface="+mn-ea"/>
+                          <a:cs typeface="+mn-cs"/>
+                        </a:rPr>
+                        <a:t>확인 창 버튼</a:t>
+                      </a:r>
+                    </a:p>
+                  </a:txBody>
+                  <a:tcPr/>
+                </a:tc>
+              </a:tr>
+              <a:tr h="427234">
+                <a:tc>
+                  <a:txBody>
+                    <a:bodyPr/>
+                    <a:lstStyle/>
+                    <a:p>
+                      <a:r>
+                        <a:rPr lang="en-US" altLang="ko-KR" sz="1200" kern="1200" dirty="0" smtClean="0">
+                          <a:solidFill>
+                            <a:schemeClr val="dk1"/>
+                          </a:solidFill>
+                          <a:latin typeface="+mn-lt"/>
+                          <a:ea typeface="+mn-ea"/>
+                          <a:cs typeface="+mn-cs"/>
+                        </a:rPr>
+                        <a:t>public void </a:t>
+                      </a:r>
+                      <a:r>
+                        <a:rPr lang="en-US" altLang="ko-KR" sz="1200" kern="1200" dirty="0" err="1" smtClean="0">
+                          <a:solidFill>
+                            <a:schemeClr val="dk1"/>
+                          </a:solidFill>
+                          <a:latin typeface="+mn-lt"/>
+                          <a:ea typeface="+mn-ea"/>
+                          <a:cs typeface="+mn-cs"/>
+                        </a:rPr>
+                        <a:t>ConfirmWindow</a:t>
+                      </a:r>
+                      <a:r>
+                        <a:rPr lang="en-US" altLang="ko-KR" sz="1200" kern="1200" dirty="0" smtClean="0">
+                          <a:solidFill>
+                            <a:schemeClr val="dk1"/>
+                          </a:solidFill>
+                          <a:latin typeface="+mn-lt"/>
+                          <a:ea typeface="+mn-ea"/>
+                          <a:cs typeface="+mn-cs"/>
+                        </a:rPr>
+                        <a:t>()</a:t>
+                      </a:r>
+                    </a:p>
+                    <a:p>
+                      <a:r>
+                        <a:rPr lang="en-US" altLang="ko-KR" sz="1200" kern="1200" dirty="0" smtClean="0">
+                          <a:solidFill>
+                            <a:schemeClr val="dk1"/>
+                          </a:solidFill>
+                          <a:latin typeface="+mn-lt"/>
+                          <a:ea typeface="+mn-ea"/>
+                          <a:cs typeface="+mn-cs"/>
+                        </a:rPr>
+                        <a:t>public</a:t>
+                      </a:r>
+                      <a:r>
+                        <a:rPr lang="en-US" altLang="ko-KR" sz="1200" kern="1200" baseline="0" dirty="0" smtClean="0">
+                          <a:solidFill>
+                            <a:schemeClr val="dk1"/>
+                          </a:solidFill>
+                          <a:latin typeface="+mn-lt"/>
+                          <a:ea typeface="+mn-ea"/>
+                          <a:cs typeface="+mn-cs"/>
+                        </a:rPr>
+                        <a:t> void </a:t>
+                      </a:r>
+                      <a:r>
+                        <a:rPr lang="en-US" altLang="ko-KR" sz="1200" kern="1200" baseline="0" dirty="0" err="1" smtClean="0">
+                          <a:solidFill>
+                            <a:schemeClr val="dk1"/>
+                          </a:solidFill>
+                          <a:latin typeface="+mn-lt"/>
+                          <a:ea typeface="+mn-ea"/>
+                          <a:cs typeface="+mn-cs"/>
+                        </a:rPr>
+                        <a:t>WarningWindow</a:t>
+                      </a:r>
+                      <a:r>
+                        <a:rPr lang="en-US" altLang="ko-KR" sz="1200" kern="1200" baseline="0" dirty="0" smtClean="0">
+                          <a:solidFill>
+                            <a:schemeClr val="dk1"/>
+                          </a:solidFill>
+                          <a:latin typeface="+mn-lt"/>
+                          <a:ea typeface="+mn-ea"/>
+                          <a:cs typeface="+mn-cs"/>
+                        </a:rPr>
+                        <a:t>()</a:t>
+                      </a:r>
+                      <a:endParaRPr lang="en-US" altLang="ko-KR" sz="1200" kern="1200" dirty="0" smtClean="0">
+                        <a:solidFill>
+                          <a:schemeClr val="dk1"/>
+                        </a:solidFill>
+                        <a:latin typeface="+mn-lt"/>
+                        <a:ea typeface="+mn-ea"/>
+                        <a:cs typeface="+mn-cs"/>
+                      </a:endParaRPr>
+                    </a:p>
+                  </a:txBody>
+                  <a:tcPr/>
+                </a:tc>
+              </a:tr>
+            </a:tbl>
+          </a:graphicData>
+        </a:graphic>
+      </p:graphicFrame>
+      <p:graphicFrame>
+        <p:nvGraphicFramePr>
+          <p:cNvPr id="4" name="표 3"/>
+          <p:cNvGraphicFramePr>
+            <a:graphicFrameLocks noGrp="1"/>
+          </p:cNvGraphicFramePr>
+          <p:nvPr/>
+        </p:nvGraphicFramePr>
+        <p:xfrm>
+          <a:off x="4939991" y="970158"/>
+          <a:ext cx="3920518" cy="5001424"/>
+        </p:xfrm>
+        <a:graphic>
+          <a:graphicData uri="http://schemas.openxmlformats.org/drawingml/2006/table">
+            <a:tbl>
+              <a:tblPr/>
+              <a:tblGrid>
+                <a:gridCol w="1057490"/>
+                <a:gridCol w="1057490"/>
+                <a:gridCol w="1057490"/>
+                <a:gridCol w="748048"/>
+              </a:tblGrid>
+              <a:tr h="1133850">
+                <a:tc rowSpan="7">
+                  <a:txBody>
+                    <a:bodyPr/>
+                    <a:lstStyle/>
+                    <a:p>
+                      <a:pPr marL="0" marR="0" algn="ctr">
+                        <a:lnSpc>
+                          <a:spcPct val="160000"/>
+                        </a:lnSpc>
+                        <a:spcBef>
+                          <a:spcPts val="0"/>
+                        </a:spcBef>
+                        <a:spcAft>
+                          <a:spcPts val="0"/>
+                        </a:spcAft>
+                      </a:pPr>
+                      <a:r>
+                        <a:rPr lang="ko-KR" altLang="en-US" sz="1100" b="0" dirty="0">
+                          <a:solidFill>
+                            <a:schemeClr val="tx1"/>
+                          </a:solidFill>
+                          <a:latin typeface="+mn-lt"/>
+                        </a:rPr>
+                        <a:t>윈도우 창</a:t>
+                      </a:r>
+                    </a:p>
+                  </a:txBody>
+                  <a:tcPr marL="64770" marR="64770" marT="17907" marB="17907" anchor="ctr">
+                    <a:lnL w="3556" cap="flat" cmpd="sng" algn="ctr">
+                      <a:solidFill>
+                        <a:srgbClr val="000000"/>
+                      </a:solidFill>
+                      <a:prstDash val="solid"/>
+                      <a:round/>
+                      <a:headEnd type="none" w="med" len="med"/>
+                      <a:tailEnd type="none" w="med" len="med"/>
+                    </a:lnL>
+                    <a:lnR w="3556" cap="flat" cmpd="sng" algn="ctr">
+                      <a:solidFill>
+                        <a:srgbClr val="000000"/>
+                      </a:solidFill>
+                      <a:prstDash val="solid"/>
+                      <a:round/>
+                      <a:headEnd type="none" w="med" len="med"/>
+                      <a:tailEnd type="none" w="med" len="med"/>
+                    </a:lnR>
+                    <a:lnT w="3556" cap="flat" cmpd="sng" algn="ctr">
+                      <a:solidFill>
+                        <a:srgbClr val="000000"/>
+                      </a:solidFill>
+                      <a:prstDash val="solid"/>
+                      <a:round/>
+                      <a:headEnd type="none" w="med" len="med"/>
+                      <a:tailEnd type="none" w="med" len="med"/>
+                    </a:lnT>
+                    <a:lnB w="3556" cap="flat" cmpd="sng" algn="ctr">
+                      <a:solidFill>
+                        <a:srgbClr val="000000"/>
+                      </a:solidFill>
+                      <a:prstDash val="solid"/>
+                      <a:round/>
+                      <a:headEnd type="none" w="med" len="med"/>
+                      <a:tailEnd type="none" w="med" len="med"/>
+                    </a:lnB>
+                  </a:tcPr>
+                </a:tc>
+                <a:tc>
+                  <a:txBody>
+                    <a:bodyPr/>
+                    <a:lstStyle/>
+                    <a:p>
+                      <a:pPr marL="0" marR="0" algn="ctr">
+                        <a:lnSpc>
+                          <a:spcPct val="160000"/>
+                        </a:lnSpc>
+                        <a:spcBef>
+                          <a:spcPts val="0"/>
+                        </a:spcBef>
+                        <a:spcAft>
+                          <a:spcPts val="0"/>
+                        </a:spcAft>
+                      </a:pPr>
+                      <a:r>
+                        <a:rPr lang="ko-KR" altLang="en-US" sz="1100" b="0" dirty="0" smtClean="0">
+                          <a:solidFill>
+                            <a:schemeClr val="tx1"/>
+                          </a:solidFill>
+                          <a:latin typeface="+mn-lt"/>
+                        </a:rPr>
+                        <a:t>텍스트 </a:t>
+                      </a:r>
+                      <a:r>
+                        <a:rPr lang="ko-KR" altLang="en-US" sz="1100" b="0" dirty="0">
+                          <a:solidFill>
+                            <a:schemeClr val="tx1"/>
+                          </a:solidFill>
+                          <a:latin typeface="+mn-lt"/>
+                        </a:rPr>
+                        <a:t>영역</a:t>
+                      </a:r>
+                    </a:p>
+                  </a:txBody>
+                  <a:tcPr marL="64770" marR="64770" marT="17907" marB="17907" anchor="ctr">
+                    <a:lnL w="3556" cap="flat" cmpd="sng" algn="ctr">
+                      <a:solidFill>
+                        <a:srgbClr val="000000"/>
+                      </a:solidFill>
+                      <a:prstDash val="solid"/>
+                      <a:round/>
+                      <a:headEnd type="none" w="med" len="med"/>
+                      <a:tailEnd type="none" w="med" len="med"/>
+                    </a:lnL>
+                    <a:lnR w="3556" cap="flat" cmpd="sng" algn="ctr">
+                      <a:solidFill>
+                        <a:srgbClr val="000000"/>
+                      </a:solidFill>
+                      <a:prstDash val="solid"/>
+                      <a:round/>
+                      <a:headEnd type="none" w="med" len="med"/>
+                      <a:tailEnd type="none" w="med" len="med"/>
+                    </a:lnR>
+                    <a:lnT w="3556" cap="flat" cmpd="sng" algn="ctr">
+                      <a:solidFill>
+                        <a:srgbClr val="000000"/>
+                      </a:solidFill>
+                      <a:prstDash val="solid"/>
+                      <a:round/>
+                      <a:headEnd type="none" w="med" len="med"/>
+                      <a:tailEnd type="none" w="med" len="med"/>
+                    </a:lnT>
+                    <a:lnB w="3556" cap="flat" cmpd="sng" algn="ctr">
+                      <a:solidFill>
+                        <a:srgbClr val="000000"/>
+                      </a:solidFill>
+                      <a:prstDash val="solid"/>
+                      <a:round/>
+                      <a:headEnd type="none" w="med" len="med"/>
+                      <a:tailEnd type="none" w="med" len="med"/>
+                    </a:lnB>
+                  </a:tcPr>
+                </a:tc>
+                <a:tc>
+                  <a:txBody>
+                    <a:bodyPr/>
+                    <a:lstStyle/>
+                    <a:p>
+                      <a:pPr marL="0" marR="0" algn="ctr">
+                        <a:lnSpc>
+                          <a:spcPct val="160000"/>
+                        </a:lnSpc>
+                        <a:spcBef>
+                          <a:spcPts val="0"/>
+                        </a:spcBef>
+                        <a:spcAft>
+                          <a:spcPts val="0"/>
+                        </a:spcAft>
+                      </a:pPr>
+                      <a:r>
+                        <a:rPr lang="ko-KR" altLang="en-US" sz="1100" b="0" dirty="0" smtClean="0">
+                          <a:solidFill>
+                            <a:schemeClr val="tx1"/>
+                          </a:solidFill>
+                          <a:latin typeface="+mn-lt"/>
+                        </a:rPr>
+                        <a:t>테이블 </a:t>
+                      </a:r>
+                      <a:r>
+                        <a:rPr lang="ko-KR" altLang="en-US" sz="1100" b="0" dirty="0">
+                          <a:solidFill>
+                            <a:schemeClr val="tx1"/>
+                          </a:solidFill>
+                          <a:latin typeface="+mn-lt"/>
+                        </a:rPr>
+                        <a:t>영역</a:t>
+                      </a:r>
+                    </a:p>
+                  </a:txBody>
+                  <a:tcPr marL="64770" marR="64770" marT="17907" marB="17907" anchor="ctr">
+                    <a:lnL w="3556" cap="flat" cmpd="sng" algn="ctr">
+                      <a:solidFill>
+                        <a:srgbClr val="000000"/>
+                      </a:solidFill>
+                      <a:prstDash val="solid"/>
+                      <a:round/>
+                      <a:headEnd type="none" w="med" len="med"/>
+                      <a:tailEnd type="none" w="med" len="med"/>
+                    </a:lnL>
+                    <a:lnR w="3556" cap="flat" cmpd="sng" algn="ctr">
+                      <a:solidFill>
+                        <a:srgbClr val="000000"/>
+                      </a:solidFill>
+                      <a:prstDash val="solid"/>
+                      <a:round/>
+                      <a:headEnd type="none" w="med" len="med"/>
+                      <a:tailEnd type="none" w="med" len="med"/>
+                    </a:lnR>
+                    <a:lnT w="3556" cap="flat" cmpd="sng" algn="ctr">
+                      <a:solidFill>
+                        <a:srgbClr val="000000"/>
+                      </a:solidFill>
+                      <a:prstDash val="solid"/>
+                      <a:round/>
+                      <a:headEnd type="none" w="med" len="med"/>
+                      <a:tailEnd type="none" w="med" len="med"/>
+                    </a:lnT>
+                    <a:lnB w="3556" cap="flat" cmpd="sng" algn="ctr">
+                      <a:solidFill>
+                        <a:srgbClr val="000000"/>
+                      </a:solidFill>
+                      <a:prstDash val="solid"/>
+                      <a:round/>
+                      <a:headEnd type="none" w="med" len="med"/>
+                      <a:tailEnd type="none" w="med" len="med"/>
+                    </a:lnB>
+                  </a:tcPr>
+                </a:tc>
+                <a:tc>
+                  <a:txBody>
+                    <a:bodyPr/>
+                    <a:lstStyle/>
+                    <a:p>
+                      <a:pPr marL="0" marR="0" algn="ctr">
+                        <a:lnSpc>
+                          <a:spcPct val="160000"/>
+                        </a:lnSpc>
+                        <a:spcBef>
+                          <a:spcPts val="0"/>
+                        </a:spcBef>
+                        <a:spcAft>
+                          <a:spcPts val="0"/>
+                        </a:spcAft>
+                      </a:pPr>
+                      <a:r>
+                        <a:rPr lang="ko-KR" altLang="en-US" sz="1100" b="0" dirty="0" smtClean="0">
+                          <a:solidFill>
+                            <a:schemeClr val="tx1"/>
+                          </a:solidFill>
+                          <a:latin typeface="+mn-lt"/>
+                        </a:rPr>
+                        <a:t>버튼</a:t>
+                      </a:r>
+                      <a:endParaRPr lang="ko-KR" altLang="en-US" sz="1100" b="0" dirty="0">
+                        <a:solidFill>
+                          <a:schemeClr val="tx1"/>
+                        </a:solidFill>
+                        <a:latin typeface="+mn-lt"/>
+                      </a:endParaRPr>
+                    </a:p>
+                  </a:txBody>
+                  <a:tcPr marL="64770" marR="64770" marT="17907" marB="17907" anchor="ctr">
+                    <a:lnL w="3556" cap="flat" cmpd="sng" algn="ctr">
+                      <a:solidFill>
+                        <a:srgbClr val="000000"/>
+                      </a:solidFill>
+                      <a:prstDash val="solid"/>
+                      <a:round/>
+                      <a:headEnd type="none" w="med" len="med"/>
+                      <a:tailEnd type="none" w="med" len="med"/>
+                    </a:lnL>
+                    <a:lnR w="3556" cap="flat" cmpd="sng" algn="ctr">
+                      <a:solidFill>
+                        <a:srgbClr val="000000"/>
+                      </a:solidFill>
+                      <a:prstDash val="solid"/>
+                      <a:round/>
+                      <a:headEnd type="none" w="med" len="med"/>
+                      <a:tailEnd type="none" w="med" len="med"/>
+                    </a:lnR>
+                    <a:lnT w="3556" cap="flat" cmpd="sng" algn="ctr">
+                      <a:solidFill>
+                        <a:srgbClr val="000000"/>
+                      </a:solidFill>
+                      <a:prstDash val="solid"/>
+                      <a:round/>
+                      <a:headEnd type="none" w="med" len="med"/>
+                      <a:tailEnd type="none" w="med" len="med"/>
+                    </a:lnT>
+                    <a:lnB w="3556" cap="flat" cmpd="sng" algn="ctr">
+                      <a:solidFill>
+                        <a:srgbClr val="000000"/>
+                      </a:solidFill>
+                      <a:prstDash val="solid"/>
+                      <a:round/>
+                      <a:headEnd type="none" w="med" len="med"/>
+                      <a:tailEnd type="none" w="med" len="med"/>
+                    </a:lnB>
+                  </a:tcPr>
+                </a:tc>
+              </a:tr>
+              <a:tr h="816292">
+                <a:tc vMerge="1">
+                  <a:txBody>
+                    <a:bodyPr/>
+                    <a:lstStyle/>
+                    <a:p>
+                      <a:pPr latinLnBrk="1"/>
+                      <a:endParaRPr lang="ko-KR" altLang="en-US"/>
+                    </a:p>
+                  </a:txBody>
+                  <a:tcPr/>
+                </a:tc>
+                <a:tc>
+                  <a:txBody>
+                    <a:bodyPr/>
+                    <a:lstStyle/>
+                    <a:p>
+                      <a:pPr marL="0" marR="0" algn="ctr">
+                        <a:lnSpc>
+                          <a:spcPct val="160000"/>
+                        </a:lnSpc>
+                        <a:spcBef>
+                          <a:spcPts val="0"/>
+                        </a:spcBef>
+                        <a:spcAft>
+                          <a:spcPts val="0"/>
+                        </a:spcAft>
+                      </a:pPr>
+                      <a:r>
+                        <a:rPr lang="ko-KR" altLang="en-US" sz="1100" b="0" dirty="0">
+                          <a:solidFill>
+                            <a:schemeClr val="tx1"/>
+                          </a:solidFill>
+                          <a:latin typeface="+mn-lt"/>
+                        </a:rPr>
+                        <a:t>과목명</a:t>
+                      </a:r>
+                    </a:p>
+                  </a:txBody>
+                  <a:tcPr marL="64770" marR="64770" marT="17907" marB="17907" anchor="ctr">
+                    <a:lnL w="3556" cap="flat" cmpd="sng" algn="ctr">
+                      <a:solidFill>
+                        <a:srgbClr val="000000"/>
+                      </a:solidFill>
+                      <a:prstDash val="solid"/>
+                      <a:round/>
+                      <a:headEnd type="none" w="med" len="med"/>
+                      <a:tailEnd type="none" w="med" len="med"/>
+                    </a:lnL>
+                    <a:lnR w="3556" cap="flat" cmpd="sng" algn="ctr">
+                      <a:solidFill>
+                        <a:srgbClr val="000000"/>
+                      </a:solidFill>
+                      <a:prstDash val="solid"/>
+                      <a:round/>
+                      <a:headEnd type="none" w="med" len="med"/>
+                      <a:tailEnd type="none" w="med" len="med"/>
+                    </a:lnR>
+                    <a:lnT w="3556" cap="flat" cmpd="sng" algn="ctr">
+                      <a:solidFill>
+                        <a:srgbClr val="000000"/>
+                      </a:solidFill>
+                      <a:prstDash val="solid"/>
+                      <a:round/>
+                      <a:headEnd type="none" w="med" len="med"/>
+                      <a:tailEnd type="none" w="med" len="med"/>
+                    </a:lnT>
+                    <a:lnB w="3556" cap="flat" cmpd="sng" algn="ctr">
+                      <a:solidFill>
+                        <a:srgbClr val="000000"/>
+                      </a:solidFill>
+                      <a:prstDash val="solid"/>
+                      <a:round/>
+                      <a:headEnd type="none" w="med" len="med"/>
+                      <a:tailEnd type="none" w="med" len="med"/>
+                    </a:lnB>
+                  </a:tcPr>
+                </a:tc>
+                <a:tc rowSpan="2">
+                  <a:txBody>
+                    <a:bodyPr/>
+                    <a:lstStyle/>
+                    <a:p>
+                      <a:pPr marL="0" marR="0" algn="ctr">
+                        <a:lnSpc>
+                          <a:spcPct val="160000"/>
+                        </a:lnSpc>
+                        <a:spcBef>
+                          <a:spcPts val="0"/>
+                        </a:spcBef>
+                        <a:spcAft>
+                          <a:spcPts val="0"/>
+                        </a:spcAft>
+                      </a:pPr>
+                      <a:r>
+                        <a:rPr lang="ko-KR" altLang="en-US" sz="1100" b="0" dirty="0">
+                          <a:solidFill>
+                            <a:schemeClr val="tx1"/>
+                          </a:solidFill>
+                          <a:latin typeface="+mn-lt"/>
+                        </a:rPr>
+                        <a:t>확인 </a:t>
+                      </a:r>
+                      <a:r>
+                        <a:rPr lang="ko-KR" altLang="en-US" sz="1100" b="0" dirty="0" smtClean="0">
+                          <a:solidFill>
+                            <a:schemeClr val="tx1"/>
+                          </a:solidFill>
+                          <a:latin typeface="+mn-lt"/>
+                        </a:rPr>
+                        <a:t>창</a:t>
+                      </a:r>
+                      <a:endParaRPr lang="en-US" altLang="ko-KR" sz="1100" b="0" dirty="0" smtClean="0">
+                        <a:solidFill>
+                          <a:schemeClr val="tx1"/>
+                        </a:solidFill>
+                        <a:latin typeface="+mn-lt"/>
+                      </a:endParaRPr>
+                    </a:p>
+                    <a:p>
+                      <a:pPr marL="0" marR="0" algn="ctr">
+                        <a:lnSpc>
+                          <a:spcPct val="160000"/>
+                        </a:lnSpc>
+                        <a:spcBef>
+                          <a:spcPts val="0"/>
+                        </a:spcBef>
+                        <a:spcAft>
+                          <a:spcPts val="0"/>
+                        </a:spcAft>
+                      </a:pPr>
+                      <a:endParaRPr lang="en-US" altLang="ko-KR" sz="1100" b="0" dirty="0" smtClean="0">
+                        <a:solidFill>
+                          <a:schemeClr val="tx1"/>
+                        </a:solidFill>
+                        <a:latin typeface="+mn-lt"/>
+                      </a:endParaRPr>
+                    </a:p>
+                    <a:p>
+                      <a:pPr marL="0" marR="0" algn="ctr">
+                        <a:lnSpc>
+                          <a:spcPct val="160000"/>
+                        </a:lnSpc>
+                        <a:spcBef>
+                          <a:spcPts val="0"/>
+                        </a:spcBef>
+                        <a:spcAft>
+                          <a:spcPts val="0"/>
+                        </a:spcAft>
+                      </a:pPr>
+                      <a:r>
+                        <a:rPr lang="ko-KR" altLang="en-US" sz="1100" b="0" dirty="0" smtClean="0">
+                          <a:solidFill>
+                            <a:schemeClr val="tx1"/>
+                          </a:solidFill>
+                          <a:latin typeface="+mn-lt"/>
+                        </a:rPr>
+                        <a:t>경고 창</a:t>
+                      </a:r>
+                      <a:endParaRPr lang="en-US" altLang="ko-KR" sz="1100" b="0" dirty="0" smtClean="0">
+                        <a:solidFill>
+                          <a:schemeClr val="tx1"/>
+                        </a:solidFill>
+                        <a:latin typeface="+mn-lt"/>
+                      </a:endParaRPr>
+                    </a:p>
+                  </a:txBody>
+                  <a:tcPr marL="64770" marR="64770" marT="17907" marB="17907" anchor="ctr">
+                    <a:lnL w="3556" cap="flat" cmpd="sng" algn="ctr">
+                      <a:solidFill>
+                        <a:srgbClr val="000000"/>
+                      </a:solidFill>
+                      <a:prstDash val="solid"/>
+                      <a:round/>
+                      <a:headEnd type="none" w="med" len="med"/>
+                      <a:tailEnd type="none" w="med" len="med"/>
+                    </a:lnL>
+                    <a:lnR w="3556" cap="flat" cmpd="sng" algn="ctr">
+                      <a:solidFill>
+                        <a:srgbClr val="000000"/>
+                      </a:solidFill>
+                      <a:prstDash val="solid"/>
+                      <a:round/>
+                      <a:headEnd type="none" w="med" len="med"/>
+                      <a:tailEnd type="none" w="med" len="med"/>
+                    </a:lnR>
+                    <a:lnT w="3556" cap="flat" cmpd="sng" algn="ctr">
+                      <a:solidFill>
+                        <a:srgbClr val="000000"/>
+                      </a:solidFill>
+                      <a:prstDash val="solid"/>
+                      <a:round/>
+                      <a:headEnd type="none" w="med" len="med"/>
+                      <a:tailEnd type="none" w="med" len="med"/>
+                    </a:lnT>
+                    <a:lnB w="3556" cap="flat" cmpd="sng" algn="ctr">
+                      <a:solidFill>
+                        <a:srgbClr val="000000"/>
+                      </a:solidFill>
+                      <a:prstDash val="solid"/>
+                      <a:round/>
+                      <a:headEnd type="none" w="med" len="med"/>
+                      <a:tailEnd type="none" w="med" len="med"/>
+                    </a:lnB>
+                  </a:tcPr>
+                </a:tc>
+                <a:tc rowSpan="2">
+                  <a:txBody>
+                    <a:bodyPr/>
+                    <a:lstStyle/>
+                    <a:p>
+                      <a:pPr marL="0" marR="0" algn="ctr">
+                        <a:lnSpc>
+                          <a:spcPct val="160000"/>
+                        </a:lnSpc>
+                        <a:spcBef>
+                          <a:spcPts val="0"/>
+                        </a:spcBef>
+                        <a:spcAft>
+                          <a:spcPts val="0"/>
+                        </a:spcAft>
+                      </a:pPr>
+                      <a:r>
+                        <a:rPr lang="ko-KR" altLang="en-US" sz="1100" b="0" dirty="0" err="1" smtClean="0">
+                          <a:solidFill>
+                            <a:schemeClr val="tx1"/>
+                          </a:solidFill>
+                          <a:latin typeface="+mn-lt"/>
+                        </a:rPr>
+                        <a:t>버튼명</a:t>
+                      </a:r>
+                      <a:endParaRPr lang="ko-KR" altLang="en-US" sz="1100" b="0" dirty="0">
+                        <a:solidFill>
+                          <a:schemeClr val="tx1"/>
+                        </a:solidFill>
+                        <a:latin typeface="+mn-lt"/>
+                      </a:endParaRPr>
+                    </a:p>
+                  </a:txBody>
+                  <a:tcPr marL="64770" marR="64770" marT="17907" marB="17907" anchor="ctr">
+                    <a:lnL w="3556" cap="flat" cmpd="sng" algn="ctr">
+                      <a:solidFill>
+                        <a:srgbClr val="000000"/>
+                      </a:solidFill>
+                      <a:prstDash val="solid"/>
+                      <a:round/>
+                      <a:headEnd type="none" w="med" len="med"/>
+                      <a:tailEnd type="none" w="med" len="med"/>
+                    </a:lnL>
+                    <a:lnR w="3556" cap="flat" cmpd="sng" algn="ctr">
+                      <a:solidFill>
+                        <a:srgbClr val="000000"/>
+                      </a:solidFill>
+                      <a:prstDash val="solid"/>
+                      <a:round/>
+                      <a:headEnd type="none" w="med" len="med"/>
+                      <a:tailEnd type="none" w="med" len="med"/>
+                    </a:lnR>
+                    <a:lnT w="3556" cap="flat" cmpd="sng" algn="ctr">
+                      <a:solidFill>
+                        <a:srgbClr val="000000"/>
+                      </a:solidFill>
+                      <a:prstDash val="solid"/>
+                      <a:round/>
+                      <a:headEnd type="none" w="med" len="med"/>
+                      <a:tailEnd type="none" w="med" len="med"/>
+                    </a:lnT>
+                    <a:lnB w="3556" cap="flat" cmpd="sng" algn="ctr">
+                      <a:solidFill>
+                        <a:srgbClr val="000000"/>
+                      </a:solidFill>
+                      <a:prstDash val="solid"/>
+                      <a:round/>
+                      <a:headEnd type="none" w="med" len="med"/>
+                      <a:tailEnd type="none" w="med" len="med"/>
+                    </a:lnB>
+                  </a:tcPr>
+                </a:tc>
+              </a:tr>
+              <a:tr h="317559">
+                <a:tc vMerge="1">
+                  <a:txBody>
+                    <a:bodyPr/>
+                    <a:lstStyle/>
+                    <a:p>
+                      <a:pPr latinLnBrk="1"/>
+                      <a:endParaRPr lang="ko-KR" altLang="en-US"/>
+                    </a:p>
+                  </a:txBody>
+                  <a:tcPr/>
+                </a:tc>
+                <a:tc rowSpan="2">
+                  <a:txBody>
+                    <a:bodyPr/>
+                    <a:lstStyle/>
+                    <a:p>
+                      <a:pPr marL="0" marR="0" algn="ctr">
+                        <a:lnSpc>
+                          <a:spcPct val="160000"/>
+                        </a:lnSpc>
+                        <a:spcBef>
+                          <a:spcPts val="0"/>
+                        </a:spcBef>
+                        <a:spcAft>
+                          <a:spcPts val="0"/>
+                        </a:spcAft>
+                      </a:pPr>
+                      <a:r>
+                        <a:rPr lang="ko-KR" altLang="en-US" sz="1100" b="0" dirty="0">
+                          <a:solidFill>
+                            <a:schemeClr val="tx1"/>
+                          </a:solidFill>
+                          <a:latin typeface="+mn-lt"/>
+                        </a:rPr>
+                        <a:t>담당교수</a:t>
+                      </a:r>
+                    </a:p>
+                  </a:txBody>
+                  <a:tcPr marL="64770" marR="64770" marT="17907" marB="17907" anchor="ctr">
+                    <a:lnL w="3556" cap="flat" cmpd="sng" algn="ctr">
+                      <a:solidFill>
+                        <a:srgbClr val="000000"/>
+                      </a:solidFill>
+                      <a:prstDash val="solid"/>
+                      <a:round/>
+                      <a:headEnd type="none" w="med" len="med"/>
+                      <a:tailEnd type="none" w="med" len="med"/>
+                    </a:lnL>
+                    <a:lnR w="3556" cap="flat" cmpd="sng" algn="ctr">
+                      <a:solidFill>
+                        <a:srgbClr val="000000"/>
+                      </a:solidFill>
+                      <a:prstDash val="solid"/>
+                      <a:round/>
+                      <a:headEnd type="none" w="med" len="med"/>
+                      <a:tailEnd type="none" w="med" len="med"/>
+                    </a:lnR>
+                    <a:lnT w="3556" cap="flat" cmpd="sng" algn="ctr">
+                      <a:solidFill>
+                        <a:srgbClr val="000000"/>
+                      </a:solidFill>
+                      <a:prstDash val="solid"/>
+                      <a:round/>
+                      <a:headEnd type="none" w="med" len="med"/>
+                      <a:tailEnd type="none" w="med" len="med"/>
+                    </a:lnT>
+                    <a:lnB w="3556" cap="flat" cmpd="sng" algn="ctr">
+                      <a:solidFill>
+                        <a:srgbClr val="000000"/>
+                      </a:solidFill>
+                      <a:prstDash val="solid"/>
+                      <a:round/>
+                      <a:headEnd type="none" w="med" len="med"/>
+                      <a:tailEnd type="none" w="med" len="med"/>
+                    </a:lnB>
+                  </a:tcPr>
+                </a:tc>
+                <a:tc vMerge="1">
+                  <a:txBody>
+                    <a:bodyPr/>
+                    <a:lstStyle/>
+                    <a:p>
+                      <a:pPr latinLnBrk="1"/>
+                      <a:endParaRPr lang="ko-KR" altLang="en-US"/>
+                    </a:p>
+                  </a:txBody>
+                  <a:tcPr/>
+                </a:tc>
+                <a:tc vMerge="1">
+                  <a:txBody>
+                    <a:bodyPr/>
+                    <a:lstStyle/>
+                    <a:p>
+                      <a:pPr latinLnBrk="1"/>
+                      <a:endParaRPr lang="ko-KR" altLang="en-US"/>
+                    </a:p>
+                  </a:txBody>
+                  <a:tcPr/>
+                </a:tc>
+              </a:tr>
+              <a:tr h="284847">
+                <a:tc vMerge="1">
+                  <a:txBody>
+                    <a:bodyPr/>
+                    <a:lstStyle/>
+                    <a:p>
+                      <a:pPr latinLnBrk="1"/>
+                      <a:endParaRPr lang="ko-KR" altLang="en-US"/>
+                    </a:p>
+                  </a:txBody>
+                  <a:tcPr/>
+                </a:tc>
+                <a:tc vMerge="1">
+                  <a:txBody>
+                    <a:bodyPr/>
+                    <a:lstStyle/>
+                    <a:p>
+                      <a:pPr latinLnBrk="1"/>
+                      <a:endParaRPr lang="ko-KR" altLang="en-US"/>
+                    </a:p>
+                  </a:txBody>
+                  <a:tcPr/>
+                </a:tc>
+                <a:tc rowSpan="4">
+                  <a:txBody>
+                    <a:bodyPr/>
+                    <a:lstStyle/>
+                    <a:p>
+                      <a:pPr marL="0" marR="0" algn="ctr">
+                        <a:lnSpc>
+                          <a:spcPct val="160000"/>
+                        </a:lnSpc>
+                        <a:spcBef>
+                          <a:spcPts val="0"/>
+                        </a:spcBef>
+                        <a:spcAft>
+                          <a:spcPts val="0"/>
+                        </a:spcAft>
+                      </a:pPr>
+                      <a:r>
+                        <a:rPr lang="ko-KR" altLang="en-US" sz="1100" b="0" dirty="0" smtClean="0">
+                          <a:solidFill>
+                            <a:schemeClr val="tx1"/>
+                          </a:solidFill>
+                          <a:latin typeface="+mn-lt"/>
+                        </a:rPr>
+                        <a:t>확인 메시지 출력</a:t>
+                      </a:r>
+                      <a:endParaRPr lang="en-US" altLang="ko-KR" sz="1100" b="0" dirty="0" smtClean="0">
+                        <a:solidFill>
+                          <a:schemeClr val="tx1"/>
+                        </a:solidFill>
+                        <a:latin typeface="+mn-lt"/>
+                      </a:endParaRPr>
+                    </a:p>
+                    <a:p>
+                      <a:pPr marL="0" marR="0" algn="ctr">
+                        <a:lnSpc>
+                          <a:spcPct val="160000"/>
+                        </a:lnSpc>
+                        <a:spcBef>
+                          <a:spcPts val="0"/>
+                        </a:spcBef>
+                        <a:spcAft>
+                          <a:spcPts val="0"/>
+                        </a:spcAft>
+                      </a:pPr>
+                      <a:endParaRPr lang="en-US" altLang="ko-KR" sz="1100" b="0" dirty="0" smtClean="0">
+                        <a:solidFill>
+                          <a:schemeClr val="tx1"/>
+                        </a:solidFill>
+                        <a:latin typeface="+mn-lt"/>
+                      </a:endParaRPr>
+                    </a:p>
+                    <a:p>
+                      <a:pPr marL="0" marR="0" indent="0" algn="ctr" defTabSz="914400" rtl="0" eaLnBrk="1" fontAlgn="auto" latinLnBrk="1" hangingPunct="1">
+                        <a:lnSpc>
+                          <a:spcPct val="160000"/>
+                        </a:lnSpc>
+                        <a:spcBef>
+                          <a:spcPts val="0"/>
+                        </a:spcBef>
+                        <a:spcAft>
+                          <a:spcPts val="0"/>
+                        </a:spcAft>
+                        <a:buClrTx/>
+                        <a:buSzTx/>
+                        <a:buFontTx/>
+                        <a:buNone/>
+                        <a:tabLst/>
+                        <a:defRPr/>
+                      </a:pPr>
+                      <a:r>
+                        <a:rPr lang="ko-KR" altLang="en-US" sz="1100" b="0" dirty="0" smtClean="0">
+                          <a:solidFill>
+                            <a:schemeClr val="tx1"/>
+                          </a:solidFill>
+                          <a:latin typeface="+mn-lt"/>
+                        </a:rPr>
+                        <a:t>경고 메시지 출력</a:t>
+                      </a:r>
+                    </a:p>
+                  </a:txBody>
+                  <a:tcPr marL="64770" marR="64770" marT="17907" marB="17907" anchor="ctr">
+                    <a:lnL w="3556" cap="flat" cmpd="sng" algn="ctr">
+                      <a:solidFill>
+                        <a:srgbClr val="000000"/>
+                      </a:solidFill>
+                      <a:prstDash val="solid"/>
+                      <a:round/>
+                      <a:headEnd type="none" w="med" len="med"/>
+                      <a:tailEnd type="none" w="med" len="med"/>
+                    </a:lnL>
+                    <a:lnR w="3556" cap="flat" cmpd="sng" algn="ctr">
+                      <a:solidFill>
+                        <a:srgbClr val="000000"/>
+                      </a:solidFill>
+                      <a:prstDash val="solid"/>
+                      <a:round/>
+                      <a:headEnd type="none" w="med" len="med"/>
+                      <a:tailEnd type="none" w="med" len="med"/>
+                    </a:lnR>
+                    <a:lnT w="3556" cap="flat" cmpd="sng" algn="ctr">
+                      <a:solidFill>
+                        <a:srgbClr val="000000"/>
+                      </a:solidFill>
+                      <a:prstDash val="solid"/>
+                      <a:round/>
+                      <a:headEnd type="none" w="med" len="med"/>
+                      <a:tailEnd type="none" w="med" len="med"/>
+                    </a:lnT>
+                    <a:lnB w="3556" cap="flat" cmpd="sng" algn="ctr">
+                      <a:solidFill>
+                        <a:srgbClr val="000000"/>
+                      </a:solidFill>
+                      <a:prstDash val="solid"/>
+                      <a:round/>
+                      <a:headEnd type="none" w="med" len="med"/>
+                      <a:tailEnd type="none" w="med" len="med"/>
+                    </a:lnB>
+                  </a:tcPr>
+                </a:tc>
+                <a:tc rowSpan="4">
+                  <a:txBody>
+                    <a:bodyPr/>
+                    <a:lstStyle/>
+                    <a:p>
+                      <a:pPr marL="0" marR="0" algn="ctr">
+                        <a:lnSpc>
+                          <a:spcPct val="160000"/>
+                        </a:lnSpc>
+                        <a:spcBef>
+                          <a:spcPts val="0"/>
+                        </a:spcBef>
+                        <a:spcAft>
+                          <a:spcPts val="0"/>
+                        </a:spcAft>
+                      </a:pPr>
+                      <a:r>
+                        <a:rPr lang="ko-KR" altLang="en-US" sz="1100" b="0" dirty="0">
+                          <a:solidFill>
+                            <a:schemeClr val="tx1"/>
+                          </a:solidFill>
+                          <a:latin typeface="+mn-lt"/>
+                        </a:rPr>
+                        <a:t>등록 </a:t>
+                      </a:r>
+                      <a:r>
+                        <a:rPr lang="ko-KR" altLang="en-US" sz="1100" b="0" dirty="0" smtClean="0">
+                          <a:solidFill>
+                            <a:schemeClr val="tx1"/>
+                          </a:solidFill>
+                          <a:latin typeface="+mn-lt"/>
+                        </a:rPr>
+                        <a:t>확인</a:t>
+                      </a:r>
+                      <a:endParaRPr lang="en-US" altLang="ko-KR" sz="1100" b="0" dirty="0" smtClean="0">
+                        <a:solidFill>
+                          <a:schemeClr val="tx1"/>
+                        </a:solidFill>
+                        <a:latin typeface="+mn-lt"/>
+                      </a:endParaRPr>
+                    </a:p>
+                    <a:p>
+                      <a:pPr marL="0" marR="0" algn="ctr">
+                        <a:lnSpc>
+                          <a:spcPct val="160000"/>
+                        </a:lnSpc>
+                        <a:spcBef>
+                          <a:spcPts val="0"/>
+                        </a:spcBef>
+                        <a:spcAft>
+                          <a:spcPts val="0"/>
+                        </a:spcAft>
+                      </a:pPr>
+                      <a:endParaRPr lang="ko-KR" altLang="en-US" sz="1100" b="0" dirty="0">
+                        <a:solidFill>
+                          <a:schemeClr val="tx1"/>
+                        </a:solidFill>
+                        <a:latin typeface="+mn-lt"/>
+                      </a:endParaRPr>
+                    </a:p>
+                    <a:p>
+                      <a:pPr marL="0" marR="0" algn="ctr">
+                        <a:lnSpc>
+                          <a:spcPct val="160000"/>
+                        </a:lnSpc>
+                        <a:spcBef>
+                          <a:spcPts val="0"/>
+                        </a:spcBef>
+                        <a:spcAft>
+                          <a:spcPts val="0"/>
+                        </a:spcAft>
+                      </a:pPr>
+                      <a:r>
+                        <a:rPr lang="ko-KR" altLang="en-US" sz="1100" b="0" dirty="0">
+                          <a:solidFill>
+                            <a:schemeClr val="tx1"/>
+                          </a:solidFill>
+                          <a:latin typeface="+mn-lt"/>
+                        </a:rPr>
+                        <a:t>확인</a:t>
+                      </a:r>
+                    </a:p>
+                  </a:txBody>
+                  <a:tcPr marL="64770" marR="64770" marT="17907" marB="17907" anchor="ctr">
+                    <a:lnL w="3556" cap="flat" cmpd="sng" algn="ctr">
+                      <a:solidFill>
+                        <a:srgbClr val="000000"/>
+                      </a:solidFill>
+                      <a:prstDash val="solid"/>
+                      <a:round/>
+                      <a:headEnd type="none" w="med" len="med"/>
+                      <a:tailEnd type="none" w="med" len="med"/>
+                    </a:lnL>
+                    <a:lnR w="3556" cap="flat" cmpd="sng" algn="ctr">
+                      <a:solidFill>
+                        <a:srgbClr val="000000"/>
+                      </a:solidFill>
+                      <a:prstDash val="solid"/>
+                      <a:round/>
+                      <a:headEnd type="none" w="med" len="med"/>
+                      <a:tailEnd type="none" w="med" len="med"/>
+                    </a:lnR>
+                    <a:lnT w="3556" cap="flat" cmpd="sng" algn="ctr">
+                      <a:solidFill>
+                        <a:srgbClr val="000000"/>
+                      </a:solidFill>
+                      <a:prstDash val="solid"/>
+                      <a:round/>
+                      <a:headEnd type="none" w="med" len="med"/>
+                      <a:tailEnd type="none" w="med" len="med"/>
+                    </a:lnT>
+                    <a:lnB w="3556" cap="flat" cmpd="sng" algn="ctr">
+                      <a:solidFill>
+                        <a:srgbClr val="000000"/>
+                      </a:solidFill>
+                      <a:prstDash val="solid"/>
+                      <a:round/>
+                      <a:headEnd type="none" w="med" len="med"/>
+                      <a:tailEnd type="none" w="med" len="med"/>
+                    </a:lnB>
+                  </a:tcPr>
+                </a:tc>
+              </a:tr>
+              <a:tr h="816292">
+                <a:tc vMerge="1">
+                  <a:txBody>
+                    <a:bodyPr/>
+                    <a:lstStyle/>
+                    <a:p>
+                      <a:pPr latinLnBrk="1"/>
+                      <a:endParaRPr lang="ko-KR" altLang="en-US"/>
+                    </a:p>
+                  </a:txBody>
+                  <a:tcPr/>
+                </a:tc>
+                <a:tc>
+                  <a:txBody>
+                    <a:bodyPr/>
+                    <a:lstStyle/>
+                    <a:p>
+                      <a:pPr marL="0" marR="0" algn="ctr">
+                        <a:lnSpc>
+                          <a:spcPct val="160000"/>
+                        </a:lnSpc>
+                        <a:spcBef>
+                          <a:spcPts val="0"/>
+                        </a:spcBef>
+                        <a:spcAft>
+                          <a:spcPts val="0"/>
+                        </a:spcAft>
+                      </a:pPr>
+                      <a:r>
+                        <a:rPr lang="ko-KR" altLang="en-US" sz="1100" b="0" dirty="0">
+                          <a:solidFill>
+                            <a:schemeClr val="tx1"/>
+                          </a:solidFill>
+                          <a:latin typeface="+mn-lt"/>
+                        </a:rPr>
+                        <a:t>강의 요일 및 시간</a:t>
+                      </a:r>
+                    </a:p>
+                  </a:txBody>
+                  <a:tcPr marL="64770" marR="64770" marT="17907" marB="17907" anchor="ctr">
+                    <a:lnL w="3556" cap="flat" cmpd="sng" algn="ctr">
+                      <a:solidFill>
+                        <a:srgbClr val="000000"/>
+                      </a:solidFill>
+                      <a:prstDash val="solid"/>
+                      <a:round/>
+                      <a:headEnd type="none" w="med" len="med"/>
+                      <a:tailEnd type="none" w="med" len="med"/>
+                    </a:lnL>
+                    <a:lnR w="3556" cap="flat" cmpd="sng" algn="ctr">
+                      <a:solidFill>
+                        <a:srgbClr val="000000"/>
+                      </a:solidFill>
+                      <a:prstDash val="solid"/>
+                      <a:round/>
+                      <a:headEnd type="none" w="med" len="med"/>
+                      <a:tailEnd type="none" w="med" len="med"/>
+                    </a:lnR>
+                    <a:lnT w="3556" cap="flat" cmpd="sng" algn="ctr">
+                      <a:solidFill>
+                        <a:srgbClr val="000000"/>
+                      </a:solidFill>
+                      <a:prstDash val="solid"/>
+                      <a:round/>
+                      <a:headEnd type="none" w="med" len="med"/>
+                      <a:tailEnd type="none" w="med" len="med"/>
+                    </a:lnT>
+                    <a:lnB w="3556" cap="flat" cmpd="sng" algn="ctr">
+                      <a:solidFill>
+                        <a:srgbClr val="000000"/>
+                      </a:solidFill>
+                      <a:prstDash val="solid"/>
+                      <a:round/>
+                      <a:headEnd type="none" w="med" len="med"/>
+                      <a:tailEnd type="none" w="med" len="med"/>
+                    </a:lnB>
+                  </a:tcPr>
+                </a:tc>
+                <a:tc vMerge="1">
+                  <a:txBody>
+                    <a:bodyPr/>
+                    <a:lstStyle/>
+                    <a:p>
+                      <a:pPr latinLnBrk="1"/>
+                      <a:endParaRPr lang="ko-KR" altLang="en-US"/>
+                    </a:p>
+                  </a:txBody>
+                  <a:tcPr/>
+                </a:tc>
+                <a:tc vMerge="1">
+                  <a:txBody>
+                    <a:bodyPr/>
+                    <a:lstStyle/>
+                    <a:p>
+                      <a:pPr latinLnBrk="1"/>
+                      <a:endParaRPr lang="ko-KR" altLang="en-US"/>
+                    </a:p>
+                  </a:txBody>
+                  <a:tcPr/>
+                </a:tc>
+              </a:tr>
+              <a:tr h="816292">
+                <a:tc vMerge="1">
+                  <a:txBody>
+                    <a:bodyPr/>
+                    <a:lstStyle/>
+                    <a:p>
+                      <a:pPr latinLnBrk="1"/>
+                      <a:endParaRPr lang="ko-KR" altLang="en-US"/>
+                    </a:p>
+                  </a:txBody>
+                  <a:tcPr/>
+                </a:tc>
+                <a:tc>
+                  <a:txBody>
+                    <a:bodyPr/>
+                    <a:lstStyle/>
+                    <a:p>
+                      <a:pPr marL="0" marR="0" algn="ctr">
+                        <a:lnSpc>
+                          <a:spcPct val="160000"/>
+                        </a:lnSpc>
+                        <a:spcBef>
+                          <a:spcPts val="0"/>
+                        </a:spcBef>
+                        <a:spcAft>
+                          <a:spcPts val="0"/>
+                        </a:spcAft>
+                      </a:pPr>
+                      <a:r>
+                        <a:rPr lang="ko-KR" altLang="en-US" sz="1100" b="0" dirty="0">
+                          <a:solidFill>
+                            <a:schemeClr val="tx1"/>
+                          </a:solidFill>
+                          <a:latin typeface="+mn-lt"/>
+                        </a:rPr>
+                        <a:t>수강학기 및 년도</a:t>
+                      </a:r>
+                    </a:p>
+                  </a:txBody>
+                  <a:tcPr marL="64770" marR="64770" marT="17907" marB="17907" anchor="ctr">
+                    <a:lnL w="3556" cap="flat" cmpd="sng" algn="ctr">
+                      <a:solidFill>
+                        <a:srgbClr val="000000"/>
+                      </a:solidFill>
+                      <a:prstDash val="solid"/>
+                      <a:round/>
+                      <a:headEnd type="none" w="med" len="med"/>
+                      <a:tailEnd type="none" w="med" len="med"/>
+                    </a:lnL>
+                    <a:lnR w="3556" cap="flat" cmpd="sng" algn="ctr">
+                      <a:solidFill>
+                        <a:srgbClr val="000000"/>
+                      </a:solidFill>
+                      <a:prstDash val="solid"/>
+                      <a:round/>
+                      <a:headEnd type="none" w="med" len="med"/>
+                      <a:tailEnd type="none" w="med" len="med"/>
+                    </a:lnR>
+                    <a:lnT w="3556" cap="flat" cmpd="sng" algn="ctr">
+                      <a:solidFill>
+                        <a:srgbClr val="000000"/>
+                      </a:solidFill>
+                      <a:prstDash val="solid"/>
+                      <a:round/>
+                      <a:headEnd type="none" w="med" len="med"/>
+                      <a:tailEnd type="none" w="med" len="med"/>
+                    </a:lnT>
+                    <a:lnB w="3556" cap="flat" cmpd="sng" algn="ctr">
+                      <a:solidFill>
+                        <a:srgbClr val="000000"/>
+                      </a:solidFill>
+                      <a:prstDash val="solid"/>
+                      <a:round/>
+                      <a:headEnd type="none" w="med" len="med"/>
+                      <a:tailEnd type="none" w="med" len="med"/>
+                    </a:lnB>
+                  </a:tcPr>
+                </a:tc>
+                <a:tc vMerge="1">
+                  <a:txBody>
+                    <a:bodyPr/>
+                    <a:lstStyle/>
+                    <a:p>
+                      <a:pPr latinLnBrk="1"/>
+                      <a:endParaRPr lang="ko-KR" altLang="en-US"/>
+                    </a:p>
+                  </a:txBody>
+                  <a:tcPr/>
+                </a:tc>
+                <a:tc vMerge="1">
+                  <a:txBody>
+                    <a:bodyPr/>
+                    <a:lstStyle/>
+                    <a:p>
+                      <a:pPr latinLnBrk="1"/>
+                      <a:endParaRPr lang="ko-KR" altLang="en-US"/>
+                    </a:p>
+                  </a:txBody>
+                  <a:tcPr/>
+                </a:tc>
+              </a:tr>
+              <a:tr h="816292">
+                <a:tc vMerge="1">
+                  <a:txBody>
+                    <a:bodyPr/>
+                    <a:lstStyle/>
+                    <a:p>
+                      <a:pPr latinLnBrk="1"/>
+                      <a:endParaRPr lang="ko-KR" altLang="en-US"/>
+                    </a:p>
+                  </a:txBody>
+                  <a:tcPr/>
+                </a:tc>
+                <a:tc>
+                  <a:txBody>
+                    <a:bodyPr/>
+                    <a:lstStyle/>
+                    <a:p>
+                      <a:pPr marL="0" marR="0" algn="ctr">
+                        <a:lnSpc>
+                          <a:spcPct val="160000"/>
+                        </a:lnSpc>
+                        <a:spcBef>
+                          <a:spcPts val="0"/>
+                        </a:spcBef>
+                        <a:spcAft>
+                          <a:spcPts val="0"/>
+                        </a:spcAft>
+                      </a:pPr>
+                      <a:r>
+                        <a:rPr lang="ko-KR" altLang="en-US" sz="1100" b="0" dirty="0">
+                          <a:solidFill>
+                            <a:schemeClr val="tx1"/>
+                          </a:solidFill>
+                          <a:latin typeface="+mn-lt"/>
+                        </a:rPr>
+                        <a:t>분반</a:t>
+                      </a:r>
+                    </a:p>
+                  </a:txBody>
+                  <a:tcPr marL="64770" marR="64770" marT="17907" marB="17907" anchor="ctr">
+                    <a:lnL w="3556" cap="flat" cmpd="sng" algn="ctr">
+                      <a:solidFill>
+                        <a:srgbClr val="000000"/>
+                      </a:solidFill>
+                      <a:prstDash val="solid"/>
+                      <a:round/>
+                      <a:headEnd type="none" w="med" len="med"/>
+                      <a:tailEnd type="none" w="med" len="med"/>
+                    </a:lnL>
+                    <a:lnR w="3556" cap="flat" cmpd="sng" algn="ctr">
+                      <a:solidFill>
+                        <a:srgbClr val="000000"/>
+                      </a:solidFill>
+                      <a:prstDash val="solid"/>
+                      <a:round/>
+                      <a:headEnd type="none" w="med" len="med"/>
+                      <a:tailEnd type="none" w="med" len="med"/>
+                    </a:lnR>
+                    <a:lnT w="3556" cap="flat" cmpd="sng" algn="ctr">
+                      <a:solidFill>
+                        <a:srgbClr val="000000"/>
+                      </a:solidFill>
+                      <a:prstDash val="solid"/>
+                      <a:round/>
+                      <a:headEnd type="none" w="med" len="med"/>
+                      <a:tailEnd type="none" w="med" len="med"/>
+                    </a:lnT>
+                    <a:lnB w="3556" cap="flat" cmpd="sng" algn="ctr">
+                      <a:solidFill>
+                        <a:srgbClr val="000000"/>
+                      </a:solidFill>
+                      <a:prstDash val="solid"/>
+                      <a:round/>
+                      <a:headEnd type="none" w="med" len="med"/>
+                      <a:tailEnd type="none" w="med" len="med"/>
+                    </a:lnB>
+                  </a:tcPr>
+                </a:tc>
+                <a:tc vMerge="1">
+                  <a:txBody>
+                    <a:bodyPr/>
+                    <a:lstStyle/>
+                    <a:p>
+                      <a:pPr latinLnBrk="1"/>
+                      <a:endParaRPr lang="ko-KR" altLang="en-US"/>
+                    </a:p>
+                  </a:txBody>
+                  <a:tcPr/>
+                </a:tc>
+                <a:tc vMerge="1">
+                  <a:txBody>
+                    <a:bodyPr/>
+                    <a:lstStyle/>
+                    <a:p>
+                      <a:pPr latinLnBrk="1"/>
+                      <a:endParaRPr lang="ko-KR" altLang="en-US"/>
+                    </a:p>
+                  </a:txBody>
+                  <a:tcPr/>
+                </a:tc>
+              </a:tr>
+            </a:tbl>
+          </a:graphicData>
+        </a:graphic>
+      </p:graphicFrame>
+    </p:spTree>
+  </p:cSld>
+  <p:clrMapOvr>
+    <a:masterClrMapping/>
+  </p:clrMapOvr>
+</p:sld>
+</file>
+
+<file path=ppt/slides/slide5.xml><?xml version="1.0" encoding="utf-8"?>
+<p:sld xmlns:a="http://schemas.openxmlformats.org/drawingml/2006/main" xmlns:r="http://schemas.openxmlformats.org/officeDocument/2006/relationships" xmlns:p="http://schemas.openxmlformats.org/presentationml/2006/main">
+  <p:cSld>
+    <p:spTree>
+      <p:nvGrpSpPr>
+        <p:cNvPr id="1" name=""/>
+        <p:cNvGrpSpPr/>
+        <p:nvPr/>
+      </p:nvGrpSpPr>
+      <p:grpSpPr>
+        <a:xfrm>
+          <a:off x="0" y="0"/>
+          <a:ext cx="0" cy="0"/>
+          <a:chOff x="0" y="0"/>
+          <a:chExt cx="0" cy="0"/>
+        </a:xfrm>
+      </p:grpSpPr>
+      <p:sp>
+        <p:nvSpPr>
+          <p:cNvPr id="2" name="바닥글 개체 틀 1"/>
+          <p:cNvSpPr>
+            <a:spLocks noGrp="1"/>
+          </p:cNvSpPr>
+          <p:nvPr>
+            <p:ph type="ftr" sz="quarter" idx="3"/>
+          </p:nvPr>
+        </p:nvSpPr>
+        <p:spPr/>
+        <p:txBody>
+          <a:bodyPr/>
+          <a:lstStyle/>
+          <a:p>
+            <a:pPr algn="r"/>
+            <a:r>
+              <a:rPr lang="ko-KR" altLang="en-US" dirty="0" smtClean="0"/>
+              <a:t>팀 명</a:t>
+            </a:r>
+            <a:endParaRPr lang="en-US" altLang="ko-KR" dirty="0"/>
+          </a:p>
+        </p:txBody>
+      </p:sp>
+      <p:graphicFrame>
+        <p:nvGraphicFramePr>
+          <p:cNvPr id="3" name="표 2"/>
+          <p:cNvGraphicFramePr>
+            <a:graphicFrameLocks noGrp="1"/>
+          </p:cNvGraphicFramePr>
+          <p:nvPr/>
+        </p:nvGraphicFramePr>
+        <p:xfrm>
+          <a:off x="323528" y="1007224"/>
+          <a:ext cx="4464496" cy="5204004"/>
+        </p:xfrm>
+        <a:graphic>
+          <a:graphicData uri="http://schemas.openxmlformats.org/drawingml/2006/table">
+            <a:tbl>
+              <a:tblPr firstRow="1" bandRow="1">
+                <a:tableStyleId>{5C22544A-7EE6-4342-B048-85BDC9FD1C3A}</a:tableStyleId>
+              </a:tblPr>
+              <a:tblGrid>
+                <a:gridCol w="4464496"/>
+              </a:tblGrid>
+              <a:tr h="530240">
+                <a:tc>
+                  <a:txBody>
+                    <a:bodyPr/>
+                    <a:lstStyle/>
+                    <a:p>
+                      <a:r>
+                        <a:rPr lang="en-US" altLang="ko-KR" sz="1600" b="0" kern="1200" dirty="0" err="1" smtClean="0">
+                          <a:solidFill>
+                            <a:schemeClr val="lt1"/>
+                          </a:solidFill>
+                          <a:latin typeface="+mn-lt"/>
+                          <a:ea typeface="+mn-ea"/>
+                          <a:cs typeface="+mn-cs"/>
+                        </a:rPr>
+                        <a:t>Change_Subject</a:t>
+                      </a:r>
+                      <a:r>
+                        <a:rPr lang="en-US" altLang="ko-KR" sz="1600" b="0" kern="1200" dirty="0" smtClean="0">
+                          <a:solidFill>
+                            <a:schemeClr val="lt1"/>
+                          </a:solidFill>
+                          <a:latin typeface="+mn-lt"/>
+                          <a:ea typeface="+mn-ea"/>
+                          <a:cs typeface="+mn-cs"/>
+                        </a:rPr>
+                        <a:t>()</a:t>
+                      </a:r>
+                    </a:p>
+                  </a:txBody>
+                  <a:tcPr>
+                    <a:solidFill>
+                      <a:schemeClr val="accent1"/>
+                    </a:solidFill>
+                  </a:tcPr>
+                </a:tc>
+              </a:tr>
+              <a:tr h="4211476">
+                <a:tc>
+                  <a:txBody>
+                    <a:bodyPr/>
+                    <a:lstStyle/>
+                    <a:p>
+                      <a:r>
+                        <a:rPr lang="en-US" altLang="ko-KR" sz="1200" kern="1200" dirty="0" smtClean="0">
+                          <a:solidFill>
+                            <a:schemeClr val="dk1"/>
+                          </a:solidFill>
+                          <a:latin typeface="+mn-lt"/>
+                          <a:ea typeface="+mn-ea"/>
+                          <a:cs typeface="+mn-cs"/>
+                        </a:rPr>
+                        <a:t>private final </a:t>
+                      </a:r>
+                      <a:r>
+                        <a:rPr lang="en-US" altLang="ko-KR" sz="1200" kern="1200" dirty="0" err="1" smtClean="0">
+                          <a:solidFill>
+                            <a:schemeClr val="dk1"/>
+                          </a:solidFill>
+                          <a:latin typeface="+mn-lt"/>
+                          <a:ea typeface="+mn-ea"/>
+                          <a:cs typeface="+mn-cs"/>
+                        </a:rPr>
+                        <a:t>JPanel</a:t>
+                      </a:r>
+                      <a:r>
+                        <a:rPr lang="en-US" altLang="ko-KR" sz="1200" kern="1200" dirty="0" smtClean="0">
+                          <a:solidFill>
+                            <a:schemeClr val="dk1"/>
+                          </a:solidFill>
+                          <a:latin typeface="+mn-lt"/>
+                          <a:ea typeface="+mn-ea"/>
+                          <a:cs typeface="+mn-cs"/>
+                        </a:rPr>
+                        <a:t> </a:t>
+                      </a:r>
+                      <a:r>
+                        <a:rPr lang="en-US" altLang="ko-KR" sz="1200" kern="1200" dirty="0" err="1" smtClean="0">
+                          <a:solidFill>
+                            <a:schemeClr val="dk1"/>
+                          </a:solidFill>
+                          <a:latin typeface="+mn-lt"/>
+                          <a:ea typeface="+mn-ea"/>
+                          <a:cs typeface="+mn-cs"/>
+                        </a:rPr>
+                        <a:t>content_panel</a:t>
+                      </a:r>
+                      <a:r>
+                        <a:rPr lang="en-US" altLang="ko-KR" sz="1200" kern="1200" dirty="0" smtClean="0">
+                          <a:solidFill>
+                            <a:schemeClr val="dk1"/>
+                          </a:solidFill>
+                          <a:latin typeface="+mn-lt"/>
+                          <a:ea typeface="+mn-ea"/>
+                          <a:cs typeface="+mn-cs"/>
+                        </a:rPr>
+                        <a:t>;</a:t>
+                      </a:r>
+                    </a:p>
+                    <a:p>
+                      <a:r>
+                        <a:rPr lang="en-US" altLang="ko-KR" sz="1200" kern="1200" dirty="0" smtClean="0">
+                          <a:solidFill>
+                            <a:schemeClr val="dk1"/>
+                          </a:solidFill>
+                          <a:latin typeface="+mn-lt"/>
+                          <a:ea typeface="+mn-ea"/>
+                          <a:cs typeface="+mn-cs"/>
+                        </a:rPr>
+                        <a:t>private </a:t>
+                      </a:r>
+                      <a:r>
+                        <a:rPr lang="en-US" altLang="ko-KR" sz="1200" kern="1200" dirty="0" err="1" smtClean="0">
+                          <a:solidFill>
+                            <a:schemeClr val="dk1"/>
+                          </a:solidFill>
+                          <a:latin typeface="+mn-lt"/>
+                          <a:ea typeface="+mn-ea"/>
+                          <a:cs typeface="+mn-cs"/>
+                        </a:rPr>
+                        <a:t>JTextField</a:t>
+                      </a:r>
+                      <a:r>
+                        <a:rPr lang="en-US" altLang="ko-KR" sz="1200" kern="1200" dirty="0" smtClean="0">
+                          <a:solidFill>
+                            <a:schemeClr val="dk1"/>
+                          </a:solidFill>
+                          <a:latin typeface="+mn-lt"/>
+                          <a:ea typeface="+mn-ea"/>
+                          <a:cs typeface="+mn-cs"/>
+                        </a:rPr>
+                        <a:t> </a:t>
+                      </a:r>
+                      <a:r>
+                        <a:rPr lang="en-US" altLang="ko-KR" sz="1200" kern="1200" dirty="0" err="1" smtClean="0">
+                          <a:solidFill>
+                            <a:schemeClr val="dk1"/>
+                          </a:solidFill>
+                          <a:latin typeface="+mn-lt"/>
+                          <a:ea typeface="+mn-ea"/>
+                          <a:cs typeface="+mn-cs"/>
+                        </a:rPr>
+                        <a:t>TF_subject_name</a:t>
+                      </a:r>
+                      <a:r>
+                        <a:rPr lang="en-US" altLang="ko-KR" sz="1200" kern="1200" baseline="0" dirty="0" smtClean="0">
+                          <a:solidFill>
+                            <a:schemeClr val="dk1"/>
+                          </a:solidFill>
+                          <a:latin typeface="+mn-lt"/>
+                          <a:ea typeface="+mn-ea"/>
+                          <a:cs typeface="+mn-cs"/>
+                        </a:rPr>
+                        <a:t>;</a:t>
+                      </a:r>
+                      <a:endParaRPr lang="en-US" altLang="ko-KR" sz="1200" kern="1200" dirty="0" smtClean="0">
+                        <a:solidFill>
+                          <a:schemeClr val="dk1"/>
+                        </a:solidFill>
+                        <a:latin typeface="+mn-lt"/>
+                        <a:ea typeface="+mn-ea"/>
+                        <a:cs typeface="+mn-cs"/>
+                      </a:endParaRPr>
+                    </a:p>
+                    <a:p>
+                      <a:r>
+                        <a:rPr lang="en-US" altLang="ko-KR" sz="1200" kern="1200" dirty="0" smtClean="0">
+                          <a:solidFill>
+                            <a:schemeClr val="dk1"/>
+                          </a:solidFill>
+                          <a:latin typeface="+mn-lt"/>
+                          <a:ea typeface="+mn-ea"/>
+                          <a:cs typeface="+mn-cs"/>
+                        </a:rPr>
+                        <a:t>private </a:t>
+                      </a:r>
+                      <a:r>
+                        <a:rPr lang="en-US" altLang="ko-KR" sz="1200" kern="1200" dirty="0" err="1" smtClean="0">
+                          <a:solidFill>
+                            <a:schemeClr val="dk1"/>
+                          </a:solidFill>
+                          <a:latin typeface="+mn-lt"/>
+                          <a:ea typeface="+mn-ea"/>
+                          <a:cs typeface="+mn-cs"/>
+                        </a:rPr>
+                        <a:t>JTextField</a:t>
+                      </a:r>
+                      <a:r>
+                        <a:rPr lang="en-US" altLang="ko-KR" sz="1200" kern="1200" dirty="0" smtClean="0">
+                          <a:solidFill>
+                            <a:schemeClr val="dk1"/>
+                          </a:solidFill>
+                          <a:latin typeface="+mn-lt"/>
+                          <a:ea typeface="+mn-ea"/>
+                          <a:cs typeface="+mn-cs"/>
+                        </a:rPr>
+                        <a:t> </a:t>
+                      </a:r>
+                      <a:r>
+                        <a:rPr lang="en-US" altLang="ko-KR" sz="1200" kern="1200" dirty="0" err="1" smtClean="0">
+                          <a:solidFill>
+                            <a:schemeClr val="dk1"/>
+                          </a:solidFill>
+                          <a:latin typeface="+mn-lt"/>
+                          <a:ea typeface="+mn-ea"/>
+                          <a:cs typeface="+mn-cs"/>
+                        </a:rPr>
+                        <a:t>TF_professor</a:t>
+                      </a:r>
+                      <a:r>
+                        <a:rPr lang="en-US" altLang="ko-KR" sz="1200" kern="1200" dirty="0" smtClean="0">
+                          <a:solidFill>
+                            <a:schemeClr val="dk1"/>
+                          </a:solidFill>
+                          <a:latin typeface="+mn-lt"/>
+                          <a:ea typeface="+mn-ea"/>
+                          <a:cs typeface="+mn-cs"/>
+                        </a:rPr>
+                        <a:t>;</a:t>
+                      </a:r>
+                    </a:p>
+                    <a:p>
+                      <a:r>
+                        <a:rPr lang="en-US" altLang="ko-KR" sz="1200" kern="1200" dirty="0" smtClean="0">
+                          <a:solidFill>
+                            <a:schemeClr val="dk1"/>
+                          </a:solidFill>
+                          <a:latin typeface="+mn-lt"/>
+                          <a:ea typeface="+mn-ea"/>
+                          <a:cs typeface="+mn-cs"/>
+                        </a:rPr>
+                        <a:t>private </a:t>
+                      </a:r>
+                      <a:r>
+                        <a:rPr lang="en-US" altLang="ko-KR" sz="1200" kern="1200" dirty="0" err="1" smtClean="0">
+                          <a:solidFill>
+                            <a:schemeClr val="dk1"/>
+                          </a:solidFill>
+                          <a:latin typeface="+mn-lt"/>
+                          <a:ea typeface="+mn-ea"/>
+                          <a:cs typeface="+mn-cs"/>
+                        </a:rPr>
+                        <a:t>JTextField</a:t>
+                      </a:r>
+                      <a:r>
+                        <a:rPr lang="en-US" altLang="ko-KR" sz="1200" kern="1200" dirty="0" smtClean="0">
+                          <a:solidFill>
+                            <a:schemeClr val="dk1"/>
+                          </a:solidFill>
+                          <a:latin typeface="+mn-lt"/>
+                          <a:ea typeface="+mn-ea"/>
+                          <a:cs typeface="+mn-cs"/>
+                        </a:rPr>
+                        <a:t> </a:t>
+                      </a:r>
+                      <a:r>
+                        <a:rPr lang="en-US" altLang="ko-KR" sz="1200" kern="1200" dirty="0" err="1" smtClean="0">
+                          <a:solidFill>
+                            <a:schemeClr val="dk1"/>
+                          </a:solidFill>
+                          <a:latin typeface="+mn-lt"/>
+                          <a:ea typeface="+mn-ea"/>
+                          <a:cs typeface="+mn-cs"/>
+                        </a:rPr>
+                        <a:t>TF_day_of_week</a:t>
+                      </a:r>
+                      <a:r>
+                        <a:rPr lang="en-US" altLang="ko-KR" sz="1200" kern="1200" dirty="0" smtClean="0">
+                          <a:solidFill>
+                            <a:schemeClr val="dk1"/>
+                          </a:solidFill>
+                          <a:latin typeface="+mn-lt"/>
+                          <a:ea typeface="+mn-ea"/>
+                          <a:cs typeface="+mn-cs"/>
+                        </a:rPr>
+                        <a:t>;</a:t>
+                      </a:r>
+                    </a:p>
+                    <a:p>
+                      <a:pPr marL="0" marR="0" indent="0" algn="l" defTabSz="914400" rtl="0" eaLnBrk="1" fontAlgn="auto" latinLnBrk="1" hangingPunct="1">
+                        <a:lnSpc>
+                          <a:spcPct val="100000"/>
+                        </a:lnSpc>
+                        <a:spcBef>
+                          <a:spcPts val="0"/>
+                        </a:spcBef>
+                        <a:spcAft>
+                          <a:spcPts val="0"/>
+                        </a:spcAft>
+                        <a:buClrTx/>
+                        <a:buSzTx/>
+                        <a:buFontTx/>
+                        <a:buNone/>
+                        <a:tabLst/>
+                        <a:defRPr/>
+                      </a:pPr>
+                      <a:r>
+                        <a:rPr lang="en-US" altLang="ko-KR" sz="1200" kern="1200" dirty="0" smtClean="0">
+                          <a:solidFill>
+                            <a:schemeClr val="dk1"/>
+                          </a:solidFill>
+                          <a:latin typeface="+mn-lt"/>
+                          <a:ea typeface="+mn-ea"/>
+                          <a:cs typeface="+mn-cs"/>
+                        </a:rPr>
+                        <a:t>private </a:t>
+                      </a:r>
+                      <a:r>
+                        <a:rPr lang="en-US" altLang="ko-KR" sz="1200" kern="1200" dirty="0" err="1" smtClean="0">
+                          <a:solidFill>
+                            <a:schemeClr val="dk1"/>
+                          </a:solidFill>
+                          <a:latin typeface="+mn-lt"/>
+                          <a:ea typeface="+mn-ea"/>
+                          <a:cs typeface="+mn-cs"/>
+                        </a:rPr>
+                        <a:t>JTextField</a:t>
+                      </a:r>
+                      <a:r>
+                        <a:rPr lang="en-US" altLang="ko-KR" sz="1200" kern="1200" dirty="0" smtClean="0">
+                          <a:solidFill>
+                            <a:schemeClr val="dk1"/>
+                          </a:solidFill>
+                          <a:latin typeface="+mn-lt"/>
+                          <a:ea typeface="+mn-ea"/>
+                          <a:cs typeface="+mn-cs"/>
+                        </a:rPr>
+                        <a:t> </a:t>
+                      </a:r>
+                      <a:r>
+                        <a:rPr lang="en-US" altLang="ko-KR" sz="1200" kern="1200" dirty="0" err="1" smtClean="0">
+                          <a:solidFill>
+                            <a:schemeClr val="dk1"/>
+                          </a:solidFill>
+                          <a:latin typeface="+mn-lt"/>
+                          <a:ea typeface="+mn-ea"/>
+                          <a:cs typeface="+mn-cs"/>
+                        </a:rPr>
+                        <a:t>TF_time</a:t>
+                      </a:r>
+                      <a:r>
+                        <a:rPr lang="en-US" altLang="ko-KR" sz="1200" kern="1200" dirty="0" smtClean="0">
+                          <a:solidFill>
+                            <a:schemeClr val="dk1"/>
+                          </a:solidFill>
+                          <a:latin typeface="+mn-lt"/>
+                          <a:ea typeface="+mn-ea"/>
+                          <a:cs typeface="+mn-cs"/>
+                        </a:rPr>
+                        <a:t>;</a:t>
+                      </a:r>
+                    </a:p>
+                    <a:p>
+                      <a:pPr marL="0" marR="0" indent="0" algn="l" defTabSz="914400" rtl="0" eaLnBrk="1" fontAlgn="auto" latinLnBrk="1" hangingPunct="1">
+                        <a:lnSpc>
+                          <a:spcPct val="100000"/>
+                        </a:lnSpc>
+                        <a:spcBef>
+                          <a:spcPts val="0"/>
+                        </a:spcBef>
+                        <a:spcAft>
+                          <a:spcPts val="0"/>
+                        </a:spcAft>
+                        <a:buClrTx/>
+                        <a:buSzTx/>
+                        <a:buFontTx/>
+                        <a:buNone/>
+                        <a:tabLst/>
+                        <a:defRPr/>
+                      </a:pPr>
+                      <a:r>
+                        <a:rPr lang="en-US" altLang="ko-KR" sz="1200" kern="1200" dirty="0" smtClean="0">
+                          <a:solidFill>
+                            <a:schemeClr val="dk1"/>
+                          </a:solidFill>
+                          <a:latin typeface="+mn-lt"/>
+                          <a:ea typeface="+mn-ea"/>
+                          <a:cs typeface="+mn-cs"/>
+                        </a:rPr>
+                        <a:t>private </a:t>
+                      </a:r>
+                      <a:r>
+                        <a:rPr lang="en-US" altLang="ko-KR" sz="1200" kern="1200" dirty="0" err="1" smtClean="0">
+                          <a:solidFill>
+                            <a:schemeClr val="dk1"/>
+                          </a:solidFill>
+                          <a:latin typeface="+mn-lt"/>
+                          <a:ea typeface="+mn-ea"/>
+                          <a:cs typeface="+mn-cs"/>
+                        </a:rPr>
+                        <a:t>JTextField</a:t>
+                      </a:r>
+                      <a:r>
+                        <a:rPr lang="en-US" altLang="ko-KR" sz="1200" kern="1200" dirty="0" smtClean="0">
+                          <a:solidFill>
+                            <a:schemeClr val="dk1"/>
+                          </a:solidFill>
+                          <a:latin typeface="+mn-lt"/>
+                          <a:ea typeface="+mn-ea"/>
+                          <a:cs typeface="+mn-cs"/>
+                        </a:rPr>
+                        <a:t> </a:t>
+                      </a:r>
+                      <a:r>
+                        <a:rPr lang="en-US" altLang="ko-KR" sz="1200" kern="1200" dirty="0" err="1" smtClean="0">
+                          <a:solidFill>
+                            <a:schemeClr val="dk1"/>
+                          </a:solidFill>
+                          <a:latin typeface="+mn-lt"/>
+                          <a:ea typeface="+mn-ea"/>
+                          <a:cs typeface="+mn-cs"/>
+                        </a:rPr>
+                        <a:t>TF_semester</a:t>
+                      </a:r>
+                      <a:r>
+                        <a:rPr lang="en-US" altLang="ko-KR" sz="1200" kern="1200" dirty="0" smtClean="0">
+                          <a:solidFill>
+                            <a:schemeClr val="dk1"/>
+                          </a:solidFill>
+                          <a:latin typeface="+mn-lt"/>
+                          <a:ea typeface="+mn-ea"/>
+                          <a:cs typeface="+mn-cs"/>
+                        </a:rPr>
+                        <a:t>;</a:t>
+                      </a:r>
+                    </a:p>
+                    <a:p>
+                      <a:pPr marL="0" marR="0" indent="0" algn="l" defTabSz="914400" rtl="0" eaLnBrk="1" fontAlgn="auto" latinLnBrk="1" hangingPunct="1">
+                        <a:lnSpc>
+                          <a:spcPct val="100000"/>
+                        </a:lnSpc>
+                        <a:spcBef>
+                          <a:spcPts val="0"/>
+                        </a:spcBef>
+                        <a:spcAft>
+                          <a:spcPts val="0"/>
+                        </a:spcAft>
+                        <a:buClrTx/>
+                        <a:buSzTx/>
+                        <a:buFontTx/>
+                        <a:buNone/>
+                        <a:tabLst/>
+                        <a:defRPr/>
+                      </a:pPr>
+                      <a:r>
+                        <a:rPr lang="en-US" altLang="ko-KR" sz="1200" kern="1200" dirty="0" smtClean="0">
+                          <a:solidFill>
+                            <a:schemeClr val="dk1"/>
+                          </a:solidFill>
+                          <a:latin typeface="+mn-lt"/>
+                          <a:ea typeface="+mn-ea"/>
+                          <a:cs typeface="+mn-cs"/>
+                        </a:rPr>
+                        <a:t>private </a:t>
+                      </a:r>
+                      <a:r>
+                        <a:rPr lang="en-US" altLang="ko-KR" sz="1200" kern="1200" dirty="0" err="1" smtClean="0">
+                          <a:solidFill>
+                            <a:schemeClr val="dk1"/>
+                          </a:solidFill>
+                          <a:latin typeface="+mn-lt"/>
+                          <a:ea typeface="+mn-ea"/>
+                          <a:cs typeface="+mn-cs"/>
+                        </a:rPr>
+                        <a:t>JTextField</a:t>
+                      </a:r>
+                      <a:r>
+                        <a:rPr lang="en-US" altLang="ko-KR" sz="1200" kern="1200" dirty="0" smtClean="0">
+                          <a:solidFill>
+                            <a:schemeClr val="dk1"/>
+                          </a:solidFill>
+                          <a:latin typeface="+mn-lt"/>
+                          <a:ea typeface="+mn-ea"/>
+                          <a:cs typeface="+mn-cs"/>
+                        </a:rPr>
+                        <a:t> </a:t>
+                      </a:r>
+                      <a:r>
+                        <a:rPr lang="en-US" altLang="ko-KR" sz="1200" kern="1200" dirty="0" err="1" smtClean="0">
+                          <a:solidFill>
+                            <a:schemeClr val="dk1"/>
+                          </a:solidFill>
+                          <a:latin typeface="+mn-lt"/>
+                          <a:ea typeface="+mn-ea"/>
+                          <a:cs typeface="+mn-cs"/>
+                        </a:rPr>
+                        <a:t>TF_year</a:t>
+                      </a:r>
+                      <a:r>
+                        <a:rPr lang="en-US" altLang="ko-KR" sz="1200" kern="1200" dirty="0" smtClean="0">
+                          <a:solidFill>
+                            <a:schemeClr val="dk1"/>
+                          </a:solidFill>
+                          <a:latin typeface="+mn-lt"/>
+                          <a:ea typeface="+mn-ea"/>
+                          <a:cs typeface="+mn-cs"/>
+                        </a:rPr>
+                        <a:t>;</a:t>
+                      </a:r>
+                    </a:p>
+                    <a:p>
+                      <a:pPr marL="0" marR="0" indent="0" algn="l" defTabSz="914400" rtl="0" eaLnBrk="1" fontAlgn="auto" latinLnBrk="1" hangingPunct="1">
+                        <a:lnSpc>
+                          <a:spcPct val="100000"/>
+                        </a:lnSpc>
+                        <a:spcBef>
+                          <a:spcPts val="0"/>
+                        </a:spcBef>
+                        <a:spcAft>
+                          <a:spcPts val="0"/>
+                        </a:spcAft>
+                        <a:buClrTx/>
+                        <a:buSzTx/>
+                        <a:buFontTx/>
+                        <a:buNone/>
+                        <a:tabLst/>
+                        <a:defRPr/>
+                      </a:pPr>
+                      <a:r>
+                        <a:rPr lang="en-US" altLang="ko-KR" sz="1200" kern="1200" dirty="0" smtClean="0">
+                          <a:solidFill>
+                            <a:schemeClr val="dk1"/>
+                          </a:solidFill>
+                          <a:latin typeface="+mn-lt"/>
+                          <a:ea typeface="+mn-ea"/>
+                          <a:cs typeface="+mn-cs"/>
+                        </a:rPr>
+                        <a:t>private </a:t>
+                      </a:r>
+                      <a:r>
+                        <a:rPr lang="en-US" altLang="ko-KR" sz="1200" kern="1200" dirty="0" err="1" smtClean="0">
+                          <a:solidFill>
+                            <a:schemeClr val="dk1"/>
+                          </a:solidFill>
+                          <a:latin typeface="+mn-lt"/>
+                          <a:ea typeface="+mn-ea"/>
+                          <a:cs typeface="+mn-cs"/>
+                        </a:rPr>
+                        <a:t>JTextField</a:t>
+                      </a:r>
+                      <a:r>
+                        <a:rPr lang="en-US" altLang="ko-KR" sz="1200" kern="1200" dirty="0" smtClean="0">
+                          <a:solidFill>
+                            <a:schemeClr val="dk1"/>
+                          </a:solidFill>
+                          <a:latin typeface="+mn-lt"/>
+                          <a:ea typeface="+mn-ea"/>
+                          <a:cs typeface="+mn-cs"/>
+                        </a:rPr>
+                        <a:t> </a:t>
+                      </a:r>
+                      <a:r>
+                        <a:rPr lang="en-US" altLang="ko-KR" sz="1200" kern="1200" dirty="0" err="1" smtClean="0">
+                          <a:solidFill>
+                            <a:schemeClr val="dk1"/>
+                          </a:solidFill>
+                          <a:latin typeface="+mn-lt"/>
+                          <a:ea typeface="+mn-ea"/>
+                          <a:cs typeface="+mn-cs"/>
+                        </a:rPr>
+                        <a:t>TF_class_number</a:t>
+                      </a:r>
+                      <a:r>
+                        <a:rPr lang="en-US" altLang="ko-KR" sz="1200" kern="1200" dirty="0" smtClean="0">
+                          <a:solidFill>
+                            <a:schemeClr val="dk1"/>
+                          </a:solidFill>
+                          <a:latin typeface="+mn-lt"/>
+                          <a:ea typeface="+mn-ea"/>
+                          <a:cs typeface="+mn-cs"/>
+                        </a:rPr>
+                        <a:t>;</a:t>
+                      </a:r>
+                    </a:p>
+                    <a:p>
+                      <a:endParaRPr lang="en-US" altLang="ko-KR" sz="1200" kern="1200" dirty="0" smtClean="0">
+                        <a:solidFill>
+                          <a:schemeClr val="dk1"/>
+                        </a:solidFill>
+                        <a:latin typeface="+mn-lt"/>
+                        <a:ea typeface="+mn-ea"/>
+                        <a:cs typeface="+mn-cs"/>
+                      </a:endParaRPr>
+                    </a:p>
+                    <a:p>
+                      <a:r>
+                        <a:rPr lang="en-US" altLang="ko-KR" sz="1200" kern="1200" dirty="0" smtClean="0">
+                          <a:solidFill>
+                            <a:schemeClr val="dk1"/>
+                          </a:solidFill>
+                          <a:latin typeface="+mn-lt"/>
+                          <a:ea typeface="+mn-ea"/>
+                          <a:cs typeface="+mn-cs"/>
+                        </a:rPr>
+                        <a:t>private Database </a:t>
+                      </a:r>
+                      <a:r>
+                        <a:rPr lang="en-US" altLang="ko-KR" sz="1200" kern="1200" dirty="0" err="1" smtClean="0">
+                          <a:solidFill>
+                            <a:schemeClr val="dk1"/>
+                          </a:solidFill>
+                          <a:latin typeface="+mn-lt"/>
+                          <a:ea typeface="+mn-ea"/>
+                          <a:cs typeface="+mn-cs"/>
+                        </a:rPr>
+                        <a:t>database</a:t>
+                      </a:r>
+                      <a:r>
+                        <a:rPr lang="en-US" altLang="ko-KR" sz="1200" kern="1200" dirty="0" smtClean="0">
+                          <a:solidFill>
+                            <a:schemeClr val="dk1"/>
+                          </a:solidFill>
+                          <a:latin typeface="+mn-lt"/>
+                          <a:ea typeface="+mn-ea"/>
+                          <a:cs typeface="+mn-cs"/>
+                        </a:rPr>
+                        <a:t>;</a:t>
+                      </a:r>
+                    </a:p>
+                    <a:p>
+                      <a:endParaRPr lang="en-US" altLang="ko-KR" sz="1200" kern="1200" dirty="0" smtClean="0">
+                        <a:solidFill>
+                          <a:schemeClr val="dk1"/>
+                        </a:solidFill>
+                        <a:latin typeface="+mn-lt"/>
+                        <a:ea typeface="+mn-ea"/>
+                        <a:cs typeface="+mn-cs"/>
+                      </a:endParaRPr>
+                    </a:p>
+                    <a:p>
+                      <a:r>
+                        <a:rPr lang="en-US" altLang="ko-KR" sz="1200" b="0" kern="1200" dirty="0" err="1" smtClean="0">
+                          <a:solidFill>
+                            <a:schemeClr val="dk1"/>
+                          </a:solidFill>
+                          <a:latin typeface="+mn-ea"/>
+                          <a:ea typeface="+mn-ea"/>
+                          <a:cs typeface="+mn-cs"/>
+                        </a:rPr>
+                        <a:t>JLabel</a:t>
+                      </a:r>
+                      <a:r>
+                        <a:rPr lang="en-US" altLang="ko-KR" sz="1200" b="0" kern="1200" dirty="0" smtClean="0">
+                          <a:solidFill>
+                            <a:schemeClr val="dk1"/>
+                          </a:solidFill>
+                          <a:latin typeface="+mn-ea"/>
+                          <a:ea typeface="+mn-ea"/>
+                          <a:cs typeface="+mn-cs"/>
+                        </a:rPr>
+                        <a:t> </a:t>
+                      </a:r>
+                      <a:r>
+                        <a:rPr lang="en-US" altLang="ko-KR" sz="1200" b="0" kern="1200" dirty="0" err="1" smtClean="0">
+                          <a:solidFill>
+                            <a:schemeClr val="dk1"/>
+                          </a:solidFill>
+                          <a:latin typeface="+mn-ea"/>
+                          <a:ea typeface="+mn-ea"/>
+                          <a:cs typeface="+mn-cs"/>
+                        </a:rPr>
+                        <a:t>lb_subject_name</a:t>
+                      </a:r>
+                      <a:r>
+                        <a:rPr lang="en-US" altLang="ko-KR" sz="1200" b="0" kern="1200" dirty="0" smtClean="0">
+                          <a:solidFill>
+                            <a:schemeClr val="dk1"/>
+                          </a:solidFill>
+                          <a:latin typeface="+mn-ea"/>
+                          <a:ea typeface="+mn-ea"/>
+                          <a:cs typeface="+mn-cs"/>
+                        </a:rPr>
+                        <a:t>;</a:t>
+                      </a:r>
+                    </a:p>
+                    <a:p>
+                      <a:r>
+                        <a:rPr lang="en-US" altLang="ko-KR" sz="1200" b="0" kern="1200" dirty="0" err="1" smtClean="0">
+                          <a:solidFill>
+                            <a:schemeClr val="dk1"/>
+                          </a:solidFill>
+                          <a:latin typeface="+mn-ea"/>
+                          <a:ea typeface="+mn-ea"/>
+                          <a:cs typeface="+mn-cs"/>
+                        </a:rPr>
+                        <a:t>JLabel</a:t>
+                      </a:r>
+                      <a:r>
+                        <a:rPr lang="en-US" altLang="ko-KR" sz="1200" b="0" kern="1200" dirty="0" smtClean="0">
+                          <a:solidFill>
+                            <a:schemeClr val="dk1"/>
+                          </a:solidFill>
+                          <a:latin typeface="+mn-ea"/>
+                          <a:ea typeface="+mn-ea"/>
+                          <a:cs typeface="+mn-cs"/>
+                        </a:rPr>
+                        <a:t> </a:t>
+                      </a:r>
+                      <a:r>
+                        <a:rPr lang="en-US" altLang="ko-KR" sz="1200" b="0" kern="1200" dirty="0" err="1" smtClean="0">
+                          <a:solidFill>
+                            <a:schemeClr val="dk1"/>
+                          </a:solidFill>
+                          <a:latin typeface="+mn-ea"/>
+                          <a:ea typeface="+mn-ea"/>
+                          <a:cs typeface="+mn-cs"/>
+                        </a:rPr>
+                        <a:t>lb_professor</a:t>
+                      </a:r>
+                      <a:r>
+                        <a:rPr lang="en-US" altLang="ko-KR" sz="1200" b="0" kern="1200" dirty="0" smtClean="0">
+                          <a:solidFill>
+                            <a:schemeClr val="dk1"/>
+                          </a:solidFill>
+                          <a:latin typeface="+mn-ea"/>
+                          <a:ea typeface="+mn-ea"/>
+                          <a:cs typeface="+mn-cs"/>
+                        </a:rPr>
+                        <a:t>;</a:t>
+                      </a:r>
+                    </a:p>
+                    <a:p>
+                      <a:r>
+                        <a:rPr lang="en-US" altLang="ko-KR" sz="1200" b="0" kern="1200" dirty="0" err="1" smtClean="0">
+                          <a:solidFill>
+                            <a:schemeClr val="dk1"/>
+                          </a:solidFill>
+                          <a:latin typeface="+mn-ea"/>
+                          <a:ea typeface="+mn-ea"/>
+                          <a:cs typeface="+mn-cs"/>
+                        </a:rPr>
+                        <a:t>JLabel</a:t>
+                      </a:r>
+                      <a:r>
+                        <a:rPr lang="en-US" altLang="ko-KR" sz="1200" b="0" kern="1200" dirty="0" smtClean="0">
+                          <a:solidFill>
+                            <a:schemeClr val="dk1"/>
+                          </a:solidFill>
+                          <a:latin typeface="+mn-ea"/>
+                          <a:ea typeface="+mn-ea"/>
+                          <a:cs typeface="+mn-cs"/>
+                        </a:rPr>
+                        <a:t> </a:t>
+                      </a:r>
+                      <a:r>
+                        <a:rPr lang="en-US" altLang="ko-KR" sz="1200" b="0" kern="1200" dirty="0" err="1" smtClean="0">
+                          <a:solidFill>
+                            <a:schemeClr val="dk1"/>
+                          </a:solidFill>
+                          <a:latin typeface="+mn-ea"/>
+                          <a:ea typeface="+mn-ea"/>
+                          <a:cs typeface="+mn-cs"/>
+                        </a:rPr>
+                        <a:t>lb_day_of_week</a:t>
+                      </a:r>
+                      <a:r>
+                        <a:rPr lang="en-US" altLang="ko-KR" sz="1200" b="0" kern="1200" dirty="0" smtClean="0">
+                          <a:solidFill>
+                            <a:schemeClr val="dk1"/>
+                          </a:solidFill>
+                          <a:latin typeface="+mn-ea"/>
+                          <a:ea typeface="+mn-ea"/>
+                          <a:cs typeface="+mn-cs"/>
+                        </a:rPr>
+                        <a:t>_</a:t>
+                      </a:r>
+                      <a:r>
+                        <a:rPr lang="en-US" altLang="ko-KR" sz="1200" b="0" kern="1200" baseline="0" dirty="0" smtClean="0">
+                          <a:solidFill>
+                            <a:schemeClr val="dk1"/>
+                          </a:solidFill>
+                          <a:latin typeface="+mn-ea"/>
+                          <a:ea typeface="+mn-ea"/>
+                          <a:cs typeface="+mn-cs"/>
+                        </a:rPr>
+                        <a:t> </a:t>
+                      </a:r>
+                      <a:r>
+                        <a:rPr lang="en-US" altLang="ko-KR" sz="1200" b="0" kern="1200" baseline="0" dirty="0" err="1" smtClean="0">
+                          <a:solidFill>
+                            <a:schemeClr val="dk1"/>
+                          </a:solidFill>
+                          <a:latin typeface="+mn-ea"/>
+                          <a:ea typeface="+mn-ea"/>
+                          <a:cs typeface="+mn-cs"/>
+                        </a:rPr>
+                        <a:t>and_time</a:t>
+                      </a:r>
+                      <a:r>
+                        <a:rPr lang="en-US" altLang="ko-KR" sz="1200" b="0" kern="1200" baseline="0" dirty="0" smtClean="0">
+                          <a:solidFill>
+                            <a:schemeClr val="dk1"/>
+                          </a:solidFill>
+                          <a:latin typeface="+mn-ea"/>
+                          <a:ea typeface="+mn-ea"/>
+                          <a:cs typeface="+mn-cs"/>
+                        </a:rPr>
+                        <a:t>;</a:t>
+                      </a:r>
+                    </a:p>
+                    <a:p>
+                      <a:r>
+                        <a:rPr lang="en-US" altLang="ko-KR" sz="1200" b="0" kern="1200" dirty="0" err="1" smtClean="0">
+                          <a:solidFill>
+                            <a:schemeClr val="dk1"/>
+                          </a:solidFill>
+                          <a:latin typeface="+mn-ea"/>
+                          <a:ea typeface="+mn-ea"/>
+                          <a:cs typeface="+mn-cs"/>
+                        </a:rPr>
+                        <a:t>JLabel</a:t>
+                      </a:r>
+                      <a:r>
+                        <a:rPr lang="en-US" altLang="ko-KR" sz="1200" b="0" kern="1200" dirty="0" smtClean="0">
+                          <a:solidFill>
+                            <a:schemeClr val="dk1"/>
+                          </a:solidFill>
+                          <a:latin typeface="+mn-ea"/>
+                          <a:ea typeface="+mn-ea"/>
+                          <a:cs typeface="+mn-cs"/>
+                        </a:rPr>
+                        <a:t> </a:t>
+                      </a:r>
+                      <a:r>
+                        <a:rPr lang="en-US" altLang="ko-KR" sz="1200" b="0" kern="1200" dirty="0" err="1" smtClean="0">
+                          <a:solidFill>
+                            <a:schemeClr val="dk1"/>
+                          </a:solidFill>
+                          <a:latin typeface="+mn-ea"/>
+                          <a:ea typeface="+mn-ea"/>
+                          <a:cs typeface="+mn-cs"/>
+                        </a:rPr>
+                        <a:t>lb_semester_and_year</a:t>
+                      </a:r>
+                      <a:r>
+                        <a:rPr lang="en-US" altLang="ko-KR" sz="1200" b="0" kern="1200" dirty="0" smtClean="0">
+                          <a:solidFill>
+                            <a:schemeClr val="dk1"/>
+                          </a:solidFill>
+                          <a:latin typeface="+mn-ea"/>
+                          <a:ea typeface="+mn-ea"/>
+                          <a:cs typeface="+mn-cs"/>
+                        </a:rPr>
+                        <a:t>;</a:t>
+                      </a:r>
+                    </a:p>
+                    <a:p>
+                      <a:pPr marL="0" marR="0" indent="0" algn="l" defTabSz="914400" rtl="0" eaLnBrk="1" fontAlgn="auto" latinLnBrk="1" hangingPunct="1">
+                        <a:lnSpc>
+                          <a:spcPct val="100000"/>
+                        </a:lnSpc>
+                        <a:spcBef>
+                          <a:spcPts val="0"/>
+                        </a:spcBef>
+                        <a:spcAft>
+                          <a:spcPts val="0"/>
+                        </a:spcAft>
+                        <a:buClrTx/>
+                        <a:buSzTx/>
+                        <a:buFontTx/>
+                        <a:buNone/>
+                        <a:tabLst/>
+                        <a:defRPr/>
+                      </a:pPr>
+                      <a:r>
+                        <a:rPr lang="en-US" altLang="ko-KR" sz="1200" b="0" kern="1200" dirty="0" err="1" smtClean="0">
+                          <a:solidFill>
+                            <a:schemeClr val="dk1"/>
+                          </a:solidFill>
+                          <a:latin typeface="+mn-ea"/>
+                          <a:ea typeface="+mn-ea"/>
+                          <a:cs typeface="+mn-cs"/>
+                        </a:rPr>
+                        <a:t>JLabel</a:t>
+                      </a:r>
+                      <a:r>
+                        <a:rPr lang="en-US" altLang="ko-KR" sz="1200" b="0" kern="1200" dirty="0" smtClean="0">
+                          <a:solidFill>
+                            <a:schemeClr val="dk1"/>
+                          </a:solidFill>
+                          <a:latin typeface="+mn-ea"/>
+                          <a:ea typeface="+mn-ea"/>
+                          <a:cs typeface="+mn-cs"/>
+                        </a:rPr>
+                        <a:t> </a:t>
+                      </a:r>
+                      <a:r>
+                        <a:rPr lang="en-US" altLang="ko-KR" sz="1200" b="0" kern="1200" dirty="0" err="1" smtClean="0">
+                          <a:solidFill>
+                            <a:schemeClr val="dk1"/>
+                          </a:solidFill>
+                          <a:latin typeface="+mn-ea"/>
+                          <a:ea typeface="+mn-ea"/>
+                          <a:cs typeface="+mn-cs"/>
+                        </a:rPr>
+                        <a:t>lb_class_number</a:t>
+                      </a:r>
+                      <a:r>
+                        <a:rPr lang="en-US" altLang="ko-KR" sz="1200" b="0" kern="1200" dirty="0" smtClean="0">
+                          <a:solidFill>
+                            <a:schemeClr val="dk1"/>
+                          </a:solidFill>
+                          <a:latin typeface="+mn-ea"/>
+                          <a:ea typeface="+mn-ea"/>
+                          <a:cs typeface="+mn-cs"/>
+                        </a:rPr>
+                        <a:t>;</a:t>
+                      </a:r>
+                    </a:p>
+                    <a:p>
+                      <a:pPr marL="0" marR="0" indent="0" algn="l" defTabSz="914400" rtl="0" eaLnBrk="1" fontAlgn="auto" latinLnBrk="1" hangingPunct="1">
+                        <a:lnSpc>
+                          <a:spcPct val="100000"/>
+                        </a:lnSpc>
+                        <a:spcBef>
+                          <a:spcPts val="0"/>
+                        </a:spcBef>
+                        <a:spcAft>
+                          <a:spcPts val="0"/>
+                        </a:spcAft>
+                        <a:buClrTx/>
+                        <a:buSzTx/>
+                        <a:buFontTx/>
+                        <a:buNone/>
+                        <a:tabLst/>
+                        <a:defRPr/>
+                      </a:pPr>
+                      <a:endParaRPr lang="ko-KR" altLang="en-US" sz="1200" kern="1200" dirty="0" smtClean="0">
+                        <a:solidFill>
+                          <a:schemeClr val="dk1"/>
+                        </a:solidFill>
+                        <a:latin typeface="+mn-lt"/>
+                        <a:ea typeface="+mn-ea"/>
+                        <a:cs typeface="+mn-cs"/>
+                      </a:endParaRPr>
+                    </a:p>
+                    <a:p>
+                      <a:r>
+                        <a:rPr lang="en-US" altLang="ko-KR" sz="1200" kern="1200" dirty="0" err="1" smtClean="0">
+                          <a:solidFill>
+                            <a:schemeClr val="dk1"/>
+                          </a:solidFill>
+                          <a:latin typeface="+mn-lt"/>
+                          <a:ea typeface="+mn-ea"/>
+                          <a:cs typeface="+mn-cs"/>
+                        </a:rPr>
+                        <a:t>JButton</a:t>
+                      </a:r>
+                      <a:r>
+                        <a:rPr lang="en-US" altLang="ko-KR" sz="1200" kern="1200" dirty="0" smtClean="0">
+                          <a:solidFill>
+                            <a:schemeClr val="dk1"/>
+                          </a:solidFill>
+                          <a:latin typeface="+mn-lt"/>
+                          <a:ea typeface="+mn-ea"/>
+                          <a:cs typeface="+mn-cs"/>
+                        </a:rPr>
+                        <a:t> </a:t>
+                      </a:r>
+                      <a:r>
+                        <a:rPr lang="en-US" altLang="ko-KR" sz="1200" kern="1200" dirty="0" err="1" smtClean="0">
+                          <a:solidFill>
+                            <a:schemeClr val="dk1"/>
+                          </a:solidFill>
+                          <a:latin typeface="+mn-lt"/>
+                          <a:ea typeface="+mn-ea"/>
+                          <a:cs typeface="+mn-cs"/>
+                        </a:rPr>
+                        <a:t>button_change_enroll</a:t>
+                      </a:r>
+                      <a:r>
+                        <a:rPr lang="en-US" altLang="ko-KR" sz="1200" kern="1200" dirty="0" smtClean="0">
+                          <a:solidFill>
+                            <a:schemeClr val="dk1"/>
+                          </a:solidFill>
+                          <a:latin typeface="+mn-lt"/>
+                          <a:ea typeface="+mn-ea"/>
+                          <a:cs typeface="+mn-cs"/>
+                        </a:rPr>
+                        <a:t>;//</a:t>
+                      </a:r>
+                      <a:r>
+                        <a:rPr lang="ko-KR" altLang="en-US" sz="1200" kern="1200" dirty="0" smtClean="0">
+                          <a:solidFill>
+                            <a:schemeClr val="dk1"/>
+                          </a:solidFill>
+                          <a:latin typeface="+mn-lt"/>
+                          <a:ea typeface="+mn-ea"/>
+                          <a:cs typeface="+mn-cs"/>
+                        </a:rPr>
+                        <a:t>수정하기 버튼</a:t>
+                      </a:r>
+                    </a:p>
+                    <a:p>
+                      <a:r>
+                        <a:rPr lang="en-US" altLang="ko-KR" sz="1200" kern="1200" dirty="0" err="1" smtClean="0">
+                          <a:solidFill>
+                            <a:schemeClr val="dk1"/>
+                          </a:solidFill>
+                          <a:latin typeface="+mn-lt"/>
+                          <a:ea typeface="+mn-ea"/>
+                          <a:cs typeface="+mn-cs"/>
+                        </a:rPr>
+                        <a:t>JButton</a:t>
+                      </a:r>
+                      <a:r>
+                        <a:rPr lang="en-US" altLang="ko-KR" sz="1200" kern="1200" dirty="0" smtClean="0">
+                          <a:solidFill>
+                            <a:schemeClr val="dk1"/>
+                          </a:solidFill>
+                          <a:latin typeface="+mn-lt"/>
+                          <a:ea typeface="+mn-ea"/>
+                          <a:cs typeface="+mn-cs"/>
+                        </a:rPr>
+                        <a:t> </a:t>
+                      </a:r>
+                      <a:r>
+                        <a:rPr lang="en-US" altLang="ko-KR" sz="1200" kern="1200" dirty="0" err="1" smtClean="0">
+                          <a:solidFill>
+                            <a:schemeClr val="dk1"/>
+                          </a:solidFill>
+                          <a:latin typeface="+mn-lt"/>
+                          <a:ea typeface="+mn-ea"/>
+                          <a:cs typeface="+mn-cs"/>
+                        </a:rPr>
+                        <a:t>button_warning</a:t>
+                      </a:r>
+                      <a:r>
+                        <a:rPr lang="en-US" altLang="ko-KR" sz="1200" kern="1200" dirty="0" smtClean="0">
+                          <a:solidFill>
+                            <a:schemeClr val="dk1"/>
+                          </a:solidFill>
+                          <a:latin typeface="+mn-lt"/>
+                          <a:ea typeface="+mn-ea"/>
+                          <a:cs typeface="+mn-cs"/>
+                        </a:rPr>
+                        <a:t>;//</a:t>
+                      </a:r>
+                      <a:r>
+                        <a:rPr lang="ko-KR" altLang="en-US" sz="1200" kern="1200" dirty="0" smtClean="0">
+                          <a:solidFill>
+                            <a:schemeClr val="dk1"/>
+                          </a:solidFill>
+                          <a:latin typeface="+mn-lt"/>
+                          <a:ea typeface="+mn-ea"/>
+                          <a:cs typeface="+mn-cs"/>
+                        </a:rPr>
+                        <a:t>경고 창 버튼</a:t>
+                      </a:r>
+                    </a:p>
+                    <a:p>
+                      <a:r>
+                        <a:rPr lang="en-US" altLang="ko-KR" sz="1200" kern="1200" dirty="0" err="1" smtClean="0">
+                          <a:solidFill>
+                            <a:schemeClr val="dk1"/>
+                          </a:solidFill>
+                          <a:latin typeface="+mn-lt"/>
+                          <a:ea typeface="+mn-ea"/>
+                          <a:cs typeface="+mn-cs"/>
+                        </a:rPr>
+                        <a:t>Jbutton</a:t>
+                      </a:r>
+                      <a:r>
+                        <a:rPr lang="en-US" altLang="ko-KR" sz="1200" kern="1200" dirty="0" smtClean="0">
+                          <a:solidFill>
+                            <a:schemeClr val="dk1"/>
+                          </a:solidFill>
+                          <a:latin typeface="+mn-lt"/>
+                          <a:ea typeface="+mn-ea"/>
+                          <a:cs typeface="+mn-cs"/>
+                        </a:rPr>
+                        <a:t> </a:t>
+                      </a:r>
+                      <a:r>
+                        <a:rPr lang="en-US" altLang="ko-KR" sz="1200" kern="1200" dirty="0" err="1" smtClean="0">
+                          <a:solidFill>
+                            <a:schemeClr val="dk1"/>
+                          </a:solidFill>
+                          <a:latin typeface="+mn-lt"/>
+                          <a:ea typeface="+mn-ea"/>
+                          <a:cs typeface="+mn-cs"/>
+                        </a:rPr>
+                        <a:t>button_cancel</a:t>
+                      </a:r>
+                      <a:r>
+                        <a:rPr lang="en-US" altLang="ko-KR" sz="1200" kern="1200" dirty="0" smtClean="0">
+                          <a:solidFill>
+                            <a:schemeClr val="dk1"/>
+                          </a:solidFill>
+                          <a:latin typeface="+mn-lt"/>
+                          <a:ea typeface="+mn-ea"/>
+                          <a:cs typeface="+mn-cs"/>
+                        </a:rPr>
+                        <a:t>;//</a:t>
+                      </a:r>
+                      <a:r>
+                        <a:rPr lang="ko-KR" altLang="en-US" sz="1200" kern="1200" dirty="0" smtClean="0">
+                          <a:solidFill>
+                            <a:schemeClr val="dk1"/>
+                          </a:solidFill>
+                          <a:latin typeface="+mn-lt"/>
+                          <a:ea typeface="+mn-ea"/>
+                          <a:cs typeface="+mn-cs"/>
+                        </a:rPr>
+                        <a:t>취소 버튼</a:t>
+                      </a:r>
+                    </a:p>
+                    <a:p>
+                      <a:r>
+                        <a:rPr lang="en-US" altLang="ko-KR" sz="1200" kern="1200" dirty="0" err="1" smtClean="0">
+                          <a:solidFill>
+                            <a:schemeClr val="dk1"/>
+                          </a:solidFill>
+                          <a:latin typeface="+mn-lt"/>
+                          <a:ea typeface="+mn-ea"/>
+                          <a:cs typeface="+mn-cs"/>
+                        </a:rPr>
+                        <a:t>Jbutton</a:t>
+                      </a:r>
+                      <a:r>
+                        <a:rPr lang="en-US" altLang="ko-KR" sz="1200" kern="1200" dirty="0" smtClean="0">
+                          <a:solidFill>
+                            <a:schemeClr val="dk1"/>
+                          </a:solidFill>
+                          <a:latin typeface="+mn-lt"/>
+                          <a:ea typeface="+mn-ea"/>
+                          <a:cs typeface="+mn-cs"/>
+                        </a:rPr>
+                        <a:t> </a:t>
+                      </a:r>
+                      <a:r>
+                        <a:rPr lang="en-US" altLang="ko-KR" sz="1200" kern="1200" dirty="0" err="1" smtClean="0">
+                          <a:solidFill>
+                            <a:schemeClr val="dk1"/>
+                          </a:solidFill>
+                          <a:latin typeface="+mn-lt"/>
+                          <a:ea typeface="+mn-ea"/>
+                          <a:cs typeface="+mn-cs"/>
+                        </a:rPr>
+                        <a:t>button_confirm</a:t>
+                      </a:r>
+                      <a:r>
+                        <a:rPr lang="en-US" altLang="ko-KR" sz="1200" kern="1200" dirty="0" smtClean="0">
+                          <a:solidFill>
+                            <a:schemeClr val="dk1"/>
+                          </a:solidFill>
+                          <a:latin typeface="+mn-lt"/>
+                          <a:ea typeface="+mn-ea"/>
+                          <a:cs typeface="+mn-cs"/>
+                        </a:rPr>
+                        <a:t>;//</a:t>
+                      </a:r>
+                      <a:r>
+                        <a:rPr lang="ko-KR" altLang="en-US" sz="1200" kern="1200" dirty="0" smtClean="0">
+                          <a:solidFill>
+                            <a:schemeClr val="dk1"/>
+                          </a:solidFill>
+                          <a:latin typeface="+mn-lt"/>
+                          <a:ea typeface="+mn-ea"/>
+                          <a:cs typeface="+mn-cs"/>
+                        </a:rPr>
+                        <a:t>확인 버튼</a:t>
+                      </a:r>
+                      <a:endParaRPr lang="ko-KR" altLang="en-US" sz="1200" kern="1200" dirty="0">
+                        <a:solidFill>
+                          <a:schemeClr val="dk1"/>
+                        </a:solidFill>
+                        <a:latin typeface="+mn-lt"/>
+                        <a:ea typeface="+mn-ea"/>
+                        <a:cs typeface="+mn-cs"/>
+                      </a:endParaRPr>
+                    </a:p>
+                  </a:txBody>
+                  <a:tcPr/>
+                </a:tc>
+              </a:tr>
+              <a:tr h="462288">
+                <a:tc>
+                  <a:txBody>
+                    <a:bodyPr/>
+                    <a:lstStyle/>
+                    <a:p>
+                      <a:r>
+                        <a:rPr lang="en-US" altLang="ko-KR" sz="1200" kern="1200" dirty="0" smtClean="0">
+                          <a:solidFill>
+                            <a:schemeClr val="dk1"/>
+                          </a:solidFill>
+                          <a:latin typeface="+mn-lt"/>
+                          <a:ea typeface="+mn-ea"/>
+                          <a:cs typeface="+mn-cs"/>
+                        </a:rPr>
+                        <a:t>public void </a:t>
+                      </a:r>
+                      <a:r>
+                        <a:rPr lang="en-US" altLang="ko-KR" sz="1200" kern="1200" dirty="0" err="1" smtClean="0">
+                          <a:solidFill>
+                            <a:schemeClr val="dk1"/>
+                          </a:solidFill>
+                          <a:latin typeface="+mn-lt"/>
+                          <a:ea typeface="+mn-ea"/>
+                          <a:cs typeface="+mn-cs"/>
+                        </a:rPr>
+                        <a:t>ConfirmWindow</a:t>
+                      </a:r>
+                      <a:r>
+                        <a:rPr lang="en-US" altLang="ko-KR" sz="1200" kern="1200" dirty="0" smtClean="0">
+                          <a:solidFill>
+                            <a:schemeClr val="dk1"/>
+                          </a:solidFill>
+                          <a:latin typeface="+mn-lt"/>
+                          <a:ea typeface="+mn-ea"/>
+                          <a:cs typeface="+mn-cs"/>
+                        </a:rPr>
+                        <a:t>()</a:t>
+                      </a:r>
+                    </a:p>
+                    <a:p>
+                      <a:r>
+                        <a:rPr lang="en-US" altLang="ko-KR" sz="1200" kern="1200" dirty="0" smtClean="0">
+                          <a:solidFill>
+                            <a:schemeClr val="dk1"/>
+                          </a:solidFill>
+                          <a:latin typeface="+mn-lt"/>
+                          <a:ea typeface="+mn-ea"/>
+                          <a:cs typeface="+mn-cs"/>
+                        </a:rPr>
+                        <a:t>public</a:t>
+                      </a:r>
+                      <a:r>
+                        <a:rPr lang="en-US" altLang="ko-KR" sz="1200" kern="1200" baseline="0" dirty="0" smtClean="0">
+                          <a:solidFill>
+                            <a:schemeClr val="dk1"/>
+                          </a:solidFill>
+                          <a:latin typeface="+mn-lt"/>
+                          <a:ea typeface="+mn-ea"/>
+                          <a:cs typeface="+mn-cs"/>
+                        </a:rPr>
+                        <a:t> void </a:t>
+                      </a:r>
+                      <a:r>
+                        <a:rPr lang="en-US" altLang="ko-KR" sz="1200" kern="1200" baseline="0" dirty="0" err="1" smtClean="0">
+                          <a:solidFill>
+                            <a:schemeClr val="dk1"/>
+                          </a:solidFill>
+                          <a:latin typeface="+mn-lt"/>
+                          <a:ea typeface="+mn-ea"/>
+                          <a:cs typeface="+mn-cs"/>
+                        </a:rPr>
+                        <a:t>WarningWindow</a:t>
+                      </a:r>
+                      <a:r>
+                        <a:rPr lang="en-US" altLang="ko-KR" sz="1200" kern="1200" baseline="0" dirty="0" smtClean="0">
+                          <a:solidFill>
+                            <a:schemeClr val="dk1"/>
+                          </a:solidFill>
+                          <a:latin typeface="+mn-lt"/>
+                          <a:ea typeface="+mn-ea"/>
+                          <a:cs typeface="+mn-cs"/>
+                        </a:rPr>
+                        <a:t>()</a:t>
+                      </a:r>
+                      <a:endParaRPr lang="en-US" altLang="ko-KR" sz="1200" kern="1200" dirty="0" smtClean="0">
+                        <a:solidFill>
+                          <a:schemeClr val="dk1"/>
+                        </a:solidFill>
+                        <a:latin typeface="+mn-lt"/>
+                        <a:ea typeface="+mn-ea"/>
+                        <a:cs typeface="+mn-cs"/>
+                      </a:endParaRPr>
+                    </a:p>
+                  </a:txBody>
+                  <a:tcPr/>
+                </a:tc>
+              </a:tr>
+            </a:tbl>
+          </a:graphicData>
+        </a:graphic>
+      </p:graphicFrame>
+      <p:graphicFrame>
+        <p:nvGraphicFramePr>
+          <p:cNvPr id="4" name="표 3"/>
+          <p:cNvGraphicFramePr>
+            <a:graphicFrameLocks noGrp="1"/>
+          </p:cNvGraphicFramePr>
+          <p:nvPr/>
+        </p:nvGraphicFramePr>
+        <p:xfrm>
+          <a:off x="5076056" y="1007224"/>
+          <a:ext cx="3672406" cy="5204004"/>
+        </p:xfrm>
+        <a:graphic>
+          <a:graphicData uri="http://schemas.openxmlformats.org/drawingml/2006/table">
+            <a:tbl>
+              <a:tblPr/>
+              <a:tblGrid>
+                <a:gridCol w="990566"/>
+                <a:gridCol w="990566"/>
+                <a:gridCol w="990566"/>
+                <a:gridCol w="700708"/>
+              </a:tblGrid>
+              <a:tr h="899014">
+                <a:tc rowSpan="6">
+                  <a:txBody>
+                    <a:bodyPr/>
+                    <a:lstStyle/>
+                    <a:p>
+                      <a:pPr marL="0" marR="0" algn="ctr">
+                        <a:lnSpc>
+                          <a:spcPct val="160000"/>
+                        </a:lnSpc>
+                        <a:spcBef>
+                          <a:spcPts val="0"/>
+                        </a:spcBef>
+                        <a:spcAft>
+                          <a:spcPts val="0"/>
+                        </a:spcAft>
+                      </a:pPr>
+                      <a:r>
+                        <a:rPr lang="ko-KR" altLang="en-US" sz="1100" dirty="0">
+                          <a:solidFill>
+                            <a:schemeClr val="tx1"/>
+                          </a:solidFill>
+                          <a:latin typeface="+mn-lt"/>
+                        </a:rPr>
+                        <a:t>윈도우 창</a:t>
+                      </a:r>
+                    </a:p>
+                  </a:txBody>
+                  <a:tcPr marL="64770" marR="64770" marT="17907" marB="17907" anchor="ctr">
+                    <a:lnL w="3556" cap="flat" cmpd="sng" algn="ctr">
+                      <a:solidFill>
+                        <a:srgbClr val="000000"/>
+                      </a:solidFill>
+                      <a:prstDash val="solid"/>
+                      <a:round/>
+                      <a:headEnd type="none" w="med" len="med"/>
+                      <a:tailEnd type="none" w="med" len="med"/>
+                    </a:lnL>
+                    <a:lnR w="3556" cap="flat" cmpd="sng" algn="ctr">
+                      <a:solidFill>
+                        <a:srgbClr val="000000"/>
+                      </a:solidFill>
+                      <a:prstDash val="solid"/>
+                      <a:round/>
+                      <a:headEnd type="none" w="med" len="med"/>
+                      <a:tailEnd type="none" w="med" len="med"/>
+                    </a:lnR>
+                    <a:lnT w="3556" cap="flat" cmpd="sng" algn="ctr">
+                      <a:solidFill>
+                        <a:srgbClr val="000000"/>
+                      </a:solidFill>
+                      <a:prstDash val="solid"/>
+                      <a:round/>
+                      <a:headEnd type="none" w="med" len="med"/>
+                      <a:tailEnd type="none" w="med" len="med"/>
+                    </a:lnT>
+                    <a:lnB w="3556" cap="flat" cmpd="sng" algn="ctr">
+                      <a:solidFill>
+                        <a:srgbClr val="000000"/>
+                      </a:solidFill>
+                      <a:prstDash val="solid"/>
+                      <a:round/>
+                      <a:headEnd type="none" w="med" len="med"/>
+                      <a:tailEnd type="none" w="med" len="med"/>
+                    </a:lnB>
+                  </a:tcPr>
+                </a:tc>
+                <a:tc>
+                  <a:txBody>
+                    <a:bodyPr/>
+                    <a:lstStyle/>
+                    <a:p>
+                      <a:pPr marL="0" marR="0" algn="ctr">
+                        <a:lnSpc>
+                          <a:spcPct val="160000"/>
+                        </a:lnSpc>
+                        <a:spcBef>
+                          <a:spcPts val="0"/>
+                        </a:spcBef>
+                        <a:spcAft>
+                          <a:spcPts val="0"/>
+                        </a:spcAft>
+                      </a:pPr>
+                      <a:r>
+                        <a:rPr lang="ko-KR" altLang="en-US" sz="1100" dirty="0" smtClean="0">
+                          <a:solidFill>
+                            <a:schemeClr val="tx1"/>
+                          </a:solidFill>
+                          <a:latin typeface="+mn-lt"/>
+                        </a:rPr>
+                        <a:t>텍스트 </a:t>
+                      </a:r>
+                      <a:r>
+                        <a:rPr lang="ko-KR" altLang="en-US" sz="1100" dirty="0">
+                          <a:solidFill>
+                            <a:schemeClr val="tx1"/>
+                          </a:solidFill>
+                          <a:latin typeface="+mn-lt"/>
+                        </a:rPr>
+                        <a:t>영역</a:t>
+                      </a:r>
+                    </a:p>
+                  </a:txBody>
+                  <a:tcPr marL="64770" marR="64770" marT="17907" marB="17907" anchor="ctr">
+                    <a:lnL w="3556" cap="flat" cmpd="sng" algn="ctr">
+                      <a:solidFill>
+                        <a:srgbClr val="000000"/>
+                      </a:solidFill>
+                      <a:prstDash val="solid"/>
+                      <a:round/>
+                      <a:headEnd type="none" w="med" len="med"/>
+                      <a:tailEnd type="none" w="med" len="med"/>
+                    </a:lnL>
+                    <a:lnR w="3556" cap="flat" cmpd="sng" algn="ctr">
+                      <a:solidFill>
+                        <a:srgbClr val="000000"/>
+                      </a:solidFill>
+                      <a:prstDash val="solid"/>
+                      <a:round/>
+                      <a:headEnd type="none" w="med" len="med"/>
+                      <a:tailEnd type="none" w="med" len="med"/>
+                    </a:lnR>
+                    <a:lnT w="3556" cap="flat" cmpd="sng" algn="ctr">
+                      <a:solidFill>
+                        <a:srgbClr val="000000"/>
+                      </a:solidFill>
+                      <a:prstDash val="solid"/>
+                      <a:round/>
+                      <a:headEnd type="none" w="med" len="med"/>
+                      <a:tailEnd type="none" w="med" len="med"/>
+                    </a:lnT>
+                    <a:lnB w="3556" cap="flat" cmpd="sng" algn="ctr">
+                      <a:solidFill>
+                        <a:srgbClr val="000000"/>
+                      </a:solidFill>
+                      <a:prstDash val="solid"/>
+                      <a:round/>
+                      <a:headEnd type="none" w="med" len="med"/>
+                      <a:tailEnd type="none" w="med" len="med"/>
+                    </a:lnB>
+                  </a:tcPr>
+                </a:tc>
+                <a:tc>
+                  <a:txBody>
+                    <a:bodyPr/>
+                    <a:lstStyle/>
+                    <a:p>
+                      <a:pPr marL="0" marR="0" algn="ctr">
+                        <a:lnSpc>
+                          <a:spcPct val="160000"/>
+                        </a:lnSpc>
+                        <a:spcBef>
+                          <a:spcPts val="0"/>
+                        </a:spcBef>
+                        <a:spcAft>
+                          <a:spcPts val="0"/>
+                        </a:spcAft>
+                      </a:pPr>
+                      <a:r>
+                        <a:rPr lang="ko-KR" altLang="en-US" sz="1100" dirty="0" smtClean="0">
+                          <a:solidFill>
+                            <a:schemeClr val="tx1"/>
+                          </a:solidFill>
+                          <a:latin typeface="+mn-lt"/>
+                        </a:rPr>
+                        <a:t>테이블 </a:t>
+                      </a:r>
+                      <a:r>
+                        <a:rPr lang="ko-KR" altLang="en-US" sz="1100" dirty="0">
+                          <a:solidFill>
+                            <a:schemeClr val="tx1"/>
+                          </a:solidFill>
+                          <a:latin typeface="+mn-lt"/>
+                        </a:rPr>
+                        <a:t>영역</a:t>
+                      </a:r>
+                    </a:p>
+                  </a:txBody>
+                  <a:tcPr marL="64770" marR="64770" marT="17907" marB="17907" anchor="ctr">
+                    <a:lnL w="3556" cap="flat" cmpd="sng" algn="ctr">
+                      <a:solidFill>
+                        <a:srgbClr val="000000"/>
+                      </a:solidFill>
+                      <a:prstDash val="solid"/>
+                      <a:round/>
+                      <a:headEnd type="none" w="med" len="med"/>
+                      <a:tailEnd type="none" w="med" len="med"/>
+                    </a:lnL>
+                    <a:lnR w="3556" cap="flat" cmpd="sng" algn="ctr">
+                      <a:solidFill>
+                        <a:srgbClr val="000000"/>
+                      </a:solidFill>
+                      <a:prstDash val="solid"/>
+                      <a:round/>
+                      <a:headEnd type="none" w="med" len="med"/>
+                      <a:tailEnd type="none" w="med" len="med"/>
+                    </a:lnR>
+                    <a:lnT w="3556" cap="flat" cmpd="sng" algn="ctr">
+                      <a:solidFill>
+                        <a:srgbClr val="000000"/>
+                      </a:solidFill>
+                      <a:prstDash val="solid"/>
+                      <a:round/>
+                      <a:headEnd type="none" w="med" len="med"/>
+                      <a:tailEnd type="none" w="med" len="med"/>
+                    </a:lnT>
+                    <a:lnB w="3556" cap="flat" cmpd="sng" algn="ctr">
+                      <a:solidFill>
+                        <a:srgbClr val="000000"/>
+                      </a:solidFill>
+                      <a:prstDash val="solid"/>
+                      <a:round/>
+                      <a:headEnd type="none" w="med" len="med"/>
+                      <a:tailEnd type="none" w="med" len="med"/>
+                    </a:lnB>
+                  </a:tcPr>
+                </a:tc>
+                <a:tc>
+                  <a:txBody>
+                    <a:bodyPr/>
+                    <a:lstStyle/>
+                    <a:p>
+                      <a:pPr marL="0" marR="0" algn="ctr">
+                        <a:lnSpc>
+                          <a:spcPct val="160000"/>
+                        </a:lnSpc>
+                        <a:spcBef>
+                          <a:spcPts val="0"/>
+                        </a:spcBef>
+                        <a:spcAft>
+                          <a:spcPts val="0"/>
+                        </a:spcAft>
+                      </a:pPr>
+                      <a:r>
+                        <a:rPr lang="ko-KR" altLang="en-US" sz="1100" dirty="0" smtClean="0">
+                          <a:solidFill>
+                            <a:schemeClr val="tx1"/>
+                          </a:solidFill>
+                          <a:latin typeface="+mn-lt"/>
+                        </a:rPr>
+                        <a:t>버튼</a:t>
+                      </a:r>
+                      <a:endParaRPr lang="ko-KR" altLang="en-US" sz="1100" dirty="0">
+                        <a:solidFill>
+                          <a:schemeClr val="tx1"/>
+                        </a:solidFill>
+                        <a:latin typeface="+mn-lt"/>
+                      </a:endParaRPr>
+                    </a:p>
+                  </a:txBody>
+                  <a:tcPr marL="64770" marR="64770" marT="17907" marB="17907" anchor="ctr">
+                    <a:lnL w="3556" cap="flat" cmpd="sng" algn="ctr">
+                      <a:solidFill>
+                        <a:srgbClr val="000000"/>
+                      </a:solidFill>
+                      <a:prstDash val="solid"/>
+                      <a:round/>
+                      <a:headEnd type="none" w="med" len="med"/>
+                      <a:tailEnd type="none" w="med" len="med"/>
+                    </a:lnL>
+                    <a:lnR w="3556" cap="flat" cmpd="sng" algn="ctr">
+                      <a:solidFill>
+                        <a:srgbClr val="000000"/>
+                      </a:solidFill>
+                      <a:prstDash val="solid"/>
+                      <a:round/>
+                      <a:headEnd type="none" w="med" len="med"/>
+                      <a:tailEnd type="none" w="med" len="med"/>
+                    </a:lnR>
+                    <a:lnT w="3556" cap="flat" cmpd="sng" algn="ctr">
+                      <a:solidFill>
+                        <a:srgbClr val="000000"/>
+                      </a:solidFill>
+                      <a:prstDash val="solid"/>
+                      <a:round/>
+                      <a:headEnd type="none" w="med" len="med"/>
+                      <a:tailEnd type="none" w="med" len="med"/>
+                    </a:lnT>
+                    <a:lnB w="3556" cap="flat" cmpd="sng" algn="ctr">
+                      <a:solidFill>
+                        <a:srgbClr val="000000"/>
+                      </a:solidFill>
+                      <a:prstDash val="solid"/>
+                      <a:round/>
+                      <a:headEnd type="none" w="med" len="med"/>
+                      <a:tailEnd type="none" w="med" len="med"/>
+                    </a:lnB>
+                  </a:tcPr>
+                </a:tc>
+              </a:tr>
+              <a:tr h="819854">
+                <a:tc vMerge="1">
+                  <a:txBody>
+                    <a:bodyPr/>
+                    <a:lstStyle/>
+                    <a:p>
+                      <a:pPr latinLnBrk="1"/>
+                      <a:endParaRPr lang="ko-KR" altLang="en-US"/>
+                    </a:p>
+                  </a:txBody>
+                  <a:tcPr/>
+                </a:tc>
+                <a:tc>
+                  <a:txBody>
+                    <a:bodyPr/>
+                    <a:lstStyle/>
+                    <a:p>
+                      <a:pPr marL="0" marR="0" algn="ctr">
+                        <a:lnSpc>
+                          <a:spcPct val="160000"/>
+                        </a:lnSpc>
+                        <a:spcBef>
+                          <a:spcPts val="0"/>
+                        </a:spcBef>
+                        <a:spcAft>
+                          <a:spcPts val="0"/>
+                        </a:spcAft>
+                      </a:pPr>
+                      <a:r>
+                        <a:rPr lang="ko-KR" altLang="en-US" sz="1100" dirty="0">
+                          <a:solidFill>
+                            <a:schemeClr val="tx1"/>
+                          </a:solidFill>
+                          <a:latin typeface="+mn-lt"/>
+                        </a:rPr>
+                        <a:t>과목명</a:t>
+                      </a:r>
+                    </a:p>
+                  </a:txBody>
+                  <a:tcPr marL="64770" marR="64770" marT="17907" marB="17907" anchor="ctr">
+                    <a:lnL w="3556" cap="flat" cmpd="sng" algn="ctr">
+                      <a:solidFill>
+                        <a:srgbClr val="000000"/>
+                      </a:solidFill>
+                      <a:prstDash val="solid"/>
+                      <a:round/>
+                      <a:headEnd type="none" w="med" len="med"/>
+                      <a:tailEnd type="none" w="med" len="med"/>
+                    </a:lnL>
+                    <a:lnR w="3556" cap="flat" cmpd="sng" algn="ctr">
+                      <a:solidFill>
+                        <a:srgbClr val="000000"/>
+                      </a:solidFill>
+                      <a:prstDash val="solid"/>
+                      <a:round/>
+                      <a:headEnd type="none" w="med" len="med"/>
+                      <a:tailEnd type="none" w="med" len="med"/>
+                    </a:lnR>
+                    <a:lnT w="3556" cap="flat" cmpd="sng" algn="ctr">
+                      <a:solidFill>
+                        <a:srgbClr val="000000"/>
+                      </a:solidFill>
+                      <a:prstDash val="solid"/>
+                      <a:round/>
+                      <a:headEnd type="none" w="med" len="med"/>
+                      <a:tailEnd type="none" w="med" len="med"/>
+                    </a:lnT>
+                    <a:lnB w="3556" cap="flat" cmpd="sng" algn="ctr">
+                      <a:solidFill>
+                        <a:srgbClr val="000000"/>
+                      </a:solidFill>
+                      <a:prstDash val="solid"/>
+                      <a:round/>
+                      <a:headEnd type="none" w="med" len="med"/>
+                      <a:tailEnd type="none" w="med" len="med"/>
+                    </a:lnB>
+                  </a:tcPr>
+                </a:tc>
+                <a:tc rowSpan="2">
+                  <a:txBody>
+                    <a:bodyPr/>
+                    <a:lstStyle/>
+                    <a:p>
+                      <a:pPr marL="0" marR="0" algn="ctr">
+                        <a:lnSpc>
+                          <a:spcPct val="160000"/>
+                        </a:lnSpc>
+                        <a:spcBef>
+                          <a:spcPts val="0"/>
+                        </a:spcBef>
+                        <a:spcAft>
+                          <a:spcPts val="0"/>
+                        </a:spcAft>
+                      </a:pPr>
+                      <a:r>
+                        <a:rPr lang="ko-KR" altLang="en-US" sz="1100" dirty="0">
+                          <a:solidFill>
+                            <a:schemeClr val="tx1"/>
+                          </a:solidFill>
+                          <a:latin typeface="+mn-lt"/>
+                        </a:rPr>
+                        <a:t>등록된 </a:t>
+                      </a:r>
+                      <a:endParaRPr lang="en-US" altLang="ko-KR" sz="1100" baseline="0" dirty="0" smtClean="0">
+                        <a:solidFill>
+                          <a:schemeClr val="tx1"/>
+                        </a:solidFill>
+                        <a:latin typeface="+mn-lt"/>
+                      </a:endParaRPr>
+                    </a:p>
+                    <a:p>
+                      <a:pPr marL="0" marR="0" algn="ctr">
+                        <a:lnSpc>
+                          <a:spcPct val="160000"/>
+                        </a:lnSpc>
+                        <a:spcBef>
+                          <a:spcPts val="0"/>
+                        </a:spcBef>
+                        <a:spcAft>
+                          <a:spcPts val="0"/>
+                        </a:spcAft>
+                      </a:pPr>
+                      <a:r>
+                        <a:rPr lang="ko-KR" altLang="en-US" sz="1100" baseline="0" dirty="0" smtClean="0">
+                          <a:solidFill>
+                            <a:schemeClr val="tx1"/>
+                          </a:solidFill>
+                          <a:latin typeface="+mn-lt"/>
+                        </a:rPr>
+                        <a:t>과</a:t>
+                      </a:r>
+                      <a:r>
+                        <a:rPr lang="ko-KR" altLang="en-US" sz="1100" dirty="0" smtClean="0">
+                          <a:solidFill>
+                            <a:schemeClr val="tx1"/>
+                          </a:solidFill>
+                          <a:latin typeface="+mn-lt"/>
+                        </a:rPr>
+                        <a:t>목 정보</a:t>
+                      </a:r>
+                      <a:endParaRPr lang="en-US" altLang="ko-KR" sz="1100" dirty="0" smtClean="0">
+                        <a:solidFill>
+                          <a:schemeClr val="tx1"/>
+                        </a:solidFill>
+                        <a:latin typeface="+mn-lt"/>
+                      </a:endParaRPr>
+                    </a:p>
+                    <a:p>
+                      <a:pPr marL="0" marR="0" algn="ctr">
+                        <a:lnSpc>
+                          <a:spcPct val="160000"/>
+                        </a:lnSpc>
+                        <a:spcBef>
+                          <a:spcPts val="0"/>
+                        </a:spcBef>
+                        <a:spcAft>
+                          <a:spcPts val="0"/>
+                        </a:spcAft>
+                      </a:pPr>
+                      <a:endParaRPr lang="ko-KR" altLang="en-US" sz="1100" dirty="0">
+                        <a:solidFill>
+                          <a:schemeClr val="tx1"/>
+                        </a:solidFill>
+                        <a:latin typeface="+mn-lt"/>
+                      </a:endParaRPr>
+                    </a:p>
+                    <a:p>
+                      <a:pPr marL="0" marR="0" algn="ctr">
+                        <a:lnSpc>
+                          <a:spcPct val="160000"/>
+                        </a:lnSpc>
+                        <a:spcBef>
+                          <a:spcPts val="0"/>
+                        </a:spcBef>
+                        <a:spcAft>
+                          <a:spcPts val="0"/>
+                        </a:spcAft>
+                      </a:pPr>
+                      <a:r>
+                        <a:rPr lang="ko-KR" altLang="en-US" sz="1100" dirty="0">
+                          <a:solidFill>
+                            <a:schemeClr val="tx1"/>
+                          </a:solidFill>
+                          <a:latin typeface="+mn-lt"/>
+                        </a:rPr>
+                        <a:t>확인 </a:t>
+                      </a:r>
+                      <a:r>
+                        <a:rPr lang="ko-KR" altLang="en-US" sz="1100" dirty="0" smtClean="0">
+                          <a:solidFill>
+                            <a:schemeClr val="tx1"/>
+                          </a:solidFill>
+                          <a:latin typeface="+mn-lt"/>
+                        </a:rPr>
+                        <a:t>창</a:t>
+                      </a:r>
+                      <a:endParaRPr lang="en-US" altLang="ko-KR" sz="1100" dirty="0" smtClean="0">
+                        <a:solidFill>
+                          <a:schemeClr val="tx1"/>
+                        </a:solidFill>
+                        <a:latin typeface="+mn-lt"/>
+                      </a:endParaRPr>
+                    </a:p>
+                    <a:p>
+                      <a:pPr marL="0" marR="0" algn="ctr">
+                        <a:lnSpc>
+                          <a:spcPct val="160000"/>
+                        </a:lnSpc>
+                        <a:spcBef>
+                          <a:spcPts val="0"/>
+                        </a:spcBef>
+                        <a:spcAft>
+                          <a:spcPts val="0"/>
+                        </a:spcAft>
+                      </a:pPr>
+                      <a:endParaRPr lang="ko-KR" altLang="en-US" sz="1100" dirty="0">
+                        <a:solidFill>
+                          <a:schemeClr val="tx1"/>
+                        </a:solidFill>
+                        <a:latin typeface="+mn-lt"/>
+                      </a:endParaRPr>
+                    </a:p>
+                    <a:p>
+                      <a:pPr marL="0" marR="0" algn="ctr">
+                        <a:lnSpc>
+                          <a:spcPct val="160000"/>
+                        </a:lnSpc>
+                        <a:spcBef>
+                          <a:spcPts val="0"/>
+                        </a:spcBef>
+                        <a:spcAft>
+                          <a:spcPts val="0"/>
+                        </a:spcAft>
+                      </a:pPr>
+                      <a:r>
+                        <a:rPr lang="ko-KR" altLang="en-US" sz="1100" dirty="0">
+                          <a:solidFill>
+                            <a:schemeClr val="tx1"/>
+                          </a:solidFill>
+                          <a:latin typeface="+mn-lt"/>
+                        </a:rPr>
+                        <a:t>경고 창</a:t>
+                      </a:r>
+                    </a:p>
+                  </a:txBody>
+                  <a:tcPr marL="64770" marR="64770" marT="17907" marB="17907" anchor="ctr">
+                    <a:lnL w="3556" cap="flat" cmpd="sng" algn="ctr">
+                      <a:solidFill>
+                        <a:srgbClr val="000000"/>
+                      </a:solidFill>
+                      <a:prstDash val="solid"/>
+                      <a:round/>
+                      <a:headEnd type="none" w="med" len="med"/>
+                      <a:tailEnd type="none" w="med" len="med"/>
+                    </a:lnL>
+                    <a:lnR w="3556" cap="flat" cmpd="sng" algn="ctr">
+                      <a:solidFill>
+                        <a:srgbClr val="000000"/>
+                      </a:solidFill>
+                      <a:prstDash val="solid"/>
+                      <a:round/>
+                      <a:headEnd type="none" w="med" len="med"/>
+                      <a:tailEnd type="none" w="med" len="med"/>
+                    </a:lnR>
+                    <a:lnT w="3556" cap="flat" cmpd="sng" algn="ctr">
+                      <a:solidFill>
+                        <a:srgbClr val="000000"/>
+                      </a:solidFill>
+                      <a:prstDash val="solid"/>
+                      <a:round/>
+                      <a:headEnd type="none" w="med" len="med"/>
+                      <a:tailEnd type="none" w="med" len="med"/>
+                    </a:lnT>
+                    <a:lnB w="3556" cap="flat" cmpd="sng" algn="ctr">
+                      <a:solidFill>
+                        <a:srgbClr val="000000"/>
+                      </a:solidFill>
+                      <a:prstDash val="solid"/>
+                      <a:round/>
+                      <a:headEnd type="none" w="med" len="med"/>
+                      <a:tailEnd type="none" w="med" len="med"/>
+                    </a:lnB>
+                  </a:tcPr>
+                </a:tc>
+                <a:tc>
+                  <a:txBody>
+                    <a:bodyPr/>
+                    <a:lstStyle/>
+                    <a:p>
+                      <a:pPr marL="0" marR="0" algn="ctr">
+                        <a:lnSpc>
+                          <a:spcPct val="160000"/>
+                        </a:lnSpc>
+                        <a:spcBef>
+                          <a:spcPts val="0"/>
+                        </a:spcBef>
+                        <a:spcAft>
+                          <a:spcPts val="0"/>
+                        </a:spcAft>
+                      </a:pPr>
+                      <a:r>
+                        <a:rPr lang="ko-KR" altLang="en-US" sz="1100" dirty="0" err="1" smtClean="0">
+                          <a:solidFill>
+                            <a:schemeClr val="tx1"/>
+                          </a:solidFill>
+                          <a:latin typeface="+mn-lt"/>
+                        </a:rPr>
+                        <a:t>버튼명</a:t>
+                      </a:r>
+                      <a:endParaRPr lang="ko-KR" altLang="en-US" sz="1100" dirty="0">
+                        <a:solidFill>
+                          <a:schemeClr val="tx1"/>
+                        </a:solidFill>
+                        <a:latin typeface="+mn-lt"/>
+                      </a:endParaRPr>
+                    </a:p>
+                  </a:txBody>
+                  <a:tcPr marL="64770" marR="64770" marT="17907" marB="17907" anchor="ctr">
+                    <a:lnL w="3556" cap="flat" cmpd="sng" algn="ctr">
+                      <a:solidFill>
+                        <a:srgbClr val="000000"/>
+                      </a:solidFill>
+                      <a:prstDash val="solid"/>
+                      <a:round/>
+                      <a:headEnd type="none" w="med" len="med"/>
+                      <a:tailEnd type="none" w="med" len="med"/>
+                    </a:lnL>
+                    <a:lnR w="3556" cap="flat" cmpd="sng" algn="ctr">
+                      <a:solidFill>
+                        <a:srgbClr val="000000"/>
+                      </a:solidFill>
+                      <a:prstDash val="solid"/>
+                      <a:round/>
+                      <a:headEnd type="none" w="med" len="med"/>
+                      <a:tailEnd type="none" w="med" len="med"/>
+                    </a:lnR>
+                    <a:lnT w="3556" cap="flat" cmpd="sng" algn="ctr">
+                      <a:solidFill>
+                        <a:srgbClr val="000000"/>
+                      </a:solidFill>
+                      <a:prstDash val="solid"/>
+                      <a:round/>
+                      <a:headEnd type="none" w="med" len="med"/>
+                      <a:tailEnd type="none" w="med" len="med"/>
+                    </a:lnT>
+                    <a:lnB w="3556" cap="flat" cmpd="sng" algn="ctr">
+                      <a:solidFill>
+                        <a:srgbClr val="000000"/>
+                      </a:solidFill>
+                      <a:prstDash val="solid"/>
+                      <a:round/>
+                      <a:headEnd type="none" w="med" len="med"/>
+                      <a:tailEnd type="none" w="med" len="med"/>
+                    </a:lnB>
+                  </a:tcPr>
+                </a:tc>
+              </a:tr>
+              <a:tr h="697109">
+                <a:tc vMerge="1">
+                  <a:txBody>
+                    <a:bodyPr/>
+                    <a:lstStyle/>
+                    <a:p>
+                      <a:pPr latinLnBrk="1"/>
+                      <a:endParaRPr lang="ko-KR" altLang="en-US"/>
+                    </a:p>
+                  </a:txBody>
+                  <a:tcPr/>
+                </a:tc>
+                <a:tc>
+                  <a:txBody>
+                    <a:bodyPr/>
+                    <a:lstStyle/>
+                    <a:p>
+                      <a:pPr marL="0" marR="0" algn="ctr">
+                        <a:lnSpc>
+                          <a:spcPct val="160000"/>
+                        </a:lnSpc>
+                        <a:spcBef>
+                          <a:spcPts val="0"/>
+                        </a:spcBef>
+                        <a:spcAft>
+                          <a:spcPts val="0"/>
+                        </a:spcAft>
+                      </a:pPr>
+                      <a:r>
+                        <a:rPr lang="ko-KR" altLang="en-US" sz="1100" dirty="0">
+                          <a:solidFill>
+                            <a:schemeClr val="tx1"/>
+                          </a:solidFill>
+                          <a:latin typeface="+mn-lt"/>
+                        </a:rPr>
+                        <a:t>담당교수</a:t>
+                      </a:r>
+                    </a:p>
+                  </a:txBody>
+                  <a:tcPr marL="64770" marR="64770" marT="17907" marB="17907" anchor="ctr">
+                    <a:lnL w="3556" cap="flat" cmpd="sng" algn="ctr">
+                      <a:solidFill>
+                        <a:srgbClr val="000000"/>
+                      </a:solidFill>
+                      <a:prstDash val="solid"/>
+                      <a:round/>
+                      <a:headEnd type="none" w="med" len="med"/>
+                      <a:tailEnd type="none" w="med" len="med"/>
+                    </a:lnL>
+                    <a:lnR w="3556" cap="flat" cmpd="sng" algn="ctr">
+                      <a:solidFill>
+                        <a:srgbClr val="000000"/>
+                      </a:solidFill>
+                      <a:prstDash val="solid"/>
+                      <a:round/>
+                      <a:headEnd type="none" w="med" len="med"/>
+                      <a:tailEnd type="none" w="med" len="med"/>
+                    </a:lnR>
+                    <a:lnT w="3556" cap="flat" cmpd="sng" algn="ctr">
+                      <a:solidFill>
+                        <a:srgbClr val="000000"/>
+                      </a:solidFill>
+                      <a:prstDash val="solid"/>
+                      <a:round/>
+                      <a:headEnd type="none" w="med" len="med"/>
+                      <a:tailEnd type="none" w="med" len="med"/>
+                    </a:lnT>
+                    <a:lnB w="3556" cap="flat" cmpd="sng" algn="ctr">
+                      <a:solidFill>
+                        <a:srgbClr val="000000"/>
+                      </a:solidFill>
+                      <a:prstDash val="solid"/>
+                      <a:round/>
+                      <a:headEnd type="none" w="med" len="med"/>
+                      <a:tailEnd type="none" w="med" len="med"/>
+                    </a:lnB>
+                  </a:tcPr>
+                </a:tc>
+                <a:tc vMerge="1">
+                  <a:txBody>
+                    <a:bodyPr/>
+                    <a:lstStyle/>
+                    <a:p>
+                      <a:pPr latinLnBrk="1"/>
+                      <a:endParaRPr lang="ko-KR" altLang="en-US"/>
+                    </a:p>
+                  </a:txBody>
+                  <a:tcPr/>
+                </a:tc>
+                <a:tc rowSpan="4">
+                  <a:txBody>
+                    <a:bodyPr/>
+                    <a:lstStyle/>
+                    <a:p>
+                      <a:pPr marL="0" marR="0" algn="ctr">
+                        <a:lnSpc>
+                          <a:spcPct val="160000"/>
+                        </a:lnSpc>
+                        <a:spcBef>
+                          <a:spcPts val="0"/>
+                        </a:spcBef>
+                        <a:spcAft>
+                          <a:spcPts val="0"/>
+                        </a:spcAft>
+                      </a:pPr>
+                      <a:r>
+                        <a:rPr lang="ko-KR" altLang="en-US" sz="1100" dirty="0" smtClean="0">
+                          <a:solidFill>
+                            <a:schemeClr val="tx1"/>
+                          </a:solidFill>
+                          <a:latin typeface="+mn-lt"/>
+                        </a:rPr>
+                        <a:t>변경</a:t>
+                      </a:r>
+                      <a:endParaRPr lang="en-US" altLang="ko-KR" sz="1100" dirty="0" smtClean="0">
+                        <a:solidFill>
+                          <a:schemeClr val="tx1"/>
+                        </a:solidFill>
+                        <a:latin typeface="+mn-lt"/>
+                      </a:endParaRPr>
+                    </a:p>
+                    <a:p>
+                      <a:pPr marL="0" marR="0" algn="ctr">
+                        <a:lnSpc>
+                          <a:spcPct val="160000"/>
+                        </a:lnSpc>
+                        <a:spcBef>
+                          <a:spcPts val="0"/>
+                        </a:spcBef>
+                        <a:spcAft>
+                          <a:spcPts val="0"/>
+                        </a:spcAft>
+                      </a:pPr>
+                      <a:endParaRPr lang="ko-KR" altLang="en-US" sz="1100" dirty="0">
+                        <a:solidFill>
+                          <a:schemeClr val="tx1"/>
+                        </a:solidFill>
+                        <a:latin typeface="+mn-lt"/>
+                      </a:endParaRPr>
+                    </a:p>
+                    <a:p>
+                      <a:pPr marL="0" marR="0" algn="ctr">
+                        <a:lnSpc>
+                          <a:spcPct val="160000"/>
+                        </a:lnSpc>
+                        <a:spcBef>
+                          <a:spcPts val="0"/>
+                        </a:spcBef>
+                        <a:spcAft>
+                          <a:spcPts val="0"/>
+                        </a:spcAft>
+                      </a:pPr>
+                      <a:r>
+                        <a:rPr lang="ko-KR" altLang="en-US" sz="1100" dirty="0">
+                          <a:solidFill>
+                            <a:schemeClr val="tx1"/>
+                          </a:solidFill>
+                          <a:latin typeface="+mn-lt"/>
+                        </a:rPr>
+                        <a:t>수정하기</a:t>
+                      </a:r>
+                    </a:p>
+                  </a:txBody>
+                  <a:tcPr marL="64770" marR="64770" marT="17907" marB="17907" anchor="ctr">
+                    <a:lnL w="3556" cap="flat" cmpd="sng" algn="ctr">
+                      <a:solidFill>
+                        <a:srgbClr val="000000"/>
+                      </a:solidFill>
+                      <a:prstDash val="solid"/>
+                      <a:round/>
+                      <a:headEnd type="none" w="med" len="med"/>
+                      <a:tailEnd type="none" w="med" len="med"/>
+                    </a:lnL>
+                    <a:lnR w="3556" cap="flat" cmpd="sng" algn="ctr">
+                      <a:solidFill>
+                        <a:srgbClr val="000000"/>
+                      </a:solidFill>
+                      <a:prstDash val="solid"/>
+                      <a:round/>
+                      <a:headEnd type="none" w="med" len="med"/>
+                      <a:tailEnd type="none" w="med" len="med"/>
+                    </a:lnR>
+                    <a:lnT w="3556" cap="flat" cmpd="sng" algn="ctr">
+                      <a:solidFill>
+                        <a:srgbClr val="000000"/>
+                      </a:solidFill>
+                      <a:prstDash val="solid"/>
+                      <a:round/>
+                      <a:headEnd type="none" w="med" len="med"/>
+                      <a:tailEnd type="none" w="med" len="med"/>
+                    </a:lnT>
+                    <a:lnB w="3556" cap="flat" cmpd="sng" algn="ctr">
+                      <a:solidFill>
+                        <a:srgbClr val="000000"/>
+                      </a:solidFill>
+                      <a:prstDash val="solid"/>
+                      <a:round/>
+                      <a:headEnd type="none" w="med" len="med"/>
+                      <a:tailEnd type="none" w="med" len="med"/>
+                    </a:lnB>
+                  </a:tcPr>
+                </a:tc>
+              </a:tr>
+              <a:tr h="709234">
+                <a:tc vMerge="1">
+                  <a:txBody>
+                    <a:bodyPr/>
+                    <a:lstStyle/>
+                    <a:p>
+                      <a:pPr latinLnBrk="1"/>
+                      <a:endParaRPr lang="ko-KR" altLang="en-US"/>
+                    </a:p>
+                  </a:txBody>
+                  <a:tcPr/>
+                </a:tc>
+                <a:tc>
+                  <a:txBody>
+                    <a:bodyPr/>
+                    <a:lstStyle/>
+                    <a:p>
+                      <a:pPr marL="0" marR="0" algn="ctr">
+                        <a:lnSpc>
+                          <a:spcPct val="160000"/>
+                        </a:lnSpc>
+                        <a:spcBef>
+                          <a:spcPts val="0"/>
+                        </a:spcBef>
+                        <a:spcAft>
+                          <a:spcPts val="0"/>
+                        </a:spcAft>
+                      </a:pPr>
+                      <a:r>
+                        <a:rPr lang="ko-KR" altLang="en-US" sz="1100" dirty="0">
+                          <a:solidFill>
+                            <a:schemeClr val="tx1"/>
+                          </a:solidFill>
+                          <a:latin typeface="+mn-lt"/>
+                        </a:rPr>
+                        <a:t>강의 요일 및 시간</a:t>
+                      </a:r>
+                    </a:p>
+                  </a:txBody>
+                  <a:tcPr marL="64770" marR="64770" marT="17907" marB="17907" anchor="ctr">
+                    <a:lnL w="3556" cap="flat" cmpd="sng" algn="ctr">
+                      <a:solidFill>
+                        <a:srgbClr val="000000"/>
+                      </a:solidFill>
+                      <a:prstDash val="solid"/>
+                      <a:round/>
+                      <a:headEnd type="none" w="med" len="med"/>
+                      <a:tailEnd type="none" w="med" len="med"/>
+                    </a:lnL>
+                    <a:lnR w="3556" cap="flat" cmpd="sng" algn="ctr">
+                      <a:solidFill>
+                        <a:srgbClr val="000000"/>
+                      </a:solidFill>
+                      <a:prstDash val="solid"/>
+                      <a:round/>
+                      <a:headEnd type="none" w="med" len="med"/>
+                      <a:tailEnd type="none" w="med" len="med"/>
+                    </a:lnR>
+                    <a:lnT w="3556" cap="flat" cmpd="sng" algn="ctr">
+                      <a:solidFill>
+                        <a:srgbClr val="000000"/>
+                      </a:solidFill>
+                      <a:prstDash val="solid"/>
+                      <a:round/>
+                      <a:headEnd type="none" w="med" len="med"/>
+                      <a:tailEnd type="none" w="med" len="med"/>
+                    </a:lnT>
+                    <a:lnB w="3556" cap="flat" cmpd="sng" algn="ctr">
+                      <a:solidFill>
+                        <a:srgbClr val="000000"/>
+                      </a:solidFill>
+                      <a:prstDash val="solid"/>
+                      <a:round/>
+                      <a:headEnd type="none" w="med" len="med"/>
+                      <a:tailEnd type="none" w="med" len="med"/>
+                    </a:lnB>
+                  </a:tcPr>
+                </a:tc>
+                <a:tc rowSpan="3">
+                  <a:txBody>
+                    <a:bodyPr/>
+                    <a:lstStyle/>
+                    <a:p>
+                      <a:pPr marL="0" marR="0" algn="ctr">
+                        <a:lnSpc>
+                          <a:spcPct val="160000"/>
+                        </a:lnSpc>
+                        <a:spcBef>
+                          <a:spcPts val="0"/>
+                        </a:spcBef>
+                        <a:spcAft>
+                          <a:spcPts val="0"/>
+                        </a:spcAft>
+                      </a:pPr>
+                      <a:r>
+                        <a:rPr lang="ko-KR" altLang="en-US" sz="1100" dirty="0" smtClean="0">
+                          <a:solidFill>
+                            <a:schemeClr val="tx1"/>
+                          </a:solidFill>
+                          <a:latin typeface="+mn-lt"/>
+                        </a:rPr>
+                        <a:t>등록된 과목 정보</a:t>
+                      </a:r>
+                      <a:r>
+                        <a:rPr lang="en-US" altLang="ko-KR" sz="1100" baseline="0" dirty="0" smtClean="0">
+                          <a:solidFill>
+                            <a:schemeClr val="tx1"/>
+                          </a:solidFill>
+                          <a:latin typeface="+mn-lt"/>
+                        </a:rPr>
+                        <a:t> </a:t>
+                      </a:r>
+                      <a:r>
+                        <a:rPr lang="ko-KR" altLang="en-US" sz="1100" dirty="0" smtClean="0">
+                          <a:solidFill>
+                            <a:schemeClr val="tx1"/>
+                          </a:solidFill>
+                          <a:latin typeface="+mn-lt"/>
+                        </a:rPr>
+                        <a:t>출력</a:t>
+                      </a:r>
+                      <a:endParaRPr lang="en-US" altLang="ko-KR" sz="1100" dirty="0" smtClean="0">
+                        <a:solidFill>
+                          <a:schemeClr val="tx1"/>
+                        </a:solidFill>
+                        <a:latin typeface="+mn-lt"/>
+                      </a:endParaRPr>
+                    </a:p>
+                    <a:p>
+                      <a:pPr marL="0" marR="0" algn="ctr">
+                        <a:lnSpc>
+                          <a:spcPct val="160000"/>
+                        </a:lnSpc>
+                        <a:spcBef>
+                          <a:spcPts val="0"/>
+                        </a:spcBef>
+                        <a:spcAft>
+                          <a:spcPts val="0"/>
+                        </a:spcAft>
+                      </a:pPr>
+                      <a:endParaRPr lang="en-US" altLang="ko-KR" sz="1100" dirty="0">
+                        <a:solidFill>
+                          <a:schemeClr val="tx1"/>
+                        </a:solidFill>
+                        <a:latin typeface="+mn-lt"/>
+                      </a:endParaRPr>
+                    </a:p>
+                    <a:p>
+                      <a:pPr marL="0" marR="0" algn="ctr">
+                        <a:lnSpc>
+                          <a:spcPct val="160000"/>
+                        </a:lnSpc>
+                        <a:spcBef>
+                          <a:spcPts val="0"/>
+                        </a:spcBef>
+                        <a:spcAft>
+                          <a:spcPts val="0"/>
+                        </a:spcAft>
+                      </a:pPr>
+                      <a:r>
+                        <a:rPr lang="ko-KR" altLang="en-US" sz="1100" dirty="0" smtClean="0">
+                          <a:solidFill>
+                            <a:schemeClr val="tx1"/>
+                          </a:solidFill>
+                          <a:latin typeface="+mn-lt"/>
+                        </a:rPr>
+                        <a:t>확인 메시지 출력</a:t>
+                      </a:r>
+                      <a:endParaRPr lang="en-US" altLang="ko-KR" sz="1100" dirty="0" smtClean="0">
+                        <a:solidFill>
+                          <a:schemeClr val="tx1"/>
+                        </a:solidFill>
+                        <a:latin typeface="+mn-lt"/>
+                      </a:endParaRPr>
+                    </a:p>
+                    <a:p>
+                      <a:pPr marL="0" marR="0" algn="ctr">
+                        <a:lnSpc>
+                          <a:spcPct val="160000"/>
+                        </a:lnSpc>
+                        <a:spcBef>
+                          <a:spcPts val="0"/>
+                        </a:spcBef>
+                        <a:spcAft>
+                          <a:spcPts val="0"/>
+                        </a:spcAft>
+                      </a:pPr>
+                      <a:endParaRPr lang="ko-KR" altLang="en-US" sz="1100" dirty="0">
+                        <a:solidFill>
+                          <a:schemeClr val="tx1"/>
+                        </a:solidFill>
+                        <a:latin typeface="+mn-lt"/>
+                      </a:endParaRPr>
+                    </a:p>
+                    <a:p>
+                      <a:pPr marL="0" marR="0" algn="ctr">
+                        <a:lnSpc>
+                          <a:spcPct val="160000"/>
+                        </a:lnSpc>
+                        <a:spcBef>
+                          <a:spcPts val="0"/>
+                        </a:spcBef>
+                        <a:spcAft>
+                          <a:spcPts val="0"/>
+                        </a:spcAft>
+                      </a:pPr>
+                      <a:r>
+                        <a:rPr lang="ko-KR" altLang="en-US" sz="1100" dirty="0" smtClean="0">
+                          <a:solidFill>
+                            <a:schemeClr val="tx1"/>
+                          </a:solidFill>
+                          <a:latin typeface="+mn-lt"/>
+                        </a:rPr>
+                        <a:t>경고 메시지 </a:t>
+                      </a:r>
+                      <a:r>
+                        <a:rPr lang="ko-KR" altLang="en-US" sz="1100" dirty="0">
+                          <a:solidFill>
+                            <a:schemeClr val="tx1"/>
+                          </a:solidFill>
+                          <a:latin typeface="+mn-lt"/>
+                        </a:rPr>
+                        <a:t>출력</a:t>
+                      </a:r>
+                    </a:p>
+                  </a:txBody>
+                  <a:tcPr marL="64770" marR="64770" marT="17907" marB="17907" anchor="ctr">
+                    <a:lnL w="3556" cap="flat" cmpd="sng" algn="ctr">
+                      <a:solidFill>
+                        <a:srgbClr val="000000"/>
+                      </a:solidFill>
+                      <a:prstDash val="solid"/>
+                      <a:round/>
+                      <a:headEnd type="none" w="med" len="med"/>
+                      <a:tailEnd type="none" w="med" len="med"/>
+                    </a:lnL>
+                    <a:lnR w="3556" cap="flat" cmpd="sng" algn="ctr">
+                      <a:solidFill>
+                        <a:srgbClr val="000000"/>
+                      </a:solidFill>
+                      <a:prstDash val="solid"/>
+                      <a:round/>
+                      <a:headEnd type="none" w="med" len="med"/>
+                      <a:tailEnd type="none" w="med" len="med"/>
+                    </a:lnR>
+                    <a:lnT w="3556" cap="flat" cmpd="sng" algn="ctr">
+                      <a:solidFill>
+                        <a:srgbClr val="000000"/>
+                      </a:solidFill>
+                      <a:prstDash val="solid"/>
+                      <a:round/>
+                      <a:headEnd type="none" w="med" len="med"/>
+                      <a:tailEnd type="none" w="med" len="med"/>
+                    </a:lnT>
+                    <a:lnB w="3556" cap="flat" cmpd="sng" algn="ctr">
+                      <a:solidFill>
+                        <a:srgbClr val="000000"/>
+                      </a:solidFill>
+                      <a:prstDash val="solid"/>
+                      <a:round/>
+                      <a:headEnd type="none" w="med" len="med"/>
+                      <a:tailEnd type="none" w="med" len="med"/>
+                    </a:lnB>
+                  </a:tcPr>
+                </a:tc>
+                <a:tc vMerge="1">
+                  <a:txBody>
+                    <a:bodyPr/>
+                    <a:lstStyle/>
+                    <a:p>
+                      <a:pPr latinLnBrk="1"/>
+                      <a:endParaRPr lang="ko-KR" altLang="en-US"/>
+                    </a:p>
+                  </a:txBody>
+                  <a:tcPr/>
+                </a:tc>
+              </a:tr>
+              <a:tr h="646710">
+                <a:tc vMerge="1">
+                  <a:txBody>
+                    <a:bodyPr/>
+                    <a:lstStyle/>
+                    <a:p>
+                      <a:pPr latinLnBrk="1"/>
+                      <a:endParaRPr lang="ko-KR" altLang="en-US"/>
+                    </a:p>
+                  </a:txBody>
+                  <a:tcPr/>
+                </a:tc>
+                <a:tc>
+                  <a:txBody>
+                    <a:bodyPr/>
+                    <a:lstStyle/>
+                    <a:p>
+                      <a:pPr marL="0" marR="0" algn="ctr">
+                        <a:lnSpc>
+                          <a:spcPct val="160000"/>
+                        </a:lnSpc>
+                        <a:spcBef>
+                          <a:spcPts val="0"/>
+                        </a:spcBef>
+                        <a:spcAft>
+                          <a:spcPts val="0"/>
+                        </a:spcAft>
+                      </a:pPr>
+                      <a:r>
+                        <a:rPr lang="ko-KR" altLang="en-US" sz="1100" dirty="0" smtClean="0">
+                          <a:solidFill>
+                            <a:schemeClr val="tx1"/>
+                          </a:solidFill>
+                          <a:latin typeface="+mn-lt"/>
+                        </a:rPr>
+                        <a:t>수강학기 및 </a:t>
+                      </a:r>
+                      <a:r>
+                        <a:rPr lang="ko-KR" altLang="en-US" sz="1100" dirty="0">
+                          <a:solidFill>
+                            <a:schemeClr val="tx1"/>
+                          </a:solidFill>
+                          <a:latin typeface="+mn-lt"/>
+                        </a:rPr>
+                        <a:t>년도</a:t>
+                      </a:r>
+                    </a:p>
+                  </a:txBody>
+                  <a:tcPr marL="64770" marR="64770" marT="17907" marB="17907" anchor="ctr">
+                    <a:lnL w="3556" cap="flat" cmpd="sng" algn="ctr">
+                      <a:solidFill>
+                        <a:srgbClr val="000000"/>
+                      </a:solidFill>
+                      <a:prstDash val="solid"/>
+                      <a:round/>
+                      <a:headEnd type="none" w="med" len="med"/>
+                      <a:tailEnd type="none" w="med" len="med"/>
+                    </a:lnL>
+                    <a:lnR w="3556" cap="flat" cmpd="sng" algn="ctr">
+                      <a:solidFill>
+                        <a:srgbClr val="000000"/>
+                      </a:solidFill>
+                      <a:prstDash val="solid"/>
+                      <a:round/>
+                      <a:headEnd type="none" w="med" len="med"/>
+                      <a:tailEnd type="none" w="med" len="med"/>
+                    </a:lnR>
+                    <a:lnT w="3556" cap="flat" cmpd="sng" algn="ctr">
+                      <a:solidFill>
+                        <a:srgbClr val="000000"/>
+                      </a:solidFill>
+                      <a:prstDash val="solid"/>
+                      <a:round/>
+                      <a:headEnd type="none" w="med" len="med"/>
+                      <a:tailEnd type="none" w="med" len="med"/>
+                    </a:lnT>
+                    <a:lnB w="3556" cap="flat" cmpd="sng" algn="ctr">
+                      <a:solidFill>
+                        <a:srgbClr val="000000"/>
+                      </a:solidFill>
+                      <a:prstDash val="solid"/>
+                      <a:round/>
+                      <a:headEnd type="none" w="med" len="med"/>
+                      <a:tailEnd type="none" w="med" len="med"/>
+                    </a:lnB>
+                  </a:tcPr>
+                </a:tc>
+                <a:tc vMerge="1">
+                  <a:txBody>
+                    <a:bodyPr/>
+                    <a:lstStyle/>
+                    <a:p>
+                      <a:pPr latinLnBrk="1"/>
+                      <a:endParaRPr lang="ko-KR" altLang="en-US"/>
+                    </a:p>
+                  </a:txBody>
+                  <a:tcPr/>
+                </a:tc>
+                <a:tc vMerge="1">
+                  <a:txBody>
+                    <a:bodyPr/>
+                    <a:lstStyle/>
+                    <a:p>
+                      <a:pPr latinLnBrk="1"/>
+                      <a:endParaRPr lang="ko-KR" altLang="en-US"/>
+                    </a:p>
+                  </a:txBody>
+                  <a:tcPr/>
+                </a:tc>
+              </a:tr>
+              <a:tr h="1347195">
+                <a:tc vMerge="1">
+                  <a:txBody>
+                    <a:bodyPr/>
+                    <a:lstStyle/>
+                    <a:p>
+                      <a:pPr latinLnBrk="1"/>
+                      <a:endParaRPr lang="ko-KR" altLang="en-US"/>
+                    </a:p>
+                  </a:txBody>
+                  <a:tcPr/>
+                </a:tc>
+                <a:tc>
+                  <a:txBody>
+                    <a:bodyPr/>
+                    <a:lstStyle/>
+                    <a:p>
+                      <a:pPr marL="0" marR="0" algn="ctr">
+                        <a:lnSpc>
+                          <a:spcPct val="160000"/>
+                        </a:lnSpc>
+                        <a:spcBef>
+                          <a:spcPts val="0"/>
+                        </a:spcBef>
+                        <a:spcAft>
+                          <a:spcPts val="0"/>
+                        </a:spcAft>
+                      </a:pPr>
+                      <a:r>
+                        <a:rPr lang="ko-KR" altLang="en-US" sz="1100" dirty="0">
+                          <a:solidFill>
+                            <a:schemeClr val="tx1"/>
+                          </a:solidFill>
+                          <a:latin typeface="+mn-lt"/>
+                        </a:rPr>
+                        <a:t>분반</a:t>
+                      </a:r>
+                    </a:p>
+                  </a:txBody>
+                  <a:tcPr marL="64770" marR="64770" marT="17907" marB="17907" anchor="ctr">
+                    <a:lnL w="3556" cap="flat" cmpd="sng" algn="ctr">
+                      <a:solidFill>
+                        <a:srgbClr val="000000"/>
+                      </a:solidFill>
+                      <a:prstDash val="solid"/>
+                      <a:round/>
+                      <a:headEnd type="none" w="med" len="med"/>
+                      <a:tailEnd type="none" w="med" len="med"/>
+                    </a:lnL>
+                    <a:lnR w="3556" cap="flat" cmpd="sng" algn="ctr">
+                      <a:solidFill>
+                        <a:srgbClr val="000000"/>
+                      </a:solidFill>
+                      <a:prstDash val="solid"/>
+                      <a:round/>
+                      <a:headEnd type="none" w="med" len="med"/>
+                      <a:tailEnd type="none" w="med" len="med"/>
+                    </a:lnR>
+                    <a:lnT w="3556" cap="flat" cmpd="sng" algn="ctr">
+                      <a:solidFill>
+                        <a:srgbClr val="000000"/>
+                      </a:solidFill>
+                      <a:prstDash val="solid"/>
+                      <a:round/>
+                      <a:headEnd type="none" w="med" len="med"/>
+                      <a:tailEnd type="none" w="med" len="med"/>
+                    </a:lnT>
+                    <a:lnB w="3556" cap="flat" cmpd="sng" algn="ctr">
+                      <a:solidFill>
+                        <a:srgbClr val="000000"/>
+                      </a:solidFill>
+                      <a:prstDash val="solid"/>
+                      <a:round/>
+                      <a:headEnd type="none" w="med" len="med"/>
+                      <a:tailEnd type="none" w="med" len="med"/>
+                    </a:lnB>
+                  </a:tcPr>
+                </a:tc>
+                <a:tc vMerge="1">
+                  <a:txBody>
+                    <a:bodyPr/>
+                    <a:lstStyle/>
+                    <a:p>
+                      <a:pPr latinLnBrk="1"/>
+                      <a:endParaRPr lang="ko-KR" altLang="en-US"/>
+                    </a:p>
+                  </a:txBody>
+                  <a:tcPr/>
+                </a:tc>
+                <a:tc vMerge="1">
+                  <a:txBody>
+                    <a:bodyPr/>
+                    <a:lstStyle/>
+                    <a:p>
+                      <a:pPr latinLnBrk="1"/>
+                      <a:endParaRPr lang="ko-KR" altLang="en-US"/>
+                    </a:p>
+                  </a:txBody>
+                  <a:tcPr/>
+                </a:tc>
+              </a:tr>
+            </a:tbl>
+          </a:graphicData>
+        </a:graphic>
+      </p:graphicFrame>
+    </p:spTree>
+  </p:cSld>
+  <p:clrMapOvr>
+    <a:masterClrMapping/>
+  </p:clrMapOvr>
+</p:sld>
+</file>
+
+<file path=ppt/slides/slide6.xml><?xml version="1.0" encoding="utf-8"?>
+<p:sld xmlns:a="http://schemas.openxmlformats.org/drawingml/2006/main" xmlns:r="http://schemas.openxmlformats.org/officeDocument/2006/relationships" xmlns:p="http://schemas.openxmlformats.org/presentationml/2006/main">
+  <p:cSld>
+    <p:spTree>
+      <p:nvGrpSpPr>
+        <p:cNvPr id="1" name=""/>
+        <p:cNvGrpSpPr/>
+        <p:nvPr/>
+      </p:nvGrpSpPr>
+      <p:grpSpPr>
+        <a:xfrm>
+          <a:off x="0" y="0"/>
+          <a:ext cx="0" cy="0"/>
+          <a:chOff x="0" y="0"/>
+          <a:chExt cx="0" cy="0"/>
+        </a:xfrm>
+      </p:grpSpPr>
+      <p:sp>
+        <p:nvSpPr>
+          <p:cNvPr id="2" name="바닥글 개체 틀 1"/>
+          <p:cNvSpPr>
+            <a:spLocks noGrp="1"/>
+          </p:cNvSpPr>
+          <p:nvPr>
+            <p:ph type="ftr" sz="quarter" idx="3"/>
+          </p:nvPr>
+        </p:nvSpPr>
+        <p:spPr/>
+        <p:txBody>
+          <a:bodyPr/>
+          <a:lstStyle/>
+          <a:p>
+            <a:pPr algn="r"/>
+            <a:r>
+              <a:rPr lang="ko-KR" altLang="en-US" dirty="0" smtClean="0"/>
+              <a:t>팀 명</a:t>
+            </a:r>
+            <a:endParaRPr lang="en-US" altLang="ko-KR" dirty="0"/>
+          </a:p>
+        </p:txBody>
+      </p:sp>
+      <p:graphicFrame>
+        <p:nvGraphicFramePr>
+          <p:cNvPr id="5" name="표 4"/>
+          <p:cNvGraphicFramePr>
+            <a:graphicFrameLocks noGrp="1"/>
+          </p:cNvGraphicFramePr>
+          <p:nvPr/>
+        </p:nvGraphicFramePr>
+        <p:xfrm>
+          <a:off x="292325" y="1137424"/>
+          <a:ext cx="4536504" cy="3456384"/>
+        </p:xfrm>
+        <a:graphic>
+          <a:graphicData uri="http://schemas.openxmlformats.org/drawingml/2006/table">
+            <a:tbl>
+              <a:tblPr firstRow="1" bandRow="1">
+                <a:tableStyleId>{5C22544A-7EE6-4342-B048-85BDC9FD1C3A}</a:tableStyleId>
+              </a:tblPr>
+              <a:tblGrid>
+                <a:gridCol w="4536504"/>
+              </a:tblGrid>
+              <a:tr h="662047">
+                <a:tc>
+                  <a:txBody>
+                    <a:bodyPr/>
+                    <a:lstStyle/>
+                    <a:p>
+                      <a:r>
+                        <a:rPr lang="en-US" altLang="ko-KR" sz="1600" b="0" kern="1200" dirty="0" err="1" smtClean="0">
+                          <a:solidFill>
+                            <a:schemeClr val="lt1"/>
+                          </a:solidFill>
+                          <a:latin typeface="+mn-lt"/>
+                          <a:ea typeface="+mn-ea"/>
+                          <a:cs typeface="+mn-cs"/>
+                        </a:rPr>
+                        <a:t>Del_Subject</a:t>
+                      </a:r>
+                      <a:r>
+                        <a:rPr lang="en-US" altLang="ko-KR" sz="1600" b="0" kern="1200" dirty="0" smtClean="0">
+                          <a:solidFill>
+                            <a:schemeClr val="lt1"/>
+                          </a:solidFill>
+                          <a:latin typeface="+mn-lt"/>
+                          <a:ea typeface="+mn-ea"/>
+                          <a:cs typeface="+mn-cs"/>
+                        </a:rPr>
+                        <a:t>()</a:t>
+                      </a:r>
+                    </a:p>
+                  </a:txBody>
+                  <a:tcPr>
+                    <a:solidFill>
+                      <a:schemeClr val="accent1"/>
+                    </a:solidFill>
+                  </a:tcPr>
+                </a:tc>
+              </a:tr>
+              <a:tr h="2316617">
+                <a:tc>
+                  <a:txBody>
+                    <a:bodyPr/>
+                    <a:lstStyle/>
+                    <a:p>
+                      <a:r>
+                        <a:rPr lang="en-US" altLang="ko-KR" sz="1200" kern="1200" dirty="0" smtClean="0">
+                          <a:solidFill>
+                            <a:schemeClr val="dk1"/>
+                          </a:solidFill>
+                          <a:latin typeface="+mn-lt"/>
+                          <a:ea typeface="+mn-ea"/>
+                          <a:cs typeface="+mn-cs"/>
+                        </a:rPr>
+                        <a:t>private Database </a:t>
+                      </a:r>
+                      <a:r>
+                        <a:rPr lang="en-US" altLang="ko-KR" sz="1200" kern="1200" dirty="0" err="1" smtClean="0">
+                          <a:solidFill>
+                            <a:schemeClr val="dk1"/>
+                          </a:solidFill>
+                          <a:latin typeface="+mn-lt"/>
+                          <a:ea typeface="+mn-ea"/>
+                          <a:cs typeface="+mn-cs"/>
+                        </a:rPr>
+                        <a:t>database</a:t>
+                      </a:r>
+                      <a:r>
+                        <a:rPr lang="en-US" altLang="ko-KR" sz="1200" kern="1200" dirty="0" smtClean="0">
+                          <a:solidFill>
+                            <a:schemeClr val="dk1"/>
+                          </a:solidFill>
+                          <a:latin typeface="+mn-lt"/>
+                          <a:ea typeface="+mn-ea"/>
+                          <a:cs typeface="+mn-cs"/>
+                        </a:rPr>
+                        <a:t>;</a:t>
+                      </a:r>
+                    </a:p>
+                    <a:p>
+                      <a:endParaRPr lang="en-US" altLang="ko-KR" sz="1200" kern="1200" dirty="0" smtClean="0">
+                        <a:solidFill>
+                          <a:schemeClr val="dk1"/>
+                        </a:solidFill>
+                        <a:latin typeface="+mn-lt"/>
+                        <a:ea typeface="+mn-ea"/>
+                        <a:cs typeface="+mn-cs"/>
+                      </a:endParaRPr>
+                    </a:p>
+                    <a:p>
+                      <a:r>
+                        <a:rPr lang="en-US" altLang="ko-KR" sz="1200" kern="1200" dirty="0" err="1" smtClean="0">
+                          <a:solidFill>
+                            <a:schemeClr val="dk1"/>
+                          </a:solidFill>
+                          <a:latin typeface="+mn-lt"/>
+                          <a:ea typeface="+mn-ea"/>
+                          <a:cs typeface="+mn-cs"/>
+                        </a:rPr>
+                        <a:t>Jbutton</a:t>
+                      </a:r>
+                      <a:r>
+                        <a:rPr lang="en-US" altLang="ko-KR" sz="1200" kern="1200" dirty="0" smtClean="0">
+                          <a:solidFill>
+                            <a:schemeClr val="dk1"/>
+                          </a:solidFill>
+                          <a:latin typeface="+mn-lt"/>
+                          <a:ea typeface="+mn-ea"/>
+                          <a:cs typeface="+mn-cs"/>
+                        </a:rPr>
+                        <a:t> </a:t>
+                      </a:r>
+                      <a:r>
+                        <a:rPr lang="en-US" altLang="ko-KR" sz="1200" kern="1200" dirty="0" err="1" smtClean="0">
+                          <a:solidFill>
+                            <a:schemeClr val="dk1"/>
+                          </a:solidFill>
+                          <a:latin typeface="+mn-lt"/>
+                          <a:ea typeface="+mn-ea"/>
+                          <a:cs typeface="+mn-cs"/>
+                        </a:rPr>
+                        <a:t>button_cancel</a:t>
+                      </a:r>
+                      <a:r>
+                        <a:rPr lang="en-US" altLang="ko-KR" sz="1200" kern="1200" dirty="0" smtClean="0">
+                          <a:solidFill>
+                            <a:schemeClr val="dk1"/>
+                          </a:solidFill>
+                          <a:latin typeface="+mn-lt"/>
+                          <a:ea typeface="+mn-ea"/>
+                          <a:cs typeface="+mn-cs"/>
+                        </a:rPr>
+                        <a:t>;//</a:t>
+                      </a:r>
+                      <a:r>
+                        <a:rPr lang="ko-KR" altLang="en-US" sz="1200" kern="1200" dirty="0" smtClean="0">
+                          <a:solidFill>
+                            <a:schemeClr val="dk1"/>
+                          </a:solidFill>
+                          <a:latin typeface="+mn-lt"/>
+                          <a:ea typeface="+mn-ea"/>
+                          <a:cs typeface="+mn-cs"/>
+                        </a:rPr>
+                        <a:t>취소 버튼</a:t>
+                      </a:r>
+                    </a:p>
+                    <a:p>
+                      <a:r>
+                        <a:rPr lang="en-US" altLang="ko-KR" sz="1200" kern="1200" dirty="0" err="1" smtClean="0">
+                          <a:solidFill>
+                            <a:schemeClr val="dk1"/>
+                          </a:solidFill>
+                          <a:latin typeface="+mn-lt"/>
+                          <a:ea typeface="+mn-ea"/>
+                          <a:cs typeface="+mn-cs"/>
+                        </a:rPr>
+                        <a:t>Jbutton</a:t>
+                      </a:r>
+                      <a:r>
+                        <a:rPr lang="en-US" altLang="ko-KR" sz="1200" kern="1200" dirty="0" smtClean="0">
+                          <a:solidFill>
+                            <a:schemeClr val="dk1"/>
+                          </a:solidFill>
+                          <a:latin typeface="+mn-lt"/>
+                          <a:ea typeface="+mn-ea"/>
+                          <a:cs typeface="+mn-cs"/>
+                        </a:rPr>
+                        <a:t> </a:t>
+                      </a:r>
+                      <a:r>
+                        <a:rPr lang="en-US" altLang="ko-KR" sz="1200" kern="1200" dirty="0" err="1" smtClean="0">
+                          <a:solidFill>
+                            <a:schemeClr val="dk1"/>
+                          </a:solidFill>
+                          <a:latin typeface="+mn-lt"/>
+                          <a:ea typeface="+mn-ea"/>
+                          <a:cs typeface="+mn-cs"/>
+                        </a:rPr>
+                        <a:t>button_confirm</a:t>
+                      </a:r>
+                      <a:r>
+                        <a:rPr lang="en-US" altLang="ko-KR" sz="1200" kern="1200" dirty="0" smtClean="0">
+                          <a:solidFill>
+                            <a:schemeClr val="dk1"/>
+                          </a:solidFill>
+                          <a:latin typeface="+mn-lt"/>
+                          <a:ea typeface="+mn-ea"/>
+                          <a:cs typeface="+mn-cs"/>
+                        </a:rPr>
+                        <a:t>;//</a:t>
+                      </a:r>
+                      <a:r>
+                        <a:rPr lang="ko-KR" altLang="en-US" sz="1200" kern="1200" dirty="0" smtClean="0">
+                          <a:solidFill>
+                            <a:schemeClr val="dk1"/>
+                          </a:solidFill>
+                          <a:latin typeface="+mn-lt"/>
+                          <a:ea typeface="+mn-ea"/>
+                          <a:cs typeface="+mn-cs"/>
+                        </a:rPr>
+                        <a:t>확인 버튼</a:t>
+                      </a:r>
+                      <a:endParaRPr lang="ko-KR" altLang="en-US" sz="1200" kern="1200" dirty="0">
+                        <a:solidFill>
+                          <a:schemeClr val="dk1"/>
+                        </a:solidFill>
+                        <a:latin typeface="+mn-lt"/>
+                        <a:ea typeface="+mn-ea"/>
+                        <a:cs typeface="+mn-cs"/>
+                      </a:endParaRPr>
+                    </a:p>
+                  </a:txBody>
+                  <a:tcPr/>
+                </a:tc>
+              </a:tr>
+              <a:tr h="477720">
+                <a:tc>
+                  <a:txBody>
+                    <a:bodyPr/>
+                    <a:lstStyle/>
+                    <a:p>
+                      <a:r>
+                        <a:rPr lang="en-US" altLang="ko-KR" sz="1200" kern="1200" dirty="0" smtClean="0">
+                          <a:solidFill>
+                            <a:schemeClr val="dk1"/>
+                          </a:solidFill>
+                          <a:latin typeface="+mn-lt"/>
+                          <a:ea typeface="+mn-ea"/>
+                          <a:cs typeface="+mn-cs"/>
+                        </a:rPr>
+                        <a:t>public void </a:t>
+                      </a:r>
+                      <a:r>
+                        <a:rPr lang="en-US" altLang="ko-KR" sz="1200" kern="1200" dirty="0" err="1" smtClean="0">
+                          <a:solidFill>
+                            <a:schemeClr val="dk1"/>
+                          </a:solidFill>
+                          <a:latin typeface="+mn-lt"/>
+                          <a:ea typeface="+mn-ea"/>
+                          <a:cs typeface="+mn-cs"/>
+                        </a:rPr>
+                        <a:t>ConfirmWindow</a:t>
+                      </a:r>
+                      <a:r>
+                        <a:rPr lang="en-US" altLang="ko-KR" sz="1200" kern="1200" dirty="0" smtClean="0">
+                          <a:solidFill>
+                            <a:schemeClr val="dk1"/>
+                          </a:solidFill>
+                          <a:latin typeface="+mn-lt"/>
+                          <a:ea typeface="+mn-ea"/>
+                          <a:cs typeface="+mn-cs"/>
+                        </a:rPr>
+                        <a:t>()</a:t>
+                      </a:r>
+                    </a:p>
+                  </a:txBody>
+                  <a:tcPr/>
+                </a:tc>
+              </a:tr>
+            </a:tbl>
+          </a:graphicData>
+        </a:graphic>
+      </p:graphicFrame>
+      <p:graphicFrame>
+        <p:nvGraphicFramePr>
+          <p:cNvPr id="6" name="표 5"/>
+          <p:cNvGraphicFramePr>
+            <a:graphicFrameLocks noGrp="1"/>
+          </p:cNvGraphicFramePr>
+          <p:nvPr/>
+        </p:nvGraphicFramePr>
+        <p:xfrm>
+          <a:off x="5107610" y="1137424"/>
+          <a:ext cx="3368486" cy="3456384"/>
+        </p:xfrm>
+        <a:graphic>
+          <a:graphicData uri="http://schemas.openxmlformats.org/drawingml/2006/table">
+            <a:tbl>
+              <a:tblPr/>
+              <a:tblGrid>
+                <a:gridCol w="1266921"/>
+                <a:gridCol w="1157042"/>
+                <a:gridCol w="944523"/>
+              </a:tblGrid>
+              <a:tr h="683901">
+                <a:tc rowSpan="3">
+                  <a:txBody>
+                    <a:bodyPr/>
+                    <a:lstStyle/>
+                    <a:p>
+                      <a:pPr marL="0" marR="0" algn="ctr">
+                        <a:lnSpc>
+                          <a:spcPct val="160000"/>
+                        </a:lnSpc>
+                        <a:spcBef>
+                          <a:spcPts val="0"/>
+                        </a:spcBef>
+                        <a:spcAft>
+                          <a:spcPts val="0"/>
+                        </a:spcAft>
+                      </a:pPr>
+                      <a:r>
+                        <a:rPr lang="ko-KR" altLang="en-US" sz="1100" b="0" dirty="0">
+                          <a:solidFill>
+                            <a:schemeClr val="tx1"/>
+                          </a:solidFill>
+                          <a:latin typeface="+mn-lt"/>
+                        </a:rPr>
+                        <a:t>윈도우 창</a:t>
+                      </a:r>
+                    </a:p>
+                  </a:txBody>
+                  <a:tcPr marL="64770" marR="64770" marT="17907" marB="17907" anchor="ctr">
+                    <a:lnL w="3556" cap="flat" cmpd="sng" algn="ctr">
+                      <a:solidFill>
+                        <a:srgbClr val="000000"/>
+                      </a:solidFill>
+                      <a:prstDash val="solid"/>
+                      <a:round/>
+                      <a:headEnd type="none" w="med" len="med"/>
+                      <a:tailEnd type="none" w="med" len="med"/>
+                    </a:lnL>
+                    <a:lnR w="3556" cap="flat" cmpd="sng" algn="ctr">
+                      <a:solidFill>
+                        <a:srgbClr val="000000"/>
+                      </a:solidFill>
+                      <a:prstDash val="solid"/>
+                      <a:round/>
+                      <a:headEnd type="none" w="med" len="med"/>
+                      <a:tailEnd type="none" w="med" len="med"/>
+                    </a:lnR>
+                    <a:lnT w="3556" cap="flat" cmpd="sng" algn="ctr">
+                      <a:solidFill>
+                        <a:srgbClr val="000000"/>
+                      </a:solidFill>
+                      <a:prstDash val="solid"/>
+                      <a:round/>
+                      <a:headEnd type="none" w="med" len="med"/>
+                      <a:tailEnd type="none" w="med" len="med"/>
+                    </a:lnT>
+                    <a:lnB w="3556" cap="flat" cmpd="sng" algn="ctr">
+                      <a:solidFill>
+                        <a:srgbClr val="000000"/>
+                      </a:solidFill>
+                      <a:prstDash val="solid"/>
+                      <a:round/>
+                      <a:headEnd type="none" w="med" len="med"/>
+                      <a:tailEnd type="none" w="med" len="med"/>
+                    </a:lnB>
+                  </a:tcPr>
+                </a:tc>
+                <a:tc>
+                  <a:txBody>
+                    <a:bodyPr/>
+                    <a:lstStyle/>
+                    <a:p>
+                      <a:pPr marL="0" marR="0" algn="ctr">
+                        <a:lnSpc>
+                          <a:spcPct val="160000"/>
+                        </a:lnSpc>
+                        <a:spcBef>
+                          <a:spcPts val="0"/>
+                        </a:spcBef>
+                        <a:spcAft>
+                          <a:spcPts val="0"/>
+                        </a:spcAft>
+                      </a:pPr>
+                      <a:r>
+                        <a:rPr lang="ko-KR" altLang="en-US" sz="1100" b="0" dirty="0" smtClean="0">
+                          <a:solidFill>
+                            <a:schemeClr val="tx1"/>
+                          </a:solidFill>
+                          <a:latin typeface="+mn-lt"/>
+                        </a:rPr>
+                        <a:t>테이블 </a:t>
+                      </a:r>
+                      <a:r>
+                        <a:rPr lang="ko-KR" altLang="en-US" sz="1100" b="0" dirty="0">
+                          <a:solidFill>
+                            <a:schemeClr val="tx1"/>
+                          </a:solidFill>
+                          <a:latin typeface="+mn-lt"/>
+                        </a:rPr>
+                        <a:t>영역</a:t>
+                      </a:r>
+                    </a:p>
+                  </a:txBody>
+                  <a:tcPr marL="64770" marR="64770" marT="17907" marB="17907" anchor="ctr">
+                    <a:lnL w="3556" cap="flat" cmpd="sng" algn="ctr">
+                      <a:solidFill>
+                        <a:srgbClr val="000000"/>
+                      </a:solidFill>
+                      <a:prstDash val="solid"/>
+                      <a:round/>
+                      <a:headEnd type="none" w="med" len="med"/>
+                      <a:tailEnd type="none" w="med" len="med"/>
+                    </a:lnL>
+                    <a:lnR w="3556" cap="flat" cmpd="sng" algn="ctr">
+                      <a:solidFill>
+                        <a:srgbClr val="000000"/>
+                      </a:solidFill>
+                      <a:prstDash val="solid"/>
+                      <a:round/>
+                      <a:headEnd type="none" w="med" len="med"/>
+                      <a:tailEnd type="none" w="med" len="med"/>
+                    </a:lnR>
+                    <a:lnT w="3556" cap="flat" cmpd="sng" algn="ctr">
+                      <a:solidFill>
+                        <a:srgbClr val="000000"/>
+                      </a:solidFill>
+                      <a:prstDash val="solid"/>
+                      <a:round/>
+                      <a:headEnd type="none" w="med" len="med"/>
+                      <a:tailEnd type="none" w="med" len="med"/>
+                    </a:lnT>
+                    <a:lnB w="3556" cap="flat" cmpd="sng" algn="ctr">
+                      <a:solidFill>
+                        <a:srgbClr val="000000"/>
+                      </a:solidFill>
+                      <a:prstDash val="solid"/>
+                      <a:round/>
+                      <a:headEnd type="none" w="med" len="med"/>
+                      <a:tailEnd type="none" w="med" len="med"/>
+                    </a:lnB>
+                  </a:tcPr>
+                </a:tc>
+                <a:tc>
+                  <a:txBody>
+                    <a:bodyPr/>
+                    <a:lstStyle/>
+                    <a:p>
+                      <a:pPr marL="0" marR="0" algn="ctr">
+                        <a:lnSpc>
+                          <a:spcPct val="160000"/>
+                        </a:lnSpc>
+                        <a:spcBef>
+                          <a:spcPts val="0"/>
+                        </a:spcBef>
+                        <a:spcAft>
+                          <a:spcPts val="0"/>
+                        </a:spcAft>
+                      </a:pPr>
+                      <a:r>
+                        <a:rPr lang="ko-KR" altLang="en-US" sz="1100" b="0" dirty="0" smtClean="0">
+                          <a:solidFill>
+                            <a:schemeClr val="tx1"/>
+                          </a:solidFill>
+                          <a:latin typeface="+mn-lt"/>
+                        </a:rPr>
+                        <a:t>버튼</a:t>
+                      </a:r>
+                      <a:endParaRPr lang="ko-KR" altLang="en-US" sz="1100" b="0" dirty="0">
+                        <a:solidFill>
+                          <a:schemeClr val="tx1"/>
+                        </a:solidFill>
+                        <a:latin typeface="+mn-lt"/>
+                      </a:endParaRPr>
+                    </a:p>
+                  </a:txBody>
+                  <a:tcPr marL="64770" marR="64770" marT="17907" marB="17907" anchor="ctr">
+                    <a:lnL w="3556" cap="flat" cmpd="sng" algn="ctr">
+                      <a:solidFill>
+                        <a:srgbClr val="000000"/>
+                      </a:solidFill>
+                      <a:prstDash val="solid"/>
+                      <a:round/>
+                      <a:headEnd type="none" w="med" len="med"/>
+                      <a:tailEnd type="none" w="med" len="med"/>
+                    </a:lnL>
+                    <a:lnR w="3556" cap="flat" cmpd="sng" algn="ctr">
+                      <a:solidFill>
+                        <a:srgbClr val="000000"/>
+                      </a:solidFill>
+                      <a:prstDash val="solid"/>
+                      <a:round/>
+                      <a:headEnd type="none" w="med" len="med"/>
+                      <a:tailEnd type="none" w="med" len="med"/>
+                    </a:lnR>
+                    <a:lnT w="3556" cap="flat" cmpd="sng" algn="ctr">
+                      <a:solidFill>
+                        <a:srgbClr val="000000"/>
+                      </a:solidFill>
+                      <a:prstDash val="solid"/>
+                      <a:round/>
+                      <a:headEnd type="none" w="med" len="med"/>
+                      <a:tailEnd type="none" w="med" len="med"/>
+                    </a:lnT>
+                    <a:lnB w="3556" cap="flat" cmpd="sng" algn="ctr">
+                      <a:solidFill>
+                        <a:srgbClr val="000000"/>
+                      </a:solidFill>
+                      <a:prstDash val="solid"/>
+                      <a:round/>
+                      <a:headEnd type="none" w="med" len="med"/>
+                      <a:tailEnd type="none" w="med" len="med"/>
+                    </a:lnB>
+                  </a:tcPr>
+                </a:tc>
+              </a:tr>
+              <a:tr h="735656">
+                <a:tc vMerge="1">
+                  <a:txBody>
+                    <a:bodyPr/>
+                    <a:lstStyle/>
+                    <a:p>
+                      <a:pPr latinLnBrk="1"/>
+                      <a:endParaRPr lang="ko-KR" altLang="en-US"/>
+                    </a:p>
+                  </a:txBody>
+                  <a:tcPr/>
+                </a:tc>
+                <a:tc>
+                  <a:txBody>
+                    <a:bodyPr/>
+                    <a:lstStyle/>
+                    <a:p>
+                      <a:pPr marL="0" marR="0" algn="ctr">
+                        <a:lnSpc>
+                          <a:spcPct val="160000"/>
+                        </a:lnSpc>
+                        <a:spcBef>
+                          <a:spcPts val="0"/>
+                        </a:spcBef>
+                        <a:spcAft>
+                          <a:spcPts val="0"/>
+                        </a:spcAft>
+                      </a:pPr>
+                      <a:r>
+                        <a:rPr lang="ko-KR" altLang="en-US" sz="1100" b="0" dirty="0" smtClean="0">
+                          <a:solidFill>
+                            <a:schemeClr val="tx1"/>
+                          </a:solidFill>
+                          <a:latin typeface="+mn-lt"/>
+                          <a:ea typeface="굴림"/>
+                        </a:rPr>
+                        <a:t>확인 창</a:t>
+                      </a:r>
+                      <a:endParaRPr lang="ko-KR" altLang="en-US" sz="1100" b="0" dirty="0">
+                        <a:solidFill>
+                          <a:schemeClr val="tx1"/>
+                        </a:solidFill>
+                        <a:latin typeface="+mn-lt"/>
+                        <a:ea typeface="굴림"/>
+                      </a:endParaRPr>
+                    </a:p>
+                  </a:txBody>
+                  <a:tcPr marL="64770" marR="64770" marT="17907" marB="17907" anchor="ctr">
+                    <a:lnL w="3556" cap="flat" cmpd="sng" algn="ctr">
+                      <a:solidFill>
+                        <a:srgbClr val="000000"/>
+                      </a:solidFill>
+                      <a:prstDash val="solid"/>
+                      <a:round/>
+                      <a:headEnd type="none" w="med" len="med"/>
+                      <a:tailEnd type="none" w="med" len="med"/>
+                    </a:lnL>
+                    <a:lnR w="3556" cap="flat" cmpd="sng" algn="ctr">
+                      <a:solidFill>
+                        <a:srgbClr val="000000"/>
+                      </a:solidFill>
+                      <a:prstDash val="solid"/>
+                      <a:round/>
+                      <a:headEnd type="none" w="med" len="med"/>
+                      <a:tailEnd type="none" w="med" len="med"/>
+                    </a:lnR>
+                    <a:lnT w="3556" cap="flat" cmpd="sng" algn="ctr">
+                      <a:solidFill>
+                        <a:srgbClr val="000000"/>
+                      </a:solidFill>
+                      <a:prstDash val="solid"/>
+                      <a:round/>
+                      <a:headEnd type="none" w="med" len="med"/>
+                      <a:tailEnd type="none" w="med" len="med"/>
+                    </a:lnT>
+                    <a:lnB w="3556" cap="flat" cmpd="sng" algn="ctr">
+                      <a:solidFill>
+                        <a:srgbClr val="000000"/>
+                      </a:solidFill>
+                      <a:prstDash val="solid"/>
+                      <a:round/>
+                      <a:headEnd type="none" w="med" len="med"/>
+                      <a:tailEnd type="none" w="med" len="med"/>
+                    </a:lnB>
+                  </a:tcPr>
+                </a:tc>
+                <a:tc>
+                  <a:txBody>
+                    <a:bodyPr/>
+                    <a:lstStyle/>
+                    <a:p>
+                      <a:pPr marL="0" marR="0" algn="ctr">
+                        <a:lnSpc>
+                          <a:spcPct val="160000"/>
+                        </a:lnSpc>
+                        <a:spcBef>
+                          <a:spcPts val="0"/>
+                        </a:spcBef>
+                        <a:spcAft>
+                          <a:spcPts val="0"/>
+                        </a:spcAft>
+                      </a:pPr>
+                      <a:r>
+                        <a:rPr lang="ko-KR" altLang="en-US" sz="1100" b="0" dirty="0" err="1" smtClean="0">
+                          <a:solidFill>
+                            <a:schemeClr val="tx1"/>
+                          </a:solidFill>
+                          <a:latin typeface="+mn-lt"/>
+                        </a:rPr>
+                        <a:t>버튼명</a:t>
+                      </a:r>
+                      <a:endParaRPr lang="ko-KR" altLang="en-US" sz="1100" b="0" dirty="0">
+                        <a:solidFill>
+                          <a:schemeClr val="tx1"/>
+                        </a:solidFill>
+                        <a:latin typeface="+mn-lt"/>
+                      </a:endParaRPr>
+                    </a:p>
+                  </a:txBody>
+                  <a:tcPr marL="64770" marR="64770" marT="17907" marB="17907" anchor="ctr">
+                    <a:lnL w="3556" cap="flat" cmpd="sng" algn="ctr">
+                      <a:solidFill>
+                        <a:srgbClr val="000000"/>
+                      </a:solidFill>
+                      <a:prstDash val="solid"/>
+                      <a:round/>
+                      <a:headEnd type="none" w="med" len="med"/>
+                      <a:tailEnd type="none" w="med" len="med"/>
+                    </a:lnL>
+                    <a:lnR w="3556" cap="flat" cmpd="sng" algn="ctr">
+                      <a:solidFill>
+                        <a:srgbClr val="000000"/>
+                      </a:solidFill>
+                      <a:prstDash val="solid"/>
+                      <a:round/>
+                      <a:headEnd type="none" w="med" len="med"/>
+                      <a:tailEnd type="none" w="med" len="med"/>
+                    </a:lnR>
+                    <a:lnT w="3556" cap="flat" cmpd="sng" algn="ctr">
+                      <a:solidFill>
+                        <a:srgbClr val="000000"/>
+                      </a:solidFill>
+                      <a:prstDash val="solid"/>
+                      <a:round/>
+                      <a:headEnd type="none" w="med" len="med"/>
+                      <a:tailEnd type="none" w="med" len="med"/>
+                    </a:lnT>
+                    <a:lnB w="3556" cap="flat" cmpd="sng" algn="ctr">
+                      <a:solidFill>
+                        <a:srgbClr val="000000"/>
+                      </a:solidFill>
+                      <a:prstDash val="solid"/>
+                      <a:round/>
+                      <a:headEnd type="none" w="med" len="med"/>
+                      <a:tailEnd type="none" w="med" len="med"/>
+                    </a:lnB>
+                  </a:tcPr>
+                </a:tc>
+              </a:tr>
+              <a:tr h="2036827">
+                <a:tc vMerge="1">
+                  <a:txBody>
+                    <a:bodyPr/>
+                    <a:lstStyle/>
+                    <a:p>
+                      <a:pPr latinLnBrk="1"/>
+                      <a:endParaRPr lang="ko-KR" altLang="en-US"/>
+                    </a:p>
+                  </a:txBody>
+                  <a:tcPr/>
+                </a:tc>
+                <a:tc>
+                  <a:txBody>
+                    <a:bodyPr/>
+                    <a:lstStyle/>
+                    <a:p>
+                      <a:pPr marL="0" marR="0" algn="ctr">
+                        <a:lnSpc>
+                          <a:spcPct val="160000"/>
+                        </a:lnSpc>
+                        <a:spcBef>
+                          <a:spcPts val="0"/>
+                        </a:spcBef>
+                        <a:spcAft>
+                          <a:spcPts val="0"/>
+                        </a:spcAft>
+                      </a:pPr>
+                      <a:r>
+                        <a:rPr lang="ko-KR" altLang="en-US" sz="1100" b="0" dirty="0" smtClean="0">
+                          <a:solidFill>
+                            <a:schemeClr val="tx1"/>
+                          </a:solidFill>
+                          <a:latin typeface="+mn-lt"/>
+                          <a:ea typeface="굴림"/>
+                        </a:rPr>
+                        <a:t>확인 메시지</a:t>
+                      </a:r>
+                      <a:endParaRPr lang="en-US" altLang="ko-KR" sz="1100" b="0" dirty="0" smtClean="0">
+                        <a:solidFill>
+                          <a:schemeClr val="tx1"/>
+                        </a:solidFill>
+                        <a:latin typeface="+mn-lt"/>
+                        <a:ea typeface="굴림"/>
+                      </a:endParaRPr>
+                    </a:p>
+                    <a:p>
+                      <a:pPr marL="0" marR="0" algn="ctr">
+                        <a:lnSpc>
+                          <a:spcPct val="160000"/>
+                        </a:lnSpc>
+                        <a:spcBef>
+                          <a:spcPts val="0"/>
+                        </a:spcBef>
+                        <a:spcAft>
+                          <a:spcPts val="0"/>
+                        </a:spcAft>
+                      </a:pPr>
+                      <a:r>
+                        <a:rPr lang="ko-KR" altLang="en-US" sz="1100" b="0" dirty="0" smtClean="0">
+                          <a:solidFill>
+                            <a:schemeClr val="tx1"/>
+                          </a:solidFill>
+                          <a:latin typeface="+mn-lt"/>
+                          <a:ea typeface="굴림"/>
+                        </a:rPr>
+                        <a:t>출력</a:t>
+                      </a:r>
+                      <a:endParaRPr lang="ko-KR" altLang="en-US" sz="1100" b="0" dirty="0">
+                        <a:solidFill>
+                          <a:schemeClr val="tx1"/>
+                        </a:solidFill>
+                        <a:latin typeface="+mn-lt"/>
+                        <a:ea typeface="굴림"/>
+                      </a:endParaRPr>
+                    </a:p>
+                  </a:txBody>
+                  <a:tcPr marL="64770" marR="64770" marT="17907" marB="17907" anchor="ctr">
+                    <a:lnL w="3556" cap="flat" cmpd="sng" algn="ctr">
+                      <a:solidFill>
+                        <a:srgbClr val="000000"/>
+                      </a:solidFill>
+                      <a:prstDash val="solid"/>
+                      <a:round/>
+                      <a:headEnd type="none" w="med" len="med"/>
+                      <a:tailEnd type="none" w="med" len="med"/>
+                    </a:lnL>
+                    <a:lnR w="3556" cap="flat" cmpd="sng" algn="ctr">
+                      <a:solidFill>
+                        <a:srgbClr val="000000"/>
+                      </a:solidFill>
+                      <a:prstDash val="solid"/>
+                      <a:round/>
+                      <a:headEnd type="none" w="med" len="med"/>
+                      <a:tailEnd type="none" w="med" len="med"/>
+                    </a:lnR>
+                    <a:lnT w="3556" cap="flat" cmpd="sng" algn="ctr">
+                      <a:solidFill>
+                        <a:srgbClr val="000000"/>
+                      </a:solidFill>
+                      <a:prstDash val="solid"/>
+                      <a:round/>
+                      <a:headEnd type="none" w="med" len="med"/>
+                      <a:tailEnd type="none" w="med" len="med"/>
+                    </a:lnT>
+                    <a:lnB w="3556" cap="flat" cmpd="sng" algn="ctr">
+                      <a:solidFill>
+                        <a:srgbClr val="000000"/>
+                      </a:solidFill>
+                      <a:prstDash val="solid"/>
+                      <a:round/>
+                      <a:headEnd type="none" w="med" len="med"/>
+                      <a:tailEnd type="none" w="med" len="med"/>
+                    </a:lnB>
+                  </a:tcPr>
+                </a:tc>
+                <a:tc>
+                  <a:txBody>
+                    <a:bodyPr/>
+                    <a:lstStyle/>
+                    <a:p>
+                      <a:pPr marL="0" marR="0" algn="ctr">
+                        <a:lnSpc>
+                          <a:spcPct val="160000"/>
+                        </a:lnSpc>
+                        <a:spcBef>
+                          <a:spcPts val="0"/>
+                        </a:spcBef>
+                        <a:spcAft>
+                          <a:spcPts val="0"/>
+                        </a:spcAft>
+                      </a:pPr>
+                      <a:r>
+                        <a:rPr lang="ko-KR" altLang="en-US" sz="1100" b="0" dirty="0" smtClean="0">
+                          <a:solidFill>
+                            <a:schemeClr val="tx1"/>
+                          </a:solidFill>
+                          <a:latin typeface="+mn-lt"/>
+                        </a:rPr>
+                        <a:t>취소</a:t>
+                      </a:r>
+                      <a:endParaRPr lang="en-US" altLang="ko-KR" sz="1100" b="0" dirty="0" smtClean="0">
+                        <a:solidFill>
+                          <a:schemeClr val="tx1"/>
+                        </a:solidFill>
+                        <a:latin typeface="+mn-lt"/>
+                      </a:endParaRPr>
+                    </a:p>
+                    <a:p>
+                      <a:pPr marL="0" marR="0" algn="ctr">
+                        <a:lnSpc>
+                          <a:spcPct val="160000"/>
+                        </a:lnSpc>
+                        <a:spcBef>
+                          <a:spcPts val="0"/>
+                        </a:spcBef>
+                        <a:spcAft>
+                          <a:spcPts val="0"/>
+                        </a:spcAft>
+                      </a:pPr>
+                      <a:endParaRPr lang="ko-KR" altLang="en-US" sz="1100" b="0" dirty="0">
+                        <a:solidFill>
+                          <a:schemeClr val="tx1"/>
+                        </a:solidFill>
+                        <a:latin typeface="+mn-lt"/>
+                      </a:endParaRPr>
+                    </a:p>
+                    <a:p>
+                      <a:pPr marL="0" marR="0" algn="ctr">
+                        <a:lnSpc>
+                          <a:spcPct val="160000"/>
+                        </a:lnSpc>
+                        <a:spcBef>
+                          <a:spcPts val="0"/>
+                        </a:spcBef>
+                        <a:spcAft>
+                          <a:spcPts val="0"/>
+                        </a:spcAft>
+                      </a:pPr>
+                      <a:r>
+                        <a:rPr lang="ko-KR" altLang="en-US" sz="1100" b="0" dirty="0">
+                          <a:solidFill>
+                            <a:schemeClr val="tx1"/>
+                          </a:solidFill>
+                          <a:latin typeface="+mn-lt"/>
+                        </a:rPr>
+                        <a:t>확인</a:t>
+                      </a:r>
+                    </a:p>
+                  </a:txBody>
+                  <a:tcPr marL="64770" marR="64770" marT="17907" marB="17907" anchor="ctr">
+                    <a:lnL w="3556" cap="flat" cmpd="sng" algn="ctr">
+                      <a:solidFill>
+                        <a:srgbClr val="000000"/>
+                      </a:solidFill>
+                      <a:prstDash val="solid"/>
+                      <a:round/>
+                      <a:headEnd type="none" w="med" len="med"/>
+                      <a:tailEnd type="none" w="med" len="med"/>
+                    </a:lnL>
+                    <a:lnR w="3556" cap="flat" cmpd="sng" algn="ctr">
+                      <a:solidFill>
+                        <a:srgbClr val="000000"/>
+                      </a:solidFill>
+                      <a:prstDash val="solid"/>
+                      <a:round/>
+                      <a:headEnd type="none" w="med" len="med"/>
+                      <a:tailEnd type="none" w="med" len="med"/>
+                    </a:lnR>
+                    <a:lnT w="3556" cap="flat" cmpd="sng" algn="ctr">
+                      <a:solidFill>
+                        <a:srgbClr val="000000"/>
+                      </a:solidFill>
+                      <a:prstDash val="solid"/>
+                      <a:round/>
+                      <a:headEnd type="none" w="med" len="med"/>
+                      <a:tailEnd type="none" w="med" len="med"/>
+                    </a:lnT>
+                    <a:lnB w="3556" cap="flat" cmpd="sng" algn="ctr">
+                      <a:solidFill>
+                        <a:srgbClr val="000000"/>
+                      </a:solidFill>
+                      <a:prstDash val="solid"/>
+                      <a:round/>
+                      <a:headEnd type="none" w="med" len="med"/>
+                      <a:tailEnd type="none" w="med" len="med"/>
+                    </a:lnB>
+                  </a:tcPr>
+                </a:tc>
+              </a:tr>
+            </a:tbl>
+          </a:graphicData>
+        </a:graphic>
+      </p:graphicFrame>
+    </p:spTree>
+  </p:cSld>
+  <p:clrMapOvr>
+    <a:masterClrMapping/>
+  </p:clrMapOvr>
+</p:sld>
+</file>
+
+<file path=ppt/slides/slide7.xml><?xml version="1.0" encoding="utf-8"?>
 <p:sld xmlns:a="http://schemas.openxmlformats.org/drawingml/2006/main" xmlns:r="http://schemas.openxmlformats.org/officeDocument/2006/relationships" xmlns:p="http://schemas.openxmlformats.org/presentationml/2006/main">
   <p:cSld>
     <p:spTree>
@@ -5901,7 +13247,7 @@
           <p:nvPr>
             <p:extLst>
               <p:ext uri="{D42A27DB-BD31-4B8C-83A1-F6EECF244321}">
-                <p14:modId xmlns="" xmlns:p14="http://schemas.microsoft.com/office/powerpoint/2010/main" val="2477489723"/>
+                <p14:modId xmlns:p14="http://schemas.microsoft.com/office/powerpoint/2010/main" xmlns="" val="2477489723"/>
               </p:ext>
             </p:extLst>
           </p:nvPr>
@@ -5918,21 +13264,21 @@
                 <a:gridCol w="941831">
                   <a:extLst>
                     <a:ext uri="{9D8B030D-6E8A-4147-A177-3AD203B41FA5}">
-                      <a16:colId xmlns="" xmlns:a16="http://schemas.microsoft.com/office/drawing/2014/main" val="422177613"/>
+                      <a16:colId xmlns:a16="http://schemas.microsoft.com/office/drawing/2014/main" xmlns="" val="422177613"/>
                     </a:ext>
                   </a:extLst>
                 </a:gridCol>
                 <a:gridCol w="1229599">
                   <a:extLst>
                     <a:ext uri="{9D8B030D-6E8A-4147-A177-3AD203B41FA5}">
-                      <a16:colId xmlns="" xmlns:a16="http://schemas.microsoft.com/office/drawing/2014/main" val="453249091"/>
+                      <a16:colId xmlns:a16="http://schemas.microsoft.com/office/drawing/2014/main" xmlns="" val="453249091"/>
                     </a:ext>
                   </a:extLst>
                 </a:gridCol>
                 <a:gridCol w="805449">
                   <a:extLst>
                     <a:ext uri="{9D8B030D-6E8A-4147-A177-3AD203B41FA5}">
-                      <a16:colId xmlns="" xmlns:a16="http://schemas.microsoft.com/office/drawing/2014/main" val="416733809"/>
+                      <a16:colId xmlns:a16="http://schemas.microsoft.com/office/drawing/2014/main" xmlns="" val="416733809"/>
                     </a:ext>
                   </a:extLst>
                 </a:gridCol>
@@ -6165,7 +13511,7 @@
                 </a:tc>
                 <a:extLst>
                   <a:ext uri="{0D108BD9-81ED-4DB2-BD59-A6C34878D82A}">
-                    <a16:rowId xmlns="" xmlns:a16="http://schemas.microsoft.com/office/drawing/2014/main" val="663920812"/>
+                    <a16:rowId xmlns:a16="http://schemas.microsoft.com/office/drawing/2014/main" xmlns="" val="663920812"/>
                   </a:ext>
                 </a:extLst>
               </a:tr>
@@ -6389,7 +13735,7 @@
                 </a:tc>
                 <a:extLst>
                   <a:ext uri="{0D108BD9-81ED-4DB2-BD59-A6C34878D82A}">
-                    <a16:rowId xmlns="" xmlns:a16="http://schemas.microsoft.com/office/drawing/2014/main" val="1922898790"/>
+                    <a16:rowId xmlns:a16="http://schemas.microsoft.com/office/drawing/2014/main" xmlns="" val="1922898790"/>
                   </a:ext>
                 </a:extLst>
               </a:tr>
@@ -6619,7 +13965,7 @@
                 </a:tc>
                 <a:extLst>
                   <a:ext uri="{0D108BD9-81ED-4DB2-BD59-A6C34878D82A}">
-                    <a16:rowId xmlns="" xmlns:a16="http://schemas.microsoft.com/office/drawing/2014/main" val="1408059068"/>
+                    <a16:rowId xmlns:a16="http://schemas.microsoft.com/office/drawing/2014/main" xmlns="" val="1408059068"/>
                   </a:ext>
                 </a:extLst>
               </a:tr>
@@ -6723,7 +14069,7 @@
                 </a:tc>
                 <a:extLst>
                   <a:ext uri="{0D108BD9-81ED-4DB2-BD59-A6C34878D82A}">
-                    <a16:rowId xmlns="" xmlns:a16="http://schemas.microsoft.com/office/drawing/2014/main" val="1668479838"/>
+                    <a16:rowId xmlns:a16="http://schemas.microsoft.com/office/drawing/2014/main" xmlns="" val="1668479838"/>
                   </a:ext>
                 </a:extLst>
               </a:tr>
@@ -6739,7 +14085,7 @@
 </p:sld>
 </file>
 
-<file path=ppt/slides/slide4.xml><?xml version="1.0" encoding="utf-8"?>
+<file path=ppt/slides/slide8.xml><?xml version="1.0" encoding="utf-8"?>
 <p:sld xmlns:a="http://schemas.openxmlformats.org/drawingml/2006/main" xmlns:r="http://schemas.openxmlformats.org/officeDocument/2006/relationships" xmlns:p="http://schemas.openxmlformats.org/presentationml/2006/main">
   <p:cSld>
     <p:spTree>
@@ -9839,7 +17185,7 @@
           <p:nvPr>
             <p:extLst>
               <p:ext uri="{D42A27DB-BD31-4B8C-83A1-F6EECF244321}">
-                <p14:modId xmlns="" xmlns:p14="http://schemas.microsoft.com/office/powerpoint/2010/main" val="680533457"/>
+                <p14:modId xmlns:p14="http://schemas.microsoft.com/office/powerpoint/2010/main" xmlns="" val="680533457"/>
               </p:ext>
             </p:extLst>
           </p:nvPr>
@@ -9856,21 +17202,21 @@
                 <a:gridCol w="323162">
                   <a:extLst>
                     <a:ext uri="{9D8B030D-6E8A-4147-A177-3AD203B41FA5}">
-                      <a16:colId xmlns="" xmlns:a16="http://schemas.microsoft.com/office/drawing/2014/main" val="947653379"/>
+                      <a16:colId xmlns:a16="http://schemas.microsoft.com/office/drawing/2014/main" xmlns="" val="947653379"/>
                     </a:ext>
                   </a:extLst>
                 </a:gridCol>
                 <a:gridCol w="1101687">
                   <a:extLst>
                     <a:ext uri="{9D8B030D-6E8A-4147-A177-3AD203B41FA5}">
-                      <a16:colId xmlns="" xmlns:a16="http://schemas.microsoft.com/office/drawing/2014/main" val="870471614"/>
+                      <a16:colId xmlns:a16="http://schemas.microsoft.com/office/drawing/2014/main" xmlns="" val="870471614"/>
                     </a:ext>
                   </a:extLst>
                 </a:gridCol>
                 <a:gridCol w="1399141">
                   <a:extLst>
                     <a:ext uri="{9D8B030D-6E8A-4147-A177-3AD203B41FA5}">
-                      <a16:colId xmlns="" xmlns:a16="http://schemas.microsoft.com/office/drawing/2014/main" val="226927530"/>
+                      <a16:colId xmlns:a16="http://schemas.microsoft.com/office/drawing/2014/main" xmlns="" val="226927530"/>
                     </a:ext>
                   </a:extLst>
                 </a:gridCol>
@@ -10103,7 +17449,7 @@
                 </a:tc>
                 <a:extLst>
                   <a:ext uri="{0D108BD9-81ED-4DB2-BD59-A6C34878D82A}">
-                    <a16:rowId xmlns="" xmlns:a16="http://schemas.microsoft.com/office/drawing/2014/main" val="2137800463"/>
+                    <a16:rowId xmlns:a16="http://schemas.microsoft.com/office/drawing/2014/main" xmlns="" val="2137800463"/>
                   </a:ext>
                 </a:extLst>
               </a:tr>
@@ -10578,7 +17924,7 @@
                 </a:tc>
                 <a:extLst>
                   <a:ext uri="{0D108BD9-81ED-4DB2-BD59-A6C34878D82A}">
-                    <a16:rowId xmlns="" xmlns:a16="http://schemas.microsoft.com/office/drawing/2014/main" val="3987385569"/>
+                    <a16:rowId xmlns:a16="http://schemas.microsoft.com/office/drawing/2014/main" xmlns="" val="3987385569"/>
                   </a:ext>
                 </a:extLst>
               </a:tr>
@@ -10756,7 +18102,7 @@
                 </a:tc>
                 <a:extLst>
                   <a:ext uri="{0D108BD9-81ED-4DB2-BD59-A6C34878D82A}">
-                    <a16:rowId xmlns="" xmlns:a16="http://schemas.microsoft.com/office/drawing/2014/main" val="3878582828"/>
+                    <a16:rowId xmlns:a16="http://schemas.microsoft.com/office/drawing/2014/main" xmlns="" val="3878582828"/>
                   </a:ext>
                 </a:extLst>
               </a:tr>
@@ -10772,7 +18118,7 @@
 </p:sld>
 </file>
 
-<file path=ppt/slides/slide5.xml><?xml version="1.0" encoding="utf-8"?>
+<file path=ppt/slides/slide9.xml><?xml version="1.0" encoding="utf-8"?>
 <p:sld xmlns:a="http://schemas.openxmlformats.org/drawingml/2006/main" xmlns:r="http://schemas.openxmlformats.org/officeDocument/2006/relationships" xmlns:p="http://schemas.openxmlformats.org/presentationml/2006/main">
   <p:cSld>
     <p:spTree>
@@ -13987,7 +21333,7 @@
           <p:nvPr>
             <p:extLst>
               <p:ext uri="{D42A27DB-BD31-4B8C-83A1-F6EECF244321}">
-                <p14:modId xmlns="" xmlns:p14="http://schemas.microsoft.com/office/powerpoint/2010/main" val="4009250231"/>
+                <p14:modId xmlns:p14="http://schemas.microsoft.com/office/powerpoint/2010/main" xmlns="" val="4009250231"/>
               </p:ext>
             </p:extLst>
           </p:nvPr>
@@ -14004,28 +21350,28 @@
                 <a:gridCol w="415510">
                   <a:extLst>
                     <a:ext uri="{9D8B030D-6E8A-4147-A177-3AD203B41FA5}">
-                      <a16:colId xmlns="" xmlns:a16="http://schemas.microsoft.com/office/drawing/2014/main" val="3315520243"/>
+                      <a16:colId xmlns:a16="http://schemas.microsoft.com/office/drawing/2014/main" xmlns="" val="3315520243"/>
                     </a:ext>
                   </a:extLst>
                 </a:gridCol>
                 <a:gridCol w="807845">
                   <a:extLst>
                     <a:ext uri="{9D8B030D-6E8A-4147-A177-3AD203B41FA5}">
-                      <a16:colId xmlns="" xmlns:a16="http://schemas.microsoft.com/office/drawing/2014/main" val="3819510963"/>
+                      <a16:colId xmlns:a16="http://schemas.microsoft.com/office/drawing/2014/main" xmlns="" val="3819510963"/>
                     </a:ext>
                   </a:extLst>
                 </a:gridCol>
                 <a:gridCol w="1024569">
                   <a:extLst>
                     <a:ext uri="{9D8B030D-6E8A-4147-A177-3AD203B41FA5}">
-                      <a16:colId xmlns="" xmlns:a16="http://schemas.microsoft.com/office/drawing/2014/main" val="249413620"/>
+                      <a16:colId xmlns:a16="http://schemas.microsoft.com/office/drawing/2014/main" xmlns="" val="249413620"/>
                     </a:ext>
                   </a:extLst>
                 </a:gridCol>
                 <a:gridCol w="782198">
                   <a:extLst>
                     <a:ext uri="{9D8B030D-6E8A-4147-A177-3AD203B41FA5}">
-                      <a16:colId xmlns="" xmlns:a16="http://schemas.microsoft.com/office/drawing/2014/main" val="3984063511"/>
+                      <a16:colId xmlns:a16="http://schemas.microsoft.com/office/drawing/2014/main" xmlns="" val="3984063511"/>
                     </a:ext>
                   </a:extLst>
                 </a:gridCol>
@@ -14364,7 +21710,7 @@
                 </a:tc>
                 <a:extLst>
                   <a:ext uri="{0D108BD9-81ED-4DB2-BD59-A6C34878D82A}">
-                    <a16:rowId xmlns="" xmlns:a16="http://schemas.microsoft.com/office/drawing/2014/main" val="679489853"/>
+                    <a16:rowId xmlns:a16="http://schemas.microsoft.com/office/drawing/2014/main" xmlns="" val="679489853"/>
                   </a:ext>
                 </a:extLst>
               </a:tr>
@@ -14891,7 +22237,7 @@
                 </a:tc>
                 <a:extLst>
                   <a:ext uri="{0D108BD9-81ED-4DB2-BD59-A6C34878D82A}">
-                    <a16:rowId xmlns="" xmlns:a16="http://schemas.microsoft.com/office/drawing/2014/main" val="118597810"/>
+                    <a16:rowId xmlns:a16="http://schemas.microsoft.com/office/drawing/2014/main" xmlns="" val="118597810"/>
                   </a:ext>
                 </a:extLst>
               </a:tr>
@@ -15081,7 +22427,7 @@
                 </a:tc>
                 <a:extLst>
                   <a:ext uri="{0D108BD9-81ED-4DB2-BD59-A6C34878D82A}">
-                    <a16:rowId xmlns="" xmlns:a16="http://schemas.microsoft.com/office/drawing/2014/main" val="2455842520"/>
+                    <a16:rowId xmlns:a16="http://schemas.microsoft.com/office/drawing/2014/main" xmlns="" val="2455842520"/>
                   </a:ext>
                 </a:extLst>
               </a:tr>

--- a/doc/3_ 설계서/Class Design.pptx
+++ b/doc/3_ 설계서/Class Design.pptx
@@ -165,7 +165,7 @@
   </p:defaultTextStyle>
   <p:extLst>
     <p:ext uri="{EFAFB233-063F-42B5-8137-9DF3F51BA10A}">
-      <p15:sldGuideLst xmlns="" xmlns:p15="http://schemas.microsoft.com/office/powerpoint/2012/main">
+      <p15:sldGuideLst xmlns:p15="http://schemas.microsoft.com/office/powerpoint/2012/main" xmlns="">
         <p15:guide id="1" orient="horz">
           <p15:clr>
             <a:srgbClr val="A4A3A4"/>
@@ -184,7 +184,7 @@
       </p15:sldGuideLst>
     </p:ext>
     <p:ext uri="{2D200454-40CA-4A62-9FC3-DE9A4176ACB9}">
-      <p15:notesGuideLst xmlns="" xmlns:p15="http://schemas.microsoft.com/office/powerpoint/2012/main">
+      <p15:notesGuideLst xmlns:p15="http://schemas.microsoft.com/office/powerpoint/2012/main" xmlns="">
         <p15:guide id="1" orient="horz" pos="3126">
           <p15:clr>
             <a:srgbClr val="A4A3A4"/>
@@ -418,7 +418,7 @@
     </p:spTree>
     <p:extLst>
       <p:ext uri="{BB962C8B-B14F-4D97-AF65-F5344CB8AC3E}">
-        <p14:creationId xmlns="" xmlns:p14="http://schemas.microsoft.com/office/powerpoint/2010/main" val="508471591"/>
+        <p14:creationId xmlns:p14="http://schemas.microsoft.com/office/powerpoint/2010/main" val="508471591"/>
       </p:ext>
     </p:extLst>
   </p:cSld>
@@ -744,7 +744,7 @@
     </p:spTree>
     <p:extLst>
       <p:ext uri="{BB962C8B-B14F-4D97-AF65-F5344CB8AC3E}">
-        <p14:creationId xmlns="" xmlns:p14="http://schemas.microsoft.com/office/powerpoint/2010/main" val="860101577"/>
+        <p14:creationId xmlns:p14="http://schemas.microsoft.com/office/powerpoint/2010/main" val="860101577"/>
       </p:ext>
     </p:extLst>
   </p:cSld>
@@ -1132,7 +1132,7 @@
           <p:nvPr userDrawn="1">
             <p:extLst>
               <p:ext uri="{D42A27DB-BD31-4B8C-83A1-F6EECF244321}">
-                <p14:modId xmlns="" xmlns:p14="http://schemas.microsoft.com/office/powerpoint/2010/main" val="3385421182"/>
+                <p14:modId xmlns:p14="http://schemas.microsoft.com/office/powerpoint/2010/main" val="3385421182"/>
               </p:ext>
             </p:extLst>
           </p:nvPr>
@@ -1149,28 +1149,28 @@
                 <a:gridCol w="1022523">
                   <a:extLst>
                     <a:ext uri="{9D8B030D-6E8A-4147-A177-3AD203B41FA5}">
-                      <a16:colId xmlns="" xmlns:a16="http://schemas.microsoft.com/office/drawing/2014/main" val="20000"/>
+                      <a16:colId xmlns:a16="http://schemas.microsoft.com/office/drawing/2014/main" xmlns="" val="20000"/>
                     </a:ext>
                   </a:extLst>
                 </a:gridCol>
                 <a:gridCol w="3439486">
                   <a:extLst>
                     <a:ext uri="{9D8B030D-6E8A-4147-A177-3AD203B41FA5}">
-                      <a16:colId xmlns="" xmlns:a16="http://schemas.microsoft.com/office/drawing/2014/main" val="20001"/>
+                      <a16:colId xmlns:a16="http://schemas.microsoft.com/office/drawing/2014/main" xmlns="" val="20001"/>
                     </a:ext>
                   </a:extLst>
                 </a:gridCol>
                 <a:gridCol w="947956">
                   <a:extLst>
                     <a:ext uri="{9D8B030D-6E8A-4147-A177-3AD203B41FA5}">
-                      <a16:colId xmlns="" xmlns:a16="http://schemas.microsoft.com/office/drawing/2014/main" val="20002"/>
+                      <a16:colId xmlns:a16="http://schemas.microsoft.com/office/drawing/2014/main" xmlns="" val="20002"/>
                     </a:ext>
                   </a:extLst>
                 </a:gridCol>
                 <a:gridCol w="3523377">
                   <a:extLst>
                     <a:ext uri="{9D8B030D-6E8A-4147-A177-3AD203B41FA5}">
-                      <a16:colId xmlns="" xmlns:a16="http://schemas.microsoft.com/office/drawing/2014/main" val="20003"/>
+                      <a16:colId xmlns:a16="http://schemas.microsoft.com/office/drawing/2014/main" xmlns="" val="20003"/>
                     </a:ext>
                   </a:extLst>
                 </a:gridCol>
@@ -1558,7 +1558,7 @@
                 </a:tc>
                 <a:extLst>
                   <a:ext uri="{0D108BD9-81ED-4DB2-BD59-A6C34878D82A}">
-                    <a16:rowId xmlns="" xmlns:a16="http://schemas.microsoft.com/office/drawing/2014/main" val="10000"/>
+                    <a16:rowId xmlns:a16="http://schemas.microsoft.com/office/drawing/2014/main" xmlns="" val="10000"/>
                   </a:ext>
                 </a:extLst>
               </a:tr>
@@ -1917,7 +1917,7 @@
                 </a:tc>
                 <a:extLst>
                   <a:ext uri="{0D108BD9-81ED-4DB2-BD59-A6C34878D82A}">
-                    <a16:rowId xmlns="" xmlns:a16="http://schemas.microsoft.com/office/drawing/2014/main" val="10001"/>
+                    <a16:rowId xmlns:a16="http://schemas.microsoft.com/office/drawing/2014/main" xmlns="" val="10001"/>
                   </a:ext>
                 </a:extLst>
               </a:tr>
@@ -2556,7 +2556,7 @@
     </p:spTree>
     <p:extLst>
       <p:ext uri="{BB962C8B-B14F-4D97-AF65-F5344CB8AC3E}">
-        <p14:creationId xmlns="" xmlns:p14="http://schemas.microsoft.com/office/powerpoint/2010/main" val="3020447495"/>
+        <p14:creationId xmlns:p14="http://schemas.microsoft.com/office/powerpoint/2010/main" val="3020447495"/>
       </p:ext>
     </p:extLst>
   </p:cSld>
@@ -2592,7 +2592,7 @@
           <p:nvPr userDrawn="1">
             <p:extLst>
               <p:ext uri="{D42A27DB-BD31-4B8C-83A1-F6EECF244321}">
-                <p14:modId xmlns="" xmlns:p14="http://schemas.microsoft.com/office/powerpoint/2010/main" val="794566663"/>
+                <p14:modId xmlns:p14="http://schemas.microsoft.com/office/powerpoint/2010/main" val="794566663"/>
               </p:ext>
             </p:extLst>
           </p:nvPr>
@@ -2609,28 +2609,28 @@
                 <a:gridCol w="1022523">
                   <a:extLst>
                     <a:ext uri="{9D8B030D-6E8A-4147-A177-3AD203B41FA5}">
-                      <a16:colId xmlns="" xmlns:a16="http://schemas.microsoft.com/office/drawing/2014/main" val="20000"/>
+                      <a16:colId xmlns:a16="http://schemas.microsoft.com/office/drawing/2014/main" xmlns="" val="20000"/>
                     </a:ext>
                   </a:extLst>
                 </a:gridCol>
                 <a:gridCol w="3439486">
                   <a:extLst>
                     <a:ext uri="{9D8B030D-6E8A-4147-A177-3AD203B41FA5}">
-                      <a16:colId xmlns="" xmlns:a16="http://schemas.microsoft.com/office/drawing/2014/main" val="20001"/>
+                      <a16:colId xmlns:a16="http://schemas.microsoft.com/office/drawing/2014/main" xmlns="" val="20001"/>
                     </a:ext>
                   </a:extLst>
                 </a:gridCol>
                 <a:gridCol w="947956">
                   <a:extLst>
                     <a:ext uri="{9D8B030D-6E8A-4147-A177-3AD203B41FA5}">
-                      <a16:colId xmlns="" xmlns:a16="http://schemas.microsoft.com/office/drawing/2014/main" val="20002"/>
+                      <a16:colId xmlns:a16="http://schemas.microsoft.com/office/drawing/2014/main" xmlns="" val="20002"/>
                     </a:ext>
                   </a:extLst>
                 </a:gridCol>
                 <a:gridCol w="3523377">
                   <a:extLst>
                     <a:ext uri="{9D8B030D-6E8A-4147-A177-3AD203B41FA5}">
-                      <a16:colId xmlns="" xmlns:a16="http://schemas.microsoft.com/office/drawing/2014/main" val="20003"/>
+                      <a16:colId xmlns:a16="http://schemas.microsoft.com/office/drawing/2014/main" xmlns="" val="20003"/>
                     </a:ext>
                   </a:extLst>
                 </a:gridCol>
@@ -3018,7 +3018,7 @@
                 </a:tc>
                 <a:extLst>
                   <a:ext uri="{0D108BD9-81ED-4DB2-BD59-A6C34878D82A}">
-                    <a16:rowId xmlns="" xmlns:a16="http://schemas.microsoft.com/office/drawing/2014/main" val="10000"/>
+                    <a16:rowId xmlns:a16="http://schemas.microsoft.com/office/drawing/2014/main" xmlns="" val="10000"/>
                   </a:ext>
                 </a:extLst>
               </a:tr>
@@ -3377,7 +3377,7 @@
                 </a:tc>
                 <a:extLst>
                   <a:ext uri="{0D108BD9-81ED-4DB2-BD59-A6C34878D82A}">
-                    <a16:rowId xmlns="" xmlns:a16="http://schemas.microsoft.com/office/drawing/2014/main" val="10001"/>
+                    <a16:rowId xmlns:a16="http://schemas.microsoft.com/office/drawing/2014/main" xmlns="" val="10001"/>
                   </a:ext>
                 </a:extLst>
               </a:tr>
@@ -3484,7 +3484,7 @@
     </p:spTree>
     <p:extLst>
       <p:ext uri="{BB962C8B-B14F-4D97-AF65-F5344CB8AC3E}">
-        <p14:creationId xmlns="" xmlns:p14="http://schemas.microsoft.com/office/powerpoint/2010/main" val="962019305"/>
+        <p14:creationId xmlns:p14="http://schemas.microsoft.com/office/powerpoint/2010/main" val="962019305"/>
       </p:ext>
     </p:extLst>
   </p:cSld>
@@ -3761,7 +3761,7 @@
     </p:spTree>
     <p:extLst>
       <p:ext uri="{BB962C8B-B14F-4D97-AF65-F5344CB8AC3E}">
-        <p14:creationId xmlns="" xmlns:p14="http://schemas.microsoft.com/office/powerpoint/2010/main" val="2353332228"/>
+        <p14:creationId xmlns:p14="http://schemas.microsoft.com/office/powerpoint/2010/main" val="2353332228"/>
       </p:ext>
     </p:extLst>
   </p:cSld>
@@ -4687,7 +4687,7 @@
     </p:spTree>
     <p:extLst>
       <p:ext uri="{BB962C8B-B14F-4D97-AF65-F5344CB8AC3E}">
-        <p14:creationId xmlns="" xmlns:p14="http://schemas.microsoft.com/office/powerpoint/2010/main" val="1354888164"/>
+        <p14:creationId xmlns:p14="http://schemas.microsoft.com/office/powerpoint/2010/main" val="1354888164"/>
       </p:ext>
     </p:extLst>
   </p:cSld>
@@ -5367,7 +5367,7 @@
                 <a:gridCol w="2913380">
                   <a:extLst>
                     <a:ext uri="{9D8B030D-6E8A-4147-A177-3AD203B41FA5}">
-                      <a16:colId xmlns="" xmlns:a16="http://schemas.microsoft.com/office/drawing/2014/main" val="20000"/>
+                      <a16:colId xmlns:a16="http://schemas.microsoft.com/office/drawing/2014/main" xmlns="" val="20000"/>
                     </a:ext>
                   </a:extLst>
                 </a:gridCol>
@@ -5432,7 +5432,7 @@
                 </a:tc>
                 <a:extLst>
                   <a:ext uri="{0D108BD9-81ED-4DB2-BD59-A6C34878D82A}">
-                    <a16:rowId xmlns="" xmlns:a16="http://schemas.microsoft.com/office/drawing/2014/main" val="10000"/>
+                    <a16:rowId xmlns:a16="http://schemas.microsoft.com/office/drawing/2014/main" xmlns="" val="10000"/>
                   </a:ext>
                 </a:extLst>
               </a:tr>
@@ -6738,7 +6738,7 @@
                 </a:tc>
                 <a:extLst>
                   <a:ext uri="{0D108BD9-81ED-4DB2-BD59-A6C34878D82A}">
-                    <a16:rowId xmlns="" xmlns:a16="http://schemas.microsoft.com/office/drawing/2014/main" val="10001"/>
+                    <a16:rowId xmlns:a16="http://schemas.microsoft.com/office/drawing/2014/main" xmlns="" val="10001"/>
                   </a:ext>
                 </a:extLst>
               </a:tr>
@@ -6959,7 +6959,7 @@
                 </a:tc>
                 <a:extLst>
                   <a:ext uri="{0D108BD9-81ED-4DB2-BD59-A6C34878D82A}">
-                    <a16:rowId xmlns="" xmlns:a16="http://schemas.microsoft.com/office/drawing/2014/main" val="10002"/>
+                    <a16:rowId xmlns:a16="http://schemas.microsoft.com/office/drawing/2014/main" xmlns="" val="10002"/>
                   </a:ext>
                 </a:extLst>
               </a:tr>
@@ -6987,28 +6987,28 @@
                 <a:gridCol w="748694">
                   <a:extLst>
                     <a:ext uri="{9D8B030D-6E8A-4147-A177-3AD203B41FA5}">
-                      <a16:colId xmlns="" xmlns:a16="http://schemas.microsoft.com/office/drawing/2014/main" val="20000"/>
+                      <a16:colId xmlns:a16="http://schemas.microsoft.com/office/drawing/2014/main" xmlns="" val="20000"/>
                     </a:ext>
                   </a:extLst>
                 </a:gridCol>
                 <a:gridCol w="797169">
                   <a:extLst>
                     <a:ext uri="{9D8B030D-6E8A-4147-A177-3AD203B41FA5}">
-                      <a16:colId xmlns="" xmlns:a16="http://schemas.microsoft.com/office/drawing/2014/main" val="20001"/>
+                      <a16:colId xmlns:a16="http://schemas.microsoft.com/office/drawing/2014/main" xmlns="" val="20001"/>
                     </a:ext>
                   </a:extLst>
                 </a:gridCol>
                 <a:gridCol w="890954">
                   <a:extLst>
                     <a:ext uri="{9D8B030D-6E8A-4147-A177-3AD203B41FA5}">
-                      <a16:colId xmlns="" xmlns:a16="http://schemas.microsoft.com/office/drawing/2014/main" val="20002"/>
+                      <a16:colId xmlns:a16="http://schemas.microsoft.com/office/drawing/2014/main" xmlns="" val="20002"/>
                     </a:ext>
                   </a:extLst>
                 </a:gridCol>
                 <a:gridCol w="703384">
                   <a:extLst>
                     <a:ext uri="{9D8B030D-6E8A-4147-A177-3AD203B41FA5}">
-                      <a16:colId xmlns="" xmlns:a16="http://schemas.microsoft.com/office/drawing/2014/main" val="20003"/>
+                      <a16:colId xmlns:a16="http://schemas.microsoft.com/office/drawing/2014/main" xmlns="" val="20003"/>
                     </a:ext>
                   </a:extLst>
                 </a:gridCol>
@@ -7304,7 +7304,7 @@
                 </a:tc>
                 <a:extLst>
                   <a:ext uri="{0D108BD9-81ED-4DB2-BD59-A6C34878D82A}">
-                    <a16:rowId xmlns="" xmlns:a16="http://schemas.microsoft.com/office/drawing/2014/main" val="10000"/>
+                    <a16:rowId xmlns:a16="http://schemas.microsoft.com/office/drawing/2014/main" xmlns="" val="10000"/>
                   </a:ext>
                 </a:extLst>
               </a:tr>
@@ -7569,7 +7569,7 @@
                 </a:tc>
                 <a:extLst>
                   <a:ext uri="{0D108BD9-81ED-4DB2-BD59-A6C34878D82A}">
-                    <a16:rowId xmlns="" xmlns:a16="http://schemas.microsoft.com/office/drawing/2014/main" val="10001"/>
+                    <a16:rowId xmlns:a16="http://schemas.microsoft.com/office/drawing/2014/main" xmlns="" val="10001"/>
                   </a:ext>
                 </a:extLst>
               </a:tr>
@@ -7777,7 +7777,7 @@
                 </a:tc>
                 <a:extLst>
                   <a:ext uri="{0D108BD9-81ED-4DB2-BD59-A6C34878D82A}">
-                    <a16:rowId xmlns="" xmlns:a16="http://schemas.microsoft.com/office/drawing/2014/main" val="10002"/>
+                    <a16:rowId xmlns:a16="http://schemas.microsoft.com/office/drawing/2014/main" xmlns="" val="10002"/>
                   </a:ext>
                 </a:extLst>
               </a:tr>
@@ -7944,7 +7944,7 @@
                 </a:tc>
                 <a:extLst>
                   <a:ext uri="{0D108BD9-81ED-4DB2-BD59-A6C34878D82A}">
-                    <a16:rowId xmlns="" xmlns:a16="http://schemas.microsoft.com/office/drawing/2014/main" val="10003"/>
+                    <a16:rowId xmlns:a16="http://schemas.microsoft.com/office/drawing/2014/main" xmlns="" val="10003"/>
                   </a:ext>
                 </a:extLst>
               </a:tr>
@@ -8059,7 +8059,7 @@
                 </a:tc>
                 <a:extLst>
                   <a:ext uri="{0D108BD9-81ED-4DB2-BD59-A6C34878D82A}">
-                    <a16:rowId xmlns="" xmlns:a16="http://schemas.microsoft.com/office/drawing/2014/main" val="10004"/>
+                    <a16:rowId xmlns:a16="http://schemas.microsoft.com/office/drawing/2014/main" xmlns="" val="10004"/>
                   </a:ext>
                 </a:extLst>
               </a:tr>
@@ -8165,7 +8165,7 @@
                 </a:tc>
                 <a:extLst>
                   <a:ext uri="{0D108BD9-81ED-4DB2-BD59-A6C34878D82A}">
-                    <a16:rowId xmlns="" xmlns:a16="http://schemas.microsoft.com/office/drawing/2014/main" val="10005"/>
+                    <a16:rowId xmlns:a16="http://schemas.microsoft.com/office/drawing/2014/main" xmlns="" val="10005"/>
                   </a:ext>
                 </a:extLst>
               </a:tr>
@@ -8281,7 +8281,7 @@
                 <a:gridCol w="4536504">
                   <a:extLst>
                     <a:ext uri="{9D8B030D-6E8A-4147-A177-3AD203B41FA5}">
-                      <a16:colId xmlns="" xmlns:a16="http://schemas.microsoft.com/office/drawing/2014/main" val="20000"/>
+                      <a16:colId xmlns:a16="http://schemas.microsoft.com/office/drawing/2014/main" xmlns="" val="20000"/>
                     </a:ext>
                   </a:extLst>
                 </a:gridCol>
@@ -8324,7 +8324,7 @@
                 </a:tc>
                 <a:extLst>
                   <a:ext uri="{0D108BD9-81ED-4DB2-BD59-A6C34878D82A}">
-                    <a16:rowId xmlns="" xmlns:a16="http://schemas.microsoft.com/office/drawing/2014/main" val="10000"/>
+                    <a16:rowId xmlns:a16="http://schemas.microsoft.com/office/drawing/2014/main" xmlns="" val="10000"/>
                   </a:ext>
                 </a:extLst>
               </a:tr>
@@ -8553,7 +8553,7 @@
                 </a:tc>
                 <a:extLst>
                   <a:ext uri="{0D108BD9-81ED-4DB2-BD59-A6C34878D82A}">
-                    <a16:rowId xmlns="" xmlns:a16="http://schemas.microsoft.com/office/drawing/2014/main" val="10001"/>
+                    <a16:rowId xmlns:a16="http://schemas.microsoft.com/office/drawing/2014/main" xmlns="" val="10001"/>
                   </a:ext>
                 </a:extLst>
               </a:tr>
@@ -8667,7 +8667,7 @@
                 </a:tc>
                 <a:extLst>
                   <a:ext uri="{0D108BD9-81ED-4DB2-BD59-A6C34878D82A}">
-                    <a16:rowId xmlns="" xmlns:a16="http://schemas.microsoft.com/office/drawing/2014/main" val="10002"/>
+                    <a16:rowId xmlns:a16="http://schemas.microsoft.com/office/drawing/2014/main" xmlns="" val="10002"/>
                   </a:ext>
                 </a:extLst>
               </a:tr>
@@ -8695,14 +8695,14 @@
                 <a:gridCol w="1266921">
                   <a:extLst>
                     <a:ext uri="{9D8B030D-6E8A-4147-A177-3AD203B41FA5}">
-                      <a16:colId xmlns="" xmlns:a16="http://schemas.microsoft.com/office/drawing/2014/main" val="20000"/>
+                      <a16:colId xmlns:a16="http://schemas.microsoft.com/office/drawing/2014/main" xmlns="" val="20000"/>
                     </a:ext>
                   </a:extLst>
                 </a:gridCol>
                 <a:gridCol w="944523">
                   <a:extLst>
                     <a:ext uri="{9D8B030D-6E8A-4147-A177-3AD203B41FA5}">
-                      <a16:colId xmlns="" xmlns:a16="http://schemas.microsoft.com/office/drawing/2014/main" val="20002"/>
+                      <a16:colId xmlns:a16="http://schemas.microsoft.com/office/drawing/2014/main" xmlns="" val="20002"/>
                     </a:ext>
                   </a:extLst>
                 </a:gridCol>
@@ -8848,7 +8848,7 @@
                 </a:tc>
                 <a:extLst>
                   <a:ext uri="{0D108BD9-81ED-4DB2-BD59-A6C34878D82A}">
-                    <a16:rowId xmlns="" xmlns:a16="http://schemas.microsoft.com/office/drawing/2014/main" val="10000"/>
+                    <a16:rowId xmlns:a16="http://schemas.microsoft.com/office/drawing/2014/main" xmlns="" val="10000"/>
                   </a:ext>
                 </a:extLst>
               </a:tr>
@@ -8938,7 +8938,7 @@
                 </a:tc>
                 <a:extLst>
                   <a:ext uri="{0D108BD9-81ED-4DB2-BD59-A6C34878D82A}">
-                    <a16:rowId xmlns="" xmlns:a16="http://schemas.microsoft.com/office/drawing/2014/main" val="10001"/>
+                    <a16:rowId xmlns:a16="http://schemas.microsoft.com/office/drawing/2014/main" xmlns="" val="10001"/>
                   </a:ext>
                 </a:extLst>
               </a:tr>
@@ -9028,7 +9028,7 @@
                 </a:tc>
                 <a:extLst>
                   <a:ext uri="{0D108BD9-81ED-4DB2-BD59-A6C34878D82A}">
-                    <a16:rowId xmlns="" xmlns:a16="http://schemas.microsoft.com/office/drawing/2014/main" val="10002"/>
+                    <a16:rowId xmlns:a16="http://schemas.microsoft.com/office/drawing/2014/main" xmlns="" val="10002"/>
                   </a:ext>
                 </a:extLst>
               </a:tr>
@@ -9144,7 +9144,7 @@
                 <a:gridCol w="4536504">
                   <a:extLst>
                     <a:ext uri="{9D8B030D-6E8A-4147-A177-3AD203B41FA5}">
-                      <a16:colId xmlns="" xmlns:a16="http://schemas.microsoft.com/office/drawing/2014/main" val="20000"/>
+                      <a16:colId xmlns:a16="http://schemas.microsoft.com/office/drawing/2014/main" xmlns="" val="20000"/>
                     </a:ext>
                   </a:extLst>
                 </a:gridCol>
@@ -9187,7 +9187,7 @@
                 </a:tc>
                 <a:extLst>
                   <a:ext uri="{0D108BD9-81ED-4DB2-BD59-A6C34878D82A}">
-                    <a16:rowId xmlns="" xmlns:a16="http://schemas.microsoft.com/office/drawing/2014/main" val="10000"/>
+                    <a16:rowId xmlns:a16="http://schemas.microsoft.com/office/drawing/2014/main" xmlns="" val="10000"/>
                   </a:ext>
                 </a:extLst>
               </a:tr>
@@ -9317,7 +9317,7 @@
                 </a:tc>
                 <a:extLst>
                   <a:ext uri="{0D108BD9-81ED-4DB2-BD59-A6C34878D82A}">
-                    <a16:rowId xmlns="" xmlns:a16="http://schemas.microsoft.com/office/drawing/2014/main" val="10001"/>
+                    <a16:rowId xmlns:a16="http://schemas.microsoft.com/office/drawing/2014/main" xmlns="" val="10001"/>
                   </a:ext>
                 </a:extLst>
               </a:tr>
@@ -9863,7 +9863,7 @@
                 </a:tc>
                 <a:extLst>
                   <a:ext uri="{0D108BD9-81ED-4DB2-BD59-A6C34878D82A}">
-                    <a16:rowId xmlns="" xmlns:a16="http://schemas.microsoft.com/office/drawing/2014/main" val="10002"/>
+                    <a16:rowId xmlns:a16="http://schemas.microsoft.com/office/drawing/2014/main" xmlns="" val="10002"/>
                   </a:ext>
                 </a:extLst>
               </a:tr>
@@ -9979,7 +9979,7 @@
                 <a:gridCol w="4536504">
                   <a:extLst>
                     <a:ext uri="{9D8B030D-6E8A-4147-A177-3AD203B41FA5}">
-                      <a16:colId xmlns="" xmlns:a16="http://schemas.microsoft.com/office/drawing/2014/main" val="20000"/>
+                      <a16:colId xmlns:a16="http://schemas.microsoft.com/office/drawing/2014/main" xmlns="" val="20000"/>
                     </a:ext>
                   </a:extLst>
                 </a:gridCol>
@@ -10022,7 +10022,7 @@
                 </a:tc>
                 <a:extLst>
                   <a:ext uri="{0D108BD9-81ED-4DB2-BD59-A6C34878D82A}">
-                    <a16:rowId xmlns="" xmlns:a16="http://schemas.microsoft.com/office/drawing/2014/main" val="10000"/>
+                    <a16:rowId xmlns:a16="http://schemas.microsoft.com/office/drawing/2014/main" xmlns="" val="10000"/>
                   </a:ext>
                 </a:extLst>
               </a:tr>
@@ -10145,7 +10145,7 @@
                 </a:tc>
                 <a:extLst>
                   <a:ext uri="{0D108BD9-81ED-4DB2-BD59-A6C34878D82A}">
-                    <a16:rowId xmlns="" xmlns:a16="http://schemas.microsoft.com/office/drawing/2014/main" val="10001"/>
+                    <a16:rowId xmlns:a16="http://schemas.microsoft.com/office/drawing/2014/main" xmlns="" val="10001"/>
                   </a:ext>
                 </a:extLst>
               </a:tr>
@@ -10749,7 +10749,7 @@
                 </a:tc>
                 <a:extLst>
                   <a:ext uri="{0D108BD9-81ED-4DB2-BD59-A6C34878D82A}">
-                    <a16:rowId xmlns="" xmlns:a16="http://schemas.microsoft.com/office/drawing/2014/main" val="10002"/>
+                    <a16:rowId xmlns:a16="http://schemas.microsoft.com/office/drawing/2014/main" xmlns="" val="10002"/>
                   </a:ext>
                 </a:extLst>
               </a:tr>
@@ -10897,7 +10897,7 @@
                 <a:gridCol w="4660147">
                   <a:extLst>
                     <a:ext uri="{9D8B030D-6E8A-4147-A177-3AD203B41FA5}">
-                      <a16:colId xmlns:a16="http://schemas.microsoft.com/office/drawing/2014/main" xmlns="" val="20000"/>
+                      <a16:colId xmlns="" xmlns:a16="http://schemas.microsoft.com/office/drawing/2014/main" val="20000"/>
                     </a:ext>
                   </a:extLst>
                 </a:gridCol>
@@ -10969,7 +10969,7 @@
                 </a:tc>
                 <a:extLst>
                   <a:ext uri="{0D108BD9-81ED-4DB2-BD59-A6C34878D82A}">
-                    <a16:rowId xmlns:a16="http://schemas.microsoft.com/office/drawing/2014/main" xmlns="" val="10000"/>
+                    <a16:rowId xmlns="" xmlns:a16="http://schemas.microsoft.com/office/drawing/2014/main" val="10000"/>
                   </a:ext>
                 </a:extLst>
               </a:tr>
@@ -11375,7 +11375,7 @@
                 </a:tc>
                 <a:extLst>
                   <a:ext uri="{0D108BD9-81ED-4DB2-BD59-A6C34878D82A}">
-                    <a16:rowId xmlns:a16="http://schemas.microsoft.com/office/drawing/2014/main" xmlns="" val="10001"/>
+                    <a16:rowId xmlns="" xmlns:a16="http://schemas.microsoft.com/office/drawing/2014/main" val="10001"/>
                   </a:ext>
                 </a:extLst>
               </a:tr>
@@ -11707,7 +11707,7 @@
                 </a:tc>
                 <a:extLst>
                   <a:ext uri="{0D108BD9-81ED-4DB2-BD59-A6C34878D82A}">
-                    <a16:rowId xmlns:a16="http://schemas.microsoft.com/office/drawing/2014/main" xmlns="" val="10002"/>
+                    <a16:rowId xmlns="" xmlns:a16="http://schemas.microsoft.com/office/drawing/2014/main" val="10002"/>
                   </a:ext>
                 </a:extLst>
               </a:tr>
@@ -11737,21 +11737,21 @@
                 <a:gridCol w="1311509">
                   <a:extLst>
                     <a:ext uri="{9D8B030D-6E8A-4147-A177-3AD203B41FA5}">
-                      <a16:colId xmlns:a16="http://schemas.microsoft.com/office/drawing/2014/main" xmlns="" val="20000"/>
+                      <a16:colId xmlns="" xmlns:a16="http://schemas.microsoft.com/office/drawing/2014/main" val="20000"/>
                     </a:ext>
                   </a:extLst>
                 </a:gridCol>
                 <a:gridCol w="1311509">
                   <a:extLst>
                     <a:ext uri="{9D8B030D-6E8A-4147-A177-3AD203B41FA5}">
-                      <a16:colId xmlns:a16="http://schemas.microsoft.com/office/drawing/2014/main" xmlns="" val="20001"/>
+                      <a16:colId xmlns="" xmlns:a16="http://schemas.microsoft.com/office/drawing/2014/main" val="20001"/>
                     </a:ext>
                   </a:extLst>
                 </a:gridCol>
                 <a:gridCol w="1071454">
                   <a:extLst>
                     <a:ext uri="{9D8B030D-6E8A-4147-A177-3AD203B41FA5}">
-                      <a16:colId xmlns:a16="http://schemas.microsoft.com/office/drawing/2014/main" xmlns="" val="20003"/>
+                      <a16:colId xmlns="" xmlns:a16="http://schemas.microsoft.com/office/drawing/2014/main" val="20003"/>
                     </a:ext>
                   </a:extLst>
                 </a:gridCol>
@@ -11957,7 +11957,7 @@
                 </a:tc>
                 <a:extLst>
                   <a:ext uri="{0D108BD9-81ED-4DB2-BD59-A6C34878D82A}">
-                    <a16:rowId xmlns:a16="http://schemas.microsoft.com/office/drawing/2014/main" xmlns="" val="10000"/>
+                    <a16:rowId xmlns="" xmlns:a16="http://schemas.microsoft.com/office/drawing/2014/main" val="10000"/>
                   </a:ext>
                 </a:extLst>
               </a:tr>
@@ -12184,7 +12184,7 @@
                 </a:tc>
                 <a:extLst>
                   <a:ext uri="{0D108BD9-81ED-4DB2-BD59-A6C34878D82A}">
-                    <a16:rowId xmlns:a16="http://schemas.microsoft.com/office/drawing/2014/main" xmlns="" val="10001"/>
+                    <a16:rowId xmlns="" xmlns:a16="http://schemas.microsoft.com/office/drawing/2014/main" val="10001"/>
                   </a:ext>
                 </a:extLst>
               </a:tr>
@@ -12358,7 +12358,7 @@
                 </a:tc>
                 <a:extLst>
                   <a:ext uri="{0D108BD9-81ED-4DB2-BD59-A6C34878D82A}">
-                    <a16:rowId xmlns:a16="http://schemas.microsoft.com/office/drawing/2014/main" xmlns="" val="10003"/>
+                    <a16:rowId xmlns="" xmlns:a16="http://schemas.microsoft.com/office/drawing/2014/main" val="10003"/>
                   </a:ext>
                 </a:extLst>
               </a:tr>
@@ -12369,7 +12369,7 @@
     </p:spTree>
     <p:extLst>
       <p:ext uri="{BB962C8B-B14F-4D97-AF65-F5344CB8AC3E}">
-        <p14:creationId xmlns:p14="http://schemas.microsoft.com/office/powerpoint/2010/main" xmlns="" val="2454226304"/>
+        <p14:creationId xmlns:p14="http://schemas.microsoft.com/office/powerpoint/2010/main" val="2454226304"/>
       </p:ext>
     </p:extLst>
   </p:cSld>
@@ -13274,21 +13274,21 @@
                 <a:gridCol w="814948">
                   <a:extLst>
                     <a:ext uri="{9D8B030D-6E8A-4147-A177-3AD203B41FA5}">
-                      <a16:colId xmlns="" xmlns:a16="http://schemas.microsoft.com/office/drawing/2014/main" val="20000"/>
+                      <a16:colId xmlns:a16="http://schemas.microsoft.com/office/drawing/2014/main" xmlns="" val="20000"/>
                     </a:ext>
                   </a:extLst>
                 </a:gridCol>
                 <a:gridCol w="1151900">
                   <a:extLst>
                     <a:ext uri="{9D8B030D-6E8A-4147-A177-3AD203B41FA5}">
-                      <a16:colId xmlns="" xmlns:a16="http://schemas.microsoft.com/office/drawing/2014/main" val="20001"/>
+                      <a16:colId xmlns:a16="http://schemas.microsoft.com/office/drawing/2014/main" xmlns="" val="20001"/>
                     </a:ext>
                   </a:extLst>
                 </a:gridCol>
                 <a:gridCol w="969728">
                   <a:extLst>
                     <a:ext uri="{9D8B030D-6E8A-4147-A177-3AD203B41FA5}">
-                      <a16:colId xmlns="" xmlns:a16="http://schemas.microsoft.com/office/drawing/2014/main" val="20003"/>
+                      <a16:colId xmlns:a16="http://schemas.microsoft.com/office/drawing/2014/main" xmlns="" val="20003"/>
                     </a:ext>
                   </a:extLst>
                 </a:gridCol>
@@ -13619,7 +13619,7 @@
                 </a:tc>
                 <a:extLst>
                   <a:ext uri="{0D108BD9-81ED-4DB2-BD59-A6C34878D82A}">
-                    <a16:rowId xmlns="" xmlns:a16="http://schemas.microsoft.com/office/drawing/2014/main" val="10000"/>
+                    <a16:rowId xmlns:a16="http://schemas.microsoft.com/office/drawing/2014/main" xmlns="" val="10000"/>
                   </a:ext>
                 </a:extLst>
               </a:tr>
@@ -14066,7 +14066,7 @@
                 </a:tc>
                 <a:extLst>
                   <a:ext uri="{0D108BD9-81ED-4DB2-BD59-A6C34878D82A}">
-                    <a16:rowId xmlns="" xmlns:a16="http://schemas.microsoft.com/office/drawing/2014/main" val="10001"/>
+                    <a16:rowId xmlns:a16="http://schemas.microsoft.com/office/drawing/2014/main" xmlns="" val="10001"/>
                   </a:ext>
                 </a:extLst>
               </a:tr>
@@ -14439,7 +14439,7 @@
                 </a:tc>
                 <a:extLst>
                   <a:ext uri="{0D108BD9-81ED-4DB2-BD59-A6C34878D82A}">
-                    <a16:rowId xmlns="" xmlns:a16="http://schemas.microsoft.com/office/drawing/2014/main" val="10003"/>
+                    <a16:rowId xmlns:a16="http://schemas.microsoft.com/office/drawing/2014/main" xmlns="" val="10003"/>
                   </a:ext>
                 </a:extLst>
               </a:tr>
@@ -17311,21 +17311,21 @@
                 <a:gridCol w="953717">
                   <a:extLst>
                     <a:ext uri="{9D8B030D-6E8A-4147-A177-3AD203B41FA5}">
-                      <a16:colId xmlns="" xmlns:a16="http://schemas.microsoft.com/office/drawing/2014/main" val="20000"/>
+                      <a16:colId xmlns:a16="http://schemas.microsoft.com/office/drawing/2014/main" xmlns="" val="20000"/>
                     </a:ext>
                   </a:extLst>
                 </a:gridCol>
                 <a:gridCol w="1059902">
                   <a:extLst>
                     <a:ext uri="{9D8B030D-6E8A-4147-A177-3AD203B41FA5}">
-                      <a16:colId xmlns="" xmlns:a16="http://schemas.microsoft.com/office/drawing/2014/main" val="20001"/>
+                      <a16:colId xmlns:a16="http://schemas.microsoft.com/office/drawing/2014/main" xmlns="" val="20001"/>
                     </a:ext>
                   </a:extLst>
                 </a:gridCol>
                 <a:gridCol w="738130">
                   <a:extLst>
                     <a:ext uri="{9D8B030D-6E8A-4147-A177-3AD203B41FA5}">
-                      <a16:colId xmlns="" xmlns:a16="http://schemas.microsoft.com/office/drawing/2014/main" val="20003"/>
+                      <a16:colId xmlns:a16="http://schemas.microsoft.com/office/drawing/2014/main" xmlns="" val="20003"/>
                     </a:ext>
                   </a:extLst>
                 </a:gridCol>
@@ -17546,7 +17546,7 @@
                 </a:tc>
                 <a:extLst>
                   <a:ext uri="{0D108BD9-81ED-4DB2-BD59-A6C34878D82A}">
-                    <a16:rowId xmlns="" xmlns:a16="http://schemas.microsoft.com/office/drawing/2014/main" val="10000"/>
+                    <a16:rowId xmlns:a16="http://schemas.microsoft.com/office/drawing/2014/main" xmlns="" val="10000"/>
                   </a:ext>
                 </a:extLst>
               </a:tr>
@@ -17708,7 +17708,7 @@
                 </a:tc>
                 <a:extLst>
                   <a:ext uri="{0D108BD9-81ED-4DB2-BD59-A6C34878D82A}">
-                    <a16:rowId xmlns="" xmlns:a16="http://schemas.microsoft.com/office/drawing/2014/main" val="10001"/>
+                    <a16:rowId xmlns:a16="http://schemas.microsoft.com/office/drawing/2014/main" xmlns="" val="10001"/>
                   </a:ext>
                 </a:extLst>
               </a:tr>
@@ -17934,7 +17934,7 @@
                 </a:tc>
                 <a:extLst>
                   <a:ext uri="{0D108BD9-81ED-4DB2-BD59-A6C34878D82A}">
-                    <a16:rowId xmlns="" xmlns:a16="http://schemas.microsoft.com/office/drawing/2014/main" val="10003"/>
+                    <a16:rowId xmlns:a16="http://schemas.microsoft.com/office/drawing/2014/main" xmlns="" val="10003"/>
                   </a:ext>
                 </a:extLst>
               </a:tr>
@@ -18035,7 +18035,7 @@
                 </a:tc>
                 <a:extLst>
                   <a:ext uri="{0D108BD9-81ED-4DB2-BD59-A6C34878D82A}">
-                    <a16:rowId xmlns="" xmlns:a16="http://schemas.microsoft.com/office/drawing/2014/main" val="10004"/>
+                    <a16:rowId xmlns:a16="http://schemas.microsoft.com/office/drawing/2014/main" xmlns="" val="10004"/>
                   </a:ext>
                 </a:extLst>
               </a:tr>
@@ -18136,7 +18136,7 @@
                 </a:tc>
                 <a:extLst>
                   <a:ext uri="{0D108BD9-81ED-4DB2-BD59-A6C34878D82A}">
-                    <a16:rowId xmlns="" xmlns:a16="http://schemas.microsoft.com/office/drawing/2014/main" val="10005"/>
+                    <a16:rowId xmlns:a16="http://schemas.microsoft.com/office/drawing/2014/main" xmlns="" val="10005"/>
                   </a:ext>
                 </a:extLst>
               </a:tr>
@@ -18250,21 +18250,21 @@
                 <a:gridCol w="919823">
                   <a:extLst>
                     <a:ext uri="{9D8B030D-6E8A-4147-A177-3AD203B41FA5}">
-                      <a16:colId xmlns="" xmlns:a16="http://schemas.microsoft.com/office/drawing/2014/main" val="20000"/>
+                      <a16:colId xmlns:a16="http://schemas.microsoft.com/office/drawing/2014/main" xmlns="" val="20000"/>
                     </a:ext>
                   </a:extLst>
                 </a:gridCol>
                 <a:gridCol w="1093796">
                   <a:extLst>
                     <a:ext uri="{9D8B030D-6E8A-4147-A177-3AD203B41FA5}">
-                      <a16:colId xmlns="" xmlns:a16="http://schemas.microsoft.com/office/drawing/2014/main" val="20001"/>
+                      <a16:colId xmlns:a16="http://schemas.microsoft.com/office/drawing/2014/main" xmlns="" val="20001"/>
                     </a:ext>
                   </a:extLst>
                 </a:gridCol>
                 <a:gridCol w="738130">
                   <a:extLst>
                     <a:ext uri="{9D8B030D-6E8A-4147-A177-3AD203B41FA5}">
-                      <a16:colId xmlns="" xmlns:a16="http://schemas.microsoft.com/office/drawing/2014/main" val="20003"/>
+                      <a16:colId xmlns:a16="http://schemas.microsoft.com/office/drawing/2014/main" xmlns="" val="20003"/>
                     </a:ext>
                   </a:extLst>
                 </a:gridCol>
@@ -18485,7 +18485,7 @@
                 </a:tc>
                 <a:extLst>
                   <a:ext uri="{0D108BD9-81ED-4DB2-BD59-A6C34878D82A}">
-                    <a16:rowId xmlns="" xmlns:a16="http://schemas.microsoft.com/office/drawing/2014/main" val="10000"/>
+                    <a16:rowId xmlns:a16="http://schemas.microsoft.com/office/drawing/2014/main" xmlns="" val="10000"/>
                   </a:ext>
                 </a:extLst>
               </a:tr>
@@ -18647,7 +18647,7 @@
                 </a:tc>
                 <a:extLst>
                   <a:ext uri="{0D108BD9-81ED-4DB2-BD59-A6C34878D82A}">
-                    <a16:rowId xmlns="" xmlns:a16="http://schemas.microsoft.com/office/drawing/2014/main" val="10001"/>
+                    <a16:rowId xmlns:a16="http://schemas.microsoft.com/office/drawing/2014/main" xmlns="" val="10001"/>
                   </a:ext>
                 </a:extLst>
               </a:tr>
@@ -18873,7 +18873,7 @@
                 </a:tc>
                 <a:extLst>
                   <a:ext uri="{0D108BD9-81ED-4DB2-BD59-A6C34878D82A}">
-                    <a16:rowId xmlns="" xmlns:a16="http://schemas.microsoft.com/office/drawing/2014/main" val="10003"/>
+                    <a16:rowId xmlns:a16="http://schemas.microsoft.com/office/drawing/2014/main" xmlns="" val="10003"/>
                   </a:ext>
                 </a:extLst>
               </a:tr>
@@ -18974,7 +18974,7 @@
                 </a:tc>
                 <a:extLst>
                   <a:ext uri="{0D108BD9-81ED-4DB2-BD59-A6C34878D82A}">
-                    <a16:rowId xmlns="" xmlns:a16="http://schemas.microsoft.com/office/drawing/2014/main" val="10004"/>
+                    <a16:rowId xmlns:a16="http://schemas.microsoft.com/office/drawing/2014/main" xmlns="" val="10004"/>
                   </a:ext>
                 </a:extLst>
               </a:tr>
@@ -19075,7 +19075,7 @@
                 </a:tc>
                 <a:extLst>
                   <a:ext uri="{0D108BD9-81ED-4DB2-BD59-A6C34878D82A}">
-                    <a16:rowId xmlns="" xmlns:a16="http://schemas.microsoft.com/office/drawing/2014/main" val="10005"/>
+                    <a16:rowId xmlns:a16="http://schemas.microsoft.com/office/drawing/2014/main" xmlns="" val="10005"/>
                   </a:ext>
                 </a:extLst>
               </a:tr>
@@ -21400,7 +21400,7 @@
                 <a:gridCol w="4536504">
                   <a:extLst>
                     <a:ext uri="{9D8B030D-6E8A-4147-A177-3AD203B41FA5}">
-                      <a16:colId xmlns="" xmlns:a16="http://schemas.microsoft.com/office/drawing/2014/main" val="20000"/>
+                      <a16:colId xmlns:a16="http://schemas.microsoft.com/office/drawing/2014/main" xmlns="" val="20000"/>
                     </a:ext>
                   </a:extLst>
                 </a:gridCol>
@@ -21443,7 +21443,7 @@
                 </a:tc>
                 <a:extLst>
                   <a:ext uri="{0D108BD9-81ED-4DB2-BD59-A6C34878D82A}">
-                    <a16:rowId xmlns="" xmlns:a16="http://schemas.microsoft.com/office/drawing/2014/main" val="10000"/>
+                    <a16:rowId xmlns:a16="http://schemas.microsoft.com/office/drawing/2014/main" xmlns="" val="10000"/>
                   </a:ext>
                 </a:extLst>
               </a:tr>
@@ -21713,7 +21713,7 @@
                 </a:tc>
                 <a:extLst>
                   <a:ext uri="{0D108BD9-81ED-4DB2-BD59-A6C34878D82A}">
-                    <a16:rowId xmlns="" xmlns:a16="http://schemas.microsoft.com/office/drawing/2014/main" val="10001"/>
+                    <a16:rowId xmlns:a16="http://schemas.microsoft.com/office/drawing/2014/main" xmlns="" val="10001"/>
                   </a:ext>
                 </a:extLst>
               </a:tr>
@@ -21788,7 +21788,7 @@
                 </a:tc>
                 <a:extLst>
                   <a:ext uri="{0D108BD9-81ED-4DB2-BD59-A6C34878D82A}">
-                    <a16:rowId xmlns="" xmlns:a16="http://schemas.microsoft.com/office/drawing/2014/main" val="10002"/>
+                    <a16:rowId xmlns:a16="http://schemas.microsoft.com/office/drawing/2014/main" xmlns="" val="10002"/>
                   </a:ext>
                 </a:extLst>
               </a:tr>
@@ -21816,14 +21816,14 @@
                 <a:gridCol w="1266921">
                   <a:extLst>
                     <a:ext uri="{9D8B030D-6E8A-4147-A177-3AD203B41FA5}">
-                      <a16:colId xmlns="" xmlns:a16="http://schemas.microsoft.com/office/drawing/2014/main" val="20000"/>
+                      <a16:colId xmlns:a16="http://schemas.microsoft.com/office/drawing/2014/main" xmlns="" val="20000"/>
                     </a:ext>
                   </a:extLst>
                 </a:gridCol>
                 <a:gridCol w="944523">
                   <a:extLst>
                     <a:ext uri="{9D8B030D-6E8A-4147-A177-3AD203B41FA5}">
-                      <a16:colId xmlns="" xmlns:a16="http://schemas.microsoft.com/office/drawing/2014/main" val="20002"/>
+                      <a16:colId xmlns:a16="http://schemas.microsoft.com/office/drawing/2014/main" xmlns="" val="20002"/>
                     </a:ext>
                   </a:extLst>
                 </a:gridCol>
@@ -21969,7 +21969,7 @@
                 </a:tc>
                 <a:extLst>
                   <a:ext uri="{0D108BD9-81ED-4DB2-BD59-A6C34878D82A}">
-                    <a16:rowId xmlns="" xmlns:a16="http://schemas.microsoft.com/office/drawing/2014/main" val="10000"/>
+                    <a16:rowId xmlns:a16="http://schemas.microsoft.com/office/drawing/2014/main" xmlns="" val="10000"/>
                   </a:ext>
                 </a:extLst>
               </a:tr>
@@ -22059,7 +22059,7 @@
                 </a:tc>
                 <a:extLst>
                   <a:ext uri="{0D108BD9-81ED-4DB2-BD59-A6C34878D82A}">
-                    <a16:rowId xmlns="" xmlns:a16="http://schemas.microsoft.com/office/drawing/2014/main" val="10001"/>
+                    <a16:rowId xmlns:a16="http://schemas.microsoft.com/office/drawing/2014/main" xmlns="" val="10001"/>
                   </a:ext>
                 </a:extLst>
               </a:tr>
@@ -22149,7 +22149,7 @@
                 </a:tc>
                 <a:extLst>
                   <a:ext uri="{0D108BD9-81ED-4DB2-BD59-A6C34878D82A}">
-                    <a16:rowId xmlns="" xmlns:a16="http://schemas.microsoft.com/office/drawing/2014/main" val="10002"/>
+                    <a16:rowId xmlns:a16="http://schemas.microsoft.com/office/drawing/2014/main" xmlns="" val="10002"/>
                   </a:ext>
                 </a:extLst>
               </a:tr>
@@ -22265,7 +22265,7 @@
                 <a:gridCol w="4536504">
                   <a:extLst>
                     <a:ext uri="{9D8B030D-6E8A-4147-A177-3AD203B41FA5}">
-                      <a16:colId xmlns="" xmlns:a16="http://schemas.microsoft.com/office/drawing/2014/main" val="20000"/>
+                      <a16:colId xmlns:a16="http://schemas.microsoft.com/office/drawing/2014/main" xmlns="" val="20000"/>
                     </a:ext>
                   </a:extLst>
                 </a:gridCol>
@@ -22308,7 +22308,7 @@
                 </a:tc>
                 <a:extLst>
                   <a:ext uri="{0D108BD9-81ED-4DB2-BD59-A6C34878D82A}">
-                    <a16:rowId xmlns="" xmlns:a16="http://schemas.microsoft.com/office/drawing/2014/main" val="10000"/>
+                    <a16:rowId xmlns:a16="http://schemas.microsoft.com/office/drawing/2014/main" xmlns="" val="10000"/>
                   </a:ext>
                 </a:extLst>
               </a:tr>
@@ -22430,7 +22430,7 @@
                 </a:tc>
                 <a:extLst>
                   <a:ext uri="{0D108BD9-81ED-4DB2-BD59-A6C34878D82A}">
-                    <a16:rowId xmlns="" xmlns:a16="http://schemas.microsoft.com/office/drawing/2014/main" val="10001"/>
+                    <a16:rowId xmlns:a16="http://schemas.microsoft.com/office/drawing/2014/main" xmlns="" val="10001"/>
                   </a:ext>
                 </a:extLst>
               </a:tr>
@@ -22954,7 +22954,7 @@
                 </a:tc>
                 <a:extLst>
                   <a:ext uri="{0D108BD9-81ED-4DB2-BD59-A6C34878D82A}">
-                    <a16:rowId xmlns="" xmlns:a16="http://schemas.microsoft.com/office/drawing/2014/main" val="10002"/>
+                    <a16:rowId xmlns:a16="http://schemas.microsoft.com/office/drawing/2014/main" xmlns="" val="10002"/>
                   </a:ext>
                 </a:extLst>
               </a:tr>
@@ -23074,7 +23074,7 @@
             <p:ph idx="1"/>
             <p:extLst>
               <p:ext uri="{D42A27DB-BD31-4B8C-83A1-F6EECF244321}">
-                <p14:modId xmlns="" xmlns:p14="http://schemas.microsoft.com/office/powerpoint/2010/main" val="1913533908"/>
+                <p14:modId xmlns:p14="http://schemas.microsoft.com/office/powerpoint/2010/main" val="1913533908"/>
               </p:ext>
             </p:extLst>
           </p:nvPr>
@@ -23093,28 +23093,28 @@
                 <a:gridCol w="2145506">
                   <a:extLst>
                     <a:ext uri="{9D8B030D-6E8A-4147-A177-3AD203B41FA5}">
-                      <a16:colId xmlns="" xmlns:a16="http://schemas.microsoft.com/office/drawing/2014/main" val="20000"/>
+                      <a16:colId xmlns:a16="http://schemas.microsoft.com/office/drawing/2014/main" xmlns="" val="20000"/>
                     </a:ext>
                   </a:extLst>
                 </a:gridCol>
                 <a:gridCol w="2145506">
                   <a:extLst>
                     <a:ext uri="{9D8B030D-6E8A-4147-A177-3AD203B41FA5}">
-                      <a16:colId xmlns="" xmlns:a16="http://schemas.microsoft.com/office/drawing/2014/main" val="20001"/>
+                      <a16:colId xmlns:a16="http://schemas.microsoft.com/office/drawing/2014/main" xmlns="" val="20001"/>
                     </a:ext>
                   </a:extLst>
                 </a:gridCol>
                 <a:gridCol w="2145506">
                   <a:extLst>
                     <a:ext uri="{9D8B030D-6E8A-4147-A177-3AD203B41FA5}">
-                      <a16:colId xmlns="" xmlns:a16="http://schemas.microsoft.com/office/drawing/2014/main" val="20002"/>
+                      <a16:colId xmlns:a16="http://schemas.microsoft.com/office/drawing/2014/main" xmlns="" val="20002"/>
                     </a:ext>
                   </a:extLst>
                 </a:gridCol>
                 <a:gridCol w="2145506">
                   <a:extLst>
                     <a:ext uri="{9D8B030D-6E8A-4147-A177-3AD203B41FA5}">
-                      <a16:colId xmlns="" xmlns:a16="http://schemas.microsoft.com/office/drawing/2014/main" val="20003"/>
+                      <a16:colId xmlns:a16="http://schemas.microsoft.com/office/drawing/2014/main" xmlns="" val="20003"/>
                     </a:ext>
                   </a:extLst>
                 </a:gridCol>
@@ -23242,7 +23242,7 @@
                 </a:tc>
                 <a:extLst>
                   <a:ext uri="{0D108BD9-81ED-4DB2-BD59-A6C34878D82A}">
-                    <a16:rowId xmlns="" xmlns:a16="http://schemas.microsoft.com/office/drawing/2014/main" val="10000"/>
+                    <a16:rowId xmlns:a16="http://schemas.microsoft.com/office/drawing/2014/main" xmlns="" val="10000"/>
                   </a:ext>
                 </a:extLst>
               </a:tr>
@@ -23403,7 +23403,7 @@
                 </a:tc>
                 <a:extLst>
                   <a:ext uri="{0D108BD9-81ED-4DB2-BD59-A6C34878D82A}">
-                    <a16:rowId xmlns="" xmlns:a16="http://schemas.microsoft.com/office/drawing/2014/main" val="10001"/>
+                    <a16:rowId xmlns:a16="http://schemas.microsoft.com/office/drawing/2014/main" xmlns="" val="10001"/>
                   </a:ext>
                 </a:extLst>
               </a:tr>
@@ -23554,7 +23554,7 @@
                 </a:tc>
                 <a:extLst>
                   <a:ext uri="{0D108BD9-81ED-4DB2-BD59-A6C34878D82A}">
-                    <a16:rowId xmlns="" xmlns:a16="http://schemas.microsoft.com/office/drawing/2014/main" val="10002"/>
+                    <a16:rowId xmlns:a16="http://schemas.microsoft.com/office/drawing/2014/main" xmlns="" val="10002"/>
                   </a:ext>
                 </a:extLst>
               </a:tr>
@@ -23785,7 +23785,7 @@
                 </a:tc>
                 <a:extLst>
                   <a:ext uri="{0D108BD9-81ED-4DB2-BD59-A6C34878D82A}">
-                    <a16:rowId xmlns="" xmlns:a16="http://schemas.microsoft.com/office/drawing/2014/main" val="10003"/>
+                    <a16:rowId xmlns:a16="http://schemas.microsoft.com/office/drawing/2014/main" xmlns="" val="10003"/>
                   </a:ext>
                 </a:extLst>
               </a:tr>
@@ -23976,7 +23976,7 @@
                 </a:tc>
                 <a:extLst>
                   <a:ext uri="{0D108BD9-81ED-4DB2-BD59-A6C34878D82A}">
-                    <a16:rowId xmlns="" xmlns:a16="http://schemas.microsoft.com/office/drawing/2014/main" val="10004"/>
+                    <a16:rowId xmlns:a16="http://schemas.microsoft.com/office/drawing/2014/main" xmlns="" val="10004"/>
                   </a:ext>
                 </a:extLst>
               </a:tr>
@@ -24137,7 +24137,7 @@
                 </a:tc>
                 <a:extLst>
                   <a:ext uri="{0D108BD9-81ED-4DB2-BD59-A6C34878D82A}">
-                    <a16:rowId xmlns="" xmlns:a16="http://schemas.microsoft.com/office/drawing/2014/main" val="10005"/>
+                    <a16:rowId xmlns:a16="http://schemas.microsoft.com/office/drawing/2014/main" xmlns="" val="10005"/>
                   </a:ext>
                 </a:extLst>
               </a:tr>
@@ -24308,7 +24308,7 @@
                 </a:tc>
                 <a:extLst>
                   <a:ext uri="{0D108BD9-81ED-4DB2-BD59-A6C34878D82A}">
-                    <a16:rowId xmlns="" xmlns:a16="http://schemas.microsoft.com/office/drawing/2014/main" val="10006"/>
+                    <a16:rowId xmlns:a16="http://schemas.microsoft.com/office/drawing/2014/main" xmlns="" val="10006"/>
                   </a:ext>
                 </a:extLst>
               </a:tr>
@@ -24489,7 +24489,7 @@
                 </a:tc>
                 <a:extLst>
                   <a:ext uri="{0D108BD9-81ED-4DB2-BD59-A6C34878D82A}">
-                    <a16:rowId xmlns="" xmlns:a16="http://schemas.microsoft.com/office/drawing/2014/main" val="10007"/>
+                    <a16:rowId xmlns:a16="http://schemas.microsoft.com/office/drawing/2014/main" xmlns="" val="10007"/>
                   </a:ext>
                 </a:extLst>
               </a:tr>
@@ -24575,7 +24575,7 @@
                 <a:gridCol w="4536504">
                   <a:extLst>
                     <a:ext uri="{9D8B030D-6E8A-4147-A177-3AD203B41FA5}">
-                      <a16:colId xmlns="" xmlns:a16="http://schemas.microsoft.com/office/drawing/2014/main" val="20000"/>
+                      <a16:colId xmlns:a16="http://schemas.microsoft.com/office/drawing/2014/main" xmlns="" val="20000"/>
                     </a:ext>
                   </a:extLst>
                 </a:gridCol>
@@ -24618,7 +24618,7 @@
                 </a:tc>
                 <a:extLst>
                   <a:ext uri="{0D108BD9-81ED-4DB2-BD59-A6C34878D82A}">
-                    <a16:rowId xmlns="" xmlns:a16="http://schemas.microsoft.com/office/drawing/2014/main" val="10000"/>
+                    <a16:rowId xmlns:a16="http://schemas.microsoft.com/office/drawing/2014/main" xmlns="" val="10000"/>
                   </a:ext>
                 </a:extLst>
               </a:tr>
@@ -24738,7 +24738,7 @@
                 </a:tc>
                 <a:extLst>
                   <a:ext uri="{0D108BD9-81ED-4DB2-BD59-A6C34878D82A}">
-                    <a16:rowId xmlns="" xmlns:a16="http://schemas.microsoft.com/office/drawing/2014/main" val="10001"/>
+                    <a16:rowId xmlns:a16="http://schemas.microsoft.com/office/drawing/2014/main" xmlns="" val="10001"/>
                   </a:ext>
                 </a:extLst>
               </a:tr>
@@ -25225,7 +25225,7 @@
                 </a:tc>
                 <a:extLst>
                   <a:ext uri="{0D108BD9-81ED-4DB2-BD59-A6C34878D82A}">
-                    <a16:rowId xmlns="" xmlns:a16="http://schemas.microsoft.com/office/drawing/2014/main" val="10002"/>
+                    <a16:rowId xmlns:a16="http://schemas.microsoft.com/office/drawing/2014/main" xmlns="" val="10002"/>
                   </a:ext>
                 </a:extLst>
               </a:tr>
@@ -25366,7 +25366,7 @@
                 <a:gridCol w="4660147">
                   <a:extLst>
                     <a:ext uri="{9D8B030D-6E8A-4147-A177-3AD203B41FA5}">
-                      <a16:colId xmlns:a16="http://schemas.microsoft.com/office/drawing/2014/main" xmlns="" val="20000"/>
+                      <a16:colId xmlns="" xmlns:a16="http://schemas.microsoft.com/office/drawing/2014/main" val="20000"/>
                     </a:ext>
                   </a:extLst>
                 </a:gridCol>
@@ -25438,7 +25438,7 @@
                 </a:tc>
                 <a:extLst>
                   <a:ext uri="{0D108BD9-81ED-4DB2-BD59-A6C34878D82A}">
-                    <a16:rowId xmlns:a16="http://schemas.microsoft.com/office/drawing/2014/main" xmlns="" val="10000"/>
+                    <a16:rowId xmlns="" xmlns:a16="http://schemas.microsoft.com/office/drawing/2014/main" val="10000"/>
                   </a:ext>
                 </a:extLst>
               </a:tr>
@@ -26049,7 +26049,7 @@
                 </a:tc>
                 <a:extLst>
                   <a:ext uri="{0D108BD9-81ED-4DB2-BD59-A6C34878D82A}">
-                    <a16:rowId xmlns:a16="http://schemas.microsoft.com/office/drawing/2014/main" xmlns="" val="10001"/>
+                    <a16:rowId xmlns="" xmlns:a16="http://schemas.microsoft.com/office/drawing/2014/main" val="10001"/>
                   </a:ext>
                 </a:extLst>
               </a:tr>
@@ -26567,7 +26567,7 @@
                 </a:tc>
                 <a:extLst>
                   <a:ext uri="{0D108BD9-81ED-4DB2-BD59-A6C34878D82A}">
-                    <a16:rowId xmlns:a16="http://schemas.microsoft.com/office/drawing/2014/main" xmlns="" val="10002"/>
+                    <a16:rowId xmlns="" xmlns:a16="http://schemas.microsoft.com/office/drawing/2014/main" val="10002"/>
                   </a:ext>
                 </a:extLst>
               </a:tr>
@@ -26597,21 +26597,21 @@
                 <a:gridCol w="1115395">
                   <a:extLst>
                     <a:ext uri="{9D8B030D-6E8A-4147-A177-3AD203B41FA5}">
-                      <a16:colId xmlns:a16="http://schemas.microsoft.com/office/drawing/2014/main" xmlns="" val="20000"/>
+                      <a16:colId xmlns="" xmlns:a16="http://schemas.microsoft.com/office/drawing/2014/main" val="20000"/>
                     </a:ext>
                   </a:extLst>
                 </a:gridCol>
                 <a:gridCol w="1289538">
                   <a:extLst>
                     <a:ext uri="{9D8B030D-6E8A-4147-A177-3AD203B41FA5}">
-                      <a16:colId xmlns:a16="http://schemas.microsoft.com/office/drawing/2014/main" xmlns="" val="20001"/>
+                      <a16:colId xmlns="" xmlns:a16="http://schemas.microsoft.com/office/drawing/2014/main" val="20001"/>
                     </a:ext>
                   </a:extLst>
                 </a:gridCol>
                 <a:gridCol w="1383324">
                   <a:extLst>
                     <a:ext uri="{9D8B030D-6E8A-4147-A177-3AD203B41FA5}">
-                      <a16:colId xmlns:a16="http://schemas.microsoft.com/office/drawing/2014/main" xmlns="" val="20003"/>
+                      <a16:colId xmlns="" xmlns:a16="http://schemas.microsoft.com/office/drawing/2014/main" val="20003"/>
                     </a:ext>
                   </a:extLst>
                 </a:gridCol>
@@ -26817,7 +26817,7 @@
                 </a:tc>
                 <a:extLst>
                   <a:ext uri="{0D108BD9-81ED-4DB2-BD59-A6C34878D82A}">
-                    <a16:rowId xmlns:a16="http://schemas.microsoft.com/office/drawing/2014/main" xmlns="" val="10000"/>
+                    <a16:rowId xmlns="" xmlns:a16="http://schemas.microsoft.com/office/drawing/2014/main" val="10000"/>
                   </a:ext>
                 </a:extLst>
               </a:tr>
@@ -27053,7 +27053,7 @@
                 </a:tc>
                 <a:extLst>
                   <a:ext uri="{0D108BD9-81ED-4DB2-BD59-A6C34878D82A}">
-                    <a16:rowId xmlns:a16="http://schemas.microsoft.com/office/drawing/2014/main" xmlns="" val="10001"/>
+                    <a16:rowId xmlns="" xmlns:a16="http://schemas.microsoft.com/office/drawing/2014/main" val="10001"/>
                   </a:ext>
                 </a:extLst>
               </a:tr>
@@ -27301,7 +27301,7 @@
                 </a:tc>
                 <a:extLst>
                   <a:ext uri="{0D108BD9-81ED-4DB2-BD59-A6C34878D82A}">
-                    <a16:rowId xmlns:a16="http://schemas.microsoft.com/office/drawing/2014/main" xmlns="" val="10003"/>
+                    <a16:rowId xmlns="" xmlns:a16="http://schemas.microsoft.com/office/drawing/2014/main" val="10003"/>
                   </a:ext>
                 </a:extLst>
               </a:tr>
@@ -27312,7 +27312,7 @@
     </p:spTree>
     <p:extLst>
       <p:ext uri="{BB962C8B-B14F-4D97-AF65-F5344CB8AC3E}">
-        <p14:creationId xmlns:p14="http://schemas.microsoft.com/office/powerpoint/2010/main" xmlns="" val="1626958297"/>
+        <p14:creationId xmlns:p14="http://schemas.microsoft.com/office/powerpoint/2010/main" val="1626958297"/>
       </p:ext>
     </p:extLst>
   </p:cSld>
@@ -27372,7 +27372,7 @@
           <p:nvPr>
             <p:extLst>
               <p:ext uri="{D42A27DB-BD31-4B8C-83A1-F6EECF244321}">
-                <p14:modId xmlns="" xmlns:p14="http://schemas.microsoft.com/office/powerpoint/2010/main" val="2707378573"/>
+                <p14:modId xmlns:p14="http://schemas.microsoft.com/office/powerpoint/2010/main" val="2707378573"/>
               </p:ext>
             </p:extLst>
           </p:nvPr>
@@ -27391,7 +27391,7 @@
                 <a:gridCol w="5099538">
                   <a:extLst>
                     <a:ext uri="{9D8B030D-6E8A-4147-A177-3AD203B41FA5}">
-                      <a16:colId xmlns="" xmlns:a16="http://schemas.microsoft.com/office/drawing/2014/main" val="20000"/>
+                      <a16:colId xmlns:a16="http://schemas.microsoft.com/office/drawing/2014/main" xmlns="" val="20000"/>
                     </a:ext>
                   </a:extLst>
                 </a:gridCol>
@@ -27436,7 +27436,7 @@
                 </a:tc>
                 <a:extLst>
                   <a:ext uri="{0D108BD9-81ED-4DB2-BD59-A6C34878D82A}">
-                    <a16:rowId xmlns="" xmlns:a16="http://schemas.microsoft.com/office/drawing/2014/main" val="10000"/>
+                    <a16:rowId xmlns:a16="http://schemas.microsoft.com/office/drawing/2014/main" xmlns="" val="10000"/>
                   </a:ext>
                 </a:extLst>
               </a:tr>
@@ -28083,7 +28083,7 @@
                 </a:tc>
                 <a:extLst>
                   <a:ext uri="{0D108BD9-81ED-4DB2-BD59-A6C34878D82A}">
-                    <a16:rowId xmlns="" xmlns:a16="http://schemas.microsoft.com/office/drawing/2014/main" val="10001"/>
+                    <a16:rowId xmlns:a16="http://schemas.microsoft.com/office/drawing/2014/main" xmlns="" val="10001"/>
                   </a:ext>
                 </a:extLst>
               </a:tr>
@@ -28349,7 +28349,7 @@
                 </a:tc>
                 <a:extLst>
                   <a:ext uri="{0D108BD9-81ED-4DB2-BD59-A6C34878D82A}">
-                    <a16:rowId xmlns="" xmlns:a16="http://schemas.microsoft.com/office/drawing/2014/main" val="10002"/>
+                    <a16:rowId xmlns:a16="http://schemas.microsoft.com/office/drawing/2014/main" xmlns="" val="10002"/>
                   </a:ext>
                 </a:extLst>
               </a:tr>
@@ -28366,7 +28366,7 @@
           <p:nvPr>
             <p:extLst>
               <p:ext uri="{D42A27DB-BD31-4B8C-83A1-F6EECF244321}">
-                <p14:modId xmlns="" xmlns:p14="http://schemas.microsoft.com/office/powerpoint/2010/main" val="820170414"/>
+                <p14:modId xmlns:p14="http://schemas.microsoft.com/office/powerpoint/2010/main" val="4231166298"/>
               </p:ext>
             </p:extLst>
           </p:nvPr>
@@ -28383,28 +28383,28 @@
                 <a:gridCol w="834735">
                   <a:extLst>
                     <a:ext uri="{9D8B030D-6E8A-4147-A177-3AD203B41FA5}">
-                      <a16:colId xmlns="" xmlns:a16="http://schemas.microsoft.com/office/drawing/2014/main" val="20000"/>
+                      <a16:colId xmlns:a16="http://schemas.microsoft.com/office/drawing/2014/main" xmlns="" val="20000"/>
                     </a:ext>
                   </a:extLst>
                 </a:gridCol>
                 <a:gridCol w="834735">
                   <a:extLst>
                     <a:ext uri="{9D8B030D-6E8A-4147-A177-3AD203B41FA5}">
-                      <a16:colId xmlns="" xmlns:a16="http://schemas.microsoft.com/office/drawing/2014/main" val="20001"/>
+                      <a16:colId xmlns:a16="http://schemas.microsoft.com/office/drawing/2014/main" xmlns="" val="20001"/>
                     </a:ext>
                   </a:extLst>
                 </a:gridCol>
                 <a:gridCol w="905538">
                   <a:extLst>
                     <a:ext uri="{9D8B030D-6E8A-4147-A177-3AD203B41FA5}">
-                      <a16:colId xmlns="" xmlns:a16="http://schemas.microsoft.com/office/drawing/2014/main" val="20002"/>
+                      <a16:colId xmlns:a16="http://schemas.microsoft.com/office/drawing/2014/main" xmlns="" val="20002"/>
                     </a:ext>
                   </a:extLst>
                 </a:gridCol>
                 <a:gridCol w="763931">
                   <a:extLst>
                     <a:ext uri="{9D8B030D-6E8A-4147-A177-3AD203B41FA5}">
-                      <a16:colId xmlns="" xmlns:a16="http://schemas.microsoft.com/office/drawing/2014/main" val="20003"/>
+                      <a16:colId xmlns:a16="http://schemas.microsoft.com/office/drawing/2014/main" xmlns="" val="20003"/>
                     </a:ext>
                   </a:extLst>
                 </a:gridCol>
@@ -28432,18 +28432,11 @@
                             <a:srgbClr val="000000"/>
                           </a:solidFill>
                           <a:effectLst/>
-                          <a:latin typeface="+mn-lt"/>
-                          <a:ea typeface="함초롬바탕"/>
+                          <a:latin typeface="+mn-ea"/>
+                          <a:ea typeface="+mn-ea"/>
                         </a:rPr>
                         <a:t>윈도우 창</a:t>
                       </a:r>
-                      <a:endParaRPr lang="ko-KR" altLang="en-US" sz="1000" kern="0" spc="0" dirty="0">
-                        <a:solidFill>
-                          <a:srgbClr val="000000"/>
-                        </a:solidFill>
-                        <a:effectLst/>
-                        <a:latin typeface="+mn-lt"/>
-                      </a:endParaRPr>
                     </a:p>
                   </a:txBody>
                   <a:tcPr marL="64770" marR="64770" marT="17907" marB="17907" anchor="ctr">
@@ -28502,23 +28495,16 @@
                         </a:spcAft>
                       </a:pPr>
                       <a:r>
-                        <a:rPr lang="ko-KR" altLang="en-US" sz="1000" kern="0" spc="0">
+                        <a:rPr lang="ko-KR" altLang="en-US" sz="1000" kern="0" spc="0" dirty="0">
                           <a:solidFill>
                             <a:srgbClr val="000000"/>
                           </a:solidFill>
                           <a:effectLst/>
-                          <a:latin typeface="+mn-lt"/>
-                          <a:ea typeface="함초롬바탕"/>
+                          <a:latin typeface="+mn-ea"/>
+                          <a:ea typeface="+mn-ea"/>
                         </a:rPr>
                         <a:t>텍스트영역</a:t>
                       </a:r>
-                      <a:endParaRPr lang="ko-KR" altLang="en-US" sz="1000" kern="0" spc="0">
-                        <a:solidFill>
-                          <a:srgbClr val="000000"/>
-                        </a:solidFill>
-                        <a:effectLst/>
-                        <a:latin typeface="+mn-lt"/>
-                      </a:endParaRPr>
                     </a:p>
                   </a:txBody>
                   <a:tcPr marL="64770" marR="64770" marT="17907" marB="17907" anchor="ctr">
@@ -28582,18 +28568,11 @@
                             <a:srgbClr val="000000"/>
                           </a:solidFill>
                           <a:effectLst/>
-                          <a:latin typeface="+mn-lt"/>
-                          <a:ea typeface="함초롬바탕"/>
+                          <a:latin typeface="+mn-ea"/>
+                          <a:ea typeface="+mn-ea"/>
                         </a:rPr>
                         <a:t>테이블영역</a:t>
                       </a:r>
-                      <a:endParaRPr lang="ko-KR" altLang="en-US" sz="1000" kern="0" spc="0">
-                        <a:solidFill>
-                          <a:srgbClr val="000000"/>
-                        </a:solidFill>
-                        <a:effectLst/>
-                        <a:latin typeface="+mn-lt"/>
-                      </a:endParaRPr>
                     </a:p>
                   </a:txBody>
                   <a:tcPr marL="64770" marR="64770" marT="17907" marB="17907" anchor="ctr">
@@ -28657,18 +28636,11 @@
                             <a:srgbClr val="000000"/>
                           </a:solidFill>
                           <a:effectLst/>
-                          <a:latin typeface="+mn-lt"/>
-                          <a:ea typeface="함초롬바탕"/>
+                          <a:latin typeface="+mn-ea"/>
+                          <a:ea typeface="+mn-ea"/>
                         </a:rPr>
                         <a:t>버튼영역</a:t>
                       </a:r>
-                      <a:endParaRPr lang="ko-KR" altLang="en-US" sz="1000" kern="0" spc="0" dirty="0">
-                        <a:solidFill>
-                          <a:srgbClr val="000000"/>
-                        </a:solidFill>
-                        <a:effectLst/>
-                        <a:latin typeface="+mn-lt"/>
-                      </a:endParaRPr>
                     </a:p>
                   </a:txBody>
                   <a:tcPr marL="64770" marR="64770" marT="17907" marB="17907" anchor="ctr">
@@ -28712,7 +28684,7 @@
                 </a:tc>
                 <a:extLst>
                   <a:ext uri="{0D108BD9-81ED-4DB2-BD59-A6C34878D82A}">
-                    <a16:rowId xmlns="" xmlns:a16="http://schemas.microsoft.com/office/drawing/2014/main" val="10000"/>
+                    <a16:rowId xmlns:a16="http://schemas.microsoft.com/office/drawing/2014/main" xmlns="" val="10000"/>
                   </a:ext>
                 </a:extLst>
               </a:tr>
@@ -28750,8 +28722,8 @@
                             <a:srgbClr val="000000"/>
                           </a:solidFill>
                           <a:effectLst/>
-                          <a:latin typeface="+mn-lt"/>
-                          <a:ea typeface="함초롬바탕" pitchFamily="18" charset="-127"/>
+                          <a:latin typeface="+mn-ea"/>
+                          <a:ea typeface="+mn-ea"/>
                           <a:cs typeface="함초롬바탕" pitchFamily="18" charset="-127"/>
                         </a:rPr>
                         <a:t>마감기한이 </a:t>
@@ -28762,8 +28734,8 @@
                             <a:srgbClr val="000000"/>
                           </a:solidFill>
                           <a:effectLst/>
-                          <a:latin typeface="+mn-lt"/>
-                          <a:ea typeface="함초롬바탕" pitchFamily="18" charset="-127"/>
+                          <a:latin typeface="+mn-ea"/>
+                          <a:ea typeface="+mn-ea"/>
                           <a:cs typeface="함초롬바탕" pitchFamily="18" charset="-127"/>
                         </a:rPr>
                         <a:t>임박한</a:t>
@@ -28773,8 +28745,8 @@
                           <a:srgbClr val="000000"/>
                         </a:solidFill>
                         <a:effectLst/>
-                        <a:latin typeface="+mn-lt"/>
-                        <a:ea typeface="함초롬바탕" pitchFamily="18" charset="-127"/>
+                        <a:latin typeface="+mn-ea"/>
+                        <a:ea typeface="+mn-ea"/>
                         <a:cs typeface="함초롬바탕" pitchFamily="18" charset="-127"/>
                       </a:endParaRPr>
                     </a:p>
@@ -28796,8 +28768,8 @@
                             <a:srgbClr val="000000"/>
                           </a:solidFill>
                           <a:effectLst/>
-                          <a:latin typeface="+mn-lt"/>
-                          <a:ea typeface="함초롬바탕" pitchFamily="18" charset="-127"/>
+                          <a:latin typeface="+mn-ea"/>
+                          <a:ea typeface="+mn-ea"/>
                           <a:cs typeface="함초롬바탕" pitchFamily="18" charset="-127"/>
                         </a:rPr>
                         <a:t>To</a:t>
@@ -28808,8 +28780,8 @@
                             <a:srgbClr val="000000"/>
                           </a:solidFill>
                           <a:effectLst/>
-                          <a:latin typeface="+mn-lt"/>
-                          <a:ea typeface="함초롬바탕" pitchFamily="18" charset="-127"/>
+                          <a:latin typeface="+mn-ea"/>
+                          <a:ea typeface="+mn-ea"/>
                           <a:cs typeface="함초롬바탕" pitchFamily="18" charset="-127"/>
                         </a:rPr>
                         <a:t> </a:t>
@@ -28820,8 +28792,8 @@
                             <a:srgbClr val="000000"/>
                           </a:solidFill>
                           <a:effectLst/>
-                          <a:latin typeface="+mn-lt"/>
-                          <a:ea typeface="함초롬바탕" pitchFamily="18" charset="-127"/>
+                          <a:latin typeface="+mn-ea"/>
+                          <a:ea typeface="+mn-ea"/>
                           <a:cs typeface="함초롬바탕" pitchFamily="18" charset="-127"/>
                         </a:rPr>
                         <a:t>do</a:t>
@@ -28832,8 +28804,8 @@
                             <a:srgbClr val="000000"/>
                           </a:solidFill>
                           <a:effectLst/>
-                          <a:latin typeface="+mn-lt"/>
-                          <a:ea typeface="함초롬바탕" pitchFamily="18" charset="-127"/>
+                          <a:latin typeface="+mn-ea"/>
+                          <a:ea typeface="+mn-ea"/>
                           <a:cs typeface="함초롬바탕" pitchFamily="18" charset="-127"/>
                         </a:rPr>
                         <a:t>항목 </a:t>
@@ -28844,8 +28816,8 @@
                             <a:srgbClr val="000000"/>
                           </a:solidFill>
                           <a:effectLst/>
-                          <a:latin typeface="+mn-lt"/>
-                          <a:ea typeface="함초롬바탕" pitchFamily="18" charset="-127"/>
+                          <a:latin typeface="+mn-ea"/>
+                          <a:ea typeface="+mn-ea"/>
                           <a:cs typeface="함초롬바탕" pitchFamily="18" charset="-127"/>
                         </a:rPr>
                         <a:t>목록 </a:t>
@@ -28913,8 +28885,8 @@
                             <a:srgbClr val="000000"/>
                           </a:solidFill>
                           <a:effectLst/>
-                          <a:latin typeface="+mn-lt"/>
-                          <a:ea typeface="함초롬바탕"/>
+                          <a:latin typeface="+mn-ea"/>
+                          <a:ea typeface="+mn-ea"/>
                         </a:rPr>
                         <a:t>마감임박한</a:t>
                       </a:r>
@@ -28923,8 +28895,8 @@
                           <a:srgbClr val="000000"/>
                         </a:solidFill>
                         <a:effectLst/>
-                        <a:latin typeface="+mn-lt"/>
-                        <a:ea typeface="함초롬바탕"/>
+                        <a:latin typeface="+mn-ea"/>
+                        <a:ea typeface="+mn-ea"/>
                       </a:endParaRPr>
                     </a:p>
                     <a:p>
@@ -28945,7 +28917,8 @@
                             <a:srgbClr val="000000"/>
                           </a:solidFill>
                           <a:effectLst/>
-                          <a:latin typeface="+mn-lt"/>
+                          <a:latin typeface="+mn-ea"/>
+                          <a:ea typeface="+mn-ea"/>
                         </a:rPr>
                         <a:t>To do</a:t>
                       </a:r>
@@ -28955,18 +28928,11 @@
                             <a:srgbClr val="000000"/>
                           </a:solidFill>
                           <a:effectLst/>
-                          <a:latin typeface="+mn-lt"/>
-                          <a:ea typeface="함초롬바탕"/>
+                          <a:latin typeface="+mn-ea"/>
+                          <a:ea typeface="+mn-ea"/>
                         </a:rPr>
                         <a:t>항목</a:t>
                       </a:r>
-                      <a:endParaRPr lang="ko-KR" altLang="en-US" sz="1000" kern="0" spc="0" dirty="0">
-                        <a:solidFill>
-                          <a:srgbClr val="000000"/>
-                        </a:solidFill>
-                        <a:effectLst/>
-                        <a:latin typeface="+mn-lt"/>
-                      </a:endParaRPr>
                     </a:p>
                   </a:txBody>
                   <a:tcPr marL="64770" marR="64770" marT="17907" marB="17907" anchor="ctr">
@@ -29030,18 +28996,11 @@
                             <a:srgbClr val="000000"/>
                           </a:solidFill>
                           <a:effectLst/>
-                          <a:latin typeface="+mn-lt"/>
-                          <a:ea typeface="함초롬바탕"/>
+                          <a:latin typeface="+mn-ea"/>
+                          <a:ea typeface="+mn-ea"/>
                         </a:rPr>
                         <a:t>종료</a:t>
                       </a:r>
-                      <a:endParaRPr lang="ko-KR" altLang="en-US" sz="1000" kern="0" spc="0" dirty="0">
-                        <a:solidFill>
-                          <a:srgbClr val="000000"/>
-                        </a:solidFill>
-                        <a:effectLst/>
-                        <a:latin typeface="+mn-lt"/>
-                      </a:endParaRPr>
                     </a:p>
                   </a:txBody>
                   <a:tcPr marL="64770" marR="64770" marT="17907" marB="17907" anchor="ctr">
@@ -29085,7 +29044,7 @@
                 </a:tc>
                 <a:extLst>
                   <a:ext uri="{0D108BD9-81ED-4DB2-BD59-A6C34878D82A}">
-                    <a16:rowId xmlns="" xmlns:a16="http://schemas.microsoft.com/office/drawing/2014/main" val="10001"/>
+                    <a16:rowId xmlns:a16="http://schemas.microsoft.com/office/drawing/2014/main" xmlns="" val="10001"/>
                   </a:ext>
                 </a:extLst>
               </a:tr>
@@ -29134,18 +29093,11 @@
                             <a:srgbClr val="000000"/>
                           </a:solidFill>
                           <a:effectLst/>
-                          <a:latin typeface="+mn-lt"/>
-                          <a:ea typeface="함초롬바탕"/>
+                          <a:latin typeface="+mn-ea"/>
+                          <a:ea typeface="+mn-ea"/>
                         </a:rPr>
                         <a:t>출력한다</a:t>
                       </a:r>
-                      <a:endParaRPr lang="ko-KR" altLang="en-US" sz="1000" kern="0" spc="0" dirty="0">
-                        <a:solidFill>
-                          <a:srgbClr val="000000"/>
-                        </a:solidFill>
-                        <a:effectLst/>
-                        <a:latin typeface="+mn-lt"/>
-                      </a:endParaRPr>
                     </a:p>
                   </a:txBody>
                   <a:tcPr marL="64770" marR="64770" marT="17907" marB="17907" anchor="ctr">
@@ -29200,7 +29152,7 @@
                 </a:tc>
                 <a:extLst>
                   <a:ext uri="{0D108BD9-81ED-4DB2-BD59-A6C34878D82A}">
-                    <a16:rowId xmlns="" xmlns:a16="http://schemas.microsoft.com/office/drawing/2014/main" val="10002"/>
+                    <a16:rowId xmlns:a16="http://schemas.microsoft.com/office/drawing/2014/main" xmlns="" val="10002"/>
                   </a:ext>
                 </a:extLst>
               </a:tr>
@@ -29231,14 +29183,14 @@
           <a:effectLst/>
           <a:extLst>
             <a:ext uri="{909E8E84-426E-40DD-AFC4-6F175D3DCCD1}">
-              <a14:hiddenFill xmlns="" xmlns:a14="http://schemas.microsoft.com/office/drawing/2010/main">
+              <a14:hiddenFill xmlns:a14="http://schemas.microsoft.com/office/drawing/2010/main">
                 <a:solidFill>
                   <a:schemeClr val="accent1"/>
                 </a:solidFill>
               </a14:hiddenFill>
             </a:ext>
             <a:ext uri="{91240B29-F687-4F45-9708-019B960494DF}">
-              <a14:hiddenLine xmlns="" xmlns:a14="http://schemas.microsoft.com/office/drawing/2010/main" w="9525">
+              <a14:hiddenLine xmlns:a14="http://schemas.microsoft.com/office/drawing/2010/main" w="9525">
                 <a:solidFill>
                   <a:schemeClr val="tx1"/>
                 </a:solidFill>
@@ -29248,7 +29200,7 @@
               </a14:hiddenLine>
             </a:ext>
             <a:ext uri="{AF507438-7753-43E0-B8FC-AC1667EBCBE1}">
-              <a14:hiddenEffects xmlns="" xmlns:a14="http://schemas.microsoft.com/office/drawing/2010/main">
+              <a14:hiddenEffects xmlns:a14="http://schemas.microsoft.com/office/drawing/2010/main">
                 <a:effectLst>
                   <a:outerShdw dist="35921" dir="2700000" algn="ctr" rotWithShape="0">
                     <a:schemeClr val="bg2"/>
@@ -29308,7 +29260,7 @@
     </p:spTree>
     <p:extLst>
       <p:ext uri="{BB962C8B-B14F-4D97-AF65-F5344CB8AC3E}">
-        <p14:creationId xmlns="" xmlns:p14="http://schemas.microsoft.com/office/powerpoint/2010/main" val="3631317628"/>
+        <p14:creationId xmlns:p14="http://schemas.microsoft.com/office/powerpoint/2010/main" val="3631317628"/>
       </p:ext>
     </p:extLst>
   </p:cSld>
@@ -29375,7 +29327,7 @@
           <p:nvPr>
             <p:extLst>
               <p:ext uri="{D42A27DB-BD31-4B8C-83A1-F6EECF244321}">
-                <p14:modId xmlns="" xmlns:p14="http://schemas.microsoft.com/office/powerpoint/2010/main" val="2707378573"/>
+                <p14:modId xmlns:p14="http://schemas.microsoft.com/office/powerpoint/2010/main" val="2707378573"/>
               </p:ext>
             </p:extLst>
           </p:nvPr>
@@ -29394,7 +29346,7 @@
                 <a:gridCol w="5099538">
                   <a:extLst>
                     <a:ext uri="{9D8B030D-6E8A-4147-A177-3AD203B41FA5}">
-                      <a16:colId xmlns="" xmlns:a16="http://schemas.microsoft.com/office/drawing/2014/main" val="20000"/>
+                      <a16:colId xmlns:a16="http://schemas.microsoft.com/office/drawing/2014/main" xmlns="" val="20000"/>
                     </a:ext>
                   </a:extLst>
                 </a:gridCol>
@@ -29429,7 +29381,7 @@
                 </a:tc>
                 <a:extLst>
                   <a:ext uri="{0D108BD9-81ED-4DB2-BD59-A6C34878D82A}">
-                    <a16:rowId xmlns="" xmlns:a16="http://schemas.microsoft.com/office/drawing/2014/main" val="10000"/>
+                    <a16:rowId xmlns:a16="http://schemas.microsoft.com/office/drawing/2014/main" xmlns="" val="10000"/>
                   </a:ext>
                 </a:extLst>
               </a:tr>
@@ -29588,7 +29540,7 @@
                 </a:tc>
                 <a:extLst>
                   <a:ext uri="{0D108BD9-81ED-4DB2-BD59-A6C34878D82A}">
-                    <a16:rowId xmlns="" xmlns:a16="http://schemas.microsoft.com/office/drawing/2014/main" val="10001"/>
+                    <a16:rowId xmlns:a16="http://schemas.microsoft.com/office/drawing/2014/main" xmlns="" val="10001"/>
                   </a:ext>
                 </a:extLst>
               </a:tr>
@@ -29633,10 +29585,10 @@
                           <a:ea typeface="+mn-ea"/>
                           <a:cs typeface="+mn-cs"/>
                         </a:rPr>
-                        <a:t> </a:t>
-                      </a:r>
-                      <a:r>
-                        <a:rPr lang="en-US" altLang="ko-KR" sz="1200" kern="1200" baseline="0" dirty="0" smtClean="0">
+                        <a:t> p</a:t>
+                      </a:r>
+                      <a:r>
+                        <a:rPr lang="en-US" altLang="ko-KR" sz="1200" kern="1200" dirty="0" smtClean="0">
                           <a:solidFill>
                             <a:schemeClr val="dk1"/>
                           </a:solidFill>
@@ -29645,48 +29597,15 @@
                           <a:ea typeface="+mn-ea"/>
                           <a:cs typeface="+mn-cs"/>
                         </a:rPr>
-                        <a:t>p</a:t>
-                      </a:r>
-                      <a:r>
-                        <a:rPr lang="en-US" altLang="ko-KR" sz="1200" kern="1200" dirty="0" smtClean="0">
-                          <a:solidFill>
-                            <a:schemeClr val="dk1"/>
-                          </a:solidFill>
-                          <a:effectLst/>
-                          <a:latin typeface="+mn-lt"/>
-                          <a:ea typeface="+mn-ea"/>
-                          <a:cs typeface="+mn-cs"/>
-                        </a:rPr>
-                        <a:t>ublic </a:t>
-                      </a:r>
-                      <a:r>
-                        <a:rPr lang="en-US" altLang="ko-KR" sz="1200" kern="1200" dirty="0" smtClean="0">
-                          <a:solidFill>
-                            <a:schemeClr val="dk1"/>
-                          </a:solidFill>
-                          <a:effectLst/>
-                          <a:latin typeface="+mn-lt"/>
-                          <a:ea typeface="+mn-ea"/>
-                          <a:cs typeface="+mn-cs"/>
-                        </a:rPr>
-                        <a:t>Warning()</a:t>
-                      </a:r>
-                      <a:endParaRPr lang="en-US" altLang="ko-KR" sz="1200" kern="1200" dirty="0" smtClean="0">
-                        <a:solidFill>
-                          <a:schemeClr val="dk1"/>
-                        </a:solidFill>
-                        <a:effectLst/>
-                        <a:latin typeface="+mn-lt"/>
-                        <a:ea typeface="+mn-ea"/>
-                        <a:cs typeface="+mn-cs"/>
-                      </a:endParaRPr>
+                        <a:t>ublic Warning()</a:t>
+                      </a:r>
                     </a:p>
                   </a:txBody>
                   <a:tcPr/>
                 </a:tc>
                 <a:extLst>
                   <a:ext uri="{0D108BD9-81ED-4DB2-BD59-A6C34878D82A}">
-                    <a16:rowId xmlns="" xmlns:a16="http://schemas.microsoft.com/office/drawing/2014/main" val="10002"/>
+                    <a16:rowId xmlns:a16="http://schemas.microsoft.com/office/drawing/2014/main" xmlns="" val="10002"/>
                   </a:ext>
                 </a:extLst>
               </a:tr>
@@ -29717,14 +29636,14 @@
           <a:effectLst/>
           <a:extLst>
             <a:ext uri="{909E8E84-426E-40DD-AFC4-6F175D3DCCD1}">
-              <a14:hiddenFill xmlns="" xmlns:a14="http://schemas.microsoft.com/office/drawing/2010/main">
+              <a14:hiddenFill xmlns:a14="http://schemas.microsoft.com/office/drawing/2010/main">
                 <a:solidFill>
                   <a:schemeClr val="accent1"/>
                 </a:solidFill>
               </a14:hiddenFill>
             </a:ext>
             <a:ext uri="{91240B29-F687-4F45-9708-019B960494DF}">
-              <a14:hiddenLine xmlns="" xmlns:a14="http://schemas.microsoft.com/office/drawing/2010/main" w="9525">
+              <a14:hiddenLine xmlns:a14="http://schemas.microsoft.com/office/drawing/2010/main" w="9525">
                 <a:solidFill>
                   <a:schemeClr val="tx1"/>
                 </a:solidFill>
@@ -29734,7 +29653,7 @@
               </a14:hiddenLine>
             </a:ext>
             <a:ext uri="{AF507438-7753-43E0-B8FC-AC1667EBCBE1}">
-              <a14:hiddenEffects xmlns="" xmlns:a14="http://schemas.microsoft.com/office/drawing/2010/main">
+              <a14:hiddenEffects xmlns:a14="http://schemas.microsoft.com/office/drawing/2010/main">
                 <a:effectLst>
                   <a:outerShdw dist="35921" dir="2700000" algn="ctr" rotWithShape="0">
                     <a:schemeClr val="bg2"/>
@@ -29794,7 +29713,7 @@
     </p:spTree>
     <p:extLst>
       <p:ext uri="{BB962C8B-B14F-4D97-AF65-F5344CB8AC3E}">
-        <p14:creationId xmlns="" xmlns:p14="http://schemas.microsoft.com/office/powerpoint/2010/main" val="3631317628"/>
+        <p14:creationId xmlns:p14="http://schemas.microsoft.com/office/powerpoint/2010/main" val="3631317628"/>
       </p:ext>
     </p:extLst>
   </p:cSld>
@@ -29861,7 +29780,7 @@
           <p:nvPr>
             <p:extLst>
               <p:ext uri="{D42A27DB-BD31-4B8C-83A1-F6EECF244321}">
-                <p14:modId xmlns="" xmlns:p14="http://schemas.microsoft.com/office/powerpoint/2010/main" val="1913533908"/>
+                <p14:modId xmlns:p14="http://schemas.microsoft.com/office/powerpoint/2010/main" val="3650451822"/>
               </p:ext>
             </p:extLst>
           </p:nvPr>
@@ -29880,28 +29799,28 @@
                 <a:gridCol w="2145506">
                   <a:extLst>
                     <a:ext uri="{9D8B030D-6E8A-4147-A177-3AD203B41FA5}">
-                      <a16:colId xmlns="" xmlns:a16="http://schemas.microsoft.com/office/drawing/2014/main" val="20000"/>
+                      <a16:colId xmlns:a16="http://schemas.microsoft.com/office/drawing/2014/main" xmlns="" val="20000"/>
                     </a:ext>
                   </a:extLst>
                 </a:gridCol>
                 <a:gridCol w="2145506">
                   <a:extLst>
                     <a:ext uri="{9D8B030D-6E8A-4147-A177-3AD203B41FA5}">
-                      <a16:colId xmlns="" xmlns:a16="http://schemas.microsoft.com/office/drawing/2014/main" val="20001"/>
+                      <a16:colId xmlns:a16="http://schemas.microsoft.com/office/drawing/2014/main" xmlns="" val="20001"/>
                     </a:ext>
                   </a:extLst>
                 </a:gridCol>
                 <a:gridCol w="2145506">
                   <a:extLst>
                     <a:ext uri="{9D8B030D-6E8A-4147-A177-3AD203B41FA5}">
-                      <a16:colId xmlns="" xmlns:a16="http://schemas.microsoft.com/office/drawing/2014/main" val="20002"/>
+                      <a16:colId xmlns:a16="http://schemas.microsoft.com/office/drawing/2014/main" xmlns="" val="20002"/>
                     </a:ext>
                   </a:extLst>
                 </a:gridCol>
                 <a:gridCol w="2145506">
                   <a:extLst>
                     <a:ext uri="{9D8B030D-6E8A-4147-A177-3AD203B41FA5}">
-                      <a16:colId xmlns="" xmlns:a16="http://schemas.microsoft.com/office/drawing/2014/main" val="20003"/>
+                      <a16:colId xmlns:a16="http://schemas.microsoft.com/office/drawing/2014/main" xmlns="" val="20003"/>
                     </a:ext>
                   </a:extLst>
                 </a:gridCol>
@@ -30053,7 +29972,7 @@
                 </a:tc>
                 <a:extLst>
                   <a:ext uri="{0D108BD9-81ED-4DB2-BD59-A6C34878D82A}">
-                    <a16:rowId xmlns="" xmlns:a16="http://schemas.microsoft.com/office/drawing/2014/main" val="10000"/>
+                    <a16:rowId xmlns:a16="http://schemas.microsoft.com/office/drawing/2014/main" xmlns="" val="10000"/>
                   </a:ext>
                 </a:extLst>
               </a:tr>
@@ -30220,7 +30139,7 @@
                 </a:tc>
                 <a:extLst>
                   <a:ext uri="{0D108BD9-81ED-4DB2-BD59-A6C34878D82A}">
-                    <a16:rowId xmlns="" xmlns:a16="http://schemas.microsoft.com/office/drawing/2014/main" val="10002"/>
+                    <a16:rowId xmlns:a16="http://schemas.microsoft.com/office/drawing/2014/main" xmlns="" val="10002"/>
                   </a:ext>
                 </a:extLst>
               </a:tr>
@@ -30371,7 +30290,7 @@
                 </a:tc>
                 <a:extLst>
                   <a:ext uri="{0D108BD9-81ED-4DB2-BD59-A6C34878D82A}">
-                    <a16:rowId xmlns="" xmlns:a16="http://schemas.microsoft.com/office/drawing/2014/main" val="10004"/>
+                    <a16:rowId xmlns:a16="http://schemas.microsoft.com/office/drawing/2014/main" xmlns="" val="10004"/>
                   </a:ext>
                 </a:extLst>
               </a:tr>
@@ -30492,17 +30411,7 @@
                           <a:latin typeface="맑은 고딕" pitchFamily="50" charset="-127"/>
                           <a:ea typeface="맑은 고딕" pitchFamily="50" charset="-127"/>
                         </a:rPr>
-                        <a:t>수정 </a:t>
-                      </a:r>
-                      <a:r>
-                        <a:rPr lang="ko-KR" altLang="en-US" sz="1200" b="0" dirty="0" smtClean="0">
-                          <a:solidFill>
-                            <a:schemeClr val="tx1"/>
-                          </a:solidFill>
-                          <a:latin typeface="맑은 고딕" pitchFamily="50" charset="-127"/>
-                          <a:ea typeface="맑은 고딕" pitchFamily="50" charset="-127"/>
-                        </a:rPr>
-                        <a:t>및 정리</a:t>
+                        <a:t>수정 및 정리</a:t>
                       </a:r>
                       <a:endParaRPr lang="ko-KR" altLang="en-US" sz="1200" b="0" dirty="0">
                         <a:solidFill>
@@ -30558,6 +30467,16 @@
                     <a:lstStyle/>
                     <a:p>
                       <a:pPr algn="ctr" latinLnBrk="1"/>
+                      <a:r>
+                        <a:rPr lang="en-US" altLang="ko-KR" sz="1200" b="0" dirty="0" smtClean="0">
+                          <a:solidFill>
+                            <a:schemeClr val="tx1"/>
+                          </a:solidFill>
+                          <a:latin typeface="맑은 고딕" pitchFamily="50" charset="-127"/>
+                          <a:ea typeface="맑은 고딕" pitchFamily="50" charset="-127"/>
+                        </a:rPr>
+                        <a:t>2017.05.26</a:t>
+                      </a:r>
                       <a:endParaRPr lang="ko-KR" altLang="en-US" sz="1200" b="0" dirty="0">
                         <a:solidFill>
                           <a:schemeClr val="tx1"/>
@@ -30579,6 +30498,16 @@
                     <a:lstStyle/>
                     <a:p>
                       <a:pPr algn="ctr" latinLnBrk="1"/>
+                      <a:r>
+                        <a:rPr lang="en-US" altLang="ko-KR" sz="1200" b="0" dirty="0" smtClean="0">
+                          <a:solidFill>
+                            <a:schemeClr val="tx1"/>
+                          </a:solidFill>
+                          <a:latin typeface="맑은 고딕" pitchFamily="50" charset="-127"/>
+                          <a:ea typeface="맑은 고딕" pitchFamily="50" charset="-127"/>
+                        </a:rPr>
+                        <a:t>1.2ver</a:t>
+                      </a:r>
                       <a:endParaRPr lang="ko-KR" altLang="en-US" sz="1200" b="0" dirty="0">
                         <a:solidFill>
                           <a:schemeClr val="tx1"/>
@@ -30600,6 +30529,36 @@
                     <a:lstStyle/>
                     <a:p>
                       <a:pPr algn="ctr" latinLnBrk="1"/>
+                      <a:r>
+                        <a:rPr lang="en-US" altLang="ko-KR" sz="1200" b="0" dirty="0" smtClean="0">
+                          <a:solidFill>
+                            <a:schemeClr val="tx1"/>
+                          </a:solidFill>
+                          <a:latin typeface="맑은 고딕" pitchFamily="50" charset="-127"/>
+                          <a:ea typeface="맑은 고딕" pitchFamily="50" charset="-127"/>
+                        </a:rPr>
+                        <a:t>Login, Logout</a:t>
+                      </a:r>
+                      <a:r>
+                        <a:rPr lang="en-US" altLang="ko-KR" sz="1200" b="0" baseline="0" dirty="0" smtClean="0">
+                          <a:solidFill>
+                            <a:schemeClr val="tx1"/>
+                          </a:solidFill>
+                          <a:latin typeface="맑은 고딕" pitchFamily="50" charset="-127"/>
+                          <a:ea typeface="맑은 고딕" pitchFamily="50" charset="-127"/>
+                        </a:rPr>
+                        <a:t> </a:t>
+                      </a:r>
+                      <a:r>
+                        <a:rPr lang="ko-KR" altLang="en-US" sz="1200" b="0" baseline="0" dirty="0" smtClean="0">
+                          <a:solidFill>
+                            <a:schemeClr val="tx1"/>
+                          </a:solidFill>
+                          <a:latin typeface="맑은 고딕" pitchFamily="50" charset="-127"/>
+                          <a:ea typeface="맑은 고딕" pitchFamily="50" charset="-127"/>
+                        </a:rPr>
+                        <a:t>클래스 내용 수정</a:t>
+                      </a:r>
                       <a:endParaRPr lang="ko-KR" altLang="en-US" sz="1200" b="0" dirty="0">
                         <a:solidFill>
                           <a:schemeClr val="tx1"/>
@@ -30621,6 +30580,16 @@
                     <a:lstStyle/>
                     <a:p>
                       <a:pPr algn="ctr" latinLnBrk="1"/>
+                      <a:r>
+                        <a:rPr lang="ko-KR" altLang="en-US" sz="1200" b="0" dirty="0" smtClean="0">
+                          <a:solidFill>
+                            <a:schemeClr val="tx1"/>
+                          </a:solidFill>
+                          <a:latin typeface="맑은 고딕" pitchFamily="50" charset="-127"/>
+                          <a:ea typeface="맑은 고딕" pitchFamily="50" charset="-127"/>
+                        </a:rPr>
+                        <a:t>정승환</a:t>
+                      </a:r>
                       <a:endParaRPr lang="ko-KR" altLang="en-US" sz="1200" b="0" dirty="0">
                         <a:solidFill>
                           <a:schemeClr val="tx1"/>
@@ -30706,7 +30675,7 @@
           <p:nvPr>
             <p:extLst>
               <p:ext uri="{D42A27DB-BD31-4B8C-83A1-F6EECF244321}">
-                <p14:modId xmlns="" xmlns:p14="http://schemas.microsoft.com/office/powerpoint/2010/main" val="79895769"/>
+                <p14:modId xmlns:p14="http://schemas.microsoft.com/office/powerpoint/2010/main" val="79895769"/>
               </p:ext>
             </p:extLst>
           </p:nvPr>
@@ -30725,7 +30694,7 @@
                 <a:gridCol w="5839728">
                   <a:extLst>
                     <a:ext uri="{9D8B030D-6E8A-4147-A177-3AD203B41FA5}">
-                      <a16:colId xmlns="" xmlns:a16="http://schemas.microsoft.com/office/drawing/2014/main" val="20000"/>
+                      <a16:colId xmlns:a16="http://schemas.microsoft.com/office/drawing/2014/main" xmlns="" val="20000"/>
                     </a:ext>
                   </a:extLst>
                 </a:gridCol>
@@ -30762,7 +30731,7 @@
                 </a:tc>
                 <a:extLst>
                   <a:ext uri="{0D108BD9-81ED-4DB2-BD59-A6C34878D82A}">
-                    <a16:rowId xmlns="" xmlns:a16="http://schemas.microsoft.com/office/drawing/2014/main" val="10000"/>
+                    <a16:rowId xmlns:a16="http://schemas.microsoft.com/office/drawing/2014/main" xmlns="" val="10000"/>
                   </a:ext>
                 </a:extLst>
               </a:tr>
@@ -30851,7 +30820,7 @@
                 </a:tc>
                 <a:extLst>
                   <a:ext uri="{0D108BD9-81ED-4DB2-BD59-A6C34878D82A}">
-                    <a16:rowId xmlns="" xmlns:a16="http://schemas.microsoft.com/office/drawing/2014/main" val="10001"/>
+                    <a16:rowId xmlns:a16="http://schemas.microsoft.com/office/drawing/2014/main" xmlns="" val="10001"/>
                   </a:ext>
                 </a:extLst>
               </a:tr>
@@ -30935,7 +30904,7 @@
                 </a:tc>
                 <a:extLst>
                   <a:ext uri="{0D108BD9-81ED-4DB2-BD59-A6C34878D82A}">
-                    <a16:rowId xmlns="" xmlns:a16="http://schemas.microsoft.com/office/drawing/2014/main" val="10002"/>
+                    <a16:rowId xmlns:a16="http://schemas.microsoft.com/office/drawing/2014/main" xmlns="" val="10002"/>
                   </a:ext>
                 </a:extLst>
               </a:tr>
@@ -30966,14 +30935,14 @@
           <a:effectLst/>
           <a:extLst>
             <a:ext uri="{909E8E84-426E-40DD-AFC4-6F175D3DCCD1}">
-              <a14:hiddenFill xmlns="" xmlns:a14="http://schemas.microsoft.com/office/drawing/2010/main">
+              <a14:hiddenFill xmlns:a14="http://schemas.microsoft.com/office/drawing/2010/main">
                 <a:solidFill>
                   <a:schemeClr val="accent1"/>
                 </a:solidFill>
               </a14:hiddenFill>
             </a:ext>
             <a:ext uri="{91240B29-F687-4F45-9708-019B960494DF}">
-              <a14:hiddenLine xmlns="" xmlns:a14="http://schemas.microsoft.com/office/drawing/2010/main" w="9525">
+              <a14:hiddenLine xmlns:a14="http://schemas.microsoft.com/office/drawing/2010/main" w="9525">
                 <a:solidFill>
                   <a:schemeClr val="tx1"/>
                 </a:solidFill>
@@ -30983,7 +30952,7 @@
               </a14:hiddenLine>
             </a:ext>
             <a:ext uri="{AF507438-7753-43E0-B8FC-AC1667EBCBE1}">
-              <a14:hiddenEffects xmlns="" xmlns:a14="http://schemas.microsoft.com/office/drawing/2010/main">
+              <a14:hiddenEffects xmlns:a14="http://schemas.microsoft.com/office/drawing/2010/main">
                 <a:effectLst>
                   <a:outerShdw dist="35921" dir="2700000" algn="ctr" rotWithShape="0">
                     <a:schemeClr val="bg2"/>
@@ -31043,7 +31012,7 @@
     </p:spTree>
     <p:extLst>
       <p:ext uri="{BB962C8B-B14F-4D97-AF65-F5344CB8AC3E}">
-        <p14:creationId xmlns="" xmlns:p14="http://schemas.microsoft.com/office/powerpoint/2010/main" val="1569664776"/>
+        <p14:creationId xmlns:p14="http://schemas.microsoft.com/office/powerpoint/2010/main" val="1569664776"/>
       </p:ext>
     </p:extLst>
   </p:cSld>
@@ -31110,7 +31079,7 @@
           <p:nvPr>
             <p:extLst>
               <p:ext uri="{D42A27DB-BD31-4B8C-83A1-F6EECF244321}">
-                <p14:modId xmlns="" xmlns:p14="http://schemas.microsoft.com/office/powerpoint/2010/main" val="2963487199"/>
+                <p14:modId xmlns:p14="http://schemas.microsoft.com/office/powerpoint/2010/main" val="3072612372"/>
               </p:ext>
             </p:extLst>
           </p:nvPr>
@@ -31129,7 +31098,7 @@
                 <a:gridCol w="3345567">
                   <a:extLst>
                     <a:ext uri="{9D8B030D-6E8A-4147-A177-3AD203B41FA5}">
-                      <a16:colId xmlns="" xmlns:a16="http://schemas.microsoft.com/office/drawing/2014/main" val="20000"/>
+                      <a16:colId xmlns:a16="http://schemas.microsoft.com/office/drawing/2014/main" xmlns="" val="20000"/>
                     </a:ext>
                   </a:extLst>
                 </a:gridCol>
@@ -31211,7 +31180,7 @@
                 </a:tc>
                 <a:extLst>
                   <a:ext uri="{0D108BD9-81ED-4DB2-BD59-A6C34878D82A}">
-                    <a16:rowId xmlns="" xmlns:a16="http://schemas.microsoft.com/office/drawing/2014/main" val="10000"/>
+                    <a16:rowId xmlns:a16="http://schemas.microsoft.com/office/drawing/2014/main" xmlns="" val="10000"/>
                   </a:ext>
                 </a:extLst>
               </a:tr>
@@ -32046,236 +32015,6 @@
                           <a:ea typeface="+mn-ea"/>
                           <a:cs typeface="+mn-cs"/>
                         </a:rPr>
-                        <a:t>private Database </a:t>
-                      </a:r>
-                      <a:r>
-                        <a:rPr lang="en-US" altLang="ko-KR" sz="1200" b="0" u="none" kern="1200" dirty="0" err="1" smtClean="0">
-                          <a:solidFill>
-                            <a:schemeClr val="dk1"/>
-                          </a:solidFill>
-                          <a:effectLst/>
-                          <a:latin typeface="+mn-lt"/>
-                          <a:ea typeface="+mn-ea"/>
-                          <a:cs typeface="+mn-cs"/>
-                        </a:rPr>
-                        <a:t>database</a:t>
-                      </a:r>
-                      <a:r>
-                        <a:rPr lang="en-US" altLang="ko-KR" sz="1200" b="0" u="none" kern="1200" dirty="0" smtClean="0">
-                          <a:solidFill>
-                            <a:schemeClr val="dk1"/>
-                          </a:solidFill>
-                          <a:effectLst/>
-                          <a:latin typeface="+mn-lt"/>
-                          <a:ea typeface="+mn-ea"/>
-                          <a:cs typeface="+mn-cs"/>
-                        </a:rPr>
-                        <a:t>;</a:t>
-                      </a:r>
-                    </a:p>
-                    <a:p>
-                      <a:pPr marL="0" marR="0" indent="0" algn="l" defTabSz="914400" rtl="0" eaLnBrk="1" fontAlgn="base" latinLnBrk="0" hangingPunct="1">
-                        <a:lnSpc>
-                          <a:spcPct val="100000"/>
-                        </a:lnSpc>
-                        <a:spcBef>
-                          <a:spcPts val="0"/>
-                        </a:spcBef>
-                        <a:spcAft>
-                          <a:spcPts val="0"/>
-                        </a:spcAft>
-                        <a:buClrTx/>
-                        <a:buSzTx/>
-                        <a:buFontTx/>
-                        <a:buNone/>
-                        <a:tabLst/>
-                        <a:defRPr/>
-                      </a:pPr>
-                      <a:r>
-                        <a:rPr lang="en-US" altLang="ko-KR" sz="1200" b="0" u="none" kern="1200" dirty="0" smtClean="0">
-                          <a:solidFill>
-                            <a:schemeClr val="dk1"/>
-                          </a:solidFill>
-                          <a:effectLst/>
-                          <a:latin typeface="+mn-lt"/>
-                          <a:ea typeface="+mn-ea"/>
-                          <a:cs typeface="+mn-cs"/>
-                        </a:rPr>
-                        <a:t>public final static String</a:t>
-                      </a:r>
-                      <a:r>
-                        <a:rPr lang="en-US" altLang="ko-KR" sz="1200" b="0" u="none" kern="1200" baseline="0" dirty="0" smtClean="0">
-                          <a:solidFill>
-                            <a:schemeClr val="dk1"/>
-                          </a:solidFill>
-                          <a:effectLst/>
-                          <a:latin typeface="+mn-lt"/>
-                          <a:ea typeface="+mn-ea"/>
-                          <a:cs typeface="+mn-cs"/>
-                        </a:rPr>
-                        <a:t> </a:t>
-                      </a:r>
-                      <a:r>
-                        <a:rPr lang="en-US" altLang="ko-KR" sz="1200" b="0" u="none" kern="1200" dirty="0" err="1" smtClean="0">
-                          <a:solidFill>
-                            <a:schemeClr val="dk1"/>
-                          </a:solidFill>
-                          <a:effectLst/>
-                          <a:latin typeface="+mn-lt"/>
-                          <a:ea typeface="+mn-ea"/>
-                          <a:cs typeface="+mn-cs"/>
-                        </a:rPr>
-                        <a:t>Subject_Management</a:t>
-                      </a:r>
-                      <a:r>
-                        <a:rPr lang="en-US" altLang="ko-KR" sz="1200" b="0" u="none" kern="1200" dirty="0" smtClean="0">
-                          <a:solidFill>
-                            <a:schemeClr val="dk1"/>
-                          </a:solidFill>
-                          <a:effectLst/>
-                          <a:latin typeface="+mn-lt"/>
-                          <a:ea typeface="+mn-ea"/>
-                          <a:cs typeface="+mn-cs"/>
-                        </a:rPr>
-                        <a:t>;</a:t>
-                      </a:r>
-                    </a:p>
-                    <a:p>
-                      <a:pPr marL="0" marR="0" indent="0" algn="l" defTabSz="914400" rtl="0" eaLnBrk="1" fontAlgn="base" latinLnBrk="0" hangingPunct="1">
-                        <a:lnSpc>
-                          <a:spcPct val="100000"/>
-                        </a:lnSpc>
-                        <a:spcBef>
-                          <a:spcPts val="0"/>
-                        </a:spcBef>
-                        <a:spcAft>
-                          <a:spcPts val="0"/>
-                        </a:spcAft>
-                        <a:buClrTx/>
-                        <a:buSzTx/>
-                        <a:buFontTx/>
-                        <a:buNone/>
-                        <a:tabLst/>
-                        <a:defRPr/>
-                      </a:pPr>
-                      <a:r>
-                        <a:rPr lang="en-US" altLang="ko-KR" sz="1200" b="0" u="none" kern="1200" dirty="0" smtClean="0">
-                          <a:solidFill>
-                            <a:schemeClr val="dk1"/>
-                          </a:solidFill>
-                          <a:effectLst/>
-                          <a:latin typeface="+mn-lt"/>
-                          <a:ea typeface="+mn-ea"/>
-                          <a:cs typeface="+mn-cs"/>
-                        </a:rPr>
-                        <a:t>public</a:t>
-                      </a:r>
-                      <a:r>
-                        <a:rPr lang="en-US" altLang="ko-KR" sz="1200" b="0" u="none" kern="1200" baseline="0" dirty="0" smtClean="0">
-                          <a:solidFill>
-                            <a:schemeClr val="dk1"/>
-                          </a:solidFill>
-                          <a:effectLst/>
-                          <a:latin typeface="+mn-lt"/>
-                          <a:ea typeface="+mn-ea"/>
-                          <a:cs typeface="+mn-cs"/>
-                        </a:rPr>
-                        <a:t> </a:t>
-                      </a:r>
-                      <a:r>
-                        <a:rPr lang="en-US" altLang="ko-KR" sz="1200" b="0" u="none" kern="1200" dirty="0" err="1" smtClean="0">
-                          <a:solidFill>
-                            <a:schemeClr val="dk1"/>
-                          </a:solidFill>
-                          <a:effectLst/>
-                          <a:latin typeface="+mn-lt"/>
-                          <a:ea typeface="+mn-ea"/>
-                          <a:cs typeface="+mn-cs"/>
-                        </a:rPr>
-                        <a:t>Subject_Managemen</a:t>
-                      </a:r>
-                      <a:r>
-                        <a:rPr lang="en-US" altLang="ko-KR" sz="1200" b="0" u="none" kern="1200" baseline="0" dirty="0" err="1" smtClean="0">
-                          <a:solidFill>
-                            <a:schemeClr val="dk1"/>
-                          </a:solidFill>
-                          <a:effectLst/>
-                          <a:latin typeface="+mn-lt"/>
-                          <a:ea typeface="+mn-ea"/>
-                          <a:cs typeface="+mn-cs"/>
-                        </a:rPr>
-                        <a:t>t</a:t>
-                      </a:r>
-                      <a:r>
-                        <a:rPr lang="en-US" altLang="ko-KR" sz="1200" b="0" u="none" kern="1200" baseline="0" dirty="0" smtClean="0">
-                          <a:solidFill>
-                            <a:schemeClr val="dk1"/>
-                          </a:solidFill>
-                          <a:effectLst/>
-                          <a:latin typeface="+mn-lt"/>
-                          <a:ea typeface="+mn-ea"/>
-                          <a:cs typeface="+mn-cs"/>
-                        </a:rPr>
-                        <a:t> </a:t>
-                      </a:r>
-                      <a:r>
-                        <a:rPr lang="en-US" altLang="ko-KR" sz="1200" b="0" u="none" kern="1200" dirty="0" err="1" smtClean="0">
-                          <a:solidFill>
-                            <a:schemeClr val="dk1"/>
-                          </a:solidFill>
-                          <a:effectLst/>
-                          <a:latin typeface="+mn-lt"/>
-                          <a:ea typeface="+mn-ea"/>
-                          <a:cs typeface="+mn-cs"/>
-                        </a:rPr>
-                        <a:t>Subject_Management</a:t>
-                      </a:r>
-                      <a:r>
-                        <a:rPr lang="en-US" altLang="ko-KR" sz="1200" b="0" u="none" kern="1200" baseline="0" dirty="0" err="1" smtClean="0">
-                          <a:solidFill>
-                            <a:schemeClr val="dk1"/>
-                          </a:solidFill>
-                          <a:effectLst/>
-                          <a:latin typeface="+mn-lt"/>
-                          <a:ea typeface="+mn-ea"/>
-                          <a:cs typeface="+mn-cs"/>
-                        </a:rPr>
-                        <a:t>Class</a:t>
-                      </a:r>
-                      <a:r>
-                        <a:rPr lang="en-US" altLang="ko-KR" sz="1200" b="0" u="none" kern="1200" baseline="0" dirty="0" smtClean="0">
-                          <a:solidFill>
-                            <a:schemeClr val="dk1"/>
-                          </a:solidFill>
-                          <a:effectLst/>
-                          <a:latin typeface="+mn-lt"/>
-                          <a:ea typeface="+mn-ea"/>
-                          <a:cs typeface="+mn-cs"/>
-                        </a:rPr>
-                        <a:t>;</a:t>
-                      </a:r>
-                      <a:endParaRPr lang="en-US" altLang="ko-KR" sz="1200" b="0" u="none" kern="1200" dirty="0" smtClean="0">
-                        <a:solidFill>
-                          <a:schemeClr val="dk1"/>
-                        </a:solidFill>
-                        <a:effectLst/>
-                        <a:latin typeface="+mn-lt"/>
-                        <a:ea typeface="+mn-ea"/>
-                        <a:cs typeface="+mn-cs"/>
-                      </a:endParaRPr>
-                    </a:p>
-                    <a:p>
-                      <a:pPr fontAlgn="base" latinLnBrk="0"/>
-                      <a:r>
-                        <a:rPr lang="en-US" altLang="ko-KR" sz="1200" b="0" u="none" kern="1200" dirty="0" smtClean="0">
-                          <a:solidFill>
-                            <a:schemeClr val="dk1"/>
-                          </a:solidFill>
-                          <a:effectLst/>
-                          <a:latin typeface="+mn-lt"/>
-                          <a:ea typeface="+mn-ea"/>
-                          <a:cs typeface="+mn-cs"/>
-                        </a:rPr>
                         <a:t>public </a:t>
                       </a:r>
                       <a:r>
@@ -32464,7 +32203,7 @@
                 </a:tc>
                 <a:extLst>
                   <a:ext uri="{0D108BD9-81ED-4DB2-BD59-A6C34878D82A}">
-                    <a16:rowId xmlns="" xmlns:a16="http://schemas.microsoft.com/office/drawing/2014/main" val="10001"/>
+                    <a16:rowId xmlns:a16="http://schemas.microsoft.com/office/drawing/2014/main" xmlns="" val="10001"/>
                   </a:ext>
                 </a:extLst>
               </a:tr>
@@ -32663,7 +32402,7 @@
                 </a:tc>
                 <a:extLst>
                   <a:ext uri="{0D108BD9-81ED-4DB2-BD59-A6C34878D82A}">
-                    <a16:rowId xmlns="" xmlns:a16="http://schemas.microsoft.com/office/drawing/2014/main" val="10002"/>
+                    <a16:rowId xmlns:a16="http://schemas.microsoft.com/office/drawing/2014/main" xmlns="" val="10002"/>
                   </a:ext>
                 </a:extLst>
               </a:tr>
@@ -32694,14 +32433,14 @@
           <a:effectLst/>
           <a:extLst>
             <a:ext uri="{909E8E84-426E-40DD-AFC4-6F175D3DCCD1}">
-              <a14:hiddenFill xmlns="" xmlns:a14="http://schemas.microsoft.com/office/drawing/2010/main">
+              <a14:hiddenFill xmlns:a14="http://schemas.microsoft.com/office/drawing/2010/main">
                 <a:solidFill>
                   <a:schemeClr val="accent1"/>
                 </a:solidFill>
               </a14:hiddenFill>
             </a:ext>
             <a:ext uri="{91240B29-F687-4F45-9708-019B960494DF}">
-              <a14:hiddenLine xmlns="" xmlns:a14="http://schemas.microsoft.com/office/drawing/2010/main" w="9525">
+              <a14:hiddenLine xmlns:a14="http://schemas.microsoft.com/office/drawing/2010/main" w="9525">
                 <a:solidFill>
                   <a:schemeClr val="tx1"/>
                 </a:solidFill>
@@ -32711,7 +32450,7 @@
               </a14:hiddenLine>
             </a:ext>
             <a:ext uri="{AF507438-7753-43E0-B8FC-AC1667EBCBE1}">
-              <a14:hiddenEffects xmlns="" xmlns:a14="http://schemas.microsoft.com/office/drawing/2010/main">
+              <a14:hiddenEffects xmlns:a14="http://schemas.microsoft.com/office/drawing/2010/main">
                 <a:effectLst>
                   <a:outerShdw dist="35921" dir="2700000" algn="ctr" rotWithShape="0">
                     <a:schemeClr val="bg2"/>
@@ -32761,14 +32500,14 @@
           <a:effectLst/>
           <a:extLst>
             <a:ext uri="{909E8E84-426E-40DD-AFC4-6F175D3DCCD1}">
-              <a14:hiddenFill xmlns="" xmlns:a14="http://schemas.microsoft.com/office/drawing/2010/main">
+              <a14:hiddenFill xmlns:a14="http://schemas.microsoft.com/office/drawing/2010/main">
                 <a:solidFill>
                   <a:schemeClr val="accent1"/>
                 </a:solidFill>
               </a14:hiddenFill>
             </a:ext>
             <a:ext uri="{91240B29-F687-4F45-9708-019B960494DF}">
-              <a14:hiddenLine xmlns="" xmlns:a14="http://schemas.microsoft.com/office/drawing/2010/main" w="9525">
+              <a14:hiddenLine xmlns:a14="http://schemas.microsoft.com/office/drawing/2010/main" w="9525">
                 <a:solidFill>
                   <a:schemeClr val="tx1"/>
                 </a:solidFill>
@@ -32778,7 +32517,7 @@
               </a14:hiddenLine>
             </a:ext>
             <a:ext uri="{AF507438-7753-43E0-B8FC-AC1667EBCBE1}">
-              <a14:hiddenEffects xmlns="" xmlns:a14="http://schemas.microsoft.com/office/drawing/2010/main">
+              <a14:hiddenEffects xmlns:a14="http://schemas.microsoft.com/office/drawing/2010/main">
                 <a:effectLst>
                   <a:outerShdw dist="35921" dir="2700000" algn="ctr" rotWithShape="0">
                     <a:schemeClr val="bg2"/>
@@ -32838,7 +32577,7 @@
     </p:spTree>
     <p:extLst>
       <p:ext uri="{BB962C8B-B14F-4D97-AF65-F5344CB8AC3E}">
-        <p14:creationId xmlns="" xmlns:p14="http://schemas.microsoft.com/office/powerpoint/2010/main" val="2071787415"/>
+        <p14:creationId xmlns:p14="http://schemas.microsoft.com/office/powerpoint/2010/main" val="2071787415"/>
       </p:ext>
     </p:extLst>
   </p:cSld>
@@ -32919,14 +32658,14 @@
           <a:effectLst/>
           <a:extLst>
             <a:ext uri="{909E8E84-426E-40DD-AFC4-6F175D3DCCD1}">
-              <a14:hiddenFill xmlns="" xmlns:a14="http://schemas.microsoft.com/office/drawing/2010/main">
+              <a14:hiddenFill xmlns:a14="http://schemas.microsoft.com/office/drawing/2010/main">
                 <a:solidFill>
                   <a:schemeClr val="accent1"/>
                 </a:solidFill>
               </a14:hiddenFill>
             </a:ext>
             <a:ext uri="{91240B29-F687-4F45-9708-019B960494DF}">
-              <a14:hiddenLine xmlns="" xmlns:a14="http://schemas.microsoft.com/office/drawing/2010/main" w="9525">
+              <a14:hiddenLine xmlns:a14="http://schemas.microsoft.com/office/drawing/2010/main" w="9525">
                 <a:solidFill>
                   <a:schemeClr val="tx1"/>
                 </a:solidFill>
@@ -32936,7 +32675,7 @@
               </a14:hiddenLine>
             </a:ext>
             <a:ext uri="{AF507438-7753-43E0-B8FC-AC1667EBCBE1}">
-              <a14:hiddenEffects xmlns="" xmlns:a14="http://schemas.microsoft.com/office/drawing/2010/main">
+              <a14:hiddenEffects xmlns:a14="http://schemas.microsoft.com/office/drawing/2010/main">
                 <a:effectLst>
                   <a:outerShdw dist="35921" dir="2700000" algn="ctr" rotWithShape="0">
                     <a:schemeClr val="bg2"/>
@@ -33002,45 +32741,46 @@
           <p:nvPr>
             <p:extLst>
               <p:ext uri="{D42A27DB-BD31-4B8C-83A1-F6EECF244321}">
-                <p14:modId xmlns="" xmlns:p14="http://schemas.microsoft.com/office/powerpoint/2010/main" val="2297758231"/>
+                <p14:modId xmlns:p14="http://schemas.microsoft.com/office/powerpoint/2010/main" val="772654412"/>
               </p:ext>
             </p:extLst>
           </p:nvPr>
         </p:nvGraphicFramePr>
         <p:xfrm>
           <a:off x="1347881" y="1369221"/>
-          <a:ext cx="6471412" cy="4225316"/>
+          <a:ext cx="6471411" cy="4225316"/>
         </p:xfrm>
         <a:graphic>
           <a:graphicData uri="http://schemas.openxmlformats.org/drawingml/2006/table">
             <a:tbl>
               <a:tblPr/>
               <a:tblGrid>
-                <a:gridCol w="1536210">
+                <a:gridCol w="1216367">
                   <a:extLst>
                     <a:ext uri="{9D8B030D-6E8A-4147-A177-3AD203B41FA5}">
-                      <a16:colId xmlns="" xmlns:a16="http://schemas.microsoft.com/office/drawing/2014/main" val="20000"/>
+                      <a16:colId xmlns:a16="http://schemas.microsoft.com/office/drawing/2014/main" xmlns="" val="20000"/>
                     </a:ext>
                   </a:extLst>
                 </a:gridCol>
-                <a:gridCol w="1701651">
+                <a:gridCol w="1347363">
                   <a:extLst>
                     <a:ext uri="{9D8B030D-6E8A-4147-A177-3AD203B41FA5}">
-                      <a16:colId xmlns="" xmlns:a16="http://schemas.microsoft.com/office/drawing/2014/main" val="20001"/>
+                      <a16:colId xmlns:a16="http://schemas.microsoft.com/office/drawing/2014/main" xmlns="" val="20001"/>
                     </a:ext>
                   </a:extLst>
                 </a:gridCol>
-                <a:gridCol w="1914356">
+                <a:gridCol w="1347363"/>
+                <a:gridCol w="1515783">
                   <a:extLst>
                     <a:ext uri="{9D8B030D-6E8A-4147-A177-3AD203B41FA5}">
-                      <a16:colId xmlns="" xmlns:a16="http://schemas.microsoft.com/office/drawing/2014/main" val="20002"/>
+                      <a16:colId xmlns:a16="http://schemas.microsoft.com/office/drawing/2014/main" xmlns="" val="20002"/>
                     </a:ext>
                   </a:extLst>
                 </a:gridCol>
-                <a:gridCol w="1319195">
+                <a:gridCol w="1044535">
                   <a:extLst>
                     <a:ext uri="{9D8B030D-6E8A-4147-A177-3AD203B41FA5}">
-                      <a16:colId xmlns="" xmlns:a16="http://schemas.microsoft.com/office/drawing/2014/main" val="20003"/>
+                      <a16:colId xmlns:a16="http://schemas.microsoft.com/office/drawing/2014/main" xmlns="" val="20003"/>
                     </a:ext>
                   </a:extLst>
                 </a:gridCol>
@@ -33068,18 +32808,11 @@
                             <a:srgbClr val="000000"/>
                           </a:solidFill>
                           <a:effectLst/>
-                          <a:latin typeface="+mn-lt"/>
-                          <a:ea typeface="함초롬바탕"/>
+                          <a:latin typeface="+mn-ea"/>
+                          <a:ea typeface="+mn-ea"/>
                         </a:rPr>
                         <a:t>윈도우 창</a:t>
                       </a:r>
-                      <a:endParaRPr lang="ko-KR" altLang="en-US" sz="1100" b="0" kern="0" spc="0" dirty="0">
-                        <a:solidFill>
-                          <a:srgbClr val="000000"/>
-                        </a:solidFill>
-                        <a:effectLst/>
-                        <a:latin typeface="+mn-lt"/>
-                      </a:endParaRPr>
                     </a:p>
                   </a:txBody>
                   <a:tcPr marL="64770" marR="64770" marT="17907" marB="17907" anchor="ctr">
@@ -33143,18 +32876,11 @@
                             <a:srgbClr val="000000"/>
                           </a:solidFill>
                           <a:effectLst/>
-                          <a:latin typeface="+mn-lt"/>
-                          <a:ea typeface="함초롬바탕"/>
+                          <a:latin typeface="+mn-ea"/>
+                          <a:ea typeface="+mn-ea"/>
                         </a:rPr>
                         <a:t>텍스트영역</a:t>
                       </a:r>
-                      <a:endParaRPr lang="ko-KR" altLang="en-US" sz="1100" b="0" kern="0" spc="0" dirty="0">
-                        <a:solidFill>
-                          <a:srgbClr val="000000"/>
-                        </a:solidFill>
-                        <a:effectLst/>
-                        <a:latin typeface="+mn-lt"/>
-                      </a:endParaRPr>
                     </a:p>
                   </a:txBody>
                   <a:tcPr marL="64770" marR="64770" marT="17907" marB="17907" anchor="ctr">
@@ -33213,22 +32939,23 @@
                         </a:spcAft>
                       </a:pPr>
                       <a:r>
-                        <a:rPr lang="ko-KR" altLang="en-US" sz="1100" b="0" kern="0" spc="0" dirty="0" err="1">
+                        <a:rPr lang="ko-KR" altLang="en-US" sz="1100" b="0" kern="0" spc="0" dirty="0" smtClean="0">
                           <a:solidFill>
                             <a:srgbClr val="000000"/>
                           </a:solidFill>
                           <a:effectLst/>
-                          <a:latin typeface="+mn-lt"/>
-                          <a:ea typeface="함초롬바탕"/>
-                        </a:rPr>
-                        <a:t>콤보박스영역</a:t>
+                          <a:latin typeface="+mn-ea"/>
+                          <a:ea typeface="+mn-ea"/>
+                        </a:rPr>
+                        <a:t>체크박스영역</a:t>
                       </a:r>
                       <a:endParaRPr lang="ko-KR" altLang="en-US" sz="1100" b="0" kern="0" spc="0" dirty="0">
                         <a:solidFill>
                           <a:srgbClr val="000000"/>
                         </a:solidFill>
                         <a:effectLst/>
-                        <a:latin typeface="+mn-lt"/>
+                        <a:latin typeface="+mn-ea"/>
+                        <a:ea typeface="+mn-ea"/>
                       </a:endParaRPr>
                     </a:p>
                   </a:txBody>
@@ -33288,22 +33015,23 @@
                         </a:spcAft>
                       </a:pPr>
                       <a:r>
-                        <a:rPr lang="ko-KR" altLang="en-US" sz="1100" b="0" kern="0" spc="0">
+                        <a:rPr lang="ko-KR" altLang="en-US" sz="1100" b="0" kern="0" spc="0" dirty="0" err="1">
                           <a:solidFill>
                             <a:srgbClr val="000000"/>
                           </a:solidFill>
                           <a:effectLst/>
-                          <a:latin typeface="+mn-lt"/>
-                          <a:ea typeface="함초롬바탕"/>
-                        </a:rPr>
-                        <a:t>버튼영역</a:t>
-                      </a:r>
-                      <a:endParaRPr lang="ko-KR" altLang="en-US" sz="1100" b="0" kern="0" spc="0">
+                          <a:latin typeface="+mn-ea"/>
+                          <a:ea typeface="+mn-ea"/>
+                        </a:rPr>
+                        <a:t>콤보박스영역</a:t>
+                      </a:r>
+                      <a:endParaRPr lang="ko-KR" altLang="en-US" sz="1100" b="0" kern="0" spc="0" dirty="0">
                         <a:solidFill>
                           <a:srgbClr val="000000"/>
                         </a:solidFill>
                         <a:effectLst/>
-                        <a:latin typeface="+mn-lt"/>
+                        <a:latin typeface="+mn-ea"/>
+                        <a:ea typeface="+mn-ea"/>
                       </a:endParaRPr>
                     </a:p>
                   </a:txBody>
@@ -33346,25 +33074,7 @@
                     </a:lnB>
                   </a:tcPr>
                 </a:tc>
-                <a:extLst>
-                  <a:ext uri="{0D108BD9-81ED-4DB2-BD59-A6C34878D82A}">
-                    <a16:rowId xmlns="" xmlns:a16="http://schemas.microsoft.com/office/drawing/2014/main" val="10000"/>
-                  </a:ext>
-                </a:extLst>
-              </a:tr>
-              <a:tr h="2290405">
-                <a:tc vMerge="1">
-                  <a:txBody>
-                    <a:bodyPr/>
-                    <a:lstStyle/>
-                    <a:p>
-                      <a:pPr latinLnBrk="1"/>
-                      <a:endParaRPr lang="ko-KR" altLang="en-US"/>
-                    </a:p>
-                  </a:txBody>
-                  <a:tcPr/>
-                </a:tc>
-                <a:tc rowSpan="2">
+                <a:tc>
                   <a:txBody>
                     <a:bodyPr/>
                     <a:lstStyle/>
@@ -33381,24 +33091,79 @@
                         </a:spcAft>
                       </a:pPr>
                       <a:r>
-                        <a:rPr lang="ko-KR" altLang="en-US" sz="1100" b="0" kern="0" spc="0" dirty="0">
+                        <a:rPr lang="ko-KR" altLang="en-US" sz="1100" b="0" kern="0" spc="0">
                           <a:solidFill>
                             <a:srgbClr val="000000"/>
                           </a:solidFill>
                           <a:effectLst/>
-                          <a:latin typeface="+mn-lt"/>
-                          <a:ea typeface="함초롬바탕"/>
-                        </a:rPr>
-                        <a:t>아이디</a:t>
-                      </a:r>
-                      <a:endParaRPr lang="ko-KR" altLang="en-US" sz="1100" b="0" kern="0" spc="0" dirty="0">
-                        <a:solidFill>
-                          <a:srgbClr val="000000"/>
-                        </a:solidFill>
-                        <a:effectLst/>
-                        <a:latin typeface="+mn-lt"/>
-                      </a:endParaRPr>
-                    </a:p>
+                          <a:latin typeface="+mn-ea"/>
+                          <a:ea typeface="+mn-ea"/>
+                        </a:rPr>
+                        <a:t>버튼영역</a:t>
+                      </a:r>
+                    </a:p>
+                  </a:txBody>
+                  <a:tcPr marL="64770" marR="64770" marT="17907" marB="17907" anchor="ctr">
+                    <a:lnL w="3556" cap="flat" cmpd="sng" algn="ctr">
+                      <a:solidFill>
+                        <a:srgbClr val="000000"/>
+                      </a:solidFill>
+                      <a:prstDash val="solid"/>
+                      <a:round/>
+                      <a:headEnd type="none" w="med" len="med"/>
+                      <a:tailEnd type="none" w="med" len="med"/>
+                    </a:lnL>
+                    <a:lnR w="3556" cap="flat" cmpd="sng" algn="ctr">
+                      <a:solidFill>
+                        <a:srgbClr val="000000"/>
+                      </a:solidFill>
+                      <a:prstDash val="solid"/>
+                      <a:round/>
+                      <a:headEnd type="none" w="med" len="med"/>
+                      <a:tailEnd type="none" w="med" len="med"/>
+                    </a:lnR>
+                    <a:lnT w="3556" cap="flat" cmpd="sng" algn="ctr">
+                      <a:solidFill>
+                        <a:srgbClr val="000000"/>
+                      </a:solidFill>
+                      <a:prstDash val="solid"/>
+                      <a:round/>
+                      <a:headEnd type="none" w="med" len="med"/>
+                      <a:tailEnd type="none" w="med" len="med"/>
+                    </a:lnT>
+                    <a:lnB w="3556" cap="flat" cmpd="sng" algn="ctr">
+                      <a:solidFill>
+                        <a:srgbClr val="000000"/>
+                      </a:solidFill>
+                      <a:prstDash val="solid"/>
+                      <a:round/>
+                      <a:headEnd type="none" w="med" len="med"/>
+                      <a:tailEnd type="none" w="med" len="med"/>
+                    </a:lnB>
+                  </a:tcPr>
+                </a:tc>
+                <a:extLst>
+                  <a:ext uri="{0D108BD9-81ED-4DB2-BD59-A6C34878D82A}">
+                    <a16:rowId xmlns:a16="http://schemas.microsoft.com/office/drawing/2014/main" xmlns="" val="10000"/>
+                  </a:ext>
+                </a:extLst>
+              </a:tr>
+              <a:tr h="2290405">
+                <a:tc vMerge="1">
+                  <a:txBody>
+                    <a:bodyPr/>
+                    <a:lstStyle/>
+                    <a:p>
+                      <a:pPr latinLnBrk="1"/>
+                      <a:endParaRPr lang="ko-KR" altLang="en-US"/>
+                    </a:p>
+                  </a:txBody>
+                  <a:tcPr/>
+                </a:tc>
+                <a:tc rowSpan="2">
+                  <a:txBody>
+                    <a:bodyPr/>
+                    <a:lstStyle/>
                     <a:p>
                       <a:pPr marL="0" marR="0" indent="0" algn="ctr" fontAlgn="base" latinLnBrk="1">
                         <a:lnSpc>
@@ -33417,63 +33182,12 @@
                             <a:srgbClr val="000000"/>
                           </a:solidFill>
                           <a:effectLst/>
-                          <a:latin typeface="+mn-lt"/>
-                          <a:ea typeface="함초롬바탕"/>
-                        </a:rPr>
-                        <a:t>비밀번호</a:t>
-                      </a:r>
-                      <a:endParaRPr lang="ko-KR" altLang="en-US" sz="1100" b="0" kern="0" spc="0" dirty="0">
-                        <a:solidFill>
-                          <a:srgbClr val="000000"/>
-                        </a:solidFill>
-                        <a:effectLst/>
-                        <a:latin typeface="+mn-lt"/>
-                      </a:endParaRPr>
-                    </a:p>
-                  </a:txBody>
-                  <a:tcPr marL="64770" marR="64770" marT="17907" marB="17907" anchor="ctr">
-                    <a:lnL w="3556" cap="flat" cmpd="sng" algn="ctr">
-                      <a:solidFill>
-                        <a:srgbClr val="000000"/>
-                      </a:solidFill>
-                      <a:prstDash val="solid"/>
-                      <a:round/>
-                      <a:headEnd type="none" w="med" len="med"/>
-                      <a:tailEnd type="none" w="med" len="med"/>
-                    </a:lnL>
-                    <a:lnR w="3556" cap="flat" cmpd="sng" algn="ctr">
-                      <a:solidFill>
-                        <a:srgbClr val="000000"/>
-                      </a:solidFill>
-                      <a:prstDash val="solid"/>
-                      <a:round/>
-                      <a:headEnd type="none" w="med" len="med"/>
-                      <a:tailEnd type="none" w="med" len="med"/>
-                    </a:lnR>
-                    <a:lnT w="3556" cap="flat" cmpd="sng" algn="ctr">
-                      <a:solidFill>
-                        <a:srgbClr val="000000"/>
-                      </a:solidFill>
-                      <a:prstDash val="solid"/>
-                      <a:round/>
-                      <a:headEnd type="none" w="med" len="med"/>
-                      <a:tailEnd type="none" w="med" len="med"/>
-                    </a:lnT>
-                    <a:lnB w="3556" cap="flat" cmpd="sng" algn="ctr">
-                      <a:solidFill>
-                        <a:srgbClr val="000000"/>
-                      </a:solidFill>
-                      <a:prstDash val="solid"/>
-                      <a:round/>
-                      <a:headEnd type="none" w="med" len="med"/>
-                      <a:tailEnd type="none" w="med" len="med"/>
-                    </a:lnB>
-                  </a:tcPr>
-                </a:tc>
-                <a:tc>
-                  <a:txBody>
-                    <a:bodyPr/>
-                    <a:lstStyle/>
+                          <a:latin typeface="+mn-ea"/>
+                          <a:ea typeface="+mn-ea"/>
+                        </a:rPr>
+                        <a:t>아이디</a:t>
+                      </a:r>
+                    </a:p>
                     <a:p>
                       <a:pPr marL="0" marR="0" indent="0" algn="ctr" fontAlgn="base" latinLnBrk="1">
                         <a:lnSpc>
@@ -33492,18 +33206,11 @@
                             <a:srgbClr val="000000"/>
                           </a:solidFill>
                           <a:effectLst/>
-                          <a:latin typeface="+mn-lt"/>
-                          <a:ea typeface="함초롬바탕"/>
-                        </a:rPr>
-                        <a:t>학교명</a:t>
-                      </a:r>
-                      <a:endParaRPr lang="ko-KR" altLang="en-US" sz="1100" b="0" kern="0" spc="0" dirty="0">
-                        <a:solidFill>
-                          <a:srgbClr val="000000"/>
-                        </a:solidFill>
-                        <a:effectLst/>
-                        <a:latin typeface="+mn-lt"/>
-                      </a:endParaRPr>
+                          <a:latin typeface="+mn-ea"/>
+                          <a:ea typeface="+mn-ea"/>
+                        </a:rPr>
+                        <a:t>비밀번호</a:t>
+                      </a:r>
                     </a:p>
                   </a:txBody>
                   <a:tcPr marL="64770" marR="64770" marT="17907" marB="17907" anchor="ctr">
@@ -33562,97 +33269,25 @@
                         </a:spcAft>
                       </a:pPr>
                       <a:r>
-                        <a:rPr lang="ko-KR" altLang="en-US" sz="1100" b="0" kern="0" spc="0" dirty="0">
+                        <a:rPr lang="ko-KR" altLang="en-US" sz="1100" b="0" kern="0" spc="0" dirty="0" smtClean="0">
                           <a:solidFill>
                             <a:srgbClr val="000000"/>
                           </a:solidFill>
                           <a:effectLst/>
-                          <a:latin typeface="+mn-lt"/>
-                          <a:ea typeface="함초롬바탕"/>
-                        </a:rPr>
-                        <a:t>접속</a:t>
-                      </a:r>
-                      <a:endParaRPr lang="ko-KR" altLang="en-US" sz="1100" b="0" kern="0" spc="0" dirty="0">
+                          <a:latin typeface="+mn-ea"/>
+                          <a:ea typeface="+mn-ea"/>
+                        </a:rPr>
+                        <a:t>로그인</a:t>
+                      </a:r>
+                      <a:endParaRPr lang="en-US" altLang="ko-KR" sz="1100" b="0" kern="0" spc="0" dirty="0" smtClean="0">
                         <a:solidFill>
                           <a:srgbClr val="000000"/>
                         </a:solidFill>
                         <a:effectLst/>
-                        <a:latin typeface="+mn-lt"/>
+                        <a:latin typeface="+mn-ea"/>
+                        <a:ea typeface="+mn-ea"/>
                       </a:endParaRPr>
                     </a:p>
-                  </a:txBody>
-                  <a:tcPr marL="64770" marR="64770" marT="17907" marB="17907" anchor="ctr">
-                    <a:lnL w="3556" cap="flat" cmpd="sng" algn="ctr">
-                      <a:solidFill>
-                        <a:srgbClr val="000000"/>
-                      </a:solidFill>
-                      <a:prstDash val="solid"/>
-                      <a:round/>
-                      <a:headEnd type="none" w="med" len="med"/>
-                      <a:tailEnd type="none" w="med" len="med"/>
-                    </a:lnL>
-                    <a:lnR w="3556" cap="flat" cmpd="sng" algn="ctr">
-                      <a:solidFill>
-                        <a:srgbClr val="000000"/>
-                      </a:solidFill>
-                      <a:prstDash val="solid"/>
-                      <a:round/>
-                      <a:headEnd type="none" w="med" len="med"/>
-                      <a:tailEnd type="none" w="med" len="med"/>
-                    </a:lnR>
-                    <a:lnT w="3556" cap="flat" cmpd="sng" algn="ctr">
-                      <a:solidFill>
-                        <a:srgbClr val="000000"/>
-                      </a:solidFill>
-                      <a:prstDash val="solid"/>
-                      <a:round/>
-                      <a:headEnd type="none" w="med" len="med"/>
-                      <a:tailEnd type="none" w="med" len="med"/>
-                    </a:lnT>
-                    <a:lnB w="3556" cap="flat" cmpd="sng" algn="ctr">
-                      <a:solidFill>
-                        <a:srgbClr val="000000"/>
-                      </a:solidFill>
-                      <a:prstDash val="solid"/>
-                      <a:round/>
-                      <a:headEnd type="none" w="med" len="med"/>
-                      <a:tailEnd type="none" w="med" len="med"/>
-                    </a:lnB>
-                  </a:tcPr>
-                </a:tc>
-                <a:extLst>
-                  <a:ext uri="{0D108BD9-81ED-4DB2-BD59-A6C34878D82A}">
-                    <a16:rowId xmlns="" xmlns:a16="http://schemas.microsoft.com/office/drawing/2014/main" val="10001"/>
-                  </a:ext>
-                </a:extLst>
-              </a:tr>
-              <a:tr h="1334655">
-                <a:tc vMerge="1">
-                  <a:txBody>
-                    <a:bodyPr/>
-                    <a:lstStyle/>
-                    <a:p>
-                      <a:pPr latinLnBrk="1"/>
-                      <a:endParaRPr lang="ko-KR" altLang="en-US"/>
-                    </a:p>
-                  </a:txBody>
-                  <a:tcPr/>
-                </a:tc>
-                <a:tc vMerge="1">
-                  <a:txBody>
-                    <a:bodyPr/>
-                    <a:lstStyle/>
-                    <a:p>
-                      <a:pPr latinLnBrk="1"/>
-                      <a:endParaRPr lang="ko-KR" altLang="en-US"/>
-                    </a:p>
-                  </a:txBody>
-                  <a:tcPr/>
-                </a:tc>
-                <a:tc>
-                  <a:txBody>
-                    <a:bodyPr/>
-                    <a:lstStyle/>
                     <a:p>
                       <a:pPr marL="0" marR="0" indent="0" algn="ctr" fontAlgn="base" latinLnBrk="1">
                         <a:lnSpc>
@@ -33671,20 +33306,64 @@
                             <a:srgbClr val="000000"/>
                           </a:solidFill>
                           <a:effectLst/>
-                          <a:latin typeface="+mn-lt"/>
-                          <a:ea typeface="함초롬바탕"/>
-                        </a:rPr>
-                        <a:t>입력된 </a:t>
-                      </a:r>
-                      <a:endParaRPr lang="en-US" altLang="ko-KR" sz="1100" b="0" kern="0" spc="0" dirty="0" smtClean="0">
+                          <a:latin typeface="+mn-ea"/>
+                          <a:ea typeface="+mn-ea"/>
+                        </a:rPr>
+                        <a:t>상태 유지</a:t>
+                      </a:r>
+                      <a:endParaRPr lang="ko-KR" altLang="en-US" sz="1100" b="0" kern="0" spc="0" dirty="0">
                         <a:solidFill>
                           <a:srgbClr val="000000"/>
                         </a:solidFill>
                         <a:effectLst/>
-                        <a:latin typeface="+mn-lt"/>
-                        <a:ea typeface="함초롬바탕"/>
+                        <a:latin typeface="+mn-ea"/>
+                        <a:ea typeface="+mn-ea"/>
                       </a:endParaRPr>
                     </a:p>
+                  </a:txBody>
+                  <a:tcPr marL="64770" marR="64770" marT="17907" marB="17907" anchor="ctr">
+                    <a:lnL w="3556" cap="flat" cmpd="sng" algn="ctr">
+                      <a:solidFill>
+                        <a:srgbClr val="000000"/>
+                      </a:solidFill>
+                      <a:prstDash val="solid"/>
+                      <a:round/>
+                      <a:headEnd type="none" w="med" len="med"/>
+                      <a:tailEnd type="none" w="med" len="med"/>
+                    </a:lnL>
+                    <a:lnR w="3556" cap="flat" cmpd="sng" algn="ctr">
+                      <a:solidFill>
+                        <a:srgbClr val="000000"/>
+                      </a:solidFill>
+                      <a:prstDash val="solid"/>
+                      <a:round/>
+                      <a:headEnd type="none" w="med" len="med"/>
+                      <a:tailEnd type="none" w="med" len="med"/>
+                    </a:lnR>
+                    <a:lnT w="3556" cap="flat" cmpd="sng" algn="ctr">
+                      <a:solidFill>
+                        <a:srgbClr val="000000"/>
+                      </a:solidFill>
+                      <a:prstDash val="solid"/>
+                      <a:round/>
+                      <a:headEnd type="none" w="med" len="med"/>
+                      <a:tailEnd type="none" w="med" len="med"/>
+                    </a:lnT>
+                    <a:lnB w="3556" cap="flat" cmpd="sng" algn="ctr">
+                      <a:solidFill>
+                        <a:srgbClr val="000000"/>
+                      </a:solidFill>
+                      <a:prstDash val="solid"/>
+                      <a:round/>
+                      <a:headEnd type="none" w="med" len="med"/>
+                      <a:tailEnd type="none" w="med" len="med"/>
+                    </a:lnB>
+                  </a:tcPr>
+                </a:tc>
+                <a:tc>
+                  <a:txBody>
+                    <a:bodyPr/>
+                    <a:lstStyle/>
                     <a:p>
                       <a:pPr marL="0" marR="0" indent="0" algn="ctr" fontAlgn="base" latinLnBrk="1">
                         <a:lnSpc>
@@ -33698,25 +33377,61 @@
                         </a:spcAft>
                       </a:pPr>
                       <a:r>
-                        <a:rPr lang="ko-KR" altLang="en-US" sz="1100" b="0" kern="0" spc="0" dirty="0" smtClean="0">
+                        <a:rPr lang="ko-KR" altLang="en-US" sz="1100" b="0" kern="0" spc="0" dirty="0">
                           <a:solidFill>
                             <a:srgbClr val="000000"/>
                           </a:solidFill>
                           <a:effectLst/>
-                          <a:latin typeface="+mn-lt"/>
-                          <a:ea typeface="함초롬바탕"/>
-                        </a:rPr>
-                        <a:t>교명에서</a:t>
-                      </a:r>
-                      <a:endParaRPr lang="en-US" altLang="ko-KR" sz="1100" b="0" kern="0" spc="0" dirty="0" smtClean="0">
-                        <a:solidFill>
-                          <a:srgbClr val="000000"/>
-                        </a:solidFill>
-                        <a:effectLst/>
-                        <a:latin typeface="+mn-lt"/>
-                        <a:ea typeface="함초롬바탕"/>
-                      </a:endParaRPr>
-                    </a:p>
+                          <a:latin typeface="+mn-ea"/>
+                          <a:ea typeface="+mn-ea"/>
+                        </a:rPr>
+                        <a:t>학교명</a:t>
+                      </a:r>
+                    </a:p>
+                  </a:txBody>
+                  <a:tcPr marL="64770" marR="64770" marT="17907" marB="17907" anchor="ctr">
+                    <a:lnL w="3556" cap="flat" cmpd="sng" algn="ctr">
+                      <a:solidFill>
+                        <a:srgbClr val="000000"/>
+                      </a:solidFill>
+                      <a:prstDash val="solid"/>
+                      <a:round/>
+                      <a:headEnd type="none" w="med" len="med"/>
+                      <a:tailEnd type="none" w="med" len="med"/>
+                    </a:lnL>
+                    <a:lnR w="3556" cap="flat" cmpd="sng" algn="ctr">
+                      <a:solidFill>
+                        <a:srgbClr val="000000"/>
+                      </a:solidFill>
+                      <a:prstDash val="solid"/>
+                      <a:round/>
+                      <a:headEnd type="none" w="med" len="med"/>
+                      <a:tailEnd type="none" w="med" len="med"/>
+                    </a:lnR>
+                    <a:lnT w="3556" cap="flat" cmpd="sng" algn="ctr">
+                      <a:solidFill>
+                        <a:srgbClr val="000000"/>
+                      </a:solidFill>
+                      <a:prstDash val="solid"/>
+                      <a:round/>
+                      <a:headEnd type="none" w="med" len="med"/>
+                      <a:tailEnd type="none" w="med" len="med"/>
+                    </a:lnT>
+                    <a:lnB w="3556" cap="flat" cmpd="sng" algn="ctr">
+                      <a:solidFill>
+                        <a:srgbClr val="000000"/>
+                      </a:solidFill>
+                      <a:prstDash val="solid"/>
+                      <a:round/>
+                      <a:headEnd type="none" w="med" len="med"/>
+                      <a:tailEnd type="none" w="med" len="med"/>
+                    </a:lnB>
+                  </a:tcPr>
+                </a:tc>
+                <a:tc rowSpan="2">
+                  <a:txBody>
+                    <a:bodyPr/>
+                    <a:lstStyle/>
                     <a:p>
                       <a:pPr marL="0" marR="0" indent="0" algn="ctr" fontAlgn="base" latinLnBrk="1">
                         <a:lnSpc>
@@ -33730,13 +33445,185 @@
                         </a:spcAft>
                       </a:pPr>
                       <a:r>
+                        <a:rPr lang="ko-KR" altLang="en-US" sz="1100" b="0" kern="0" spc="0" dirty="0">
+                          <a:solidFill>
+                            <a:srgbClr val="000000"/>
+                          </a:solidFill>
+                          <a:effectLst/>
+                          <a:latin typeface="+mn-ea"/>
+                          <a:ea typeface="+mn-ea"/>
+                        </a:rPr>
+                        <a:t>접속</a:t>
+                      </a:r>
+                    </a:p>
+                  </a:txBody>
+                  <a:tcPr marL="64770" marR="64770" marT="17907" marB="17907" anchor="ctr">
+                    <a:lnL w="3556" cap="flat" cmpd="sng" algn="ctr">
+                      <a:solidFill>
+                        <a:srgbClr val="000000"/>
+                      </a:solidFill>
+                      <a:prstDash val="solid"/>
+                      <a:round/>
+                      <a:headEnd type="none" w="med" len="med"/>
+                      <a:tailEnd type="none" w="med" len="med"/>
+                    </a:lnL>
+                    <a:lnR w="3556" cap="flat" cmpd="sng" algn="ctr">
+                      <a:solidFill>
+                        <a:srgbClr val="000000"/>
+                      </a:solidFill>
+                      <a:prstDash val="solid"/>
+                      <a:round/>
+                      <a:headEnd type="none" w="med" len="med"/>
+                      <a:tailEnd type="none" w="med" len="med"/>
+                    </a:lnR>
+                    <a:lnT w="3556" cap="flat" cmpd="sng" algn="ctr">
+                      <a:solidFill>
+                        <a:srgbClr val="000000"/>
+                      </a:solidFill>
+                      <a:prstDash val="solid"/>
+                      <a:round/>
+                      <a:headEnd type="none" w="med" len="med"/>
+                      <a:tailEnd type="none" w="med" len="med"/>
+                    </a:lnT>
+                    <a:lnB w="3556" cap="flat" cmpd="sng" algn="ctr">
+                      <a:solidFill>
+                        <a:srgbClr val="000000"/>
+                      </a:solidFill>
+                      <a:prstDash val="solid"/>
+                      <a:round/>
+                      <a:headEnd type="none" w="med" len="med"/>
+                      <a:tailEnd type="none" w="med" len="med"/>
+                    </a:lnB>
+                  </a:tcPr>
+                </a:tc>
+                <a:extLst>
+                  <a:ext uri="{0D108BD9-81ED-4DB2-BD59-A6C34878D82A}">
+                    <a16:rowId xmlns:a16="http://schemas.microsoft.com/office/drawing/2014/main" xmlns="" val="10001"/>
+                  </a:ext>
+                </a:extLst>
+              </a:tr>
+              <a:tr h="1334655">
+                <a:tc vMerge="1">
+                  <a:txBody>
+                    <a:bodyPr/>
+                    <a:lstStyle/>
+                    <a:p>
+                      <a:pPr latinLnBrk="1"/>
+                      <a:endParaRPr lang="ko-KR" altLang="en-US"/>
+                    </a:p>
+                  </a:txBody>
+                  <a:tcPr/>
+                </a:tc>
+                <a:tc vMerge="1">
+                  <a:txBody>
+                    <a:bodyPr/>
+                    <a:lstStyle/>
+                    <a:p>
+                      <a:pPr latinLnBrk="1"/>
+                      <a:endParaRPr lang="ko-KR" altLang="en-US"/>
+                    </a:p>
+                  </a:txBody>
+                  <a:tcPr/>
+                </a:tc>
+                <a:tc vMerge="1">
+                  <a:txBody>
+                    <a:bodyPr/>
+                    <a:lstStyle/>
+                    <a:p>
+                      <a:pPr latinLnBrk="1"/>
+                      <a:endParaRPr lang="ko-KR" altLang="en-US"/>
+                    </a:p>
+                  </a:txBody>
+                  <a:tcPr/>
+                </a:tc>
+                <a:tc>
+                  <a:txBody>
+                    <a:bodyPr/>
+                    <a:lstStyle/>
+                    <a:p>
+                      <a:pPr marL="0" marR="0" indent="0" algn="ctr" fontAlgn="base" latinLnBrk="1">
+                        <a:lnSpc>
+                          <a:spcPct val="160000"/>
+                        </a:lnSpc>
+                        <a:spcBef>
+                          <a:spcPts val="0"/>
+                        </a:spcBef>
+                        <a:spcAft>
+                          <a:spcPts val="0"/>
+                        </a:spcAft>
+                      </a:pPr>
+                      <a:r>
                         <a:rPr lang="ko-KR" altLang="en-US" sz="1100" b="0" kern="0" spc="0" dirty="0" smtClean="0">
                           <a:solidFill>
                             <a:srgbClr val="000000"/>
                           </a:solidFill>
                           <a:effectLst/>
-                          <a:latin typeface="+mn-lt"/>
-                          <a:ea typeface="함초롬바탕"/>
+                          <a:latin typeface="+mn-ea"/>
+                          <a:ea typeface="+mn-ea"/>
+                        </a:rPr>
+                        <a:t>입력된 </a:t>
+                      </a:r>
+                      <a:endParaRPr lang="en-US" altLang="ko-KR" sz="1100" b="0" kern="0" spc="0" dirty="0" smtClean="0">
+                        <a:solidFill>
+                          <a:srgbClr val="000000"/>
+                        </a:solidFill>
+                        <a:effectLst/>
+                        <a:latin typeface="+mn-ea"/>
+                        <a:ea typeface="+mn-ea"/>
+                      </a:endParaRPr>
+                    </a:p>
+                    <a:p>
+                      <a:pPr marL="0" marR="0" indent="0" algn="ctr" fontAlgn="base" latinLnBrk="1">
+                        <a:lnSpc>
+                          <a:spcPct val="160000"/>
+                        </a:lnSpc>
+                        <a:spcBef>
+                          <a:spcPts val="0"/>
+                        </a:spcBef>
+                        <a:spcAft>
+                          <a:spcPts val="0"/>
+                        </a:spcAft>
+                      </a:pPr>
+                      <a:r>
+                        <a:rPr lang="ko-KR" altLang="en-US" sz="1100" b="0" kern="0" spc="0" dirty="0" smtClean="0">
+                          <a:solidFill>
+                            <a:srgbClr val="000000"/>
+                          </a:solidFill>
+                          <a:effectLst/>
+                          <a:latin typeface="+mn-ea"/>
+                          <a:ea typeface="+mn-ea"/>
+                        </a:rPr>
+                        <a:t>교명에서</a:t>
+                      </a:r>
+                      <a:endParaRPr lang="en-US" altLang="ko-KR" sz="1100" b="0" kern="0" spc="0" dirty="0" smtClean="0">
+                        <a:solidFill>
+                          <a:srgbClr val="000000"/>
+                        </a:solidFill>
+                        <a:effectLst/>
+                        <a:latin typeface="+mn-ea"/>
+                        <a:ea typeface="+mn-ea"/>
+                      </a:endParaRPr>
+                    </a:p>
+                    <a:p>
+                      <a:pPr marL="0" marR="0" indent="0" algn="ctr" fontAlgn="base" latinLnBrk="1">
+                        <a:lnSpc>
+                          <a:spcPct val="160000"/>
+                        </a:lnSpc>
+                        <a:spcBef>
+                          <a:spcPts val="0"/>
+                        </a:spcBef>
+                        <a:spcAft>
+                          <a:spcPts val="0"/>
+                        </a:spcAft>
+                      </a:pPr>
+                      <a:r>
+                        <a:rPr lang="ko-KR" altLang="en-US" sz="1100" b="0" kern="0" spc="0" dirty="0" smtClean="0">
+                          <a:solidFill>
+                            <a:srgbClr val="000000"/>
+                          </a:solidFill>
+                          <a:effectLst/>
+                          <a:latin typeface="+mn-ea"/>
+                          <a:ea typeface="+mn-ea"/>
                         </a:rPr>
                         <a:t>선택한다</a:t>
                       </a:r>
@@ -33745,7 +33632,8 @@
                           <a:srgbClr val="000000"/>
                         </a:solidFill>
                         <a:effectLst/>
-                        <a:latin typeface="+mn-lt"/>
+                        <a:latin typeface="+mn-ea"/>
+                        <a:ea typeface="+mn-ea"/>
                       </a:endParaRPr>
                     </a:p>
                   </a:txBody>
@@ -33801,7 +33689,7 @@
                 </a:tc>
                 <a:extLst>
                   <a:ext uri="{0D108BD9-81ED-4DB2-BD59-A6C34878D82A}">
-                    <a16:rowId xmlns="" xmlns:a16="http://schemas.microsoft.com/office/drawing/2014/main" val="10002"/>
+                    <a16:rowId xmlns:a16="http://schemas.microsoft.com/office/drawing/2014/main" xmlns="" val="10002"/>
                   </a:ext>
                 </a:extLst>
               </a:tr>
@@ -33812,7 +33700,7 @@
     </p:spTree>
     <p:extLst>
       <p:ext uri="{BB962C8B-B14F-4D97-AF65-F5344CB8AC3E}">
-        <p14:creationId xmlns="" xmlns:p14="http://schemas.microsoft.com/office/powerpoint/2010/main" val="1569664776"/>
+        <p14:creationId xmlns:p14="http://schemas.microsoft.com/office/powerpoint/2010/main" val="1569664776"/>
       </p:ext>
     </p:extLst>
   </p:cSld>
@@ -33879,7 +33767,7 @@
           <p:nvPr>
             <p:extLst>
               <p:ext uri="{D42A27DB-BD31-4B8C-83A1-F6EECF244321}">
-                <p14:modId xmlns="" xmlns:p14="http://schemas.microsoft.com/office/powerpoint/2010/main" val="968705942"/>
+                <p14:modId xmlns:p14="http://schemas.microsoft.com/office/powerpoint/2010/main" val="1720724639"/>
               </p:ext>
             </p:extLst>
           </p:nvPr>
@@ -33898,7 +33786,7 @@
                 <a:gridCol w="7519231">
                   <a:extLst>
                     <a:ext uri="{9D8B030D-6E8A-4147-A177-3AD203B41FA5}">
-                      <a16:colId xmlns="" xmlns:a16="http://schemas.microsoft.com/office/drawing/2014/main" val="20000"/>
+                      <a16:colId xmlns:a16="http://schemas.microsoft.com/office/drawing/2014/main" xmlns="" val="20000"/>
                     </a:ext>
                   </a:extLst>
                 </a:gridCol>
@@ -33937,7 +33825,7 @@
                 </a:tc>
                 <a:extLst>
                   <a:ext uri="{0D108BD9-81ED-4DB2-BD59-A6C34878D82A}">
-                    <a16:rowId xmlns="" xmlns:a16="http://schemas.microsoft.com/office/drawing/2014/main" val="10000"/>
+                    <a16:rowId xmlns:a16="http://schemas.microsoft.com/office/drawing/2014/main" xmlns="" val="10000"/>
                   </a:ext>
                 </a:extLst>
               </a:tr>
@@ -33959,97 +33847,87 @@
                       </a:endParaRPr>
                     </a:p>
                     <a:p>
-                      <a:pPr fontAlgn="base" latinLnBrk="0"/>
-                      <a:r>
-                        <a:rPr lang="en-US" altLang="ko-KR" sz="1200" kern="1200" dirty="0" smtClean="0">
-                          <a:solidFill>
-                            <a:schemeClr val="dk1"/>
-                          </a:solidFill>
-                          <a:effectLst/>
-                          <a:latin typeface="+mn-lt"/>
-                          <a:ea typeface="+mn-ea"/>
-                          <a:cs typeface="+mn-cs"/>
-                        </a:rPr>
-                        <a:t>private Database </a:t>
+                      <a:pPr marL="0" marR="0" indent="0" algn="l" defTabSz="914400" rtl="0" eaLnBrk="1" fontAlgn="base" latinLnBrk="0" hangingPunct="1">
+                        <a:lnSpc>
+                          <a:spcPct val="100000"/>
+                        </a:lnSpc>
+                        <a:spcBef>
+                          <a:spcPts val="0"/>
+                        </a:spcBef>
+                        <a:spcAft>
+                          <a:spcPts val="0"/>
+                        </a:spcAft>
+                        <a:buClrTx/>
+                        <a:buSzTx/>
+                        <a:buFontTx/>
+                        <a:buNone/>
+                        <a:tabLst/>
+                        <a:defRPr/>
+                      </a:pPr>
+                      <a:r>
+                        <a:rPr lang="en-US" altLang="ko-KR" sz="1200" kern="1200" dirty="0" smtClean="0">
+                          <a:solidFill>
+                            <a:schemeClr val="dk1"/>
+                          </a:solidFill>
+                          <a:latin typeface="+mn-lt"/>
+                          <a:ea typeface="+mn-ea"/>
+                          <a:cs typeface="+mn-cs"/>
+                        </a:rPr>
+                        <a:t>private </a:t>
                       </a:r>
                       <a:r>
                         <a:rPr lang="en-US" altLang="ko-KR" sz="1200" kern="1200" dirty="0" err="1" smtClean="0">
                           <a:solidFill>
                             <a:schemeClr val="dk1"/>
                           </a:solidFill>
-                          <a:effectLst/>
-                          <a:latin typeface="+mn-lt"/>
-                          <a:ea typeface="+mn-ea"/>
-                          <a:cs typeface="+mn-cs"/>
-                        </a:rPr>
-                        <a:t>database</a:t>
-                      </a:r>
-                      <a:r>
-                        <a:rPr lang="en-US" altLang="ko-KR" sz="1200" kern="1200" dirty="0" smtClean="0">
-                          <a:solidFill>
-                            <a:schemeClr val="dk1"/>
-                          </a:solidFill>
-                          <a:effectLst/>
+                          <a:latin typeface="+mn-lt"/>
+                          <a:ea typeface="+mn-ea"/>
+                          <a:cs typeface="+mn-cs"/>
+                        </a:rPr>
+                        <a:t>JPanel</a:t>
+                      </a:r>
+                      <a:r>
+                        <a:rPr lang="en-US" altLang="ko-KR" sz="1200" kern="1200" dirty="0" smtClean="0">
+                          <a:solidFill>
+                            <a:schemeClr val="dk1"/>
+                          </a:solidFill>
+                          <a:latin typeface="+mn-lt"/>
+                          <a:ea typeface="+mn-ea"/>
+                          <a:cs typeface="+mn-cs"/>
+                        </a:rPr>
+                        <a:t> </a:t>
+                      </a:r>
+                      <a:r>
+                        <a:rPr lang="en-US" altLang="ko-KR" sz="1200" kern="1200" dirty="0" err="1" smtClean="0">
+                          <a:solidFill>
+                            <a:schemeClr val="dk1"/>
+                          </a:solidFill>
+                          <a:latin typeface="+mn-lt"/>
+                          <a:ea typeface="+mn-ea"/>
+                          <a:cs typeface="+mn-cs"/>
+                        </a:rPr>
+                        <a:t>contentPane</a:t>
+                      </a:r>
+                      <a:r>
+                        <a:rPr lang="en-US" altLang="ko-KR" sz="1200" kern="1200" dirty="0" smtClean="0">
+                          <a:solidFill>
+                            <a:schemeClr val="dk1"/>
+                          </a:solidFill>
                           <a:latin typeface="+mn-lt"/>
                           <a:ea typeface="+mn-ea"/>
                           <a:cs typeface="+mn-cs"/>
                         </a:rPr>
                         <a:t>;</a:t>
                       </a:r>
-                    </a:p>
-                    <a:p>
-                      <a:pPr fontAlgn="base" latinLnBrk="0"/>
-                      <a:r>
-                        <a:rPr lang="en-US" altLang="ko-KR" sz="1200" kern="1200" dirty="0" smtClean="0">
-                          <a:solidFill>
-                            <a:schemeClr val="dk1"/>
-                          </a:solidFill>
-                          <a:effectLst/>
-                          <a:latin typeface="+mn-lt"/>
-                          <a:ea typeface="+mn-ea"/>
-                          <a:cs typeface="+mn-cs"/>
-                        </a:rPr>
-                        <a:t>public final static String Login;</a:t>
-                      </a:r>
-                    </a:p>
-                    <a:p>
-                      <a:pPr fontAlgn="base" latinLnBrk="0"/>
-                      <a:r>
-                        <a:rPr lang="en-US" altLang="ko-KR" sz="1200" kern="1200" dirty="0" smtClean="0">
-                          <a:solidFill>
-                            <a:schemeClr val="dk1"/>
-                          </a:solidFill>
-                          <a:effectLst/>
-                          <a:latin typeface="+mn-lt"/>
-                          <a:ea typeface="+mn-ea"/>
-                          <a:cs typeface="+mn-cs"/>
-                        </a:rPr>
-                        <a:t>public Login </a:t>
-                      </a:r>
-                      <a:r>
-                        <a:rPr lang="en-US" altLang="ko-KR" sz="1200" kern="1200" dirty="0" err="1" smtClean="0">
-                          <a:solidFill>
-                            <a:schemeClr val="dk1"/>
-                          </a:solidFill>
-                          <a:effectLst/>
-                          <a:latin typeface="+mn-lt"/>
-                          <a:ea typeface="+mn-ea"/>
-                          <a:cs typeface="+mn-cs"/>
-                        </a:rPr>
-                        <a:t>LoginClass</a:t>
-                      </a:r>
-                      <a:r>
-                        <a:rPr lang="en-US" altLang="ko-KR" sz="1200" kern="1200" dirty="0" smtClean="0">
-                          <a:solidFill>
-                            <a:schemeClr val="dk1"/>
-                          </a:solidFill>
-                          <a:effectLst/>
-                          <a:latin typeface="+mn-lt"/>
-                          <a:ea typeface="+mn-ea"/>
-                          <a:cs typeface="+mn-cs"/>
-                        </a:rPr>
-                        <a:t>;</a:t>
-                      </a:r>
+                      <a:endParaRPr lang="en-US" altLang="ko-KR" sz="1200" kern="1200" dirty="0" smtClean="0">
+                        <a:solidFill>
+                          <a:schemeClr val="dk1"/>
+                        </a:solidFill>
+                        <a:effectLst/>
+                        <a:latin typeface="+mn-lt"/>
+                        <a:ea typeface="+mn-ea"/>
+                        <a:cs typeface="+mn-cs"/>
+                      </a:endParaRPr>
                     </a:p>
                     <a:p>
                       <a:pPr fontAlgn="base" latinLnBrk="0"/>
@@ -34116,7 +33994,7 @@
                 </a:tc>
                 <a:extLst>
                   <a:ext uri="{0D108BD9-81ED-4DB2-BD59-A6C34878D82A}">
-                    <a16:rowId xmlns="" xmlns:a16="http://schemas.microsoft.com/office/drawing/2014/main" val="10001"/>
+                    <a16:rowId xmlns:a16="http://schemas.microsoft.com/office/drawing/2014/main" xmlns="" val="10001"/>
                   </a:ext>
                 </a:extLst>
               </a:tr>
@@ -34253,7 +34131,7 @@
                 </a:tc>
                 <a:extLst>
                   <a:ext uri="{0D108BD9-81ED-4DB2-BD59-A6C34878D82A}">
-                    <a16:rowId xmlns="" xmlns:a16="http://schemas.microsoft.com/office/drawing/2014/main" val="10002"/>
+                    <a16:rowId xmlns:a16="http://schemas.microsoft.com/office/drawing/2014/main" xmlns="" val="10002"/>
                   </a:ext>
                 </a:extLst>
               </a:tr>
@@ -34284,14 +34162,14 @@
           <a:effectLst/>
           <a:extLst>
             <a:ext uri="{909E8E84-426E-40DD-AFC4-6F175D3DCCD1}">
-              <a14:hiddenFill xmlns="" xmlns:a14="http://schemas.microsoft.com/office/drawing/2010/main">
+              <a14:hiddenFill xmlns:a14="http://schemas.microsoft.com/office/drawing/2010/main">
                 <a:solidFill>
                   <a:schemeClr val="accent1"/>
                 </a:solidFill>
               </a14:hiddenFill>
             </a:ext>
             <a:ext uri="{91240B29-F687-4F45-9708-019B960494DF}">
-              <a14:hiddenLine xmlns="" xmlns:a14="http://schemas.microsoft.com/office/drawing/2010/main" w="9525">
+              <a14:hiddenLine xmlns:a14="http://schemas.microsoft.com/office/drawing/2010/main" w="9525">
                 <a:solidFill>
                   <a:schemeClr val="tx1"/>
                 </a:solidFill>
@@ -34301,7 +34179,7 @@
               </a14:hiddenLine>
             </a:ext>
             <a:ext uri="{AF507438-7753-43E0-B8FC-AC1667EBCBE1}">
-              <a14:hiddenEffects xmlns="" xmlns:a14="http://schemas.microsoft.com/office/drawing/2010/main">
+              <a14:hiddenEffects xmlns:a14="http://schemas.microsoft.com/office/drawing/2010/main">
                 <a:effectLst>
                   <a:outerShdw dist="35921" dir="2700000" algn="ctr" rotWithShape="0">
                     <a:schemeClr val="bg2"/>
@@ -34361,7 +34239,7 @@
     </p:spTree>
     <p:extLst>
       <p:ext uri="{BB962C8B-B14F-4D97-AF65-F5344CB8AC3E}">
-        <p14:creationId xmlns="" xmlns:p14="http://schemas.microsoft.com/office/powerpoint/2010/main" val="259846959"/>
+        <p14:creationId xmlns:p14="http://schemas.microsoft.com/office/powerpoint/2010/main" val="259846959"/>
       </p:ext>
     </p:extLst>
   </p:cSld>
@@ -34441,7 +34319,7 @@
                 <a:gridCol w="4871198">
                   <a:extLst>
                     <a:ext uri="{9D8B030D-6E8A-4147-A177-3AD203B41FA5}">
-                      <a16:colId xmlns="" xmlns:a16="http://schemas.microsoft.com/office/drawing/2014/main" val="20000"/>
+                      <a16:colId xmlns:a16="http://schemas.microsoft.com/office/drawing/2014/main" xmlns="" val="20000"/>
                     </a:ext>
                   </a:extLst>
                 </a:gridCol>
@@ -34507,7 +34385,7 @@
                 </a:tc>
                 <a:extLst>
                   <a:ext uri="{0D108BD9-81ED-4DB2-BD59-A6C34878D82A}">
-                    <a16:rowId xmlns="" xmlns:a16="http://schemas.microsoft.com/office/drawing/2014/main" val="10000"/>
+                    <a16:rowId xmlns:a16="http://schemas.microsoft.com/office/drawing/2014/main" xmlns="" val="10000"/>
                   </a:ext>
                 </a:extLst>
               </a:tr>
@@ -35044,7 +34922,7 @@
                 </a:tc>
                 <a:extLst>
                   <a:ext uri="{0D108BD9-81ED-4DB2-BD59-A6C34878D82A}">
-                    <a16:rowId xmlns="" xmlns:a16="http://schemas.microsoft.com/office/drawing/2014/main" val="10001"/>
+                    <a16:rowId xmlns:a16="http://schemas.microsoft.com/office/drawing/2014/main" xmlns="" val="10001"/>
                   </a:ext>
                 </a:extLst>
               </a:tr>
@@ -35280,7 +35158,7 @@
                 </a:tc>
                 <a:extLst>
                   <a:ext uri="{0D108BD9-81ED-4DB2-BD59-A6C34878D82A}">
-                    <a16:rowId xmlns="" xmlns:a16="http://schemas.microsoft.com/office/drawing/2014/main" val="10002"/>
+                    <a16:rowId xmlns:a16="http://schemas.microsoft.com/office/drawing/2014/main" xmlns="" val="10002"/>
                   </a:ext>
                 </a:extLst>
               </a:tr>
@@ -35338,21 +35216,21 @@
                 <a:gridCol w="1311509">
                   <a:extLst>
                     <a:ext uri="{9D8B030D-6E8A-4147-A177-3AD203B41FA5}">
-                      <a16:colId xmlns="" xmlns:a16="http://schemas.microsoft.com/office/drawing/2014/main" val="20000"/>
+                      <a16:colId xmlns:a16="http://schemas.microsoft.com/office/drawing/2014/main" xmlns="" val="20000"/>
                     </a:ext>
                   </a:extLst>
                 </a:gridCol>
                 <a:gridCol w="1311509">
                   <a:extLst>
                     <a:ext uri="{9D8B030D-6E8A-4147-A177-3AD203B41FA5}">
-                      <a16:colId xmlns="" xmlns:a16="http://schemas.microsoft.com/office/drawing/2014/main" val="20001"/>
+                      <a16:colId xmlns:a16="http://schemas.microsoft.com/office/drawing/2014/main" xmlns="" val="20001"/>
                     </a:ext>
                   </a:extLst>
                 </a:gridCol>
                 <a:gridCol w="927736">
                   <a:extLst>
                     <a:ext uri="{9D8B030D-6E8A-4147-A177-3AD203B41FA5}">
-                      <a16:colId xmlns="" xmlns:a16="http://schemas.microsoft.com/office/drawing/2014/main" val="20003"/>
+                      <a16:colId xmlns:a16="http://schemas.microsoft.com/office/drawing/2014/main" xmlns="" val="20003"/>
                     </a:ext>
                   </a:extLst>
                 </a:gridCol>
@@ -35573,7 +35451,7 @@
                 </a:tc>
                 <a:extLst>
                   <a:ext uri="{0D108BD9-81ED-4DB2-BD59-A6C34878D82A}">
-                    <a16:rowId xmlns="" xmlns:a16="http://schemas.microsoft.com/office/drawing/2014/main" val="10000"/>
+                    <a16:rowId xmlns:a16="http://schemas.microsoft.com/office/drawing/2014/main" xmlns="" val="10000"/>
                   </a:ext>
                 </a:extLst>
               </a:tr>
@@ -35763,7 +35641,7 @@
                 </a:tc>
                 <a:extLst>
                   <a:ext uri="{0D108BD9-81ED-4DB2-BD59-A6C34878D82A}">
-                    <a16:rowId xmlns="" xmlns:a16="http://schemas.microsoft.com/office/drawing/2014/main" val="10001"/>
+                    <a16:rowId xmlns:a16="http://schemas.microsoft.com/office/drawing/2014/main" xmlns="" val="10001"/>
                   </a:ext>
                 </a:extLst>
               </a:tr>
@@ -36045,7 +35923,7 @@
                 </a:tc>
                 <a:extLst>
                   <a:ext uri="{0D108BD9-81ED-4DB2-BD59-A6C34878D82A}">
-                    <a16:rowId xmlns="" xmlns:a16="http://schemas.microsoft.com/office/drawing/2014/main" val="10003"/>
+                    <a16:rowId xmlns:a16="http://schemas.microsoft.com/office/drawing/2014/main" xmlns="" val="10003"/>
                   </a:ext>
                 </a:extLst>
               </a:tr>
@@ -36131,7 +36009,7 @@
                 <a:gridCol w="2951440">
                   <a:extLst>
                     <a:ext uri="{9D8B030D-6E8A-4147-A177-3AD203B41FA5}">
-                      <a16:colId xmlns="" xmlns:a16="http://schemas.microsoft.com/office/drawing/2014/main" val="20000"/>
+                      <a16:colId xmlns:a16="http://schemas.microsoft.com/office/drawing/2014/main" xmlns="" val="20000"/>
                     </a:ext>
                   </a:extLst>
                 </a:gridCol>
@@ -36196,7 +36074,7 @@
                 </a:tc>
                 <a:extLst>
                   <a:ext uri="{0D108BD9-81ED-4DB2-BD59-A6C34878D82A}">
-                    <a16:rowId xmlns="" xmlns:a16="http://schemas.microsoft.com/office/drawing/2014/main" val="10000"/>
+                    <a16:rowId xmlns:a16="http://schemas.microsoft.com/office/drawing/2014/main" xmlns="" val="10000"/>
                   </a:ext>
                 </a:extLst>
               </a:tr>
@@ -37500,7 +37378,7 @@
                 </a:tc>
                 <a:extLst>
                   <a:ext uri="{0D108BD9-81ED-4DB2-BD59-A6C34878D82A}">
-                    <a16:rowId xmlns="" xmlns:a16="http://schemas.microsoft.com/office/drawing/2014/main" val="10001"/>
+                    <a16:rowId xmlns:a16="http://schemas.microsoft.com/office/drawing/2014/main" xmlns="" val="10001"/>
                   </a:ext>
                 </a:extLst>
               </a:tr>
@@ -37820,7 +37698,7 @@
                 </a:tc>
                 <a:extLst>
                   <a:ext uri="{0D108BD9-81ED-4DB2-BD59-A6C34878D82A}">
-                    <a16:rowId xmlns="" xmlns:a16="http://schemas.microsoft.com/office/drawing/2014/main" val="10002"/>
+                    <a16:rowId xmlns:a16="http://schemas.microsoft.com/office/drawing/2014/main" xmlns="" val="10002"/>
                   </a:ext>
                 </a:extLst>
               </a:tr>
@@ -37848,21 +37726,21 @@
                 <a:gridCol w="1014563">
                   <a:extLst>
                     <a:ext uri="{9D8B030D-6E8A-4147-A177-3AD203B41FA5}">
-                      <a16:colId xmlns="" xmlns:a16="http://schemas.microsoft.com/office/drawing/2014/main" val="20000"/>
+                      <a16:colId xmlns:a16="http://schemas.microsoft.com/office/drawing/2014/main" xmlns="" val="20000"/>
                     </a:ext>
                   </a:extLst>
                 </a:gridCol>
                 <a:gridCol w="1014563">
                   <a:extLst>
                     <a:ext uri="{9D8B030D-6E8A-4147-A177-3AD203B41FA5}">
-                      <a16:colId xmlns="" xmlns:a16="http://schemas.microsoft.com/office/drawing/2014/main" val="20001"/>
+                      <a16:colId xmlns:a16="http://schemas.microsoft.com/office/drawing/2014/main" xmlns="" val="20001"/>
                     </a:ext>
                   </a:extLst>
                 </a:gridCol>
                 <a:gridCol w="806944">
                   <a:extLst>
                     <a:ext uri="{9D8B030D-6E8A-4147-A177-3AD203B41FA5}">
-                      <a16:colId xmlns="" xmlns:a16="http://schemas.microsoft.com/office/drawing/2014/main" val="20003"/>
+                      <a16:colId xmlns:a16="http://schemas.microsoft.com/office/drawing/2014/main" xmlns="" val="20003"/>
                     </a:ext>
                   </a:extLst>
                 </a:gridCol>
@@ -38083,7 +37961,7 @@
                 </a:tc>
                 <a:extLst>
                   <a:ext uri="{0D108BD9-81ED-4DB2-BD59-A6C34878D82A}">
-                    <a16:rowId xmlns="" xmlns:a16="http://schemas.microsoft.com/office/drawing/2014/main" val="10000"/>
+                    <a16:rowId xmlns:a16="http://schemas.microsoft.com/office/drawing/2014/main" xmlns="" val="10000"/>
                   </a:ext>
                 </a:extLst>
               </a:tr>
@@ -38239,7 +38117,7 @@
                 </a:tc>
                 <a:extLst>
                   <a:ext uri="{0D108BD9-81ED-4DB2-BD59-A6C34878D82A}">
-                    <a16:rowId xmlns="" xmlns:a16="http://schemas.microsoft.com/office/drawing/2014/main" val="10001"/>
+                    <a16:rowId xmlns:a16="http://schemas.microsoft.com/office/drawing/2014/main" xmlns="" val="10001"/>
                   </a:ext>
                 </a:extLst>
               </a:tr>
@@ -38334,7 +38212,7 @@
                 </a:tc>
                 <a:extLst>
                   <a:ext uri="{0D108BD9-81ED-4DB2-BD59-A6C34878D82A}">
-                    <a16:rowId xmlns="" xmlns:a16="http://schemas.microsoft.com/office/drawing/2014/main" val="10002"/>
+                    <a16:rowId xmlns:a16="http://schemas.microsoft.com/office/drawing/2014/main" xmlns="" val="10002"/>
                   </a:ext>
                 </a:extLst>
               </a:tr>
@@ -38444,7 +38322,7 @@
                 </a:tc>
                 <a:extLst>
                   <a:ext uri="{0D108BD9-81ED-4DB2-BD59-A6C34878D82A}">
-                    <a16:rowId xmlns="" xmlns:a16="http://schemas.microsoft.com/office/drawing/2014/main" val="10003"/>
+                    <a16:rowId xmlns:a16="http://schemas.microsoft.com/office/drawing/2014/main" xmlns="" val="10003"/>
                   </a:ext>
                 </a:extLst>
               </a:tr>
@@ -38539,7 +38417,7 @@
                 </a:tc>
                 <a:extLst>
                   <a:ext uri="{0D108BD9-81ED-4DB2-BD59-A6C34878D82A}">
-                    <a16:rowId xmlns="" xmlns:a16="http://schemas.microsoft.com/office/drawing/2014/main" val="10004"/>
+                    <a16:rowId xmlns:a16="http://schemas.microsoft.com/office/drawing/2014/main" xmlns="" val="10004"/>
                   </a:ext>
                 </a:extLst>
               </a:tr>
@@ -38634,7 +38512,7 @@
                 </a:tc>
                 <a:extLst>
                   <a:ext uri="{0D108BD9-81ED-4DB2-BD59-A6C34878D82A}">
-                    <a16:rowId xmlns="" xmlns:a16="http://schemas.microsoft.com/office/drawing/2014/main" val="10005"/>
+                    <a16:rowId xmlns:a16="http://schemas.microsoft.com/office/drawing/2014/main" xmlns="" val="10005"/>
                   </a:ext>
                 </a:extLst>
               </a:tr>
@@ -38729,7 +38607,7 @@
                 </a:tc>
                 <a:extLst>
                   <a:ext uri="{0D108BD9-81ED-4DB2-BD59-A6C34878D82A}">
-                    <a16:rowId xmlns="" xmlns:a16="http://schemas.microsoft.com/office/drawing/2014/main" val="10006"/>
+                    <a16:rowId xmlns:a16="http://schemas.microsoft.com/office/drawing/2014/main" xmlns="" val="10006"/>
                   </a:ext>
                 </a:extLst>
               </a:tr>

--- a/doc/3_ 설계서/Class Design.pptx
+++ b/doc/3_ 설계서/Class Design.pptx
@@ -6962,7 +6962,13 @@
           <p:cNvGraphicFramePr>
             <a:graphicFrameLocks noGrp="1"/>
           </p:cNvGraphicFramePr>
-          <p:nvPr/>
+          <p:nvPr>
+            <p:extLst>
+              <p:ext uri="{D42A27DB-BD31-4B8C-83A1-F6EECF244321}">
+                <p14:modId xmlns:p14="http://schemas.microsoft.com/office/powerpoint/2010/main" val="2216358545"/>
+              </p:ext>
+            </p:extLst>
+          </p:nvPr>
         </p:nvGraphicFramePr>
         <p:xfrm>
           <a:off x="5745891" y="1028006"/>
@@ -7477,20 +7483,14 @@
                         </a:spcAft>
                       </a:pPr>
                       <a:r>
-                        <a:rPr lang="ko-KR" altLang="en-US" sz="1100" dirty="0" err="1">
+                        <a:rPr lang="ko-KR" altLang="en-US" sz="1100" dirty="0">
                           <a:solidFill>
                             <a:schemeClr val="tx1"/>
                           </a:solidFill>
                           <a:latin typeface="+mn-lt"/>
                         </a:rPr>
-                        <a:t>버튼명</a:t>
-                      </a:r>
-                      <a:endParaRPr lang="ko-KR" altLang="en-US" sz="1100" dirty="0">
-                        <a:solidFill>
-                          <a:schemeClr val="tx1"/>
-                        </a:solidFill>
-                        <a:latin typeface="+mn-lt"/>
-                      </a:endParaRPr>
+                        <a:t>버튼 명</a:t>
+                      </a:r>
                     </a:p>
                   </a:txBody>
                   <a:tcPr marL="64770" marR="64770" marT="17907" marB="17907" anchor="ctr">
@@ -8630,7 +8630,13 @@
           <p:cNvGraphicFramePr>
             <a:graphicFrameLocks noGrp="1"/>
           </p:cNvGraphicFramePr>
-          <p:nvPr/>
+          <p:nvPr>
+            <p:extLst>
+              <p:ext uri="{D42A27DB-BD31-4B8C-83A1-F6EECF244321}">
+                <p14:modId xmlns:p14="http://schemas.microsoft.com/office/powerpoint/2010/main" val="2341293638"/>
+              </p:ext>
+            </p:extLst>
+          </p:nvPr>
         </p:nvGraphicFramePr>
         <p:xfrm>
           <a:off x="6061745" y="1236518"/>
@@ -8824,20 +8830,14 @@
                         </a:spcAft>
                       </a:pPr>
                       <a:r>
-                        <a:rPr lang="ko-KR" altLang="en-US" sz="1100" b="0" dirty="0" err="1">
+                        <a:rPr lang="ko-KR" altLang="en-US" sz="1100" b="0" dirty="0">
                           <a:solidFill>
                             <a:schemeClr val="tx1"/>
                           </a:solidFill>
                           <a:latin typeface="+mn-lt"/>
                         </a:rPr>
-                        <a:t>버튼명</a:t>
-                      </a:r>
-                      <a:endParaRPr lang="ko-KR" altLang="en-US" sz="1100" b="0" dirty="0">
-                        <a:solidFill>
-                          <a:schemeClr val="tx1"/>
-                        </a:solidFill>
-                        <a:latin typeface="+mn-lt"/>
-                      </a:endParaRPr>
+                        <a:t>버튼 명</a:t>
+                      </a:r>
                     </a:p>
                   </a:txBody>
                   <a:tcPr marL="64770" marR="64770" marT="17907" marB="17907" anchor="ctr">
@@ -11568,7 +11568,11 @@
             <a:graphicFrameLocks noGrp="1"/>
           </p:cNvGraphicFramePr>
           <p:nvPr>
-            <p:extLst/>
+            <p:extLst>
+              <p:ext uri="{D42A27DB-BD31-4B8C-83A1-F6EECF244321}">
+                <p14:modId xmlns:p14="http://schemas.microsoft.com/office/powerpoint/2010/main" val="1448986498"/>
+              </p:ext>
+            </p:extLst>
           </p:nvPr>
         </p:nvGraphicFramePr>
         <p:xfrm>
@@ -11973,20 +11977,14 @@
                         </a:spcAft>
                       </a:pPr>
                       <a:r>
-                        <a:rPr lang="ko-KR" altLang="en-US" sz="1100" b="0" dirty="0" err="1">
+                        <a:rPr lang="ko-KR" altLang="en-US" sz="1100" b="0" dirty="0">
                           <a:solidFill>
                             <a:schemeClr val="tx1"/>
                           </a:solidFill>
                           <a:latin typeface="+mn-lt"/>
                         </a:rPr>
-                        <a:t>버튼명</a:t>
-                      </a:r>
-                      <a:endParaRPr lang="ko-KR" altLang="en-US" sz="1100" b="0" dirty="0">
-                        <a:solidFill>
-                          <a:schemeClr val="tx1"/>
-                        </a:solidFill>
-                        <a:latin typeface="+mn-lt"/>
-                      </a:endParaRPr>
+                        <a:t>버튼 명</a:t>
+                      </a:r>
                     </a:p>
                   </a:txBody>
                   <a:tcPr marL="64770" marR="64770" marT="17907" marB="17907" anchor="ctr">
@@ -13120,7 +13118,13 @@
           <p:cNvGraphicFramePr>
             <a:graphicFrameLocks noGrp="1"/>
           </p:cNvGraphicFramePr>
-          <p:nvPr/>
+          <p:nvPr>
+            <p:extLst>
+              <p:ext uri="{D42A27DB-BD31-4B8C-83A1-F6EECF244321}">
+                <p14:modId xmlns:p14="http://schemas.microsoft.com/office/powerpoint/2010/main" val="3379625358"/>
+              </p:ext>
+            </p:extLst>
+          </p:nvPr>
         </p:nvGraphicFramePr>
         <p:xfrm>
           <a:off x="5133004" y="1355075"/>
@@ -13376,22 +13380,13 @@
                         </a:spcAft>
                       </a:pPr>
                       <a:r>
-                        <a:rPr lang="ko-KR" altLang="en-US" sz="1100" b="0" dirty="0" err="1">
+                        <a:rPr lang="ko-KR" altLang="en-US" sz="1100" b="0" dirty="0">
                           <a:solidFill>
                             <a:schemeClr val="tx1"/>
                           </a:solidFill>
                           <a:latin typeface="+mn-lt"/>
                         </a:rPr>
-                        <a:t>콤보</a:t>
-                      </a:r>
-                      <a:r>
-                        <a:rPr lang="ko-KR" altLang="en-US" sz="1100" b="0" dirty="0">
-                          <a:solidFill>
-                            <a:schemeClr val="tx1"/>
-                          </a:solidFill>
-                          <a:latin typeface="+mn-lt"/>
-                        </a:rPr>
-                        <a:t> 박스</a:t>
+                        <a:t>콤보 박스</a:t>
                       </a:r>
                       <a:endParaRPr lang="en-US" altLang="ko-KR" sz="1100" b="0" dirty="0">
                         <a:solidFill>
@@ -13615,20 +13610,14 @@
                         </a:spcAft>
                       </a:pPr>
                       <a:r>
-                        <a:rPr lang="ko-KR" altLang="en-US" sz="1100" b="0" dirty="0" err="1">
+                        <a:rPr lang="ko-KR" altLang="en-US" sz="1100" b="0" dirty="0">
                           <a:solidFill>
                             <a:schemeClr val="tx1"/>
                           </a:solidFill>
                           <a:latin typeface="+mn-lt"/>
                         </a:rPr>
-                        <a:t>버튼명</a:t>
-                      </a:r>
-                      <a:endParaRPr lang="ko-KR" altLang="en-US" sz="1100" b="0" dirty="0">
-                        <a:solidFill>
-                          <a:schemeClr val="tx1"/>
-                        </a:solidFill>
-                        <a:latin typeface="+mn-lt"/>
-                      </a:endParaRPr>
+                        <a:t>버튼 명</a:t>
+                      </a:r>
                     </a:p>
                   </a:txBody>
                   <a:tcPr marL="64770" marR="64770" marT="17907" marB="17907" anchor="ctr">
@@ -17156,7 +17145,13 @@
           <p:cNvGraphicFramePr>
             <a:graphicFrameLocks noGrp="1"/>
           </p:cNvGraphicFramePr>
-          <p:nvPr/>
+          <p:nvPr>
+            <p:extLst>
+              <p:ext uri="{D42A27DB-BD31-4B8C-83A1-F6EECF244321}">
+                <p14:modId xmlns:p14="http://schemas.microsoft.com/office/powerpoint/2010/main" val="56007463"/>
+              </p:ext>
+            </p:extLst>
+          </p:nvPr>
         </p:nvGraphicFramePr>
         <p:xfrm>
           <a:off x="6061745" y="1608468"/>
@@ -17495,20 +17490,14 @@
                         </a:spcAft>
                       </a:pPr>
                       <a:r>
-                        <a:rPr lang="ko-KR" altLang="en-US" sz="1100" b="0" dirty="0" err="1">
+                        <a:rPr lang="ko-KR" altLang="en-US" sz="1100" b="0" dirty="0">
                           <a:solidFill>
                             <a:schemeClr val="tx1"/>
                           </a:solidFill>
                           <a:latin typeface="+mn-lt"/>
                         </a:rPr>
-                        <a:t>버튼명</a:t>
-                      </a:r>
-                      <a:endParaRPr lang="ko-KR" altLang="en-US" sz="1100" b="0" dirty="0">
-                        <a:solidFill>
-                          <a:schemeClr val="tx1"/>
-                        </a:solidFill>
-                        <a:latin typeface="+mn-lt"/>
-                      </a:endParaRPr>
+                        <a:t>버튼 명</a:t>
+                      </a:r>
                     </a:p>
                   </a:txBody>
                   <a:tcPr marL="64770" marR="64770" marT="17907" marB="17907" anchor="ctr">
@@ -18061,7 +18050,13 @@
           <p:cNvGraphicFramePr>
             <a:graphicFrameLocks noGrp="1"/>
           </p:cNvGraphicFramePr>
-          <p:nvPr/>
+          <p:nvPr>
+            <p:extLst>
+              <p:ext uri="{D42A27DB-BD31-4B8C-83A1-F6EECF244321}">
+                <p14:modId xmlns:p14="http://schemas.microsoft.com/office/powerpoint/2010/main" val="979713201"/>
+              </p:ext>
+            </p:extLst>
+          </p:nvPr>
         </p:nvGraphicFramePr>
         <p:xfrm>
           <a:off x="6123530" y="1608468"/>
@@ -18400,20 +18395,14 @@
                         </a:spcAft>
                       </a:pPr>
                       <a:r>
-                        <a:rPr lang="ko-KR" altLang="en-US" sz="1100" b="0" dirty="0" err="1">
+                        <a:rPr lang="ko-KR" altLang="en-US" sz="1100" b="0" dirty="0">
                           <a:solidFill>
                             <a:schemeClr val="tx1"/>
                           </a:solidFill>
                           <a:latin typeface="+mn-lt"/>
                         </a:rPr>
-                        <a:t>버튼명</a:t>
-                      </a:r>
-                      <a:endParaRPr lang="ko-KR" altLang="en-US" sz="1100" b="0" dirty="0">
-                        <a:solidFill>
-                          <a:schemeClr val="tx1"/>
-                        </a:solidFill>
-                        <a:latin typeface="+mn-lt"/>
-                      </a:endParaRPr>
+                        <a:t>버튼 명</a:t>
+                      </a:r>
                     </a:p>
                   </a:txBody>
                   <a:tcPr marL="64770" marR="64770" marT="17907" marB="17907" anchor="ctr">
@@ -21620,7 +21609,13 @@
           <p:cNvGraphicFramePr>
             <a:graphicFrameLocks noGrp="1"/>
           </p:cNvGraphicFramePr>
-          <p:nvPr/>
+          <p:nvPr>
+            <p:extLst>
+              <p:ext uri="{D42A27DB-BD31-4B8C-83A1-F6EECF244321}">
+                <p14:modId xmlns:p14="http://schemas.microsoft.com/office/powerpoint/2010/main" val="1412853329"/>
+              </p:ext>
+            </p:extLst>
+          </p:nvPr>
         </p:nvGraphicFramePr>
         <p:xfrm>
           <a:off x="6061745" y="1478892"/>
@@ -21814,20 +21809,14 @@
                         </a:spcAft>
                       </a:pPr>
                       <a:r>
-                        <a:rPr lang="ko-KR" altLang="en-US" sz="1100" b="0" dirty="0" err="1">
+                        <a:rPr lang="ko-KR" altLang="en-US" sz="1100" b="0" dirty="0">
                           <a:solidFill>
                             <a:schemeClr val="tx1"/>
                           </a:solidFill>
                           <a:latin typeface="+mn-lt"/>
                         </a:rPr>
-                        <a:t>버튼명</a:t>
-                      </a:r>
-                      <a:endParaRPr lang="ko-KR" altLang="en-US" sz="1100" b="0" dirty="0">
-                        <a:solidFill>
-                          <a:schemeClr val="tx1"/>
-                        </a:solidFill>
-                        <a:latin typeface="+mn-lt"/>
-                      </a:endParaRPr>
+                        <a:t>버튼 명</a:t>
+                      </a:r>
                     </a:p>
                   </a:txBody>
                   <a:tcPr marL="64770" marR="64770" marT="17907" marB="17907" anchor="ctr">
@@ -26215,7 +26204,11 @@
             <a:graphicFrameLocks noGrp="1"/>
           </p:cNvGraphicFramePr>
           <p:nvPr>
-            <p:extLst/>
+            <p:extLst>
+              <p:ext uri="{D42A27DB-BD31-4B8C-83A1-F6EECF244321}">
+                <p14:modId xmlns:p14="http://schemas.microsoft.com/office/powerpoint/2010/main" val="3029220670"/>
+              </p:ext>
+            </p:extLst>
           </p:nvPr>
         </p:nvGraphicFramePr>
         <p:xfrm>
@@ -26511,22 +26504,13 @@
                         </a:spcAft>
                       </a:pPr>
                       <a:r>
-                        <a:rPr lang="en-US" altLang="ko-KR" sz="1100" b="0" baseline="0" dirty="0" err="1">
+                        <a:rPr lang="en-US" altLang="ko-KR" sz="1100" b="0" baseline="0" dirty="0">
                           <a:solidFill>
                             <a:schemeClr val="tx1"/>
                           </a:solidFill>
                           <a:latin typeface="+mn-lt"/>
                         </a:rPr>
-                        <a:t>Todo</a:t>
-                      </a:r>
-                      <a:r>
-                        <a:rPr lang="en-US" altLang="ko-KR" sz="1100" b="0" baseline="0" dirty="0">
-                          <a:solidFill>
-                            <a:schemeClr val="tx1"/>
-                          </a:solidFill>
-                          <a:latin typeface="+mn-lt"/>
-                        </a:rPr>
-                        <a:t> </a:t>
+                        <a:t>To do </a:t>
                       </a:r>
                       <a:r>
                         <a:rPr lang="ko-KR" altLang="en-US" sz="1100" b="0" baseline="0" dirty="0">
@@ -26629,20 +26613,14 @@
                         </a:spcAft>
                       </a:pPr>
                       <a:r>
-                        <a:rPr lang="ko-KR" altLang="en-US" sz="1100" b="0" dirty="0" err="1">
+                        <a:rPr lang="ko-KR" altLang="en-US" sz="1100" b="0" dirty="0">
                           <a:solidFill>
                             <a:schemeClr val="tx1"/>
                           </a:solidFill>
                           <a:latin typeface="+mn-lt"/>
                         </a:rPr>
-                        <a:t>버튼명</a:t>
-                      </a:r>
-                      <a:endParaRPr lang="ko-KR" altLang="en-US" sz="1100" b="0" dirty="0">
-                        <a:solidFill>
-                          <a:schemeClr val="tx1"/>
-                        </a:solidFill>
-                        <a:latin typeface="+mn-lt"/>
-                      </a:endParaRPr>
+                        <a:t>버튼 명</a:t>
+                      </a:r>
                     </a:p>
                   </a:txBody>
                   <a:tcPr marL="64770" marR="64770" marT="17907" marB="17907" anchor="ctr">
@@ -27999,13 +27977,13 @@
           <p:nvPr>
             <p:extLst>
               <p:ext uri="{D42A27DB-BD31-4B8C-83A1-F6EECF244321}">
-                <p14:modId xmlns:p14="http://schemas.microsoft.com/office/powerpoint/2010/main" val="4231166298"/>
+                <p14:modId xmlns:p14="http://schemas.microsoft.com/office/powerpoint/2010/main" val="612409964"/>
               </p:ext>
             </p:extLst>
           </p:nvPr>
         </p:nvGraphicFramePr>
         <p:xfrm>
-          <a:off x="5521569" y="1254369"/>
+          <a:off x="5521569" y="1066800"/>
           <a:ext cx="3338939" cy="4654062"/>
         </p:xfrm>
         <a:graphic>
@@ -28489,7 +28467,7 @@
                         </a:spcAft>
                       </a:pPr>
                       <a:r>
-                        <a:rPr lang="ko-KR" altLang="en-US" sz="1000" kern="0" spc="0" dirty="0" err="1">
+                        <a:rPr lang="ko-KR" altLang="en-US" sz="1000" kern="0" spc="0" dirty="0">
                           <a:solidFill>
                             <a:srgbClr val="000000"/>
                           </a:solidFill>
@@ -28497,7 +28475,7 @@
                           <a:latin typeface="+mn-ea"/>
                           <a:ea typeface="+mn-ea"/>
                         </a:rPr>
-                        <a:t>마감임박한</a:t>
+                        <a:t>마감 임박한</a:t>
                       </a:r>
                       <a:endParaRPr lang="en-US" altLang="ko-KR" sz="1000" kern="0" spc="0" dirty="0">
                         <a:solidFill>
@@ -29556,14 +29534,14 @@
           <p:nvPr>
             <p:extLst>
               <p:ext uri="{D42A27DB-BD31-4B8C-83A1-F6EECF244321}">
-                <p14:modId xmlns:p14="http://schemas.microsoft.com/office/powerpoint/2010/main" val="3273851432"/>
+                <p14:modId xmlns:p14="http://schemas.microsoft.com/office/powerpoint/2010/main" val="1598867931"/>
               </p:ext>
             </p:extLst>
           </p:nvPr>
         </p:nvGraphicFramePr>
         <p:xfrm>
           <a:off x="280988" y="1025525"/>
-          <a:ext cx="8582024" cy="3542368"/>
+          <a:ext cx="8582024" cy="4174146"/>
         </p:xfrm>
         <a:graphic>
           <a:graphicData uri="http://schemas.openxmlformats.org/drawingml/2006/table">
@@ -30481,6 +30459,130 @@
                 <a:extLst>
                   <a:ext uri="{0D108BD9-81ED-4DB2-BD59-A6C34878D82A}">
                     <a16:rowId xmlns:a16="http://schemas.microsoft.com/office/drawing/2014/main" val="446648392"/>
+                  </a:ext>
+                </a:extLst>
+              </a:tr>
+              <a:tr h="631778">
+                <a:tc>
+                  <a:txBody>
+                    <a:bodyPr/>
+                    <a:lstStyle/>
+                    <a:p>
+                      <a:pPr algn="ctr" latinLnBrk="1"/>
+                      <a:r>
+                        <a:rPr lang="en-US" altLang="ko-KR" sz="1200" b="0" dirty="0">
+                          <a:solidFill>
+                            <a:schemeClr val="tx1"/>
+                          </a:solidFill>
+                          <a:latin typeface="맑은 고딕" pitchFamily="50" charset="-127"/>
+                          <a:ea typeface="맑은 고딕" pitchFamily="50" charset="-127"/>
+                        </a:rPr>
+                        <a:t>2017.05.26</a:t>
+                      </a:r>
+                      <a:endParaRPr lang="ko-KR" altLang="en-US" sz="1200" b="0" dirty="0">
+                        <a:solidFill>
+                          <a:schemeClr val="tx1"/>
+                        </a:solidFill>
+                        <a:latin typeface="맑은 고딕" pitchFamily="50" charset="-127"/>
+                        <a:ea typeface="맑은 고딕" pitchFamily="50" charset="-127"/>
+                      </a:endParaRPr>
+                    </a:p>
+                  </a:txBody>
+                  <a:tcPr anchor="ctr">
+                    <a:solidFill>
+                      <a:schemeClr val="bg1"/>
+                    </a:solidFill>
+                  </a:tcPr>
+                </a:tc>
+                <a:tc>
+                  <a:txBody>
+                    <a:bodyPr/>
+                    <a:lstStyle/>
+                    <a:p>
+                      <a:pPr algn="ctr" latinLnBrk="1"/>
+                      <a:r>
+                        <a:rPr lang="en-US" altLang="ko-KR" sz="1200" b="0" dirty="0">
+                          <a:solidFill>
+                            <a:schemeClr val="tx1"/>
+                          </a:solidFill>
+                          <a:latin typeface="맑은 고딕" pitchFamily="50" charset="-127"/>
+                          <a:ea typeface="맑은 고딕" pitchFamily="50" charset="-127"/>
+                        </a:rPr>
+                        <a:t>1.4ver</a:t>
+                      </a:r>
+                      <a:endParaRPr lang="ko-KR" altLang="en-US" sz="1200" b="0" dirty="0">
+                        <a:solidFill>
+                          <a:schemeClr val="tx1"/>
+                        </a:solidFill>
+                        <a:latin typeface="맑은 고딕" pitchFamily="50" charset="-127"/>
+                        <a:ea typeface="맑은 고딕" pitchFamily="50" charset="-127"/>
+                      </a:endParaRPr>
+                    </a:p>
+                  </a:txBody>
+                  <a:tcPr anchor="ctr">
+                    <a:solidFill>
+                      <a:schemeClr val="bg1"/>
+                    </a:solidFill>
+                  </a:tcPr>
+                </a:tc>
+                <a:tc>
+                  <a:txBody>
+                    <a:bodyPr/>
+                    <a:lstStyle/>
+                    <a:p>
+                      <a:pPr algn="ctr" latinLnBrk="1"/>
+                      <a:r>
+                        <a:rPr lang="ko-KR" altLang="en-US" sz="1200" b="0" dirty="0">
+                          <a:solidFill>
+                            <a:schemeClr val="tx1"/>
+                          </a:solidFill>
+                          <a:latin typeface="맑은 고딕" pitchFamily="50" charset="-127"/>
+                          <a:ea typeface="맑은 고딕" pitchFamily="50" charset="-127"/>
+                        </a:rPr>
+                        <a:t>최종 수정</a:t>
+                      </a:r>
+                    </a:p>
+                  </a:txBody>
+                  <a:tcPr anchor="ctr">
+                    <a:solidFill>
+                      <a:schemeClr val="bg1"/>
+                    </a:solidFill>
+                  </a:tcPr>
+                </a:tc>
+                <a:tc>
+                  <a:txBody>
+                    <a:bodyPr/>
+                    <a:lstStyle/>
+                    <a:p>
+                      <a:pPr algn="ctr" latinLnBrk="1"/>
+                      <a:r>
+                        <a:rPr lang="ko-KR" altLang="en-US" sz="1200" b="0">
+                          <a:solidFill>
+                            <a:schemeClr val="tx1"/>
+                          </a:solidFill>
+                          <a:latin typeface="맑은 고딕" pitchFamily="50" charset="-127"/>
+                          <a:ea typeface="맑은 고딕" pitchFamily="50" charset="-127"/>
+                        </a:rPr>
+                        <a:t>오소정</a:t>
+                      </a:r>
+                      <a:endParaRPr lang="ko-KR" altLang="en-US" sz="1200" b="0" dirty="0">
+                        <a:solidFill>
+                          <a:schemeClr val="tx1"/>
+                        </a:solidFill>
+                        <a:latin typeface="맑은 고딕" pitchFamily="50" charset="-127"/>
+                        <a:ea typeface="맑은 고딕" pitchFamily="50" charset="-127"/>
+                      </a:endParaRPr>
+                    </a:p>
+                  </a:txBody>
+                  <a:tcPr anchor="ctr">
+                    <a:solidFill>
+                      <a:schemeClr val="bg1"/>
+                    </a:solidFill>
+                  </a:tcPr>
+                </a:tc>
+                <a:extLst>
+                  <a:ext uri="{0D108BD9-81ED-4DB2-BD59-A6C34878D82A}">
+                    <a16:rowId xmlns:a16="http://schemas.microsoft.com/office/drawing/2014/main" val="569420322"/>
                   </a:ext>
                 </a:extLst>
               </a:tr>
@@ -30733,29 +30835,7 @@
                           <a:ea typeface="+mn-ea"/>
                           <a:cs typeface="+mn-cs"/>
                         </a:rPr>
-                        <a:t>- public static void main(String[] </a:t>
-                      </a:r>
-                      <a:r>
-                        <a:rPr lang="en-US" altLang="ko-KR" sz="1200" b="0" kern="1200" dirty="0" err="1">
-                          <a:solidFill>
-                            <a:schemeClr val="dk1"/>
-                          </a:solidFill>
-                          <a:latin typeface="+mn-ea"/>
-                          <a:ea typeface="+mn-ea"/>
-                          <a:cs typeface="+mn-cs"/>
-                        </a:rPr>
-                        <a:t>args</a:t>
-                      </a:r>
-                      <a:r>
-                        <a:rPr lang="en-US" altLang="ko-KR" sz="1200" b="0" kern="1200" dirty="0">
-                          <a:solidFill>
-                            <a:schemeClr val="dk1"/>
-                          </a:solidFill>
-                          <a:latin typeface="+mn-ea"/>
-                          <a:ea typeface="+mn-ea"/>
-                          <a:cs typeface="+mn-cs"/>
-                        </a:rPr>
-                        <a:t>)</a:t>
+                        <a:t>- public static void main(String[] args)</a:t>
                       </a:r>
                       <a:endParaRPr lang="ko-KR" altLang="en-US" sz="1200" b="0" baseline="0" dirty="0">
                         <a:latin typeface="+mn-ea"/>
@@ -32596,7 +32676,7 @@
           <p:nvPr>
             <p:extLst>
               <p:ext uri="{D42A27DB-BD31-4B8C-83A1-F6EECF244321}">
-                <p14:modId xmlns:p14="http://schemas.microsoft.com/office/powerpoint/2010/main" val="772654412"/>
+                <p14:modId xmlns:p14="http://schemas.microsoft.com/office/powerpoint/2010/main" val="1737442452"/>
               </p:ext>
             </p:extLst>
           </p:nvPr>
@@ -32868,7 +32948,7 @@
                         </a:spcAft>
                       </a:pPr>
                       <a:r>
-                        <a:rPr lang="ko-KR" altLang="en-US" sz="1100" b="0" kern="0" spc="0" dirty="0" err="1">
+                        <a:rPr lang="ko-KR" altLang="en-US" sz="1100" b="0" kern="0" spc="0" dirty="0">
                           <a:solidFill>
                             <a:srgbClr val="000000"/>
                           </a:solidFill>
@@ -32876,16 +32956,8 @@
                           <a:latin typeface="+mn-ea"/>
                           <a:ea typeface="+mn-ea"/>
                         </a:rPr>
-                        <a:t>콤보박스영역</a:t>
-                      </a:r>
-                      <a:endParaRPr lang="ko-KR" altLang="en-US" sz="1100" b="0" kern="0" spc="0" dirty="0">
-                        <a:solidFill>
-                          <a:srgbClr val="000000"/>
-                        </a:solidFill>
-                        <a:effectLst/>
-                        <a:latin typeface="+mn-ea"/>
-                        <a:ea typeface="+mn-ea"/>
-                      </a:endParaRPr>
+                        <a:t>콤보 박스영역</a:t>
+                      </a:r>
                     </a:p>
                   </a:txBody>
                   <a:tcPr marL="64770" marR="64770" marT="17907" marB="17907" anchor="ctr">
@@ -34998,7 +35070,13 @@
           <p:cNvGraphicFramePr>
             <a:graphicFrameLocks noGrp="1"/>
           </p:cNvGraphicFramePr>
-          <p:nvPr/>
+          <p:nvPr>
+            <p:extLst>
+              <p:ext uri="{D42A27DB-BD31-4B8C-83A1-F6EECF244321}">
+                <p14:modId xmlns:p14="http://schemas.microsoft.com/office/powerpoint/2010/main" val="2820669041"/>
+              </p:ext>
+            </p:extLst>
+          </p:nvPr>
         </p:nvGraphicFramePr>
         <p:xfrm>
           <a:off x="5257799" y="1257300"/>
@@ -35359,20 +35437,14 @@
                         </a:spcAft>
                       </a:pPr>
                       <a:r>
-                        <a:rPr lang="ko-KR" altLang="en-US" sz="1100" b="0" dirty="0" err="1">
+                        <a:rPr lang="ko-KR" altLang="en-US" sz="1100" b="0" dirty="0">
                           <a:solidFill>
                             <a:schemeClr val="tx1"/>
                           </a:solidFill>
                           <a:latin typeface="+mn-lt"/>
                         </a:rPr>
-                        <a:t>버튼명</a:t>
-                      </a:r>
-                      <a:endParaRPr lang="ko-KR" altLang="en-US" sz="1100" b="0" dirty="0">
-                        <a:solidFill>
-                          <a:schemeClr val="tx1"/>
-                        </a:solidFill>
-                        <a:latin typeface="+mn-lt"/>
-                      </a:endParaRPr>
+                        <a:t>버튼 명</a:t>
+                      </a:r>
                     </a:p>
                   </a:txBody>
                   <a:tcPr marL="64770" marR="64770" marT="17907" marB="17907" anchor="ctr">
@@ -37480,7 +37552,13 @@
           <p:cNvGraphicFramePr>
             <a:graphicFrameLocks noGrp="1"/>
           </p:cNvGraphicFramePr>
-          <p:nvPr/>
+          <p:nvPr>
+            <p:extLst>
+              <p:ext uri="{D42A27DB-BD31-4B8C-83A1-F6EECF244321}">
+                <p14:modId xmlns:p14="http://schemas.microsoft.com/office/powerpoint/2010/main" val="3093265898"/>
+              </p:ext>
+            </p:extLst>
+          </p:nvPr>
         </p:nvGraphicFramePr>
         <p:xfrm>
           <a:off x="6061745" y="1019360"/>
@@ -37813,20 +37891,14 @@
                         </a:spcAft>
                       </a:pPr>
                       <a:r>
-                        <a:rPr lang="ko-KR" altLang="en-US" sz="1100" b="0" dirty="0" err="1">
+                        <a:rPr lang="ko-KR" altLang="en-US" sz="1100" b="0" dirty="0">
                           <a:solidFill>
                             <a:schemeClr val="tx1"/>
                           </a:solidFill>
                           <a:latin typeface="+mn-lt"/>
                         </a:rPr>
-                        <a:t>버튼명</a:t>
-                      </a:r>
-                      <a:endParaRPr lang="ko-KR" altLang="en-US" sz="1100" b="0" dirty="0">
-                        <a:solidFill>
-                          <a:schemeClr val="tx1"/>
-                        </a:solidFill>
-                        <a:latin typeface="+mn-lt"/>
-                      </a:endParaRPr>
+                        <a:t>버튼 명</a:t>
+                      </a:r>
                     </a:p>
                   </a:txBody>
                   <a:tcPr marL="64770" marR="64770" marT="17907" marB="17907" anchor="ctr">
